--- a/Project_1_Superheros.pptx
+++ b/Project_1_Superheros.pptx
@@ -4,34 +4,34 @@
   <p:sldMasterIdLst>
     <p:sldMasterId id="2147483648" r:id="rId1"/>
   </p:sldMasterIdLst>
+  <p:notesMasterIdLst>
+    <p:notesMasterId r:id="rId26"/>
+  </p:notesMasterIdLst>
   <p:sldIdLst>
     <p:sldId id="256" r:id="rId2"/>
-    <p:sldId id="257" r:id="rId3"/>
-    <p:sldId id="258" r:id="rId4"/>
-    <p:sldId id="259" r:id="rId5"/>
-    <p:sldId id="260" r:id="rId6"/>
-    <p:sldId id="261" r:id="rId7"/>
-    <p:sldId id="262" r:id="rId8"/>
-    <p:sldId id="263" r:id="rId9"/>
-    <p:sldId id="264" r:id="rId10"/>
-    <p:sldId id="266" r:id="rId11"/>
-    <p:sldId id="265" r:id="rId12"/>
-    <p:sldId id="267" r:id="rId13"/>
-    <p:sldId id="276" r:id="rId14"/>
-    <p:sldId id="274" r:id="rId15"/>
-    <p:sldId id="275" r:id="rId16"/>
-    <p:sldId id="269" r:id="rId17"/>
-    <p:sldId id="273" r:id="rId18"/>
-    <p:sldId id="272" r:id="rId19"/>
-    <p:sldId id="271" r:id="rId20"/>
-    <p:sldId id="268" r:id="rId21"/>
-    <p:sldId id="277" r:id="rId22"/>
-    <p:sldId id="279" r:id="rId23"/>
-    <p:sldId id="278" r:id="rId24"/>
-    <p:sldId id="270" r:id="rId25"/>
-    <p:sldId id="280" r:id="rId26"/>
-    <p:sldId id="282" r:id="rId27"/>
-    <p:sldId id="281" r:id="rId28"/>
+    <p:sldId id="258" r:id="rId3"/>
+    <p:sldId id="259" r:id="rId4"/>
+    <p:sldId id="260" r:id="rId5"/>
+    <p:sldId id="261" r:id="rId6"/>
+    <p:sldId id="262" r:id="rId7"/>
+    <p:sldId id="263" r:id="rId8"/>
+    <p:sldId id="264" r:id="rId9"/>
+    <p:sldId id="266" r:id="rId10"/>
+    <p:sldId id="265" r:id="rId11"/>
+    <p:sldId id="267" r:id="rId12"/>
+    <p:sldId id="276" r:id="rId13"/>
+    <p:sldId id="273" r:id="rId14"/>
+    <p:sldId id="285" r:id="rId15"/>
+    <p:sldId id="284" r:id="rId16"/>
+    <p:sldId id="286" r:id="rId17"/>
+    <p:sldId id="287" r:id="rId18"/>
+    <p:sldId id="288" r:id="rId19"/>
+    <p:sldId id="291" r:id="rId20"/>
+    <p:sldId id="292" r:id="rId21"/>
+    <p:sldId id="289" r:id="rId22"/>
+    <p:sldId id="293" r:id="rId23"/>
+    <p:sldId id="290" r:id="rId24"/>
+    <p:sldId id="294" r:id="rId25"/>
   </p:sldIdLst>
   <p:sldSz cx="12192000" cy="6858000"/>
   <p:notesSz cx="6858000" cy="9144000"/>
@@ -134,8 +134,1505 @@
     <p:ext uri="{EFAFB233-063F-42B5-8137-9DF3F51BA10A}">
       <p15:sldGuideLst xmlns:p15="http://schemas.microsoft.com/office/powerpoint/2012/main"/>
     </p:ext>
+    <p:ext uri="{2D200454-40CA-4A62-9FC3-DE9A4176ACB9}">
+      <p15:notesGuideLst xmlns:p15="http://schemas.microsoft.com/office/powerpoint/2012/main"/>
+    </p:ext>
   </p:extLst>
 </p:presentation>
+</file>
+
+<file path=ppt/notesMasters/notesMaster1.xml><?xml version="1.0" encoding="utf-8"?>
+<p:notesMaster xmlns:a="http://schemas.openxmlformats.org/drawingml/2006/main" xmlns:r="http://schemas.openxmlformats.org/officeDocument/2006/relationships" xmlns:p="http://schemas.openxmlformats.org/presentationml/2006/main">
+  <p:cSld>
+    <p:bg>
+      <p:bgRef idx="1001">
+        <a:schemeClr val="bg1"/>
+      </p:bgRef>
+    </p:bg>
+    <p:spTree>
+      <p:nvGrpSpPr>
+        <p:cNvPr id="1" name=""/>
+        <p:cNvGrpSpPr/>
+        <p:nvPr/>
+      </p:nvGrpSpPr>
+      <p:grpSpPr>
+        <a:xfrm>
+          <a:off x="0" y="0"/>
+          <a:ext cx="0" cy="0"/>
+          <a:chOff x="0" y="0"/>
+          <a:chExt cx="0" cy="0"/>
+        </a:xfrm>
+      </p:grpSpPr>
+      <p:sp>
+        <p:nvSpPr>
+          <p:cNvPr id="2" name="Header Placeholder 1"/>
+          <p:cNvSpPr>
+            <a:spLocks noGrp="1"/>
+          </p:cNvSpPr>
+          <p:nvPr>
+            <p:ph type="hdr" sz="quarter"/>
+          </p:nvPr>
+        </p:nvSpPr>
+        <p:spPr>
+          <a:xfrm>
+            <a:off x="0" y="0"/>
+            <a:ext cx="2971800" cy="458788"/>
+          </a:xfrm>
+          <a:prstGeom prst="rect">
+            <a:avLst/>
+          </a:prstGeom>
+        </p:spPr>
+        <p:txBody>
+          <a:bodyPr vert="horz" lIns="91440" tIns="45720" rIns="91440" bIns="45720" rtlCol="0"/>
+          <a:lstStyle>
+            <a:lvl1pPr algn="l">
+              <a:defRPr sz="1200"/>
+            </a:lvl1pPr>
+          </a:lstStyle>
+          <a:p>
+            <a:endParaRPr lang="en-US"/>
+          </a:p>
+        </p:txBody>
+      </p:sp>
+      <p:sp>
+        <p:nvSpPr>
+          <p:cNvPr id="3" name="Date Placeholder 2"/>
+          <p:cNvSpPr>
+            <a:spLocks noGrp="1"/>
+          </p:cNvSpPr>
+          <p:nvPr>
+            <p:ph type="dt" idx="1"/>
+          </p:nvPr>
+        </p:nvSpPr>
+        <p:spPr>
+          <a:xfrm>
+            <a:off x="3884613" y="0"/>
+            <a:ext cx="2971800" cy="458788"/>
+          </a:xfrm>
+          <a:prstGeom prst="rect">
+            <a:avLst/>
+          </a:prstGeom>
+        </p:spPr>
+        <p:txBody>
+          <a:bodyPr vert="horz" lIns="91440" tIns="45720" rIns="91440" bIns="45720" rtlCol="0"/>
+          <a:lstStyle>
+            <a:lvl1pPr algn="r">
+              <a:defRPr sz="1200"/>
+            </a:lvl1pPr>
+          </a:lstStyle>
+          <a:p>
+            <a:fld id="{9C98B144-16DC-4979-9693-C525CA986809}" type="datetimeFigureOut">
+              <a:rPr lang="en-US" smtClean="0"/>
+              <a:t>4/13/2019</a:t>
+            </a:fld>
+            <a:endParaRPr lang="en-US"/>
+          </a:p>
+        </p:txBody>
+      </p:sp>
+      <p:sp>
+        <p:nvSpPr>
+          <p:cNvPr id="4" name="Slide Image Placeholder 3"/>
+          <p:cNvSpPr>
+            <a:spLocks noGrp="1" noRot="1" noChangeAspect="1"/>
+          </p:cNvSpPr>
+          <p:nvPr>
+            <p:ph type="sldImg" idx="2"/>
+          </p:nvPr>
+        </p:nvSpPr>
+        <p:spPr>
+          <a:xfrm>
+            <a:off x="685800" y="1143000"/>
+            <a:ext cx="5486400" cy="3086100"/>
+          </a:xfrm>
+          <a:prstGeom prst="rect">
+            <a:avLst/>
+          </a:prstGeom>
+          <a:noFill/>
+          <a:ln w="12700">
+            <a:solidFill>
+              <a:prstClr val="black"/>
+            </a:solidFill>
+          </a:ln>
+        </p:spPr>
+        <p:txBody>
+          <a:bodyPr vert="horz" lIns="91440" tIns="45720" rIns="91440" bIns="45720" rtlCol="0" anchor="ctr"/>
+          <a:lstStyle/>
+          <a:p>
+            <a:endParaRPr lang="en-US"/>
+          </a:p>
+        </p:txBody>
+      </p:sp>
+      <p:sp>
+        <p:nvSpPr>
+          <p:cNvPr id="5" name="Notes Placeholder 4"/>
+          <p:cNvSpPr>
+            <a:spLocks noGrp="1"/>
+          </p:cNvSpPr>
+          <p:nvPr>
+            <p:ph type="body" sz="quarter" idx="3"/>
+          </p:nvPr>
+        </p:nvSpPr>
+        <p:spPr>
+          <a:xfrm>
+            <a:off x="685800" y="4400550"/>
+            <a:ext cx="5486400" cy="3600450"/>
+          </a:xfrm>
+          <a:prstGeom prst="rect">
+            <a:avLst/>
+          </a:prstGeom>
+        </p:spPr>
+        <p:txBody>
+          <a:bodyPr vert="horz" lIns="91440" tIns="45720" rIns="91440" bIns="45720" rtlCol="0"/>
+          <a:lstStyle/>
+          <a:p>
+            <a:pPr lvl="0"/>
+            <a:r>
+              <a:rPr lang="en-US"/>
+              <a:t>Edit Master text styles</a:t>
+            </a:r>
+          </a:p>
+          <a:p>
+            <a:pPr lvl="1"/>
+            <a:r>
+              <a:rPr lang="en-US"/>
+              <a:t>Second level</a:t>
+            </a:r>
+          </a:p>
+          <a:p>
+            <a:pPr lvl="2"/>
+            <a:r>
+              <a:rPr lang="en-US"/>
+              <a:t>Third level</a:t>
+            </a:r>
+          </a:p>
+          <a:p>
+            <a:pPr lvl="3"/>
+            <a:r>
+              <a:rPr lang="en-US"/>
+              <a:t>Fourth level</a:t>
+            </a:r>
+          </a:p>
+          <a:p>
+            <a:pPr lvl="4"/>
+            <a:r>
+              <a:rPr lang="en-US"/>
+              <a:t>Fifth level</a:t>
+            </a:r>
+          </a:p>
+        </p:txBody>
+      </p:sp>
+      <p:sp>
+        <p:nvSpPr>
+          <p:cNvPr id="6" name="Footer Placeholder 5"/>
+          <p:cNvSpPr>
+            <a:spLocks noGrp="1"/>
+          </p:cNvSpPr>
+          <p:nvPr>
+            <p:ph type="ftr" sz="quarter" idx="4"/>
+          </p:nvPr>
+        </p:nvSpPr>
+        <p:spPr>
+          <a:xfrm>
+            <a:off x="0" y="8685213"/>
+            <a:ext cx="2971800" cy="458787"/>
+          </a:xfrm>
+          <a:prstGeom prst="rect">
+            <a:avLst/>
+          </a:prstGeom>
+        </p:spPr>
+        <p:txBody>
+          <a:bodyPr vert="horz" lIns="91440" tIns="45720" rIns="91440" bIns="45720" rtlCol="0" anchor="b"/>
+          <a:lstStyle>
+            <a:lvl1pPr algn="l">
+              <a:defRPr sz="1200"/>
+            </a:lvl1pPr>
+          </a:lstStyle>
+          <a:p>
+            <a:endParaRPr lang="en-US"/>
+          </a:p>
+        </p:txBody>
+      </p:sp>
+      <p:sp>
+        <p:nvSpPr>
+          <p:cNvPr id="7" name="Slide Number Placeholder 6"/>
+          <p:cNvSpPr>
+            <a:spLocks noGrp="1"/>
+          </p:cNvSpPr>
+          <p:nvPr>
+            <p:ph type="sldNum" sz="quarter" idx="5"/>
+          </p:nvPr>
+        </p:nvSpPr>
+        <p:spPr>
+          <a:xfrm>
+            <a:off x="3884613" y="8685213"/>
+            <a:ext cx="2971800" cy="458787"/>
+          </a:xfrm>
+          <a:prstGeom prst="rect">
+            <a:avLst/>
+          </a:prstGeom>
+        </p:spPr>
+        <p:txBody>
+          <a:bodyPr vert="horz" lIns="91440" tIns="45720" rIns="91440" bIns="45720" rtlCol="0" anchor="b"/>
+          <a:lstStyle>
+            <a:lvl1pPr algn="r">
+              <a:defRPr sz="1200"/>
+            </a:lvl1pPr>
+          </a:lstStyle>
+          <a:p>
+            <a:fld id="{546DA88A-8385-4F84-A597-5276C3E39C78}" type="slidenum">
+              <a:rPr lang="en-US" smtClean="0"/>
+              <a:t>‹#›</a:t>
+            </a:fld>
+            <a:endParaRPr lang="en-US"/>
+          </a:p>
+        </p:txBody>
+      </p:sp>
+    </p:spTree>
+    <p:extLst>
+      <p:ext uri="{BB962C8B-B14F-4D97-AF65-F5344CB8AC3E}">
+        <p14:creationId xmlns:p14="http://schemas.microsoft.com/office/powerpoint/2010/main" val="3894600611"/>
+      </p:ext>
+    </p:extLst>
+  </p:cSld>
+  <p:clrMap bg1="lt1" tx1="dk1" bg2="lt2" tx2="dk2" accent1="accent1" accent2="accent2" accent3="accent3" accent4="accent4" accent5="accent5" accent6="accent6" hlink="hlink" folHlink="folHlink"/>
+  <p:notesStyle>
+    <a:lvl1pPr marL="0" algn="l" defTabSz="914400" rtl="0" eaLnBrk="1" latinLnBrk="0" hangingPunct="1">
+      <a:defRPr sz="1200" kern="1200">
+        <a:solidFill>
+          <a:schemeClr val="tx1"/>
+        </a:solidFill>
+        <a:latin typeface="+mn-lt"/>
+        <a:ea typeface="+mn-ea"/>
+        <a:cs typeface="+mn-cs"/>
+      </a:defRPr>
+    </a:lvl1pPr>
+    <a:lvl2pPr marL="457200" algn="l" defTabSz="914400" rtl="0" eaLnBrk="1" latinLnBrk="0" hangingPunct="1">
+      <a:defRPr sz="1200" kern="1200">
+        <a:solidFill>
+          <a:schemeClr val="tx1"/>
+        </a:solidFill>
+        <a:latin typeface="+mn-lt"/>
+        <a:ea typeface="+mn-ea"/>
+        <a:cs typeface="+mn-cs"/>
+      </a:defRPr>
+    </a:lvl2pPr>
+    <a:lvl3pPr marL="914400" algn="l" defTabSz="914400" rtl="0" eaLnBrk="1" latinLnBrk="0" hangingPunct="1">
+      <a:defRPr sz="1200" kern="1200">
+        <a:solidFill>
+          <a:schemeClr val="tx1"/>
+        </a:solidFill>
+        <a:latin typeface="+mn-lt"/>
+        <a:ea typeface="+mn-ea"/>
+        <a:cs typeface="+mn-cs"/>
+      </a:defRPr>
+    </a:lvl3pPr>
+    <a:lvl4pPr marL="1371600" algn="l" defTabSz="914400" rtl="0" eaLnBrk="1" latinLnBrk="0" hangingPunct="1">
+      <a:defRPr sz="1200" kern="1200">
+        <a:solidFill>
+          <a:schemeClr val="tx1"/>
+        </a:solidFill>
+        <a:latin typeface="+mn-lt"/>
+        <a:ea typeface="+mn-ea"/>
+        <a:cs typeface="+mn-cs"/>
+      </a:defRPr>
+    </a:lvl4pPr>
+    <a:lvl5pPr marL="1828800" algn="l" defTabSz="914400" rtl="0" eaLnBrk="1" latinLnBrk="0" hangingPunct="1">
+      <a:defRPr sz="1200" kern="1200">
+        <a:solidFill>
+          <a:schemeClr val="tx1"/>
+        </a:solidFill>
+        <a:latin typeface="+mn-lt"/>
+        <a:ea typeface="+mn-ea"/>
+        <a:cs typeface="+mn-cs"/>
+      </a:defRPr>
+    </a:lvl5pPr>
+    <a:lvl6pPr marL="2286000" algn="l" defTabSz="914400" rtl="0" eaLnBrk="1" latinLnBrk="0" hangingPunct="1">
+      <a:defRPr sz="1200" kern="1200">
+        <a:solidFill>
+          <a:schemeClr val="tx1"/>
+        </a:solidFill>
+        <a:latin typeface="+mn-lt"/>
+        <a:ea typeface="+mn-ea"/>
+        <a:cs typeface="+mn-cs"/>
+      </a:defRPr>
+    </a:lvl6pPr>
+    <a:lvl7pPr marL="2743200" algn="l" defTabSz="914400" rtl="0" eaLnBrk="1" latinLnBrk="0" hangingPunct="1">
+      <a:defRPr sz="1200" kern="1200">
+        <a:solidFill>
+          <a:schemeClr val="tx1"/>
+        </a:solidFill>
+        <a:latin typeface="+mn-lt"/>
+        <a:ea typeface="+mn-ea"/>
+        <a:cs typeface="+mn-cs"/>
+      </a:defRPr>
+    </a:lvl7pPr>
+    <a:lvl8pPr marL="3200400" algn="l" defTabSz="914400" rtl="0" eaLnBrk="1" latinLnBrk="0" hangingPunct="1">
+      <a:defRPr sz="1200" kern="1200">
+        <a:solidFill>
+          <a:schemeClr val="tx1"/>
+        </a:solidFill>
+        <a:latin typeface="+mn-lt"/>
+        <a:ea typeface="+mn-ea"/>
+        <a:cs typeface="+mn-cs"/>
+      </a:defRPr>
+    </a:lvl8pPr>
+    <a:lvl9pPr marL="3657600" algn="l" defTabSz="914400" rtl="0" eaLnBrk="1" latinLnBrk="0" hangingPunct="1">
+      <a:defRPr sz="1200" kern="1200">
+        <a:solidFill>
+          <a:schemeClr val="tx1"/>
+        </a:solidFill>
+        <a:latin typeface="+mn-lt"/>
+        <a:ea typeface="+mn-ea"/>
+        <a:cs typeface="+mn-cs"/>
+      </a:defRPr>
+    </a:lvl9pPr>
+  </p:notesStyle>
+</p:notesMaster>
+</file>
+
+<file path=ppt/notesSlides/notesSlide1.xml><?xml version="1.0" encoding="utf-8"?>
+<p:notes xmlns:a="http://schemas.openxmlformats.org/drawingml/2006/main" xmlns:r="http://schemas.openxmlformats.org/officeDocument/2006/relationships" xmlns:p="http://schemas.openxmlformats.org/presentationml/2006/main">
+  <p:cSld>
+    <p:spTree>
+      <p:nvGrpSpPr>
+        <p:cNvPr id="1" name=""/>
+        <p:cNvGrpSpPr/>
+        <p:nvPr/>
+      </p:nvGrpSpPr>
+      <p:grpSpPr>
+        <a:xfrm>
+          <a:off x="0" y="0"/>
+          <a:ext cx="0" cy="0"/>
+          <a:chOff x="0" y="0"/>
+          <a:chExt cx="0" cy="0"/>
+        </a:xfrm>
+      </p:grpSpPr>
+      <p:sp>
+        <p:nvSpPr>
+          <p:cNvPr id="2" name="Slide Image Placeholder 1"/>
+          <p:cNvSpPr>
+            <a:spLocks noGrp="1" noRot="1" noChangeAspect="1"/>
+          </p:cNvSpPr>
+          <p:nvPr>
+            <p:ph type="sldImg"/>
+          </p:nvPr>
+        </p:nvSpPr>
+        <p:spPr/>
+      </p:sp>
+      <p:sp>
+        <p:nvSpPr>
+          <p:cNvPr id="3" name="Notes Placeholder 2"/>
+          <p:cNvSpPr>
+            <a:spLocks noGrp="1"/>
+          </p:cNvSpPr>
+          <p:nvPr>
+            <p:ph type="body" idx="1"/>
+          </p:nvPr>
+        </p:nvSpPr>
+        <p:spPr/>
+        <p:txBody>
+          <a:bodyPr/>
+          <a:lstStyle/>
+          <a:p>
+            <a:r>
+              <a:rPr lang="en-US" dirty="0"/>
+              <a:t>We did not get ratings for international</a:t>
+            </a:r>
+          </a:p>
+        </p:txBody>
+      </p:sp>
+      <p:sp>
+        <p:nvSpPr>
+          <p:cNvPr id="4" name="Slide Number Placeholder 3"/>
+          <p:cNvSpPr>
+            <a:spLocks noGrp="1"/>
+          </p:cNvSpPr>
+          <p:nvPr>
+            <p:ph type="sldNum" sz="quarter" idx="5"/>
+          </p:nvPr>
+        </p:nvSpPr>
+        <p:spPr/>
+        <p:txBody>
+          <a:bodyPr/>
+          <a:lstStyle/>
+          <a:p>
+            <a:fld id="{546DA88A-8385-4F84-A597-5276C3E39C78}" type="slidenum">
+              <a:rPr lang="en-US" smtClean="0"/>
+              <a:t>2</a:t>
+            </a:fld>
+            <a:endParaRPr lang="en-US"/>
+          </a:p>
+        </p:txBody>
+      </p:sp>
+    </p:spTree>
+    <p:extLst>
+      <p:ext uri="{BB962C8B-B14F-4D97-AF65-F5344CB8AC3E}">
+        <p14:creationId xmlns:p14="http://schemas.microsoft.com/office/powerpoint/2010/main" val="2795580768"/>
+      </p:ext>
+    </p:extLst>
+  </p:cSld>
+  <p:clrMapOvr>
+    <a:masterClrMapping/>
+  </p:clrMapOvr>
+</p:notes>
+</file>
+
+<file path=ppt/notesSlides/notesSlide10.xml><?xml version="1.0" encoding="utf-8"?>
+<p:notes xmlns:a="http://schemas.openxmlformats.org/drawingml/2006/main" xmlns:r="http://schemas.openxmlformats.org/officeDocument/2006/relationships" xmlns:p="http://schemas.openxmlformats.org/presentationml/2006/main">
+  <p:cSld>
+    <p:spTree>
+      <p:nvGrpSpPr>
+        <p:cNvPr id="1" name=""/>
+        <p:cNvGrpSpPr/>
+        <p:nvPr/>
+      </p:nvGrpSpPr>
+      <p:grpSpPr>
+        <a:xfrm>
+          <a:off x="0" y="0"/>
+          <a:ext cx="0" cy="0"/>
+          <a:chOff x="0" y="0"/>
+          <a:chExt cx="0" cy="0"/>
+        </a:xfrm>
+      </p:grpSpPr>
+      <p:sp>
+        <p:nvSpPr>
+          <p:cNvPr id="2" name="Slide Image Placeholder 1"/>
+          <p:cNvSpPr>
+            <a:spLocks noGrp="1" noRot="1" noChangeAspect="1"/>
+          </p:cNvSpPr>
+          <p:nvPr>
+            <p:ph type="sldImg"/>
+          </p:nvPr>
+        </p:nvSpPr>
+        <p:spPr/>
+      </p:sp>
+      <p:sp>
+        <p:nvSpPr>
+          <p:cNvPr id="3" name="Notes Placeholder 2"/>
+          <p:cNvSpPr>
+            <a:spLocks noGrp="1"/>
+          </p:cNvSpPr>
+          <p:nvPr>
+            <p:ph type="body" idx="1"/>
+          </p:nvPr>
+        </p:nvSpPr>
+        <p:spPr/>
+        <p:txBody>
+          <a:bodyPr/>
+          <a:lstStyle/>
+          <a:p>
+            <a:endParaRPr lang="en-US" dirty="0"/>
+          </a:p>
+        </p:txBody>
+      </p:sp>
+      <p:sp>
+        <p:nvSpPr>
+          <p:cNvPr id="4" name="Slide Number Placeholder 3"/>
+          <p:cNvSpPr>
+            <a:spLocks noGrp="1"/>
+          </p:cNvSpPr>
+          <p:nvPr>
+            <p:ph type="sldNum" sz="quarter" idx="5"/>
+          </p:nvPr>
+        </p:nvSpPr>
+        <p:spPr/>
+        <p:txBody>
+          <a:bodyPr/>
+          <a:lstStyle/>
+          <a:p>
+            <a:fld id="{546DA88A-8385-4F84-A597-5276C3E39C78}" type="slidenum">
+              <a:rPr lang="en-US" smtClean="0"/>
+              <a:t>14</a:t>
+            </a:fld>
+            <a:endParaRPr lang="en-US"/>
+          </a:p>
+        </p:txBody>
+      </p:sp>
+    </p:spTree>
+    <p:extLst>
+      <p:ext uri="{BB962C8B-B14F-4D97-AF65-F5344CB8AC3E}">
+        <p14:creationId xmlns:p14="http://schemas.microsoft.com/office/powerpoint/2010/main" val="3657868345"/>
+      </p:ext>
+    </p:extLst>
+  </p:cSld>
+  <p:clrMapOvr>
+    <a:masterClrMapping/>
+  </p:clrMapOvr>
+</p:notes>
+</file>
+
+<file path=ppt/notesSlides/notesSlide11.xml><?xml version="1.0" encoding="utf-8"?>
+<p:notes xmlns:a="http://schemas.openxmlformats.org/drawingml/2006/main" xmlns:r="http://schemas.openxmlformats.org/officeDocument/2006/relationships" xmlns:p="http://schemas.openxmlformats.org/presentationml/2006/main">
+  <p:cSld>
+    <p:spTree>
+      <p:nvGrpSpPr>
+        <p:cNvPr id="1" name=""/>
+        <p:cNvGrpSpPr/>
+        <p:nvPr/>
+      </p:nvGrpSpPr>
+      <p:grpSpPr>
+        <a:xfrm>
+          <a:off x="0" y="0"/>
+          <a:ext cx="0" cy="0"/>
+          <a:chOff x="0" y="0"/>
+          <a:chExt cx="0" cy="0"/>
+        </a:xfrm>
+      </p:grpSpPr>
+      <p:sp>
+        <p:nvSpPr>
+          <p:cNvPr id="2" name="Slide Image Placeholder 1"/>
+          <p:cNvSpPr>
+            <a:spLocks noGrp="1" noRot="1" noChangeAspect="1"/>
+          </p:cNvSpPr>
+          <p:nvPr>
+            <p:ph type="sldImg"/>
+          </p:nvPr>
+        </p:nvSpPr>
+        <p:spPr/>
+      </p:sp>
+      <p:sp>
+        <p:nvSpPr>
+          <p:cNvPr id="3" name="Notes Placeholder 2"/>
+          <p:cNvSpPr>
+            <a:spLocks noGrp="1"/>
+          </p:cNvSpPr>
+          <p:nvPr>
+            <p:ph type="body" idx="1"/>
+          </p:nvPr>
+        </p:nvSpPr>
+        <p:spPr/>
+        <p:txBody>
+          <a:bodyPr/>
+          <a:lstStyle/>
+          <a:p>
+            <a:endParaRPr lang="en-US" dirty="0"/>
+          </a:p>
+        </p:txBody>
+      </p:sp>
+      <p:sp>
+        <p:nvSpPr>
+          <p:cNvPr id="4" name="Slide Number Placeholder 3"/>
+          <p:cNvSpPr>
+            <a:spLocks noGrp="1"/>
+          </p:cNvSpPr>
+          <p:nvPr>
+            <p:ph type="sldNum" sz="quarter" idx="5"/>
+          </p:nvPr>
+        </p:nvSpPr>
+        <p:spPr/>
+        <p:txBody>
+          <a:bodyPr/>
+          <a:lstStyle/>
+          <a:p>
+            <a:fld id="{546DA88A-8385-4F84-A597-5276C3E39C78}" type="slidenum">
+              <a:rPr lang="en-US" smtClean="0"/>
+              <a:t>16</a:t>
+            </a:fld>
+            <a:endParaRPr lang="en-US"/>
+          </a:p>
+        </p:txBody>
+      </p:sp>
+    </p:spTree>
+    <p:extLst>
+      <p:ext uri="{BB962C8B-B14F-4D97-AF65-F5344CB8AC3E}">
+        <p14:creationId xmlns:p14="http://schemas.microsoft.com/office/powerpoint/2010/main" val="2556989896"/>
+      </p:ext>
+    </p:extLst>
+  </p:cSld>
+  <p:clrMapOvr>
+    <a:masterClrMapping/>
+  </p:clrMapOvr>
+</p:notes>
+</file>
+
+<file path=ppt/notesSlides/notesSlide12.xml><?xml version="1.0" encoding="utf-8"?>
+<p:notes xmlns:a="http://schemas.openxmlformats.org/drawingml/2006/main" xmlns:r="http://schemas.openxmlformats.org/officeDocument/2006/relationships" xmlns:p="http://schemas.openxmlformats.org/presentationml/2006/main">
+  <p:cSld>
+    <p:spTree>
+      <p:nvGrpSpPr>
+        <p:cNvPr id="1" name=""/>
+        <p:cNvGrpSpPr/>
+        <p:nvPr/>
+      </p:nvGrpSpPr>
+      <p:grpSpPr>
+        <a:xfrm>
+          <a:off x="0" y="0"/>
+          <a:ext cx="0" cy="0"/>
+          <a:chOff x="0" y="0"/>
+          <a:chExt cx="0" cy="0"/>
+        </a:xfrm>
+      </p:grpSpPr>
+      <p:sp>
+        <p:nvSpPr>
+          <p:cNvPr id="2" name="Slide Image Placeholder 1"/>
+          <p:cNvSpPr>
+            <a:spLocks noGrp="1" noRot="1" noChangeAspect="1"/>
+          </p:cNvSpPr>
+          <p:nvPr>
+            <p:ph type="sldImg"/>
+          </p:nvPr>
+        </p:nvSpPr>
+        <p:spPr/>
+      </p:sp>
+      <p:sp>
+        <p:nvSpPr>
+          <p:cNvPr id="3" name="Notes Placeholder 2"/>
+          <p:cNvSpPr>
+            <a:spLocks noGrp="1"/>
+          </p:cNvSpPr>
+          <p:nvPr>
+            <p:ph type="body" idx="1"/>
+          </p:nvPr>
+        </p:nvSpPr>
+        <p:spPr/>
+        <p:txBody>
+          <a:bodyPr/>
+          <a:lstStyle/>
+          <a:p>
+            <a:endParaRPr lang="en-US" dirty="0"/>
+          </a:p>
+        </p:txBody>
+      </p:sp>
+      <p:sp>
+        <p:nvSpPr>
+          <p:cNvPr id="4" name="Slide Number Placeholder 3"/>
+          <p:cNvSpPr>
+            <a:spLocks noGrp="1"/>
+          </p:cNvSpPr>
+          <p:nvPr>
+            <p:ph type="sldNum" sz="quarter" idx="5"/>
+          </p:nvPr>
+        </p:nvSpPr>
+        <p:spPr/>
+        <p:txBody>
+          <a:bodyPr/>
+          <a:lstStyle/>
+          <a:p>
+            <a:fld id="{546DA88A-8385-4F84-A597-5276C3E39C78}" type="slidenum">
+              <a:rPr lang="en-US" smtClean="0"/>
+              <a:t>17</a:t>
+            </a:fld>
+            <a:endParaRPr lang="en-US"/>
+          </a:p>
+        </p:txBody>
+      </p:sp>
+    </p:spTree>
+    <p:extLst>
+      <p:ext uri="{BB962C8B-B14F-4D97-AF65-F5344CB8AC3E}">
+        <p14:creationId xmlns:p14="http://schemas.microsoft.com/office/powerpoint/2010/main" val="1804307129"/>
+      </p:ext>
+    </p:extLst>
+  </p:cSld>
+  <p:clrMapOvr>
+    <a:masterClrMapping/>
+  </p:clrMapOvr>
+</p:notes>
+</file>
+
+<file path=ppt/notesSlides/notesSlide13.xml><?xml version="1.0" encoding="utf-8"?>
+<p:notes xmlns:a="http://schemas.openxmlformats.org/drawingml/2006/main" xmlns:r="http://schemas.openxmlformats.org/officeDocument/2006/relationships" xmlns:p="http://schemas.openxmlformats.org/presentationml/2006/main">
+  <p:cSld>
+    <p:spTree>
+      <p:nvGrpSpPr>
+        <p:cNvPr id="1" name=""/>
+        <p:cNvGrpSpPr/>
+        <p:nvPr/>
+      </p:nvGrpSpPr>
+      <p:grpSpPr>
+        <a:xfrm>
+          <a:off x="0" y="0"/>
+          <a:ext cx="0" cy="0"/>
+          <a:chOff x="0" y="0"/>
+          <a:chExt cx="0" cy="0"/>
+        </a:xfrm>
+      </p:grpSpPr>
+      <p:sp>
+        <p:nvSpPr>
+          <p:cNvPr id="2" name="Slide Image Placeholder 1"/>
+          <p:cNvSpPr>
+            <a:spLocks noGrp="1" noRot="1" noChangeAspect="1"/>
+          </p:cNvSpPr>
+          <p:nvPr>
+            <p:ph type="sldImg"/>
+          </p:nvPr>
+        </p:nvSpPr>
+        <p:spPr/>
+      </p:sp>
+      <p:sp>
+        <p:nvSpPr>
+          <p:cNvPr id="3" name="Notes Placeholder 2"/>
+          <p:cNvSpPr>
+            <a:spLocks noGrp="1"/>
+          </p:cNvSpPr>
+          <p:nvPr>
+            <p:ph type="body" idx="1"/>
+          </p:nvPr>
+        </p:nvSpPr>
+        <p:spPr/>
+        <p:txBody>
+          <a:bodyPr/>
+          <a:lstStyle/>
+          <a:p>
+            <a:endParaRPr lang="en-US" dirty="0"/>
+          </a:p>
+        </p:txBody>
+      </p:sp>
+      <p:sp>
+        <p:nvSpPr>
+          <p:cNvPr id="4" name="Slide Number Placeholder 3"/>
+          <p:cNvSpPr>
+            <a:spLocks noGrp="1"/>
+          </p:cNvSpPr>
+          <p:nvPr>
+            <p:ph type="sldNum" sz="quarter" idx="5"/>
+          </p:nvPr>
+        </p:nvSpPr>
+        <p:spPr/>
+        <p:txBody>
+          <a:bodyPr/>
+          <a:lstStyle/>
+          <a:p>
+            <a:fld id="{546DA88A-8385-4F84-A597-5276C3E39C78}" type="slidenum">
+              <a:rPr lang="en-US" smtClean="0"/>
+              <a:t>24</a:t>
+            </a:fld>
+            <a:endParaRPr lang="en-US"/>
+          </a:p>
+        </p:txBody>
+      </p:sp>
+    </p:spTree>
+    <p:extLst>
+      <p:ext uri="{BB962C8B-B14F-4D97-AF65-F5344CB8AC3E}">
+        <p14:creationId xmlns:p14="http://schemas.microsoft.com/office/powerpoint/2010/main" val="1829344978"/>
+      </p:ext>
+    </p:extLst>
+  </p:cSld>
+  <p:clrMapOvr>
+    <a:masterClrMapping/>
+  </p:clrMapOvr>
+</p:notes>
+</file>
+
+<file path=ppt/notesSlides/notesSlide2.xml><?xml version="1.0" encoding="utf-8"?>
+<p:notes xmlns:a="http://schemas.openxmlformats.org/drawingml/2006/main" xmlns:r="http://schemas.openxmlformats.org/officeDocument/2006/relationships" xmlns:p="http://schemas.openxmlformats.org/presentationml/2006/main">
+  <p:cSld>
+    <p:spTree>
+      <p:nvGrpSpPr>
+        <p:cNvPr id="1" name=""/>
+        <p:cNvGrpSpPr/>
+        <p:nvPr/>
+      </p:nvGrpSpPr>
+      <p:grpSpPr>
+        <a:xfrm>
+          <a:off x="0" y="0"/>
+          <a:ext cx="0" cy="0"/>
+          <a:chOff x="0" y="0"/>
+          <a:chExt cx="0" cy="0"/>
+        </a:xfrm>
+      </p:grpSpPr>
+      <p:sp>
+        <p:nvSpPr>
+          <p:cNvPr id="2" name="Slide Image Placeholder 1"/>
+          <p:cNvSpPr>
+            <a:spLocks noGrp="1" noRot="1" noChangeAspect="1"/>
+          </p:cNvSpPr>
+          <p:nvPr>
+            <p:ph type="sldImg"/>
+          </p:nvPr>
+        </p:nvSpPr>
+        <p:spPr/>
+      </p:sp>
+      <p:sp>
+        <p:nvSpPr>
+          <p:cNvPr id="3" name="Notes Placeholder 2"/>
+          <p:cNvSpPr>
+            <a:spLocks noGrp="1"/>
+          </p:cNvSpPr>
+          <p:nvPr>
+            <p:ph type="body" idx="1"/>
+          </p:nvPr>
+        </p:nvSpPr>
+        <p:spPr/>
+        <p:txBody>
+          <a:bodyPr/>
+          <a:lstStyle/>
+          <a:p>
+            <a:pPr marL="171450" indent="-171450">
+              <a:buFont typeface="Arial" panose="020B0604020202020204" pitchFamily="34" charset="0"/>
+              <a:buChar char="•"/>
+            </a:pPr>
+            <a:r>
+              <a:rPr lang="en-US" dirty="0"/>
+              <a:t>Pulled data from the APIs and used URLs to fill in data that was missing</a:t>
+            </a:r>
+          </a:p>
+        </p:txBody>
+      </p:sp>
+      <p:sp>
+        <p:nvSpPr>
+          <p:cNvPr id="4" name="Slide Number Placeholder 3"/>
+          <p:cNvSpPr>
+            <a:spLocks noGrp="1"/>
+          </p:cNvSpPr>
+          <p:nvPr>
+            <p:ph type="sldNum" sz="quarter" idx="5"/>
+          </p:nvPr>
+        </p:nvSpPr>
+        <p:spPr/>
+        <p:txBody>
+          <a:bodyPr/>
+          <a:lstStyle/>
+          <a:p>
+            <a:fld id="{546DA88A-8385-4F84-A597-5276C3E39C78}" type="slidenum">
+              <a:rPr lang="en-US" smtClean="0"/>
+              <a:t>4</a:t>
+            </a:fld>
+            <a:endParaRPr lang="en-US"/>
+          </a:p>
+        </p:txBody>
+      </p:sp>
+    </p:spTree>
+    <p:extLst>
+      <p:ext uri="{BB962C8B-B14F-4D97-AF65-F5344CB8AC3E}">
+        <p14:creationId xmlns:p14="http://schemas.microsoft.com/office/powerpoint/2010/main" val="101411337"/>
+      </p:ext>
+    </p:extLst>
+  </p:cSld>
+  <p:clrMapOvr>
+    <a:masterClrMapping/>
+  </p:clrMapOvr>
+</p:notes>
+</file>
+
+<file path=ppt/notesSlides/notesSlide3.xml><?xml version="1.0" encoding="utf-8"?>
+<p:notes xmlns:a="http://schemas.openxmlformats.org/drawingml/2006/main" xmlns:r="http://schemas.openxmlformats.org/officeDocument/2006/relationships" xmlns:p="http://schemas.openxmlformats.org/presentationml/2006/main">
+  <p:cSld>
+    <p:spTree>
+      <p:nvGrpSpPr>
+        <p:cNvPr id="1" name=""/>
+        <p:cNvGrpSpPr/>
+        <p:nvPr/>
+      </p:nvGrpSpPr>
+      <p:grpSpPr>
+        <a:xfrm>
+          <a:off x="0" y="0"/>
+          <a:ext cx="0" cy="0"/>
+          <a:chOff x="0" y="0"/>
+          <a:chExt cx="0" cy="0"/>
+        </a:xfrm>
+      </p:grpSpPr>
+      <p:sp>
+        <p:nvSpPr>
+          <p:cNvPr id="2" name="Slide Image Placeholder 1"/>
+          <p:cNvSpPr>
+            <a:spLocks noGrp="1" noRot="1" noChangeAspect="1"/>
+          </p:cNvSpPr>
+          <p:nvPr>
+            <p:ph type="sldImg"/>
+          </p:nvPr>
+        </p:nvSpPr>
+        <p:spPr/>
+      </p:sp>
+      <p:sp>
+        <p:nvSpPr>
+          <p:cNvPr id="3" name="Notes Placeholder 2"/>
+          <p:cNvSpPr>
+            <a:spLocks noGrp="1"/>
+          </p:cNvSpPr>
+          <p:nvPr>
+            <p:ph type="body" idx="1"/>
+          </p:nvPr>
+        </p:nvSpPr>
+        <p:spPr/>
+        <p:txBody>
+          <a:bodyPr/>
+          <a:lstStyle/>
+          <a:p>
+            <a:pPr marL="171450" indent="-171450">
+              <a:buFont typeface="Arial" panose="020B0604020202020204" pitchFamily="34" charset="0"/>
+              <a:buChar char="•"/>
+            </a:pPr>
+            <a:r>
+              <a:rPr lang="en-US" sz="1600" dirty="0"/>
+              <a:t>Top 5 movies: Dark Knight, Black Panther, Dark Knight Rises, Iron Man 3, Wonder Woman</a:t>
+            </a:r>
+          </a:p>
+          <a:p>
+            <a:pPr marL="171450" indent="-171450">
+              <a:buFont typeface="Arial" panose="020B0604020202020204" pitchFamily="34" charset="0"/>
+              <a:buChar char="•"/>
+            </a:pPr>
+            <a:r>
+              <a:rPr lang="en-US" sz="1600" dirty="0"/>
+              <a:t>Two of the 5 top movies had minority leads </a:t>
+            </a:r>
+          </a:p>
+          <a:p>
+            <a:endParaRPr lang="en-US" dirty="0"/>
+          </a:p>
+        </p:txBody>
+      </p:sp>
+      <p:sp>
+        <p:nvSpPr>
+          <p:cNvPr id="4" name="Slide Number Placeholder 3"/>
+          <p:cNvSpPr>
+            <a:spLocks noGrp="1"/>
+          </p:cNvSpPr>
+          <p:nvPr>
+            <p:ph type="sldNum" sz="quarter" idx="5"/>
+          </p:nvPr>
+        </p:nvSpPr>
+        <p:spPr/>
+        <p:txBody>
+          <a:bodyPr/>
+          <a:lstStyle/>
+          <a:p>
+            <a:fld id="{546DA88A-8385-4F84-A597-5276C3E39C78}" type="slidenum">
+              <a:rPr lang="en-US" smtClean="0"/>
+              <a:t>6</a:t>
+            </a:fld>
+            <a:endParaRPr lang="en-US"/>
+          </a:p>
+        </p:txBody>
+      </p:sp>
+    </p:spTree>
+    <p:extLst>
+      <p:ext uri="{BB962C8B-B14F-4D97-AF65-F5344CB8AC3E}">
+        <p14:creationId xmlns:p14="http://schemas.microsoft.com/office/powerpoint/2010/main" val="1694266965"/>
+      </p:ext>
+    </p:extLst>
+  </p:cSld>
+  <p:clrMapOvr>
+    <a:masterClrMapping/>
+  </p:clrMapOvr>
+</p:notes>
+</file>
+
+<file path=ppt/notesSlides/notesSlide4.xml><?xml version="1.0" encoding="utf-8"?>
+<p:notes xmlns:a="http://schemas.openxmlformats.org/drawingml/2006/main" xmlns:r="http://schemas.openxmlformats.org/officeDocument/2006/relationships" xmlns:p="http://schemas.openxmlformats.org/presentationml/2006/main">
+  <p:cSld>
+    <p:spTree>
+      <p:nvGrpSpPr>
+        <p:cNvPr id="1" name=""/>
+        <p:cNvGrpSpPr/>
+        <p:nvPr/>
+      </p:nvGrpSpPr>
+      <p:grpSpPr>
+        <a:xfrm>
+          <a:off x="0" y="0"/>
+          <a:ext cx="0" cy="0"/>
+          <a:chOff x="0" y="0"/>
+          <a:chExt cx="0" cy="0"/>
+        </a:xfrm>
+      </p:grpSpPr>
+      <p:sp>
+        <p:nvSpPr>
+          <p:cNvPr id="2" name="Slide Image Placeholder 1"/>
+          <p:cNvSpPr>
+            <a:spLocks noGrp="1" noRot="1" noChangeAspect="1"/>
+          </p:cNvSpPr>
+          <p:nvPr>
+            <p:ph type="sldImg"/>
+          </p:nvPr>
+        </p:nvSpPr>
+        <p:spPr/>
+      </p:sp>
+      <p:sp>
+        <p:nvSpPr>
+          <p:cNvPr id="3" name="Notes Placeholder 2"/>
+          <p:cNvSpPr>
+            <a:spLocks noGrp="1"/>
+          </p:cNvSpPr>
+          <p:nvPr>
+            <p:ph type="body" idx="1"/>
+          </p:nvPr>
+        </p:nvSpPr>
+        <p:spPr/>
+        <p:txBody>
+          <a:bodyPr/>
+          <a:lstStyle/>
+          <a:p>
+            <a:pPr marL="171450" indent="-171450">
+              <a:buFont typeface="Arial" panose="020B0604020202020204" pitchFamily="34" charset="0"/>
+              <a:buChar char="•"/>
+            </a:pPr>
+            <a:r>
+              <a:rPr lang="en-US" dirty="0"/>
+              <a:t>Top 5 movies: Dark Knight, Dark Knight Rises, Logan, Deadpool, Iron Man</a:t>
+            </a:r>
+          </a:p>
+          <a:p>
+            <a:pPr marL="171450" indent="-171450">
+              <a:buFont typeface="Arial" panose="020B0604020202020204" pitchFamily="34" charset="0"/>
+              <a:buChar char="•"/>
+            </a:pPr>
+            <a:endParaRPr lang="en-US" dirty="0"/>
+          </a:p>
+        </p:txBody>
+      </p:sp>
+      <p:sp>
+        <p:nvSpPr>
+          <p:cNvPr id="4" name="Slide Number Placeholder 3"/>
+          <p:cNvSpPr>
+            <a:spLocks noGrp="1"/>
+          </p:cNvSpPr>
+          <p:nvPr>
+            <p:ph type="sldNum" sz="quarter" idx="5"/>
+          </p:nvPr>
+        </p:nvSpPr>
+        <p:spPr/>
+        <p:txBody>
+          <a:bodyPr/>
+          <a:lstStyle/>
+          <a:p>
+            <a:fld id="{546DA88A-8385-4F84-A597-5276C3E39C78}" type="slidenum">
+              <a:rPr lang="en-US" smtClean="0"/>
+              <a:t>7</a:t>
+            </a:fld>
+            <a:endParaRPr lang="en-US"/>
+          </a:p>
+        </p:txBody>
+      </p:sp>
+    </p:spTree>
+    <p:extLst>
+      <p:ext uri="{BB962C8B-B14F-4D97-AF65-F5344CB8AC3E}">
+        <p14:creationId xmlns:p14="http://schemas.microsoft.com/office/powerpoint/2010/main" val="566919569"/>
+      </p:ext>
+    </p:extLst>
+  </p:cSld>
+  <p:clrMapOvr>
+    <a:masterClrMapping/>
+  </p:clrMapOvr>
+</p:notes>
+</file>
+
+<file path=ppt/notesSlides/notesSlide5.xml><?xml version="1.0" encoding="utf-8"?>
+<p:notes xmlns:a="http://schemas.openxmlformats.org/drawingml/2006/main" xmlns:r="http://schemas.openxmlformats.org/officeDocument/2006/relationships" xmlns:p="http://schemas.openxmlformats.org/presentationml/2006/main">
+  <p:cSld>
+    <p:spTree>
+      <p:nvGrpSpPr>
+        <p:cNvPr id="1" name=""/>
+        <p:cNvGrpSpPr/>
+        <p:nvPr/>
+      </p:nvGrpSpPr>
+      <p:grpSpPr>
+        <a:xfrm>
+          <a:off x="0" y="0"/>
+          <a:ext cx="0" cy="0"/>
+          <a:chOff x="0" y="0"/>
+          <a:chExt cx="0" cy="0"/>
+        </a:xfrm>
+      </p:grpSpPr>
+      <p:sp>
+        <p:nvSpPr>
+          <p:cNvPr id="2" name="Slide Image Placeholder 1"/>
+          <p:cNvSpPr>
+            <a:spLocks noGrp="1" noRot="1" noChangeAspect="1"/>
+          </p:cNvSpPr>
+          <p:nvPr>
+            <p:ph type="sldImg"/>
+          </p:nvPr>
+        </p:nvSpPr>
+        <p:spPr/>
+      </p:sp>
+      <p:sp>
+        <p:nvSpPr>
+          <p:cNvPr id="3" name="Notes Placeholder 2"/>
+          <p:cNvSpPr>
+            <a:spLocks noGrp="1"/>
+          </p:cNvSpPr>
+          <p:nvPr>
+            <p:ph type="body" idx="1"/>
+          </p:nvPr>
+        </p:nvSpPr>
+        <p:spPr/>
+        <p:txBody>
+          <a:bodyPr/>
+          <a:lstStyle/>
+          <a:p>
+            <a:endParaRPr lang="en-US" dirty="0"/>
+          </a:p>
+        </p:txBody>
+      </p:sp>
+      <p:sp>
+        <p:nvSpPr>
+          <p:cNvPr id="4" name="Slide Number Placeholder 3"/>
+          <p:cNvSpPr>
+            <a:spLocks noGrp="1"/>
+          </p:cNvSpPr>
+          <p:nvPr>
+            <p:ph type="sldNum" sz="quarter" idx="5"/>
+          </p:nvPr>
+        </p:nvSpPr>
+        <p:spPr/>
+        <p:txBody>
+          <a:bodyPr/>
+          <a:lstStyle/>
+          <a:p>
+            <a:fld id="{546DA88A-8385-4F84-A597-5276C3E39C78}" type="slidenum">
+              <a:rPr lang="en-US" smtClean="0"/>
+              <a:t>8</a:t>
+            </a:fld>
+            <a:endParaRPr lang="en-US"/>
+          </a:p>
+        </p:txBody>
+      </p:sp>
+    </p:spTree>
+    <p:extLst>
+      <p:ext uri="{BB962C8B-B14F-4D97-AF65-F5344CB8AC3E}">
+        <p14:creationId xmlns:p14="http://schemas.microsoft.com/office/powerpoint/2010/main" val="218865143"/>
+      </p:ext>
+    </p:extLst>
+  </p:cSld>
+  <p:clrMapOvr>
+    <a:masterClrMapping/>
+  </p:clrMapOvr>
+</p:notes>
+</file>
+
+<file path=ppt/notesSlides/notesSlide6.xml><?xml version="1.0" encoding="utf-8"?>
+<p:notes xmlns:a="http://schemas.openxmlformats.org/drawingml/2006/main" xmlns:r="http://schemas.openxmlformats.org/officeDocument/2006/relationships" xmlns:p="http://schemas.openxmlformats.org/presentationml/2006/main">
+  <p:cSld>
+    <p:spTree>
+      <p:nvGrpSpPr>
+        <p:cNvPr id="1" name=""/>
+        <p:cNvGrpSpPr/>
+        <p:nvPr/>
+      </p:nvGrpSpPr>
+      <p:grpSpPr>
+        <a:xfrm>
+          <a:off x="0" y="0"/>
+          <a:ext cx="0" cy="0"/>
+          <a:chOff x="0" y="0"/>
+          <a:chExt cx="0" cy="0"/>
+        </a:xfrm>
+      </p:grpSpPr>
+      <p:sp>
+        <p:nvSpPr>
+          <p:cNvPr id="2" name="Slide Image Placeholder 1"/>
+          <p:cNvSpPr>
+            <a:spLocks noGrp="1" noRot="1" noChangeAspect="1"/>
+          </p:cNvSpPr>
+          <p:nvPr>
+            <p:ph type="sldImg"/>
+          </p:nvPr>
+        </p:nvSpPr>
+        <p:spPr/>
+      </p:sp>
+      <p:sp>
+        <p:nvSpPr>
+          <p:cNvPr id="3" name="Notes Placeholder 2"/>
+          <p:cNvSpPr>
+            <a:spLocks noGrp="1"/>
+          </p:cNvSpPr>
+          <p:nvPr>
+            <p:ph type="body" idx="1"/>
+          </p:nvPr>
+        </p:nvSpPr>
+        <p:spPr/>
+        <p:txBody>
+          <a:bodyPr/>
+          <a:lstStyle/>
+          <a:p>
+            <a:r>
+              <a:rPr lang="en-US" dirty="0"/>
+              <a:t>Top 5: Batman, Black Panther, Wonder Woman, Iron Man, Captain Marvel</a:t>
+            </a:r>
+          </a:p>
+        </p:txBody>
+      </p:sp>
+      <p:sp>
+        <p:nvSpPr>
+          <p:cNvPr id="4" name="Slide Number Placeholder 3"/>
+          <p:cNvSpPr>
+            <a:spLocks noGrp="1"/>
+          </p:cNvSpPr>
+          <p:nvPr>
+            <p:ph type="sldNum" sz="quarter" idx="5"/>
+          </p:nvPr>
+        </p:nvSpPr>
+        <p:spPr/>
+        <p:txBody>
+          <a:bodyPr/>
+          <a:lstStyle/>
+          <a:p>
+            <a:fld id="{546DA88A-8385-4F84-A597-5276C3E39C78}" type="slidenum">
+              <a:rPr lang="en-US" smtClean="0"/>
+              <a:t>9</a:t>
+            </a:fld>
+            <a:endParaRPr lang="en-US"/>
+          </a:p>
+        </p:txBody>
+      </p:sp>
+    </p:spTree>
+    <p:extLst>
+      <p:ext uri="{BB962C8B-B14F-4D97-AF65-F5344CB8AC3E}">
+        <p14:creationId xmlns:p14="http://schemas.microsoft.com/office/powerpoint/2010/main" val="1529014043"/>
+      </p:ext>
+    </p:extLst>
+  </p:cSld>
+  <p:clrMapOvr>
+    <a:masterClrMapping/>
+  </p:clrMapOvr>
+</p:notes>
+</file>
+
+<file path=ppt/notesSlides/notesSlide7.xml><?xml version="1.0" encoding="utf-8"?>
+<p:notes xmlns:a="http://schemas.openxmlformats.org/drawingml/2006/main" xmlns:r="http://schemas.openxmlformats.org/officeDocument/2006/relationships" xmlns:p="http://schemas.openxmlformats.org/presentationml/2006/main">
+  <p:cSld>
+    <p:spTree>
+      <p:nvGrpSpPr>
+        <p:cNvPr id="1" name=""/>
+        <p:cNvGrpSpPr/>
+        <p:nvPr/>
+      </p:nvGrpSpPr>
+      <p:grpSpPr>
+        <a:xfrm>
+          <a:off x="0" y="0"/>
+          <a:ext cx="0" cy="0"/>
+          <a:chOff x="0" y="0"/>
+          <a:chExt cx="0" cy="0"/>
+        </a:xfrm>
+      </p:grpSpPr>
+      <p:sp>
+        <p:nvSpPr>
+          <p:cNvPr id="2" name="Slide Image Placeholder 1"/>
+          <p:cNvSpPr>
+            <a:spLocks noGrp="1" noRot="1" noChangeAspect="1"/>
+          </p:cNvSpPr>
+          <p:nvPr>
+            <p:ph type="sldImg"/>
+          </p:nvPr>
+        </p:nvSpPr>
+        <p:spPr/>
+      </p:sp>
+      <p:sp>
+        <p:nvSpPr>
+          <p:cNvPr id="3" name="Notes Placeholder 2"/>
+          <p:cNvSpPr>
+            <a:spLocks noGrp="1"/>
+          </p:cNvSpPr>
+          <p:nvPr>
+            <p:ph type="body" idx="1"/>
+          </p:nvPr>
+        </p:nvSpPr>
+        <p:spPr/>
+        <p:txBody>
+          <a:bodyPr/>
+          <a:lstStyle/>
+          <a:p>
+            <a:r>
+              <a:rPr lang="en-US" dirty="0"/>
+              <a:t>Top 5: Batman, Deadpool, Wonder Woman, Doctor Strange, Iron Man</a:t>
+            </a:r>
+          </a:p>
+        </p:txBody>
+      </p:sp>
+      <p:sp>
+        <p:nvSpPr>
+          <p:cNvPr id="4" name="Slide Number Placeholder 3"/>
+          <p:cNvSpPr>
+            <a:spLocks noGrp="1"/>
+          </p:cNvSpPr>
+          <p:nvPr>
+            <p:ph type="sldNum" sz="quarter" idx="5"/>
+          </p:nvPr>
+        </p:nvSpPr>
+        <p:spPr/>
+        <p:txBody>
+          <a:bodyPr/>
+          <a:lstStyle/>
+          <a:p>
+            <a:fld id="{546DA88A-8385-4F84-A597-5276C3E39C78}" type="slidenum">
+              <a:rPr lang="en-US" smtClean="0"/>
+              <a:t>10</a:t>
+            </a:fld>
+            <a:endParaRPr lang="en-US"/>
+          </a:p>
+        </p:txBody>
+      </p:sp>
+    </p:spTree>
+    <p:extLst>
+      <p:ext uri="{BB962C8B-B14F-4D97-AF65-F5344CB8AC3E}">
+        <p14:creationId xmlns:p14="http://schemas.microsoft.com/office/powerpoint/2010/main" val="1872422297"/>
+      </p:ext>
+    </p:extLst>
+  </p:cSld>
+  <p:clrMapOvr>
+    <a:masterClrMapping/>
+  </p:clrMapOvr>
+</p:notes>
+</file>
+
+<file path=ppt/notesSlides/notesSlide8.xml><?xml version="1.0" encoding="utf-8"?>
+<p:notes xmlns:a="http://schemas.openxmlformats.org/drawingml/2006/main" xmlns:r="http://schemas.openxmlformats.org/officeDocument/2006/relationships" xmlns:p="http://schemas.openxmlformats.org/presentationml/2006/main">
+  <p:cSld>
+    <p:spTree>
+      <p:nvGrpSpPr>
+        <p:cNvPr id="1" name=""/>
+        <p:cNvGrpSpPr/>
+        <p:nvPr/>
+      </p:nvGrpSpPr>
+      <p:grpSpPr>
+        <a:xfrm>
+          <a:off x="0" y="0"/>
+          <a:ext cx="0" cy="0"/>
+          <a:chOff x="0" y="0"/>
+          <a:chExt cx="0" cy="0"/>
+        </a:xfrm>
+      </p:grpSpPr>
+      <p:sp>
+        <p:nvSpPr>
+          <p:cNvPr id="2" name="Slide Image Placeholder 1"/>
+          <p:cNvSpPr>
+            <a:spLocks noGrp="1" noRot="1" noChangeAspect="1"/>
+          </p:cNvSpPr>
+          <p:nvPr>
+            <p:ph type="sldImg"/>
+          </p:nvPr>
+        </p:nvSpPr>
+        <p:spPr/>
+      </p:sp>
+      <p:sp>
+        <p:nvSpPr>
+          <p:cNvPr id="3" name="Notes Placeholder 2"/>
+          <p:cNvSpPr>
+            <a:spLocks noGrp="1"/>
+          </p:cNvSpPr>
+          <p:nvPr>
+            <p:ph type="body" idx="1"/>
+          </p:nvPr>
+        </p:nvSpPr>
+        <p:spPr/>
+        <p:txBody>
+          <a:bodyPr/>
+          <a:lstStyle/>
+          <a:p>
+            <a:r>
+              <a:rPr lang="en-US" dirty="0"/>
+              <a:t>Only 2 of the 31 movies had women leads</a:t>
+            </a:r>
+          </a:p>
+        </p:txBody>
+      </p:sp>
+      <p:sp>
+        <p:nvSpPr>
+          <p:cNvPr id="4" name="Slide Number Placeholder 3"/>
+          <p:cNvSpPr>
+            <a:spLocks noGrp="1"/>
+          </p:cNvSpPr>
+          <p:nvPr>
+            <p:ph type="sldNum" sz="quarter" idx="5"/>
+          </p:nvPr>
+        </p:nvSpPr>
+        <p:spPr/>
+        <p:txBody>
+          <a:bodyPr/>
+          <a:lstStyle/>
+          <a:p>
+            <a:fld id="{546DA88A-8385-4F84-A597-5276C3E39C78}" type="slidenum">
+              <a:rPr lang="en-US" smtClean="0"/>
+              <a:t>12</a:t>
+            </a:fld>
+            <a:endParaRPr lang="en-US"/>
+          </a:p>
+        </p:txBody>
+      </p:sp>
+    </p:spTree>
+    <p:extLst>
+      <p:ext uri="{BB962C8B-B14F-4D97-AF65-F5344CB8AC3E}">
+        <p14:creationId xmlns:p14="http://schemas.microsoft.com/office/powerpoint/2010/main" val="2268533184"/>
+      </p:ext>
+    </p:extLst>
+  </p:cSld>
+  <p:clrMapOvr>
+    <a:masterClrMapping/>
+  </p:clrMapOvr>
+</p:notes>
+</file>
+
+<file path=ppt/notesSlides/notesSlide9.xml><?xml version="1.0" encoding="utf-8"?>
+<p:notes xmlns:a="http://schemas.openxmlformats.org/drawingml/2006/main" xmlns:r="http://schemas.openxmlformats.org/officeDocument/2006/relationships" xmlns:p="http://schemas.openxmlformats.org/presentationml/2006/main">
+  <p:cSld>
+    <p:spTree>
+      <p:nvGrpSpPr>
+        <p:cNvPr id="1" name=""/>
+        <p:cNvGrpSpPr/>
+        <p:nvPr/>
+      </p:nvGrpSpPr>
+      <p:grpSpPr>
+        <a:xfrm>
+          <a:off x="0" y="0"/>
+          <a:ext cx="0" cy="0"/>
+          <a:chOff x="0" y="0"/>
+          <a:chExt cx="0" cy="0"/>
+        </a:xfrm>
+      </p:grpSpPr>
+      <p:sp>
+        <p:nvSpPr>
+          <p:cNvPr id="2" name="Slide Image Placeholder 1"/>
+          <p:cNvSpPr>
+            <a:spLocks noGrp="1" noRot="1" noChangeAspect="1"/>
+          </p:cNvSpPr>
+          <p:nvPr>
+            <p:ph type="sldImg"/>
+          </p:nvPr>
+        </p:nvSpPr>
+        <p:spPr/>
+      </p:sp>
+      <p:sp>
+        <p:nvSpPr>
+          <p:cNvPr id="3" name="Notes Placeholder 2"/>
+          <p:cNvSpPr>
+            <a:spLocks noGrp="1"/>
+          </p:cNvSpPr>
+          <p:nvPr>
+            <p:ph type="body" idx="1"/>
+          </p:nvPr>
+        </p:nvSpPr>
+        <p:spPr/>
+        <p:txBody>
+          <a:bodyPr/>
+          <a:lstStyle/>
+          <a:p>
+            <a:endParaRPr lang="en-US" dirty="0"/>
+          </a:p>
+        </p:txBody>
+      </p:sp>
+      <p:sp>
+        <p:nvSpPr>
+          <p:cNvPr id="4" name="Slide Number Placeholder 3"/>
+          <p:cNvSpPr>
+            <a:spLocks noGrp="1"/>
+          </p:cNvSpPr>
+          <p:nvPr>
+            <p:ph type="sldNum" sz="quarter" idx="5"/>
+          </p:nvPr>
+        </p:nvSpPr>
+        <p:spPr/>
+        <p:txBody>
+          <a:bodyPr/>
+          <a:lstStyle/>
+          <a:p>
+            <a:fld id="{546DA88A-8385-4F84-A597-5276C3E39C78}" type="slidenum">
+              <a:rPr lang="en-US" smtClean="0"/>
+              <a:t>13</a:t>
+            </a:fld>
+            <a:endParaRPr lang="en-US"/>
+          </a:p>
+        </p:txBody>
+      </p:sp>
+    </p:spTree>
+    <p:extLst>
+      <p:ext uri="{BB962C8B-B14F-4D97-AF65-F5344CB8AC3E}">
+        <p14:creationId xmlns:p14="http://schemas.microsoft.com/office/powerpoint/2010/main" val="2717320629"/>
+      </p:ext>
+    </p:extLst>
+  </p:cSld>
+  <p:clrMapOvr>
+    <a:masterClrMapping/>
+  </p:clrMapOvr>
+</p:notes>
 </file>
 
 <file path=ppt/slideLayouts/slideLayout1.xml><?xml version="1.0" encoding="utf-8"?>
@@ -2771,9 +4268,32 @@
 <p:sldMaster xmlns:a="http://schemas.openxmlformats.org/drawingml/2006/main" xmlns:r="http://schemas.openxmlformats.org/officeDocument/2006/relationships" xmlns:p="http://schemas.openxmlformats.org/presentationml/2006/main">
   <p:cSld>
     <p:bg>
-      <p:bgRef idx="1001">
-        <a:schemeClr val="bg1"/>
-      </p:bgRef>
+      <p:bgPr>
+        <a:gradFill flip="none" rotWithShape="1">
+          <a:gsLst>
+            <a:gs pos="0">
+              <a:schemeClr val="accent3">
+                <a:lumMod val="67000"/>
+              </a:schemeClr>
+            </a:gs>
+            <a:gs pos="48000">
+              <a:schemeClr val="accent3">
+                <a:lumMod val="97000"/>
+                <a:lumOff val="3000"/>
+              </a:schemeClr>
+            </a:gs>
+            <a:gs pos="78000">
+              <a:schemeClr val="accent3">
+                <a:lumMod val="60000"/>
+                <a:lumOff val="40000"/>
+              </a:schemeClr>
+            </a:gs>
+          </a:gsLst>
+          <a:lin ang="16200000" scaled="1"/>
+          <a:tileRect/>
+        </a:gradFill>
+        <a:effectLst/>
+      </p:bgPr>
     </p:bg>
     <p:spTree>
       <p:nvGrpSpPr>
@@ -3408,12 +4928,31 @@
         </p:nvSpPr>
         <p:spPr/>
         <p:txBody>
-          <a:bodyPr/>
-          <a:lstStyle/>
-          <a:p>
-            <a:r>
-              <a:rPr lang="en-US" dirty="0"/>
+          <a:bodyPr>
+            <a:normAutofit/>
+          </a:bodyPr>
+          <a:lstStyle/>
+          <a:p>
+            <a:endParaRPr lang="en-US" dirty="0"/>
+          </a:p>
+          <a:p>
+            <a:r>
+              <a:rPr lang="en-US" dirty="0">
+                <a:solidFill>
+                  <a:srgbClr val="3333CC"/>
+                </a:solidFill>
+              </a:rPr>
               <a:t>Team Aurora Marvels</a:t>
+            </a:r>
+          </a:p>
+          <a:p>
+            <a:r>
+              <a:rPr lang="en-US" dirty="0">
+                <a:solidFill>
+                  <a:srgbClr val="3333CC"/>
+                </a:solidFill>
+              </a:rPr>
+              <a:t>Carrie, Farai,  James, Ryan, Shirley</a:t>
             </a:r>
           </a:p>
         </p:txBody>
@@ -3453,7 +4992,7 @@
           <p:cNvPr id="2" name="Title 1">
             <a:extLst>
               <a:ext uri="{FF2B5EF4-FFF2-40B4-BE49-F238E27FC236}">
-                <a16:creationId xmlns:a16="http://schemas.microsoft.com/office/drawing/2014/main" id="{43FB5F5F-3BA8-450F-AF65-6B27EA2EF43B}"/>
+                <a16:creationId xmlns:a16="http://schemas.microsoft.com/office/drawing/2014/main" id="{72C27864-1F5E-4B85-AF6F-34994D9283E7}"/>
               </a:ext>
             </a:extLst>
           </p:cNvPr>
@@ -3469,7 +5008,10 @@
           <a:bodyPr/>
           <a:lstStyle/>
           <a:p>
-            <a:endParaRPr lang="en-US"/>
+            <a:r>
+              <a:rPr lang="en-US" dirty="0"/>
+              <a:t>Average Rotten Tomatoes Rating by Superhero</a:t>
+            </a:r>
           </a:p>
         </p:txBody>
       </p:sp>
@@ -3478,7 +5020,7 @@
           <p:cNvPr id="5" name="Content Placeholder 4">
             <a:extLst>
               <a:ext uri="{FF2B5EF4-FFF2-40B4-BE49-F238E27FC236}">
-                <a16:creationId xmlns:a16="http://schemas.microsoft.com/office/drawing/2014/main" id="{9347F85A-3E04-494C-9326-64F864E7BABE}"/>
+                <a16:creationId xmlns:a16="http://schemas.microsoft.com/office/drawing/2014/main" id="{E77F337D-ED56-4E25-8E1B-2AE52101C51E}"/>
               </a:ext>
             </a:extLst>
           </p:cNvPr>
@@ -3490,7 +5032,7 @@
           </p:nvPr>
         </p:nvPicPr>
         <p:blipFill>
-          <a:blip r:embed="rId2">
+          <a:blip r:embed="rId3">
             <a:extLst>
               <a:ext uri="{28A0092B-C50C-407E-A947-70E740481C1C}">
                 <a14:useLocalDpi xmlns:a14="http://schemas.microsoft.com/office/drawing/2010/main" val="0"/>
@@ -3511,7 +5053,7 @@
     </p:spTree>
     <p:extLst>
       <p:ext uri="{BB962C8B-B14F-4D97-AF65-F5344CB8AC3E}">
-        <p14:creationId xmlns:p14="http://schemas.microsoft.com/office/powerpoint/2010/main" val="503759757"/>
+        <p14:creationId xmlns:p14="http://schemas.microsoft.com/office/powerpoint/2010/main" val="2707671831"/>
       </p:ext>
     </p:extLst>
   </p:cSld>
@@ -3543,7 +5085,7 @@
           <p:cNvPr id="2" name="Title 1">
             <a:extLst>
               <a:ext uri="{FF2B5EF4-FFF2-40B4-BE49-F238E27FC236}">
-                <a16:creationId xmlns:a16="http://schemas.microsoft.com/office/drawing/2014/main" id="{72C27864-1F5E-4B85-AF6F-34994D9283E7}"/>
+                <a16:creationId xmlns:a16="http://schemas.microsoft.com/office/drawing/2014/main" id="{3E4D80B9-17A5-4E71-A712-D94FE99AAF96}"/>
               </a:ext>
             </a:extLst>
           </p:cNvPr>
@@ -3559,49 +5101,74 @@
           <a:bodyPr/>
           <a:lstStyle/>
           <a:p>
-            <a:endParaRPr lang="en-US"/>
-          </a:p>
-        </p:txBody>
-      </p:sp>
-      <p:pic>
-        <p:nvPicPr>
-          <p:cNvPr id="5" name="Content Placeholder 4">
-            <a:extLst>
-              <a:ext uri="{FF2B5EF4-FFF2-40B4-BE49-F238E27FC236}">
-                <a16:creationId xmlns:a16="http://schemas.microsoft.com/office/drawing/2014/main" id="{E77F337D-ED56-4E25-8E1B-2AE52101C51E}"/>
-              </a:ext>
-            </a:extLst>
-          </p:cNvPr>
-          <p:cNvPicPr>
-            <a:picLocks noGrp="1" noChangeAspect="1"/>
-          </p:cNvPicPr>
+            <a:r>
+              <a:rPr lang="en-US" dirty="0"/>
+              <a:t>Attributes Analyzed</a:t>
+            </a:r>
+          </a:p>
+        </p:txBody>
+      </p:sp>
+      <p:sp>
+        <p:nvSpPr>
+          <p:cNvPr id="3" name="Content Placeholder 2">
+            <a:extLst>
+              <a:ext uri="{FF2B5EF4-FFF2-40B4-BE49-F238E27FC236}">
+                <a16:creationId xmlns:a16="http://schemas.microsoft.com/office/drawing/2014/main" id="{87F14E18-B195-4E77-B6A1-C9FA640552F1}"/>
+              </a:ext>
+            </a:extLst>
+          </p:cNvPr>
+          <p:cNvSpPr>
+            <a:spLocks noGrp="1"/>
+          </p:cNvSpPr>
           <p:nvPr>
             <p:ph idx="1"/>
           </p:nvPr>
-        </p:nvPicPr>
-        <p:blipFill>
-          <a:blip r:embed="rId2">
-            <a:extLst>
-              <a:ext uri="{28A0092B-C50C-407E-A947-70E740481C1C}">
-                <a14:useLocalDpi xmlns:a14="http://schemas.microsoft.com/office/drawing/2010/main" val="0"/>
-              </a:ext>
-            </a:extLst>
-          </a:blip>
-          <a:stretch>
-            <a:fillRect/>
-          </a:stretch>
-        </p:blipFill>
-        <p:spPr>
-          <a:xfrm>
-            <a:off x="838200" y="2248694"/>
-            <a:ext cx="10515600" cy="3505200"/>
-          </a:xfrm>
-        </p:spPr>
-      </p:pic>
+        </p:nvSpPr>
+        <p:spPr/>
+        <p:txBody>
+          <a:bodyPr>
+            <a:normAutofit/>
+          </a:bodyPr>
+          <a:lstStyle/>
+          <a:p>
+            <a:r>
+              <a:rPr lang="en-US" sz="3600" dirty="0"/>
+              <a:t>Gender</a:t>
+            </a:r>
+          </a:p>
+          <a:p>
+            <a:endParaRPr lang="en-US" sz="3600" dirty="0"/>
+          </a:p>
+          <a:p>
+            <a:r>
+              <a:rPr lang="en-US" sz="3600" dirty="0"/>
+              <a:t>Power level</a:t>
+            </a:r>
+          </a:p>
+          <a:p>
+            <a:endParaRPr lang="en-US" sz="3600" dirty="0"/>
+          </a:p>
+          <a:p>
+            <a:r>
+              <a:rPr lang="en-US" sz="3600" dirty="0"/>
+              <a:t>Alignment (lead is considered good, neutral, or bad)</a:t>
+            </a:r>
+          </a:p>
+          <a:p>
+            <a:endParaRPr lang="en-US" sz="3600" dirty="0"/>
+          </a:p>
+          <a:p>
+            <a:r>
+              <a:rPr lang="en-US" sz="3600" dirty="0"/>
+              <a:t>Race (human vs. non-human)</a:t>
+            </a:r>
+          </a:p>
+        </p:txBody>
+      </p:sp>
     </p:spTree>
     <p:extLst>
       <p:ext uri="{BB962C8B-B14F-4D97-AF65-F5344CB8AC3E}">
-        <p14:creationId xmlns:p14="http://schemas.microsoft.com/office/powerpoint/2010/main" val="2707671831"/>
+        <p14:creationId xmlns:p14="http://schemas.microsoft.com/office/powerpoint/2010/main" val="2907755442"/>
       </p:ext>
     </p:extLst>
   </p:cSld>
@@ -3633,7 +5200,7 @@
           <p:cNvPr id="2" name="Title 1">
             <a:extLst>
               <a:ext uri="{FF2B5EF4-FFF2-40B4-BE49-F238E27FC236}">
-                <a16:creationId xmlns:a16="http://schemas.microsoft.com/office/drawing/2014/main" id="{3E4D80B9-17A5-4E71-A712-D94FE99AAF96}"/>
+                <a16:creationId xmlns:a16="http://schemas.microsoft.com/office/drawing/2014/main" id="{14ABFC99-512B-45D3-A790-9C32C21DC439}"/>
               </a:ext>
             </a:extLst>
           </p:cNvPr>
@@ -3644,47 +5211,364 @@
             <p:ph type="title"/>
           </p:nvPr>
         </p:nvSpPr>
-        <p:spPr/>
+        <p:spPr>
+          <a:xfrm>
+            <a:off x="838200" y="365126"/>
+            <a:ext cx="9135140" cy="730028"/>
+          </a:xfrm>
+        </p:spPr>
         <p:txBody>
           <a:bodyPr/>
           <a:lstStyle/>
           <a:p>
             <a:r>
               <a:rPr lang="en-US" dirty="0"/>
-              <a:t>Gender</a:t>
-            </a:r>
-          </a:p>
-        </p:txBody>
-      </p:sp>
-      <p:sp>
-        <p:nvSpPr>
-          <p:cNvPr id="3" name="Content Placeholder 2">
-            <a:extLst>
-              <a:ext uri="{FF2B5EF4-FFF2-40B4-BE49-F238E27FC236}">
-                <a16:creationId xmlns:a16="http://schemas.microsoft.com/office/drawing/2014/main" id="{87F14E18-B195-4E77-B6A1-C9FA640552F1}"/>
-              </a:ext>
-            </a:extLst>
-          </p:cNvPr>
-          <p:cNvSpPr>
-            <a:spLocks noGrp="1"/>
-          </p:cNvSpPr>
+              <a:t>Gender Breakdown</a:t>
+            </a:r>
+          </a:p>
+        </p:txBody>
+      </p:sp>
+      <p:pic>
+        <p:nvPicPr>
+          <p:cNvPr id="5" name="Content Placeholder 4">
+            <a:extLst>
+              <a:ext uri="{FF2B5EF4-FFF2-40B4-BE49-F238E27FC236}">
+                <a16:creationId xmlns:a16="http://schemas.microsoft.com/office/drawing/2014/main" id="{11C93188-A679-4693-B88A-12E32594320C}"/>
+              </a:ext>
+            </a:extLst>
+          </p:cNvPr>
+          <p:cNvPicPr>
+            <a:picLocks noGrp="1" noChangeAspect="1"/>
+          </p:cNvPicPr>
           <p:nvPr>
             <p:ph idx="1"/>
           </p:nvPr>
-        </p:nvSpPr>
-        <p:spPr/>
-        <p:txBody>
-          <a:bodyPr/>
-          <a:lstStyle/>
-          <a:p>
-            <a:endParaRPr lang="en-US"/>
+        </p:nvPicPr>
+        <p:blipFill>
+          <a:blip r:embed="rId3">
+            <a:extLst>
+              <a:ext uri="{28A0092B-C50C-407E-A947-70E740481C1C}">
+                <a14:useLocalDpi xmlns:a14="http://schemas.microsoft.com/office/drawing/2010/main" val="0"/>
+              </a:ext>
+            </a:extLst>
+          </a:blip>
+          <a:stretch>
+            <a:fillRect/>
+          </a:stretch>
+        </p:blipFill>
+        <p:spPr>
+          <a:xfrm>
+            <a:off x="187664" y="1438606"/>
+            <a:ext cx="3589209" cy="2392806"/>
+          </a:xfrm>
+        </p:spPr>
+      </p:pic>
+      <p:pic>
+        <p:nvPicPr>
+          <p:cNvPr id="4" name="Content Placeholder 4">
+            <a:extLst>
+              <a:ext uri="{FF2B5EF4-FFF2-40B4-BE49-F238E27FC236}">
+                <a16:creationId xmlns:a16="http://schemas.microsoft.com/office/drawing/2014/main" id="{9CEABF51-7D0B-454B-9D97-8A53BAA62BB8}"/>
+              </a:ext>
+            </a:extLst>
+          </p:cNvPr>
+          <p:cNvPicPr>
+            <a:picLocks noChangeAspect="1"/>
+          </p:cNvPicPr>
+          <p:nvPr/>
+        </p:nvPicPr>
+        <p:blipFill>
+          <a:blip r:embed="rId4">
+            <a:extLst>
+              <a:ext uri="{28A0092B-C50C-407E-A947-70E740481C1C}">
+                <a14:useLocalDpi xmlns:a14="http://schemas.microsoft.com/office/drawing/2010/main" val="0"/>
+              </a:ext>
+            </a:extLst>
+          </a:blip>
+          <a:stretch>
+            <a:fillRect/>
+          </a:stretch>
+        </p:blipFill>
+        <p:spPr>
+          <a:xfrm>
+            <a:off x="3507014" y="1279413"/>
+            <a:ext cx="4526228" cy="2711191"/>
+          </a:xfrm>
+          <a:prstGeom prst="rect">
+            <a:avLst/>
+          </a:prstGeom>
+        </p:spPr>
+      </p:pic>
+      <p:pic>
+        <p:nvPicPr>
+          <p:cNvPr id="6" name="Content Placeholder 4">
+            <a:extLst>
+              <a:ext uri="{FF2B5EF4-FFF2-40B4-BE49-F238E27FC236}">
+                <a16:creationId xmlns:a16="http://schemas.microsoft.com/office/drawing/2014/main" id="{2ADA9752-A5B8-42A4-B558-C66AB7EEF50D}"/>
+              </a:ext>
+            </a:extLst>
+          </p:cNvPr>
+          <p:cNvPicPr>
+            <a:picLocks noChangeAspect="1"/>
+          </p:cNvPicPr>
+          <p:nvPr/>
+        </p:nvPicPr>
+        <p:blipFill>
+          <a:blip r:embed="rId5">
+            <a:extLst>
+              <a:ext uri="{28A0092B-C50C-407E-A947-70E740481C1C}">
+                <a14:useLocalDpi xmlns:a14="http://schemas.microsoft.com/office/drawing/2010/main" val="0"/>
+              </a:ext>
+            </a:extLst>
+          </a:blip>
+          <a:stretch>
+            <a:fillRect/>
+          </a:stretch>
+        </p:blipFill>
+        <p:spPr>
+          <a:xfrm>
+            <a:off x="7809958" y="1242199"/>
+            <a:ext cx="4066787" cy="2711191"/>
+          </a:xfrm>
+          <a:prstGeom prst="rect">
+            <a:avLst/>
+          </a:prstGeom>
+        </p:spPr>
+      </p:pic>
+      <p:sp>
+        <p:nvSpPr>
+          <p:cNvPr id="7" name="Content Placeholder 2">
+            <a:extLst>
+              <a:ext uri="{FF2B5EF4-FFF2-40B4-BE49-F238E27FC236}">
+                <a16:creationId xmlns:a16="http://schemas.microsoft.com/office/drawing/2014/main" id="{35B0BEB1-501E-46F2-B77F-02E16A78AA24}"/>
+              </a:ext>
+            </a:extLst>
+          </p:cNvPr>
+          <p:cNvSpPr txBox="1">
+            <a:spLocks/>
+          </p:cNvSpPr>
+          <p:nvPr/>
+        </p:nvSpPr>
+        <p:spPr>
+          <a:xfrm>
+            <a:off x="1008321" y="4296842"/>
+            <a:ext cx="8965019" cy="1706526"/>
+          </a:xfrm>
+          <a:prstGeom prst="rect">
+            <a:avLst/>
+          </a:prstGeom>
+        </p:spPr>
+        <p:txBody>
+          <a:bodyPr vert="horz" lIns="91440" tIns="45720" rIns="91440" bIns="45720" rtlCol="0">
+            <a:normAutofit fontScale="70000" lnSpcReduction="20000"/>
+          </a:bodyPr>
+          <a:lstStyle>
+            <a:lvl1pPr marL="228600" indent="-228600" algn="l" defTabSz="914400" rtl="0" eaLnBrk="1" latinLnBrk="0" hangingPunct="1">
+              <a:lnSpc>
+                <a:spcPct val="90000"/>
+              </a:lnSpc>
+              <a:spcBef>
+                <a:spcPts val="1000"/>
+              </a:spcBef>
+              <a:buFont typeface="Arial" panose="020B0604020202020204" pitchFamily="34" charset="0"/>
+              <a:buChar char="•"/>
+              <a:defRPr sz="2800" kern="1200">
+                <a:solidFill>
+                  <a:schemeClr val="tx1"/>
+                </a:solidFill>
+                <a:latin typeface="+mn-lt"/>
+                <a:ea typeface="+mn-ea"/>
+                <a:cs typeface="+mn-cs"/>
+              </a:defRPr>
+            </a:lvl1pPr>
+            <a:lvl2pPr marL="685800" indent="-228600" algn="l" defTabSz="914400" rtl="0" eaLnBrk="1" latinLnBrk="0" hangingPunct="1">
+              <a:lnSpc>
+                <a:spcPct val="90000"/>
+              </a:lnSpc>
+              <a:spcBef>
+                <a:spcPts val="500"/>
+              </a:spcBef>
+              <a:buFont typeface="Arial" panose="020B0604020202020204" pitchFamily="34" charset="0"/>
+              <a:buChar char="•"/>
+              <a:defRPr sz="2400" kern="1200">
+                <a:solidFill>
+                  <a:schemeClr val="tx1"/>
+                </a:solidFill>
+                <a:latin typeface="+mn-lt"/>
+                <a:ea typeface="+mn-ea"/>
+                <a:cs typeface="+mn-cs"/>
+              </a:defRPr>
+            </a:lvl2pPr>
+            <a:lvl3pPr marL="1143000" indent="-228600" algn="l" defTabSz="914400" rtl="0" eaLnBrk="1" latinLnBrk="0" hangingPunct="1">
+              <a:lnSpc>
+                <a:spcPct val="90000"/>
+              </a:lnSpc>
+              <a:spcBef>
+                <a:spcPts val="500"/>
+              </a:spcBef>
+              <a:buFont typeface="Arial" panose="020B0604020202020204" pitchFamily="34" charset="0"/>
+              <a:buChar char="•"/>
+              <a:defRPr sz="2000" kern="1200">
+                <a:solidFill>
+                  <a:schemeClr val="tx1"/>
+                </a:solidFill>
+                <a:latin typeface="+mn-lt"/>
+                <a:ea typeface="+mn-ea"/>
+                <a:cs typeface="+mn-cs"/>
+              </a:defRPr>
+            </a:lvl3pPr>
+            <a:lvl4pPr marL="1600200" indent="-228600" algn="l" defTabSz="914400" rtl="0" eaLnBrk="1" latinLnBrk="0" hangingPunct="1">
+              <a:lnSpc>
+                <a:spcPct val="90000"/>
+              </a:lnSpc>
+              <a:spcBef>
+                <a:spcPts val="500"/>
+              </a:spcBef>
+              <a:buFont typeface="Arial" panose="020B0604020202020204" pitchFamily="34" charset="0"/>
+              <a:buChar char="•"/>
+              <a:defRPr sz="1800" kern="1200">
+                <a:solidFill>
+                  <a:schemeClr val="tx1"/>
+                </a:solidFill>
+                <a:latin typeface="+mn-lt"/>
+                <a:ea typeface="+mn-ea"/>
+                <a:cs typeface="+mn-cs"/>
+              </a:defRPr>
+            </a:lvl4pPr>
+            <a:lvl5pPr marL="2057400" indent="-228600" algn="l" defTabSz="914400" rtl="0" eaLnBrk="1" latinLnBrk="0" hangingPunct="1">
+              <a:lnSpc>
+                <a:spcPct val="90000"/>
+              </a:lnSpc>
+              <a:spcBef>
+                <a:spcPts val="500"/>
+              </a:spcBef>
+              <a:buFont typeface="Arial" panose="020B0604020202020204" pitchFamily="34" charset="0"/>
+              <a:buChar char="•"/>
+              <a:defRPr sz="1800" kern="1200">
+                <a:solidFill>
+                  <a:schemeClr val="tx1"/>
+                </a:solidFill>
+                <a:latin typeface="+mn-lt"/>
+                <a:ea typeface="+mn-ea"/>
+                <a:cs typeface="+mn-cs"/>
+              </a:defRPr>
+            </a:lvl5pPr>
+            <a:lvl6pPr marL="2514600" indent="-228600" algn="l" defTabSz="914400" rtl="0" eaLnBrk="1" latinLnBrk="0" hangingPunct="1">
+              <a:lnSpc>
+                <a:spcPct val="90000"/>
+              </a:lnSpc>
+              <a:spcBef>
+                <a:spcPts val="500"/>
+              </a:spcBef>
+              <a:buFont typeface="Arial" panose="020B0604020202020204" pitchFamily="34" charset="0"/>
+              <a:buChar char="•"/>
+              <a:defRPr sz="1800" kern="1200">
+                <a:solidFill>
+                  <a:schemeClr val="tx1"/>
+                </a:solidFill>
+                <a:latin typeface="+mn-lt"/>
+                <a:ea typeface="+mn-ea"/>
+                <a:cs typeface="+mn-cs"/>
+              </a:defRPr>
+            </a:lvl6pPr>
+            <a:lvl7pPr marL="2971800" indent="-228600" algn="l" defTabSz="914400" rtl="0" eaLnBrk="1" latinLnBrk="0" hangingPunct="1">
+              <a:lnSpc>
+                <a:spcPct val="90000"/>
+              </a:lnSpc>
+              <a:spcBef>
+                <a:spcPts val="500"/>
+              </a:spcBef>
+              <a:buFont typeface="Arial" panose="020B0604020202020204" pitchFamily="34" charset="0"/>
+              <a:buChar char="•"/>
+              <a:defRPr sz="1800" kern="1200">
+                <a:solidFill>
+                  <a:schemeClr val="tx1"/>
+                </a:solidFill>
+                <a:latin typeface="+mn-lt"/>
+                <a:ea typeface="+mn-ea"/>
+                <a:cs typeface="+mn-cs"/>
+              </a:defRPr>
+            </a:lvl7pPr>
+            <a:lvl8pPr marL="3429000" indent="-228600" algn="l" defTabSz="914400" rtl="0" eaLnBrk="1" latinLnBrk="0" hangingPunct="1">
+              <a:lnSpc>
+                <a:spcPct val="90000"/>
+              </a:lnSpc>
+              <a:spcBef>
+                <a:spcPts val="500"/>
+              </a:spcBef>
+              <a:buFont typeface="Arial" panose="020B0604020202020204" pitchFamily="34" charset="0"/>
+              <a:buChar char="•"/>
+              <a:defRPr sz="1800" kern="1200">
+                <a:solidFill>
+                  <a:schemeClr val="tx1"/>
+                </a:solidFill>
+                <a:latin typeface="+mn-lt"/>
+                <a:ea typeface="+mn-ea"/>
+                <a:cs typeface="+mn-cs"/>
+              </a:defRPr>
+            </a:lvl8pPr>
+            <a:lvl9pPr marL="3886200" indent="-228600" algn="l" defTabSz="914400" rtl="0" eaLnBrk="1" latinLnBrk="0" hangingPunct="1">
+              <a:lnSpc>
+                <a:spcPct val="90000"/>
+              </a:lnSpc>
+              <a:spcBef>
+                <a:spcPts val="500"/>
+              </a:spcBef>
+              <a:buFont typeface="Arial" panose="020B0604020202020204" pitchFamily="34" charset="0"/>
+              <a:buChar char="•"/>
+              <a:defRPr sz="1800" kern="1200">
+                <a:solidFill>
+                  <a:schemeClr val="tx1"/>
+                </a:solidFill>
+                <a:latin typeface="+mn-lt"/>
+                <a:ea typeface="+mn-ea"/>
+                <a:cs typeface="+mn-cs"/>
+              </a:defRPr>
+            </a:lvl9pPr>
+          </a:lstStyle>
+          <a:p>
+            <a:endParaRPr lang="en-US" sz="4000" dirty="0"/>
+          </a:p>
+          <a:p>
+            <a:r>
+              <a:rPr lang="en-US" sz="4000" dirty="0"/>
+              <a:t>Female led movies resulted in higher sales</a:t>
+            </a:r>
+          </a:p>
+          <a:p>
+            <a:r>
+              <a:rPr lang="en-US" sz="4000" dirty="0"/>
+              <a:t>No correlation between viewer ratings and gender</a:t>
+            </a:r>
+          </a:p>
+          <a:p>
+            <a:r>
+              <a:rPr lang="en-US" sz="4000" dirty="0" err="1"/>
+              <a:t>Pvalue</a:t>
+            </a:r>
+            <a:r>
+              <a:rPr lang="en-US" sz="4000" dirty="0"/>
+              <a:t> = 0.2019</a:t>
+            </a:r>
+          </a:p>
+          <a:p>
+            <a:endParaRPr lang="en-US" sz="4000" dirty="0"/>
+          </a:p>
+          <a:p>
+            <a:endParaRPr lang="en-US" sz="4000" dirty="0"/>
+          </a:p>
+          <a:p>
+            <a:endParaRPr lang="en-US" sz="4000" dirty="0"/>
+          </a:p>
+          <a:p>
+            <a:endParaRPr lang="en-US" sz="4000" dirty="0"/>
           </a:p>
         </p:txBody>
       </p:sp>
     </p:spTree>
     <p:extLst>
       <p:ext uri="{BB962C8B-B14F-4D97-AF65-F5344CB8AC3E}">
-        <p14:creationId xmlns:p14="http://schemas.microsoft.com/office/powerpoint/2010/main" val="2907755442"/>
+        <p14:creationId xmlns:p14="http://schemas.microsoft.com/office/powerpoint/2010/main" val="27151563"/>
       </p:ext>
     </p:extLst>
   </p:cSld>
@@ -3716,7 +5600,7 @@
           <p:cNvPr id="2" name="Title 1">
             <a:extLst>
               <a:ext uri="{FF2B5EF4-FFF2-40B4-BE49-F238E27FC236}">
-                <a16:creationId xmlns:a16="http://schemas.microsoft.com/office/drawing/2014/main" id="{14ABFC99-512B-45D3-A790-9C32C21DC439}"/>
+                <a16:creationId xmlns:a16="http://schemas.microsoft.com/office/drawing/2014/main" id="{AF50DADC-0626-4328-9C14-364B01262647}"/>
               </a:ext>
             </a:extLst>
           </p:cNvPr>
@@ -3727,12 +5611,22 @@
             <p:ph type="title"/>
           </p:nvPr>
         </p:nvSpPr>
-        <p:spPr/>
-        <p:txBody>
-          <a:bodyPr/>
-          <a:lstStyle/>
-          <a:p>
-            <a:endParaRPr lang="en-US"/>
+        <p:spPr>
+          <a:xfrm>
+            <a:off x="838201" y="365126"/>
+            <a:ext cx="7465828" cy="559908"/>
+          </a:xfrm>
+        </p:spPr>
+        <p:txBody>
+          <a:bodyPr>
+            <a:normAutofit fontScale="90000"/>
+          </a:bodyPr>
+          <a:lstStyle/>
+          <a:p>
+            <a:r>
+              <a:rPr lang="en-US" dirty="0"/>
+              <a:t>Power level by superhero</a:t>
+            </a:r>
           </a:p>
         </p:txBody>
       </p:sp>
@@ -3741,7 +5635,7 @@
           <p:cNvPr id="5" name="Content Placeholder 4">
             <a:extLst>
               <a:ext uri="{FF2B5EF4-FFF2-40B4-BE49-F238E27FC236}">
-                <a16:creationId xmlns:a16="http://schemas.microsoft.com/office/drawing/2014/main" id="{11C93188-A679-4693-B88A-12E32594320C}"/>
+                <a16:creationId xmlns:a16="http://schemas.microsoft.com/office/drawing/2014/main" id="{18D02DE4-CEDF-4C85-8A74-A626E7285383}"/>
               </a:ext>
             </a:extLst>
           </p:cNvPr>
@@ -3753,7 +5647,7 @@
           </p:nvPr>
         </p:nvPicPr>
         <p:blipFill>
-          <a:blip r:embed="rId2">
+          <a:blip r:embed="rId3">
             <a:extLst>
               <a:ext uri="{28A0092B-C50C-407E-A947-70E740481C1C}">
                 <a14:useLocalDpi xmlns:a14="http://schemas.microsoft.com/office/drawing/2010/main" val="0"/>
@@ -3766,15 +5660,320 @@
         </p:blipFill>
         <p:spPr>
           <a:xfrm>
-            <a:off x="3352175" y="2172077"/>
-            <a:ext cx="5487650" cy="3658433"/>
+            <a:off x="621730" y="969718"/>
+            <a:ext cx="10723209" cy="3574403"/>
           </a:xfrm>
         </p:spPr>
       </p:pic>
+      <p:pic>
+        <p:nvPicPr>
+          <p:cNvPr id="4" name="Content Placeholder 4">
+            <a:extLst>
+              <a:ext uri="{FF2B5EF4-FFF2-40B4-BE49-F238E27FC236}">
+                <a16:creationId xmlns:a16="http://schemas.microsoft.com/office/drawing/2014/main" id="{17A551A5-FB8E-4538-8DD9-2F8210C98137}"/>
+              </a:ext>
+            </a:extLst>
+          </p:cNvPr>
+          <p:cNvPicPr>
+            <a:picLocks noChangeAspect="1"/>
+          </p:cNvPicPr>
+          <p:nvPr/>
+        </p:nvPicPr>
+        <p:blipFill>
+          <a:blip r:embed="rId4">
+            <a:extLst>
+              <a:ext uri="{28A0092B-C50C-407E-A947-70E740481C1C}">
+                <a14:useLocalDpi xmlns:a14="http://schemas.microsoft.com/office/drawing/2010/main" val="0"/>
+              </a:ext>
+            </a:extLst>
+          </a:blip>
+          <a:stretch>
+            <a:fillRect/>
+          </a:stretch>
+        </p:blipFill>
+        <p:spPr>
+          <a:xfrm>
+            <a:off x="621730" y="4236410"/>
+            <a:ext cx="3384697" cy="2256464"/>
+          </a:xfrm>
+          <a:prstGeom prst="rect">
+            <a:avLst/>
+          </a:prstGeom>
+        </p:spPr>
+      </p:pic>
+      <p:pic>
+        <p:nvPicPr>
+          <p:cNvPr id="6" name="Content Placeholder 4">
+            <a:extLst>
+              <a:ext uri="{FF2B5EF4-FFF2-40B4-BE49-F238E27FC236}">
+                <a16:creationId xmlns:a16="http://schemas.microsoft.com/office/drawing/2014/main" id="{2F025F0C-FF9B-4E4F-92BD-9476701D9F7B}"/>
+              </a:ext>
+            </a:extLst>
+          </p:cNvPr>
+          <p:cNvPicPr>
+            <a:picLocks noChangeAspect="1"/>
+          </p:cNvPicPr>
+          <p:nvPr/>
+        </p:nvPicPr>
+        <p:blipFill>
+          <a:blip r:embed="rId5">
+            <a:extLst>
+              <a:ext uri="{28A0092B-C50C-407E-A947-70E740481C1C}">
+                <a14:useLocalDpi xmlns:a14="http://schemas.microsoft.com/office/drawing/2010/main" val="0"/>
+              </a:ext>
+            </a:extLst>
+          </a:blip>
+          <a:stretch>
+            <a:fillRect/>
+          </a:stretch>
+        </p:blipFill>
+        <p:spPr>
+          <a:xfrm>
+            <a:off x="4006427" y="4281094"/>
+            <a:ext cx="3250642" cy="2167095"/>
+          </a:xfrm>
+          <a:prstGeom prst="rect">
+            <a:avLst/>
+          </a:prstGeom>
+        </p:spPr>
+      </p:pic>
+      <p:sp>
+        <p:nvSpPr>
+          <p:cNvPr id="7" name="Content Placeholder 2">
+            <a:extLst>
+              <a:ext uri="{FF2B5EF4-FFF2-40B4-BE49-F238E27FC236}">
+                <a16:creationId xmlns:a16="http://schemas.microsoft.com/office/drawing/2014/main" id="{E97C6247-049C-41B9-B21E-8D32AEF0A755}"/>
+              </a:ext>
+            </a:extLst>
+          </p:cNvPr>
+          <p:cNvSpPr txBox="1">
+            <a:spLocks/>
+          </p:cNvSpPr>
+          <p:nvPr/>
+        </p:nvSpPr>
+        <p:spPr>
+          <a:xfrm>
+            <a:off x="7257069" y="4754618"/>
+            <a:ext cx="3798205" cy="1635550"/>
+          </a:xfrm>
+          <a:prstGeom prst="rect">
+            <a:avLst/>
+          </a:prstGeom>
+        </p:spPr>
+        <p:txBody>
+          <a:bodyPr vert="horz" lIns="91440" tIns="45720" rIns="91440" bIns="45720" rtlCol="0">
+            <a:normAutofit fontScale="40000" lnSpcReduction="20000"/>
+          </a:bodyPr>
+          <a:lstStyle>
+            <a:lvl1pPr marL="228600" indent="-228600" algn="l" defTabSz="914400" rtl="0" eaLnBrk="1" latinLnBrk="0" hangingPunct="1">
+              <a:lnSpc>
+                <a:spcPct val="90000"/>
+              </a:lnSpc>
+              <a:spcBef>
+                <a:spcPts val="1000"/>
+              </a:spcBef>
+              <a:buFont typeface="Arial" panose="020B0604020202020204" pitchFamily="34" charset="0"/>
+              <a:buChar char="•"/>
+              <a:defRPr sz="2800" kern="1200">
+                <a:solidFill>
+                  <a:schemeClr val="tx1"/>
+                </a:solidFill>
+                <a:latin typeface="+mn-lt"/>
+                <a:ea typeface="+mn-ea"/>
+                <a:cs typeface="+mn-cs"/>
+              </a:defRPr>
+            </a:lvl1pPr>
+            <a:lvl2pPr marL="685800" indent="-228600" algn="l" defTabSz="914400" rtl="0" eaLnBrk="1" latinLnBrk="0" hangingPunct="1">
+              <a:lnSpc>
+                <a:spcPct val="90000"/>
+              </a:lnSpc>
+              <a:spcBef>
+                <a:spcPts val="500"/>
+              </a:spcBef>
+              <a:buFont typeface="Arial" panose="020B0604020202020204" pitchFamily="34" charset="0"/>
+              <a:buChar char="•"/>
+              <a:defRPr sz="2400" kern="1200">
+                <a:solidFill>
+                  <a:schemeClr val="tx1"/>
+                </a:solidFill>
+                <a:latin typeface="+mn-lt"/>
+                <a:ea typeface="+mn-ea"/>
+                <a:cs typeface="+mn-cs"/>
+              </a:defRPr>
+            </a:lvl2pPr>
+            <a:lvl3pPr marL="1143000" indent="-228600" algn="l" defTabSz="914400" rtl="0" eaLnBrk="1" latinLnBrk="0" hangingPunct="1">
+              <a:lnSpc>
+                <a:spcPct val="90000"/>
+              </a:lnSpc>
+              <a:spcBef>
+                <a:spcPts val="500"/>
+              </a:spcBef>
+              <a:buFont typeface="Arial" panose="020B0604020202020204" pitchFamily="34" charset="0"/>
+              <a:buChar char="•"/>
+              <a:defRPr sz="2000" kern="1200">
+                <a:solidFill>
+                  <a:schemeClr val="tx1"/>
+                </a:solidFill>
+                <a:latin typeface="+mn-lt"/>
+                <a:ea typeface="+mn-ea"/>
+                <a:cs typeface="+mn-cs"/>
+              </a:defRPr>
+            </a:lvl3pPr>
+            <a:lvl4pPr marL="1600200" indent="-228600" algn="l" defTabSz="914400" rtl="0" eaLnBrk="1" latinLnBrk="0" hangingPunct="1">
+              <a:lnSpc>
+                <a:spcPct val="90000"/>
+              </a:lnSpc>
+              <a:spcBef>
+                <a:spcPts val="500"/>
+              </a:spcBef>
+              <a:buFont typeface="Arial" panose="020B0604020202020204" pitchFamily="34" charset="0"/>
+              <a:buChar char="•"/>
+              <a:defRPr sz="1800" kern="1200">
+                <a:solidFill>
+                  <a:schemeClr val="tx1"/>
+                </a:solidFill>
+                <a:latin typeface="+mn-lt"/>
+                <a:ea typeface="+mn-ea"/>
+                <a:cs typeface="+mn-cs"/>
+              </a:defRPr>
+            </a:lvl4pPr>
+            <a:lvl5pPr marL="2057400" indent="-228600" algn="l" defTabSz="914400" rtl="0" eaLnBrk="1" latinLnBrk="0" hangingPunct="1">
+              <a:lnSpc>
+                <a:spcPct val="90000"/>
+              </a:lnSpc>
+              <a:spcBef>
+                <a:spcPts val="500"/>
+              </a:spcBef>
+              <a:buFont typeface="Arial" panose="020B0604020202020204" pitchFamily="34" charset="0"/>
+              <a:buChar char="•"/>
+              <a:defRPr sz="1800" kern="1200">
+                <a:solidFill>
+                  <a:schemeClr val="tx1"/>
+                </a:solidFill>
+                <a:latin typeface="+mn-lt"/>
+                <a:ea typeface="+mn-ea"/>
+                <a:cs typeface="+mn-cs"/>
+              </a:defRPr>
+            </a:lvl5pPr>
+            <a:lvl6pPr marL="2514600" indent="-228600" algn="l" defTabSz="914400" rtl="0" eaLnBrk="1" latinLnBrk="0" hangingPunct="1">
+              <a:lnSpc>
+                <a:spcPct val="90000"/>
+              </a:lnSpc>
+              <a:spcBef>
+                <a:spcPts val="500"/>
+              </a:spcBef>
+              <a:buFont typeface="Arial" panose="020B0604020202020204" pitchFamily="34" charset="0"/>
+              <a:buChar char="•"/>
+              <a:defRPr sz="1800" kern="1200">
+                <a:solidFill>
+                  <a:schemeClr val="tx1"/>
+                </a:solidFill>
+                <a:latin typeface="+mn-lt"/>
+                <a:ea typeface="+mn-ea"/>
+                <a:cs typeface="+mn-cs"/>
+              </a:defRPr>
+            </a:lvl6pPr>
+            <a:lvl7pPr marL="2971800" indent="-228600" algn="l" defTabSz="914400" rtl="0" eaLnBrk="1" latinLnBrk="0" hangingPunct="1">
+              <a:lnSpc>
+                <a:spcPct val="90000"/>
+              </a:lnSpc>
+              <a:spcBef>
+                <a:spcPts val="500"/>
+              </a:spcBef>
+              <a:buFont typeface="Arial" panose="020B0604020202020204" pitchFamily="34" charset="0"/>
+              <a:buChar char="•"/>
+              <a:defRPr sz="1800" kern="1200">
+                <a:solidFill>
+                  <a:schemeClr val="tx1"/>
+                </a:solidFill>
+                <a:latin typeface="+mn-lt"/>
+                <a:ea typeface="+mn-ea"/>
+                <a:cs typeface="+mn-cs"/>
+              </a:defRPr>
+            </a:lvl7pPr>
+            <a:lvl8pPr marL="3429000" indent="-228600" algn="l" defTabSz="914400" rtl="0" eaLnBrk="1" latinLnBrk="0" hangingPunct="1">
+              <a:lnSpc>
+                <a:spcPct val="90000"/>
+              </a:lnSpc>
+              <a:spcBef>
+                <a:spcPts val="500"/>
+              </a:spcBef>
+              <a:buFont typeface="Arial" panose="020B0604020202020204" pitchFamily="34" charset="0"/>
+              <a:buChar char="•"/>
+              <a:defRPr sz="1800" kern="1200">
+                <a:solidFill>
+                  <a:schemeClr val="tx1"/>
+                </a:solidFill>
+                <a:latin typeface="+mn-lt"/>
+                <a:ea typeface="+mn-ea"/>
+                <a:cs typeface="+mn-cs"/>
+              </a:defRPr>
+            </a:lvl8pPr>
+            <a:lvl9pPr marL="3886200" indent="-228600" algn="l" defTabSz="914400" rtl="0" eaLnBrk="1" latinLnBrk="0" hangingPunct="1">
+              <a:lnSpc>
+                <a:spcPct val="90000"/>
+              </a:lnSpc>
+              <a:spcBef>
+                <a:spcPts val="500"/>
+              </a:spcBef>
+              <a:buFont typeface="Arial" panose="020B0604020202020204" pitchFamily="34" charset="0"/>
+              <a:buChar char="•"/>
+              <a:defRPr sz="1800" kern="1200">
+                <a:solidFill>
+                  <a:schemeClr val="tx1"/>
+                </a:solidFill>
+                <a:latin typeface="+mn-lt"/>
+                <a:ea typeface="+mn-ea"/>
+                <a:cs typeface="+mn-cs"/>
+              </a:defRPr>
+            </a:lvl9pPr>
+          </a:lstStyle>
+          <a:p>
+            <a:r>
+              <a:rPr lang="en-US" sz="4000" dirty="0"/>
+              <a:t>No correlation between power level and box office sales</a:t>
+            </a:r>
+          </a:p>
+          <a:p>
+            <a:r>
+              <a:rPr lang="en-US" sz="4000" dirty="0"/>
+              <a:t>No correlation between power level and viewer ratings</a:t>
+            </a:r>
+          </a:p>
+          <a:p>
+            <a:r>
+              <a:rPr lang="en-US" sz="4000" dirty="0"/>
+              <a:t>Sales : </a:t>
+            </a:r>
+            <a:r>
+              <a:rPr lang="en-US" sz="4000" dirty="0" err="1"/>
+              <a:t>Pvalue</a:t>
+            </a:r>
+            <a:r>
+              <a:rPr lang="en-US" sz="4000" dirty="0"/>
+              <a:t>=0.4051</a:t>
+            </a:r>
+          </a:p>
+          <a:p>
+            <a:r>
+              <a:rPr lang="en-US" sz="4000" dirty="0"/>
+              <a:t>Rating : </a:t>
+            </a:r>
+            <a:r>
+              <a:rPr lang="en-US" sz="4000" dirty="0" err="1"/>
+              <a:t>pvalue</a:t>
+            </a:r>
+            <a:r>
+              <a:rPr lang="en-US" sz="4000" dirty="0"/>
+              <a:t>=0.9693</a:t>
+            </a:r>
+          </a:p>
+        </p:txBody>
+      </p:sp>
     </p:spTree>
     <p:extLst>
       <p:ext uri="{BB962C8B-B14F-4D97-AF65-F5344CB8AC3E}">
-        <p14:creationId xmlns:p14="http://schemas.microsoft.com/office/powerpoint/2010/main" val="27151563"/>
+        <p14:creationId xmlns:p14="http://schemas.microsoft.com/office/powerpoint/2010/main" val="3572409655"/>
       </p:ext>
     </p:extLst>
   </p:cSld>
@@ -3806,7 +6005,7 @@
           <p:cNvPr id="2" name="Title 1">
             <a:extLst>
               <a:ext uri="{FF2B5EF4-FFF2-40B4-BE49-F238E27FC236}">
-                <a16:creationId xmlns:a16="http://schemas.microsoft.com/office/drawing/2014/main" id="{9E444624-6251-46D8-AD3A-A510BCE4AB56}"/>
+                <a16:creationId xmlns:a16="http://schemas.microsoft.com/office/drawing/2014/main" id="{889166AC-CD02-40B0-927F-3D43F3C5947B}"/>
               </a:ext>
             </a:extLst>
           </p:cNvPr>
@@ -3817,21 +6016,29 @@
             <p:ph type="title"/>
           </p:nvPr>
         </p:nvSpPr>
-        <p:spPr/>
-        <p:txBody>
-          <a:bodyPr/>
-          <a:lstStyle/>
-          <a:p>
-            <a:endParaRPr lang="en-US"/>
+        <p:spPr>
+          <a:xfrm>
+            <a:off x="838200" y="365126"/>
+            <a:ext cx="9241465" cy="878884"/>
+          </a:xfrm>
+        </p:spPr>
+        <p:txBody>
+          <a:bodyPr/>
+          <a:lstStyle/>
+          <a:p>
+            <a:r>
+              <a:rPr lang="en-US" dirty="0"/>
+              <a:t>Alignment (good vs. bad) Breakdown</a:t>
+            </a:r>
           </a:p>
         </p:txBody>
       </p:sp>
       <p:pic>
         <p:nvPicPr>
-          <p:cNvPr id="5" name="Content Placeholder 4">
-            <a:extLst>
-              <a:ext uri="{FF2B5EF4-FFF2-40B4-BE49-F238E27FC236}">
-                <a16:creationId xmlns:a16="http://schemas.microsoft.com/office/drawing/2014/main" id="{583C8883-E743-424E-A4D1-8D1D02FFFED1}"/>
+          <p:cNvPr id="7" name="Content Placeholder 6" descr="A close up of a logo&#10;&#10;Description generated with high confidence">
+            <a:extLst>
+              <a:ext uri="{FF2B5EF4-FFF2-40B4-BE49-F238E27FC236}">
+                <a16:creationId xmlns:a16="http://schemas.microsoft.com/office/drawing/2014/main" id="{9B0DCF17-C0FF-47A0-A4EC-61D79DAAEC1D}"/>
               </a:ext>
             </a:extLst>
           </p:cNvPr>
@@ -3843,7 +6050,7 @@
           </p:nvPr>
         </p:nvPicPr>
         <p:blipFill>
-          <a:blip r:embed="rId2">
+          <a:blip r:embed="rId3">
             <a:extLst>
               <a:ext uri="{28A0092B-C50C-407E-A947-70E740481C1C}">
                 <a14:useLocalDpi xmlns:a14="http://schemas.microsoft.com/office/drawing/2010/main" val="0"/>
@@ -3856,15 +6063,308 @@
         </p:blipFill>
         <p:spPr>
           <a:xfrm>
-            <a:off x="3352175" y="2172077"/>
-            <a:ext cx="5487650" cy="3658433"/>
+            <a:off x="-479379" y="1368771"/>
+            <a:ext cx="4620611" cy="3080407"/>
           </a:xfrm>
         </p:spPr>
       </p:pic>
+      <p:pic>
+        <p:nvPicPr>
+          <p:cNvPr id="8" name="Content Placeholder 6" descr="A screenshot of a cell phone&#10;&#10;Description generated with very high confidence">
+            <a:extLst>
+              <a:ext uri="{FF2B5EF4-FFF2-40B4-BE49-F238E27FC236}">
+                <a16:creationId xmlns:a16="http://schemas.microsoft.com/office/drawing/2014/main" id="{968E9687-C622-4530-BA5B-7F2E95490847}"/>
+              </a:ext>
+            </a:extLst>
+          </p:cNvPr>
+          <p:cNvPicPr>
+            <a:picLocks noChangeAspect="1"/>
+          </p:cNvPicPr>
+          <p:nvPr/>
+        </p:nvPicPr>
+        <p:blipFill>
+          <a:blip r:embed="rId4">
+            <a:extLst>
+              <a:ext uri="{28A0092B-C50C-407E-A947-70E740481C1C}">
+                <a14:useLocalDpi xmlns:a14="http://schemas.microsoft.com/office/drawing/2010/main" val="0"/>
+              </a:ext>
+            </a:extLst>
+          </a:blip>
+          <a:stretch>
+            <a:fillRect/>
+          </a:stretch>
+        </p:blipFill>
+        <p:spPr>
+          <a:xfrm>
+            <a:off x="4157669" y="1593902"/>
+            <a:ext cx="4063221" cy="2708814"/>
+          </a:xfrm>
+          <a:prstGeom prst="rect">
+            <a:avLst/>
+          </a:prstGeom>
+        </p:spPr>
+      </p:pic>
+      <p:pic>
+        <p:nvPicPr>
+          <p:cNvPr id="9" name="Content Placeholder 6" descr="A screenshot of a cell phone&#10;&#10;Description generated with very high confidence">
+            <a:extLst>
+              <a:ext uri="{FF2B5EF4-FFF2-40B4-BE49-F238E27FC236}">
+                <a16:creationId xmlns:a16="http://schemas.microsoft.com/office/drawing/2014/main" id="{BD7D426B-74D0-4A24-B9D3-C294D24C5576}"/>
+              </a:ext>
+            </a:extLst>
+          </p:cNvPr>
+          <p:cNvPicPr>
+            <a:picLocks noChangeAspect="1"/>
+          </p:cNvPicPr>
+          <p:nvPr/>
+        </p:nvPicPr>
+        <p:blipFill>
+          <a:blip r:embed="rId5">
+            <a:extLst>
+              <a:ext uri="{28A0092B-C50C-407E-A947-70E740481C1C}">
+                <a14:useLocalDpi xmlns:a14="http://schemas.microsoft.com/office/drawing/2010/main" val="0"/>
+              </a:ext>
+            </a:extLst>
+          </a:blip>
+          <a:stretch>
+            <a:fillRect/>
+          </a:stretch>
+        </p:blipFill>
+        <p:spPr>
+          <a:xfrm>
+            <a:off x="8034332" y="1554567"/>
+            <a:ext cx="4063221" cy="2708814"/>
+          </a:xfrm>
+          <a:prstGeom prst="rect">
+            <a:avLst/>
+          </a:prstGeom>
+        </p:spPr>
+      </p:pic>
+      <p:sp>
+        <p:nvSpPr>
+          <p:cNvPr id="10" name="Content Placeholder 2">
+            <a:extLst>
+              <a:ext uri="{FF2B5EF4-FFF2-40B4-BE49-F238E27FC236}">
+                <a16:creationId xmlns:a16="http://schemas.microsoft.com/office/drawing/2014/main" id="{6F8E1C0B-C235-4EAE-B719-9C1C2AB197D7}"/>
+              </a:ext>
+            </a:extLst>
+          </p:cNvPr>
+          <p:cNvSpPr txBox="1">
+            <a:spLocks/>
+          </p:cNvSpPr>
+          <p:nvPr/>
+        </p:nvSpPr>
+        <p:spPr>
+          <a:xfrm>
+            <a:off x="1475267" y="4834193"/>
+            <a:ext cx="9241465" cy="1812922"/>
+          </a:xfrm>
+          <a:prstGeom prst="rect">
+            <a:avLst/>
+          </a:prstGeom>
+        </p:spPr>
+        <p:txBody>
+          <a:bodyPr vert="horz" lIns="91440" tIns="45720" rIns="91440" bIns="45720" rtlCol="0">
+            <a:normAutofit fontScale="62500" lnSpcReduction="20000"/>
+          </a:bodyPr>
+          <a:lstStyle>
+            <a:lvl1pPr marL="228600" indent="-228600" algn="l" defTabSz="914400" rtl="0" eaLnBrk="1" latinLnBrk="0" hangingPunct="1">
+              <a:lnSpc>
+                <a:spcPct val="90000"/>
+              </a:lnSpc>
+              <a:spcBef>
+                <a:spcPts val="1000"/>
+              </a:spcBef>
+              <a:buFont typeface="Arial" panose="020B0604020202020204" pitchFamily="34" charset="0"/>
+              <a:buChar char="•"/>
+              <a:defRPr sz="2800" kern="1200">
+                <a:solidFill>
+                  <a:schemeClr val="tx1"/>
+                </a:solidFill>
+                <a:latin typeface="+mn-lt"/>
+                <a:ea typeface="+mn-ea"/>
+                <a:cs typeface="+mn-cs"/>
+              </a:defRPr>
+            </a:lvl1pPr>
+            <a:lvl2pPr marL="685800" indent="-228600" algn="l" defTabSz="914400" rtl="0" eaLnBrk="1" latinLnBrk="0" hangingPunct="1">
+              <a:lnSpc>
+                <a:spcPct val="90000"/>
+              </a:lnSpc>
+              <a:spcBef>
+                <a:spcPts val="500"/>
+              </a:spcBef>
+              <a:buFont typeface="Arial" panose="020B0604020202020204" pitchFamily="34" charset="0"/>
+              <a:buChar char="•"/>
+              <a:defRPr sz="2400" kern="1200">
+                <a:solidFill>
+                  <a:schemeClr val="tx1"/>
+                </a:solidFill>
+                <a:latin typeface="+mn-lt"/>
+                <a:ea typeface="+mn-ea"/>
+                <a:cs typeface="+mn-cs"/>
+              </a:defRPr>
+            </a:lvl2pPr>
+            <a:lvl3pPr marL="1143000" indent="-228600" algn="l" defTabSz="914400" rtl="0" eaLnBrk="1" latinLnBrk="0" hangingPunct="1">
+              <a:lnSpc>
+                <a:spcPct val="90000"/>
+              </a:lnSpc>
+              <a:spcBef>
+                <a:spcPts val="500"/>
+              </a:spcBef>
+              <a:buFont typeface="Arial" panose="020B0604020202020204" pitchFamily="34" charset="0"/>
+              <a:buChar char="•"/>
+              <a:defRPr sz="2000" kern="1200">
+                <a:solidFill>
+                  <a:schemeClr val="tx1"/>
+                </a:solidFill>
+                <a:latin typeface="+mn-lt"/>
+                <a:ea typeface="+mn-ea"/>
+                <a:cs typeface="+mn-cs"/>
+              </a:defRPr>
+            </a:lvl3pPr>
+            <a:lvl4pPr marL="1600200" indent="-228600" algn="l" defTabSz="914400" rtl="0" eaLnBrk="1" latinLnBrk="0" hangingPunct="1">
+              <a:lnSpc>
+                <a:spcPct val="90000"/>
+              </a:lnSpc>
+              <a:spcBef>
+                <a:spcPts val="500"/>
+              </a:spcBef>
+              <a:buFont typeface="Arial" panose="020B0604020202020204" pitchFamily="34" charset="0"/>
+              <a:buChar char="•"/>
+              <a:defRPr sz="1800" kern="1200">
+                <a:solidFill>
+                  <a:schemeClr val="tx1"/>
+                </a:solidFill>
+                <a:latin typeface="+mn-lt"/>
+                <a:ea typeface="+mn-ea"/>
+                <a:cs typeface="+mn-cs"/>
+              </a:defRPr>
+            </a:lvl4pPr>
+            <a:lvl5pPr marL="2057400" indent="-228600" algn="l" defTabSz="914400" rtl="0" eaLnBrk="1" latinLnBrk="0" hangingPunct="1">
+              <a:lnSpc>
+                <a:spcPct val="90000"/>
+              </a:lnSpc>
+              <a:spcBef>
+                <a:spcPts val="500"/>
+              </a:spcBef>
+              <a:buFont typeface="Arial" panose="020B0604020202020204" pitchFamily="34" charset="0"/>
+              <a:buChar char="•"/>
+              <a:defRPr sz="1800" kern="1200">
+                <a:solidFill>
+                  <a:schemeClr val="tx1"/>
+                </a:solidFill>
+                <a:latin typeface="+mn-lt"/>
+                <a:ea typeface="+mn-ea"/>
+                <a:cs typeface="+mn-cs"/>
+              </a:defRPr>
+            </a:lvl5pPr>
+            <a:lvl6pPr marL="2514600" indent="-228600" algn="l" defTabSz="914400" rtl="0" eaLnBrk="1" latinLnBrk="0" hangingPunct="1">
+              <a:lnSpc>
+                <a:spcPct val="90000"/>
+              </a:lnSpc>
+              <a:spcBef>
+                <a:spcPts val="500"/>
+              </a:spcBef>
+              <a:buFont typeface="Arial" panose="020B0604020202020204" pitchFamily="34" charset="0"/>
+              <a:buChar char="•"/>
+              <a:defRPr sz="1800" kern="1200">
+                <a:solidFill>
+                  <a:schemeClr val="tx1"/>
+                </a:solidFill>
+                <a:latin typeface="+mn-lt"/>
+                <a:ea typeface="+mn-ea"/>
+                <a:cs typeface="+mn-cs"/>
+              </a:defRPr>
+            </a:lvl6pPr>
+            <a:lvl7pPr marL="2971800" indent="-228600" algn="l" defTabSz="914400" rtl="0" eaLnBrk="1" latinLnBrk="0" hangingPunct="1">
+              <a:lnSpc>
+                <a:spcPct val="90000"/>
+              </a:lnSpc>
+              <a:spcBef>
+                <a:spcPts val="500"/>
+              </a:spcBef>
+              <a:buFont typeface="Arial" panose="020B0604020202020204" pitchFamily="34" charset="0"/>
+              <a:buChar char="•"/>
+              <a:defRPr sz="1800" kern="1200">
+                <a:solidFill>
+                  <a:schemeClr val="tx1"/>
+                </a:solidFill>
+                <a:latin typeface="+mn-lt"/>
+                <a:ea typeface="+mn-ea"/>
+                <a:cs typeface="+mn-cs"/>
+              </a:defRPr>
+            </a:lvl7pPr>
+            <a:lvl8pPr marL="3429000" indent="-228600" algn="l" defTabSz="914400" rtl="0" eaLnBrk="1" latinLnBrk="0" hangingPunct="1">
+              <a:lnSpc>
+                <a:spcPct val="90000"/>
+              </a:lnSpc>
+              <a:spcBef>
+                <a:spcPts val="500"/>
+              </a:spcBef>
+              <a:buFont typeface="Arial" panose="020B0604020202020204" pitchFamily="34" charset="0"/>
+              <a:buChar char="•"/>
+              <a:defRPr sz="1800" kern="1200">
+                <a:solidFill>
+                  <a:schemeClr val="tx1"/>
+                </a:solidFill>
+                <a:latin typeface="+mn-lt"/>
+                <a:ea typeface="+mn-ea"/>
+                <a:cs typeface="+mn-cs"/>
+              </a:defRPr>
+            </a:lvl8pPr>
+            <a:lvl9pPr marL="3886200" indent="-228600" algn="l" defTabSz="914400" rtl="0" eaLnBrk="1" latinLnBrk="0" hangingPunct="1">
+              <a:lnSpc>
+                <a:spcPct val="90000"/>
+              </a:lnSpc>
+              <a:spcBef>
+                <a:spcPts val="500"/>
+              </a:spcBef>
+              <a:buFont typeface="Arial" panose="020B0604020202020204" pitchFamily="34" charset="0"/>
+              <a:buChar char="•"/>
+              <a:defRPr sz="1800" kern="1200">
+                <a:solidFill>
+                  <a:schemeClr val="tx1"/>
+                </a:solidFill>
+                <a:latin typeface="+mn-lt"/>
+                <a:ea typeface="+mn-ea"/>
+                <a:cs typeface="+mn-cs"/>
+              </a:defRPr>
+            </a:lvl9pPr>
+          </a:lstStyle>
+          <a:p>
+            <a:endParaRPr lang="en-US" sz="4000" dirty="0"/>
+          </a:p>
+          <a:p>
+            <a:r>
+              <a:rPr lang="en-US" sz="4000" dirty="0"/>
+              <a:t>Good superheroes generate more sales</a:t>
+            </a:r>
+          </a:p>
+          <a:p>
+            <a:r>
+              <a:rPr lang="en-US" sz="4000" dirty="0"/>
+              <a:t>No correlation between good or bad superhero in viewer ratings</a:t>
+            </a:r>
+          </a:p>
+          <a:p>
+            <a:r>
+              <a:rPr lang="en-US" sz="4000" dirty="0" err="1"/>
+              <a:t>Pvalue</a:t>
+            </a:r>
+            <a:r>
+              <a:rPr lang="en-US" sz="4000" dirty="0"/>
+              <a:t>=</a:t>
+            </a:r>
+          </a:p>
+          <a:p>
+            <a:endParaRPr lang="en-US" dirty="0"/>
+          </a:p>
+        </p:txBody>
+      </p:sp>
     </p:spTree>
     <p:extLst>
       <p:ext uri="{BB962C8B-B14F-4D97-AF65-F5344CB8AC3E}">
-        <p14:creationId xmlns:p14="http://schemas.microsoft.com/office/powerpoint/2010/main" val="3037870246"/>
+        <p14:creationId xmlns:p14="http://schemas.microsoft.com/office/powerpoint/2010/main" val="963660623"/>
       </p:ext>
     </p:extLst>
   </p:cSld>
@@ -3896,7 +6396,7 @@
           <p:cNvPr id="2" name="Title 1">
             <a:extLst>
               <a:ext uri="{FF2B5EF4-FFF2-40B4-BE49-F238E27FC236}">
-                <a16:creationId xmlns:a16="http://schemas.microsoft.com/office/drawing/2014/main" id="{53B67659-AC84-4137-BC59-6E3C33FA4DC4}"/>
+                <a16:creationId xmlns:a16="http://schemas.microsoft.com/office/drawing/2014/main" id="{8680DFD6-28E1-4BE7-A82C-531694124C5C}"/>
               </a:ext>
             </a:extLst>
           </p:cNvPr>
@@ -3912,16 +6412,19 @@
           <a:bodyPr/>
           <a:lstStyle/>
           <a:p>
-            <a:endParaRPr lang="en-US"/>
+            <a:r>
+              <a:rPr lang="en-US" dirty="0"/>
+              <a:t>Race (human vs. non-human) Breakdown</a:t>
+            </a:r>
           </a:p>
         </p:txBody>
       </p:sp>
       <p:pic>
         <p:nvPicPr>
-          <p:cNvPr id="5" name="Content Placeholder 4">
-            <a:extLst>
-              <a:ext uri="{FF2B5EF4-FFF2-40B4-BE49-F238E27FC236}">
-                <a16:creationId xmlns:a16="http://schemas.microsoft.com/office/drawing/2014/main" id="{05C224F6-34D9-4960-B819-ADAEB89F17D1}"/>
+          <p:cNvPr id="7" name="Content Placeholder 6" descr="A close up of a logo&#10;&#10;Description generated with high confidence">
+            <a:extLst>
+              <a:ext uri="{FF2B5EF4-FFF2-40B4-BE49-F238E27FC236}">
+                <a16:creationId xmlns:a16="http://schemas.microsoft.com/office/drawing/2014/main" id="{D59AC0ED-CFC4-49DB-9D97-6BED09307FD5}"/>
               </a:ext>
             </a:extLst>
           </p:cNvPr>
@@ -3946,15 +6449,305 @@
         </p:blipFill>
         <p:spPr>
           <a:xfrm>
-            <a:off x="3352175" y="2172077"/>
-            <a:ext cx="5487650" cy="3658433"/>
+            <a:off x="-693958" y="1544664"/>
+            <a:ext cx="4537184" cy="3024789"/>
           </a:xfrm>
         </p:spPr>
       </p:pic>
+      <p:pic>
+        <p:nvPicPr>
+          <p:cNvPr id="8" name="Content Placeholder 6" descr="A screenshot of a cell phone&#10;&#10;Description generated with very high confidence">
+            <a:extLst>
+              <a:ext uri="{FF2B5EF4-FFF2-40B4-BE49-F238E27FC236}">
+                <a16:creationId xmlns:a16="http://schemas.microsoft.com/office/drawing/2014/main" id="{972BC191-8C5B-4D73-8442-D235D2B2760E}"/>
+              </a:ext>
+            </a:extLst>
+          </p:cNvPr>
+          <p:cNvPicPr>
+            <a:picLocks noChangeAspect="1"/>
+          </p:cNvPicPr>
+          <p:nvPr/>
+        </p:nvPicPr>
+        <p:blipFill>
+          <a:blip r:embed="rId3">
+            <a:extLst>
+              <a:ext uri="{28A0092B-C50C-407E-A947-70E740481C1C}">
+                <a14:useLocalDpi xmlns:a14="http://schemas.microsoft.com/office/drawing/2010/main" val="0"/>
+              </a:ext>
+            </a:extLst>
+          </a:blip>
+          <a:stretch>
+            <a:fillRect/>
+          </a:stretch>
+        </p:blipFill>
+        <p:spPr>
+          <a:xfrm>
+            <a:off x="3843226" y="1611830"/>
+            <a:ext cx="4316821" cy="2877880"/>
+          </a:xfrm>
+          <a:prstGeom prst="rect">
+            <a:avLst/>
+          </a:prstGeom>
+        </p:spPr>
+      </p:pic>
+      <p:pic>
+        <p:nvPicPr>
+          <p:cNvPr id="9" name="Content Placeholder 6" descr="A screenshot of a cell phone&#10;&#10;Description generated with very high confidence">
+            <a:extLst>
+              <a:ext uri="{FF2B5EF4-FFF2-40B4-BE49-F238E27FC236}">
+                <a16:creationId xmlns:a16="http://schemas.microsoft.com/office/drawing/2014/main" id="{9E0BF771-655F-4EAC-BEEB-A6AECB610A68}"/>
+              </a:ext>
+            </a:extLst>
+          </p:cNvPr>
+          <p:cNvPicPr>
+            <a:picLocks noChangeAspect="1"/>
+          </p:cNvPicPr>
+          <p:nvPr/>
+        </p:nvPicPr>
+        <p:blipFill>
+          <a:blip r:embed="rId4">
+            <a:extLst>
+              <a:ext uri="{28A0092B-C50C-407E-A947-70E740481C1C}">
+                <a14:useLocalDpi xmlns:a14="http://schemas.microsoft.com/office/drawing/2010/main" val="0"/>
+              </a:ext>
+            </a:extLst>
+          </a:blip>
+          <a:stretch>
+            <a:fillRect/>
+          </a:stretch>
+        </p:blipFill>
+        <p:spPr>
+          <a:xfrm>
+            <a:off x="8111755" y="1690688"/>
+            <a:ext cx="4080245" cy="2720163"/>
+          </a:xfrm>
+          <a:prstGeom prst="rect">
+            <a:avLst/>
+          </a:prstGeom>
+        </p:spPr>
+      </p:pic>
+      <p:sp>
+        <p:nvSpPr>
+          <p:cNvPr id="10" name="Content Placeholder 2">
+            <a:extLst>
+              <a:ext uri="{FF2B5EF4-FFF2-40B4-BE49-F238E27FC236}">
+                <a16:creationId xmlns:a16="http://schemas.microsoft.com/office/drawing/2014/main" id="{EAF37D5B-09CC-4DB0-8F5C-B06BDDCB55CA}"/>
+              </a:ext>
+            </a:extLst>
+          </p:cNvPr>
+          <p:cNvSpPr txBox="1">
+            <a:spLocks/>
+          </p:cNvSpPr>
+          <p:nvPr/>
+        </p:nvSpPr>
+        <p:spPr>
+          <a:xfrm>
+            <a:off x="933894" y="4393619"/>
+            <a:ext cx="10515600" cy="1839433"/>
+          </a:xfrm>
+          <a:prstGeom prst="rect">
+            <a:avLst/>
+          </a:prstGeom>
+        </p:spPr>
+        <p:txBody>
+          <a:bodyPr vert="horz" lIns="91440" tIns="45720" rIns="91440" bIns="45720" rtlCol="0">
+            <a:normAutofit fontScale="77500" lnSpcReduction="20000"/>
+          </a:bodyPr>
+          <a:lstStyle>
+            <a:lvl1pPr marL="228600" indent="-228600" algn="l" defTabSz="914400" rtl="0" eaLnBrk="1" latinLnBrk="0" hangingPunct="1">
+              <a:lnSpc>
+                <a:spcPct val="90000"/>
+              </a:lnSpc>
+              <a:spcBef>
+                <a:spcPts val="1000"/>
+              </a:spcBef>
+              <a:buFont typeface="Arial" panose="020B0604020202020204" pitchFamily="34" charset="0"/>
+              <a:buChar char="•"/>
+              <a:defRPr sz="2800" kern="1200">
+                <a:solidFill>
+                  <a:schemeClr val="tx1"/>
+                </a:solidFill>
+                <a:latin typeface="+mn-lt"/>
+                <a:ea typeface="+mn-ea"/>
+                <a:cs typeface="+mn-cs"/>
+              </a:defRPr>
+            </a:lvl1pPr>
+            <a:lvl2pPr marL="685800" indent="-228600" algn="l" defTabSz="914400" rtl="0" eaLnBrk="1" latinLnBrk="0" hangingPunct="1">
+              <a:lnSpc>
+                <a:spcPct val="90000"/>
+              </a:lnSpc>
+              <a:spcBef>
+                <a:spcPts val="500"/>
+              </a:spcBef>
+              <a:buFont typeface="Arial" panose="020B0604020202020204" pitchFamily="34" charset="0"/>
+              <a:buChar char="•"/>
+              <a:defRPr sz="2400" kern="1200">
+                <a:solidFill>
+                  <a:schemeClr val="tx1"/>
+                </a:solidFill>
+                <a:latin typeface="+mn-lt"/>
+                <a:ea typeface="+mn-ea"/>
+                <a:cs typeface="+mn-cs"/>
+              </a:defRPr>
+            </a:lvl2pPr>
+            <a:lvl3pPr marL="1143000" indent="-228600" algn="l" defTabSz="914400" rtl="0" eaLnBrk="1" latinLnBrk="0" hangingPunct="1">
+              <a:lnSpc>
+                <a:spcPct val="90000"/>
+              </a:lnSpc>
+              <a:spcBef>
+                <a:spcPts val="500"/>
+              </a:spcBef>
+              <a:buFont typeface="Arial" panose="020B0604020202020204" pitchFamily="34" charset="0"/>
+              <a:buChar char="•"/>
+              <a:defRPr sz="2000" kern="1200">
+                <a:solidFill>
+                  <a:schemeClr val="tx1"/>
+                </a:solidFill>
+                <a:latin typeface="+mn-lt"/>
+                <a:ea typeface="+mn-ea"/>
+                <a:cs typeface="+mn-cs"/>
+              </a:defRPr>
+            </a:lvl3pPr>
+            <a:lvl4pPr marL="1600200" indent="-228600" algn="l" defTabSz="914400" rtl="0" eaLnBrk="1" latinLnBrk="0" hangingPunct="1">
+              <a:lnSpc>
+                <a:spcPct val="90000"/>
+              </a:lnSpc>
+              <a:spcBef>
+                <a:spcPts val="500"/>
+              </a:spcBef>
+              <a:buFont typeface="Arial" panose="020B0604020202020204" pitchFamily="34" charset="0"/>
+              <a:buChar char="•"/>
+              <a:defRPr sz="1800" kern="1200">
+                <a:solidFill>
+                  <a:schemeClr val="tx1"/>
+                </a:solidFill>
+                <a:latin typeface="+mn-lt"/>
+                <a:ea typeface="+mn-ea"/>
+                <a:cs typeface="+mn-cs"/>
+              </a:defRPr>
+            </a:lvl4pPr>
+            <a:lvl5pPr marL="2057400" indent="-228600" algn="l" defTabSz="914400" rtl="0" eaLnBrk="1" latinLnBrk="0" hangingPunct="1">
+              <a:lnSpc>
+                <a:spcPct val="90000"/>
+              </a:lnSpc>
+              <a:spcBef>
+                <a:spcPts val="500"/>
+              </a:spcBef>
+              <a:buFont typeface="Arial" panose="020B0604020202020204" pitchFamily="34" charset="0"/>
+              <a:buChar char="•"/>
+              <a:defRPr sz="1800" kern="1200">
+                <a:solidFill>
+                  <a:schemeClr val="tx1"/>
+                </a:solidFill>
+                <a:latin typeface="+mn-lt"/>
+                <a:ea typeface="+mn-ea"/>
+                <a:cs typeface="+mn-cs"/>
+              </a:defRPr>
+            </a:lvl5pPr>
+            <a:lvl6pPr marL="2514600" indent="-228600" algn="l" defTabSz="914400" rtl="0" eaLnBrk="1" latinLnBrk="0" hangingPunct="1">
+              <a:lnSpc>
+                <a:spcPct val="90000"/>
+              </a:lnSpc>
+              <a:spcBef>
+                <a:spcPts val="500"/>
+              </a:spcBef>
+              <a:buFont typeface="Arial" panose="020B0604020202020204" pitchFamily="34" charset="0"/>
+              <a:buChar char="•"/>
+              <a:defRPr sz="1800" kern="1200">
+                <a:solidFill>
+                  <a:schemeClr val="tx1"/>
+                </a:solidFill>
+                <a:latin typeface="+mn-lt"/>
+                <a:ea typeface="+mn-ea"/>
+                <a:cs typeface="+mn-cs"/>
+              </a:defRPr>
+            </a:lvl6pPr>
+            <a:lvl7pPr marL="2971800" indent="-228600" algn="l" defTabSz="914400" rtl="0" eaLnBrk="1" latinLnBrk="0" hangingPunct="1">
+              <a:lnSpc>
+                <a:spcPct val="90000"/>
+              </a:lnSpc>
+              <a:spcBef>
+                <a:spcPts val="500"/>
+              </a:spcBef>
+              <a:buFont typeface="Arial" panose="020B0604020202020204" pitchFamily="34" charset="0"/>
+              <a:buChar char="•"/>
+              <a:defRPr sz="1800" kern="1200">
+                <a:solidFill>
+                  <a:schemeClr val="tx1"/>
+                </a:solidFill>
+                <a:latin typeface="+mn-lt"/>
+                <a:ea typeface="+mn-ea"/>
+                <a:cs typeface="+mn-cs"/>
+              </a:defRPr>
+            </a:lvl7pPr>
+            <a:lvl8pPr marL="3429000" indent="-228600" algn="l" defTabSz="914400" rtl="0" eaLnBrk="1" latinLnBrk="0" hangingPunct="1">
+              <a:lnSpc>
+                <a:spcPct val="90000"/>
+              </a:lnSpc>
+              <a:spcBef>
+                <a:spcPts val="500"/>
+              </a:spcBef>
+              <a:buFont typeface="Arial" panose="020B0604020202020204" pitchFamily="34" charset="0"/>
+              <a:buChar char="•"/>
+              <a:defRPr sz="1800" kern="1200">
+                <a:solidFill>
+                  <a:schemeClr val="tx1"/>
+                </a:solidFill>
+                <a:latin typeface="+mn-lt"/>
+                <a:ea typeface="+mn-ea"/>
+                <a:cs typeface="+mn-cs"/>
+              </a:defRPr>
+            </a:lvl8pPr>
+            <a:lvl9pPr marL="3886200" indent="-228600" algn="l" defTabSz="914400" rtl="0" eaLnBrk="1" latinLnBrk="0" hangingPunct="1">
+              <a:lnSpc>
+                <a:spcPct val="90000"/>
+              </a:lnSpc>
+              <a:spcBef>
+                <a:spcPts val="500"/>
+              </a:spcBef>
+              <a:buFont typeface="Arial" panose="020B0604020202020204" pitchFamily="34" charset="0"/>
+              <a:buChar char="•"/>
+              <a:defRPr sz="1800" kern="1200">
+                <a:solidFill>
+                  <a:schemeClr val="tx1"/>
+                </a:solidFill>
+                <a:latin typeface="+mn-lt"/>
+                <a:ea typeface="+mn-ea"/>
+                <a:cs typeface="+mn-cs"/>
+              </a:defRPr>
+            </a:lvl9pPr>
+          </a:lstStyle>
+          <a:p>
+            <a:endParaRPr lang="en-US" sz="4000" dirty="0"/>
+          </a:p>
+          <a:p>
+            <a:r>
+              <a:rPr lang="en-US" sz="4000" dirty="0"/>
+              <a:t>Human superheroes generate more box office sales</a:t>
+            </a:r>
+          </a:p>
+          <a:p>
+            <a:r>
+              <a:rPr lang="en-US" sz="4000" dirty="0"/>
+              <a:t>No correlation in viewer ratings based on race</a:t>
+            </a:r>
+          </a:p>
+          <a:p>
+            <a:r>
+              <a:rPr lang="en-US" sz="4000" dirty="0" err="1"/>
+              <a:t>Pvalue</a:t>
+            </a:r>
+            <a:r>
+              <a:rPr lang="en-US" sz="4000" dirty="0"/>
+              <a:t>=</a:t>
+            </a:r>
+          </a:p>
+        </p:txBody>
+      </p:sp>
     </p:spTree>
     <p:extLst>
       <p:ext uri="{BB962C8B-B14F-4D97-AF65-F5344CB8AC3E}">
-        <p14:creationId xmlns:p14="http://schemas.microsoft.com/office/powerpoint/2010/main" val="340551988"/>
+        <p14:creationId xmlns:p14="http://schemas.microsoft.com/office/powerpoint/2010/main" val="3897819111"/>
       </p:ext>
     </p:extLst>
   </p:cSld>
@@ -3986,7 +6779,7 @@
           <p:cNvPr id="2" name="Title 1">
             <a:extLst>
               <a:ext uri="{FF2B5EF4-FFF2-40B4-BE49-F238E27FC236}">
-                <a16:creationId xmlns:a16="http://schemas.microsoft.com/office/drawing/2014/main" id="{7F32757E-21BB-48FA-8355-BD5AA5E6F5EA}"/>
+                <a16:creationId xmlns:a16="http://schemas.microsoft.com/office/drawing/2014/main" id="{34A4F683-5B19-431F-9C32-DFB98F9B8C90}"/>
               </a:ext>
             </a:extLst>
           </p:cNvPr>
@@ -3999,45 +6792,71 @@
         </p:nvSpPr>
         <p:spPr/>
         <p:txBody>
-          <a:bodyPr/>
-          <a:lstStyle/>
-          <a:p>
-            <a:r>
+          <a:bodyPr>
+            <a:normAutofit fontScale="90000"/>
+          </a:bodyPr>
+          <a:lstStyle/>
+          <a:p>
+            <a:br>
               <a:rPr lang="en-US" dirty="0"/>
-              <a:t>Power</a:t>
-            </a:r>
-          </a:p>
-        </p:txBody>
-      </p:sp>
-      <p:sp>
-        <p:nvSpPr>
-          <p:cNvPr id="3" name="Content Placeholder 2">
-            <a:extLst>
-              <a:ext uri="{FF2B5EF4-FFF2-40B4-BE49-F238E27FC236}">
-                <a16:creationId xmlns:a16="http://schemas.microsoft.com/office/drawing/2014/main" id="{5DB5CF11-FE3C-44BF-842C-8AAA7D38A8F0}"/>
-              </a:ext>
-            </a:extLst>
-          </p:cNvPr>
-          <p:cNvSpPr>
-            <a:spLocks noGrp="1"/>
-          </p:cNvSpPr>
+            </a:br>
+            <a:r>
+              <a:rPr lang="en-US" dirty="0"/>
+              <a:t>Alignment Comparison for International Sales</a:t>
+            </a:r>
+            <a:br>
+              <a:rPr lang="en-US" dirty="0"/>
+            </a:br>
+            <a:r>
+              <a:rPr lang="en-US" dirty="0"/>
+              <a:t>Ant-Man and the Wasp </a:t>
+            </a:r>
+            <a:br>
+              <a:rPr lang="en-US" dirty="0"/>
+            </a:br>
+            <a:endParaRPr lang="en-US" dirty="0"/>
+          </a:p>
+        </p:txBody>
+      </p:sp>
+      <p:pic>
+        <p:nvPicPr>
+          <p:cNvPr id="5" name="Content Placeholder 4" descr="A picture containing text, map&#10;&#10;Description generated with very high confidence">
+            <a:extLst>
+              <a:ext uri="{FF2B5EF4-FFF2-40B4-BE49-F238E27FC236}">
+                <a16:creationId xmlns:a16="http://schemas.microsoft.com/office/drawing/2014/main" id="{9226D4B1-4EEB-476B-A2EB-1DFA8A1A2833}"/>
+              </a:ext>
+            </a:extLst>
+          </p:cNvPr>
+          <p:cNvPicPr>
+            <a:picLocks noGrp="1" noChangeAspect="1"/>
+          </p:cNvPicPr>
           <p:nvPr>
             <p:ph idx="1"/>
           </p:nvPr>
-        </p:nvSpPr>
-        <p:spPr/>
-        <p:txBody>
-          <a:bodyPr/>
-          <a:lstStyle/>
-          <a:p>
-            <a:endParaRPr lang="en-US"/>
-          </a:p>
-        </p:txBody>
-      </p:sp>
+        </p:nvPicPr>
+        <p:blipFill>
+          <a:blip r:embed="rId3">
+            <a:extLst>
+              <a:ext uri="{28A0092B-C50C-407E-A947-70E740481C1C}">
+                <a14:useLocalDpi xmlns:a14="http://schemas.microsoft.com/office/drawing/2010/main" val="0"/>
+              </a:ext>
+            </a:extLst>
+          </a:blip>
+          <a:stretch>
+            <a:fillRect/>
+          </a:stretch>
+        </p:blipFill>
+        <p:spPr>
+          <a:xfrm>
+            <a:off x="1547812" y="2167731"/>
+            <a:ext cx="9010318" cy="3632432"/>
+          </a:xfrm>
+        </p:spPr>
+      </p:pic>
     </p:spTree>
     <p:extLst>
       <p:ext uri="{BB962C8B-B14F-4D97-AF65-F5344CB8AC3E}">
-        <p14:creationId xmlns:p14="http://schemas.microsoft.com/office/powerpoint/2010/main" val="1345482559"/>
+        <p14:creationId xmlns:p14="http://schemas.microsoft.com/office/powerpoint/2010/main" val="4005584866"/>
       </p:ext>
     </p:extLst>
   </p:cSld>
@@ -4069,7 +6888,7 @@
           <p:cNvPr id="2" name="Title 1">
             <a:extLst>
               <a:ext uri="{FF2B5EF4-FFF2-40B4-BE49-F238E27FC236}">
-                <a16:creationId xmlns:a16="http://schemas.microsoft.com/office/drawing/2014/main" id="{AF50DADC-0626-4328-9C14-364B01262647}"/>
+                <a16:creationId xmlns:a16="http://schemas.microsoft.com/office/drawing/2014/main" id="{3C74C30E-52C0-4A42-BA3F-E7F3AE4E9442}"/>
               </a:ext>
             </a:extLst>
           </p:cNvPr>
@@ -4085,16 +6904,26 @@
           <a:bodyPr/>
           <a:lstStyle/>
           <a:p>
-            <a:endParaRPr lang="en-US"/>
+            <a:r>
+              <a:rPr lang="en-US" dirty="0"/>
+              <a:t>Alignment Comparison for International Sales</a:t>
+            </a:r>
+            <a:br>
+              <a:rPr lang="en-US" dirty="0"/>
+            </a:br>
+            <a:r>
+              <a:rPr lang="en-US" dirty="0"/>
+              <a:t>Venom</a:t>
+            </a:r>
           </a:p>
         </p:txBody>
       </p:sp>
       <p:pic>
         <p:nvPicPr>
-          <p:cNvPr id="5" name="Content Placeholder 4">
-            <a:extLst>
-              <a:ext uri="{FF2B5EF4-FFF2-40B4-BE49-F238E27FC236}">
-                <a16:creationId xmlns:a16="http://schemas.microsoft.com/office/drawing/2014/main" id="{18D02DE4-CEDF-4C85-8A74-A626E7285383}"/>
+          <p:cNvPr id="5" name="Content Placeholder 4" descr="A close up of a map&#10;&#10;Description generated with high confidence">
+            <a:extLst>
+              <a:ext uri="{FF2B5EF4-FFF2-40B4-BE49-F238E27FC236}">
+                <a16:creationId xmlns:a16="http://schemas.microsoft.com/office/drawing/2014/main" id="{4FADECF0-CDA3-4DE6-990F-70565410DE8C}"/>
               </a:ext>
             </a:extLst>
           </p:cNvPr>
@@ -4106,7 +6935,7 @@
           </p:nvPr>
         </p:nvPicPr>
         <p:blipFill>
-          <a:blip r:embed="rId2">
+          <a:blip r:embed="rId3">
             <a:extLst>
               <a:ext uri="{28A0092B-C50C-407E-A947-70E740481C1C}">
                 <a14:useLocalDpi xmlns:a14="http://schemas.microsoft.com/office/drawing/2010/main" val="0"/>
@@ -4119,15 +6948,15 @@
         </p:blipFill>
         <p:spPr>
           <a:xfrm>
-            <a:off x="838200" y="2248694"/>
-            <a:ext cx="10515600" cy="3505200"/>
+            <a:off x="1547812" y="2167731"/>
+            <a:ext cx="9096375" cy="3667125"/>
           </a:xfrm>
         </p:spPr>
       </p:pic>
     </p:spTree>
     <p:extLst>
       <p:ext uri="{BB962C8B-B14F-4D97-AF65-F5344CB8AC3E}">
-        <p14:creationId xmlns:p14="http://schemas.microsoft.com/office/powerpoint/2010/main" val="3572409655"/>
+        <p14:creationId xmlns:p14="http://schemas.microsoft.com/office/powerpoint/2010/main" val="1012909179"/>
       </p:ext>
     </p:extLst>
   </p:cSld>
@@ -4159,7 +6988,7 @@
           <p:cNvPr id="2" name="Title 1">
             <a:extLst>
               <a:ext uri="{FF2B5EF4-FFF2-40B4-BE49-F238E27FC236}">
-                <a16:creationId xmlns:a16="http://schemas.microsoft.com/office/drawing/2014/main" id="{0D34AB1D-48FE-4F3D-881C-20E7FF2C3374}"/>
+                <a16:creationId xmlns:a16="http://schemas.microsoft.com/office/drawing/2014/main" id="{BCE45D90-5717-4B5A-9175-A0AB58648D11}"/>
               </a:ext>
             </a:extLst>
           </p:cNvPr>
@@ -4175,16 +7004,26 @@
           <a:bodyPr/>
           <a:lstStyle/>
           <a:p>
-            <a:endParaRPr lang="en-US"/>
+            <a:r>
+              <a:rPr lang="en-US" dirty="0"/>
+              <a:t>Gender Comparison for International Sales</a:t>
+            </a:r>
+            <a:br>
+              <a:rPr lang="en-US" dirty="0"/>
+            </a:br>
+            <a:r>
+              <a:rPr lang="en-US" dirty="0"/>
+              <a:t>Wonder Woman</a:t>
+            </a:r>
           </a:p>
         </p:txBody>
       </p:sp>
       <p:pic>
         <p:nvPicPr>
-          <p:cNvPr id="5" name="Content Placeholder 4">
-            <a:extLst>
-              <a:ext uri="{FF2B5EF4-FFF2-40B4-BE49-F238E27FC236}">
-                <a16:creationId xmlns:a16="http://schemas.microsoft.com/office/drawing/2014/main" id="{87D95968-C053-4799-8C9F-B2363FBC14D4}"/>
+          <p:cNvPr id="5" name="Content Placeholder 4" descr="A close up of a map&#10;&#10;Description generated with high confidence">
+            <a:extLst>
+              <a:ext uri="{FF2B5EF4-FFF2-40B4-BE49-F238E27FC236}">
+                <a16:creationId xmlns:a16="http://schemas.microsoft.com/office/drawing/2014/main" id="{AE11023A-8D19-42CC-B8F8-9C2425392730}"/>
               </a:ext>
             </a:extLst>
           </p:cNvPr>
@@ -4209,15 +7048,15 @@
         </p:blipFill>
         <p:spPr>
           <a:xfrm>
-            <a:off x="3352175" y="2172077"/>
-            <a:ext cx="5487650" cy="3658433"/>
+            <a:off x="1547812" y="2167731"/>
+            <a:ext cx="9096375" cy="3667125"/>
           </a:xfrm>
         </p:spPr>
       </p:pic>
     </p:spTree>
     <p:extLst>
       <p:ext uri="{BB962C8B-B14F-4D97-AF65-F5344CB8AC3E}">
-        <p14:creationId xmlns:p14="http://schemas.microsoft.com/office/powerpoint/2010/main" val="1879349401"/>
+        <p14:creationId xmlns:p14="http://schemas.microsoft.com/office/powerpoint/2010/main" val="1292301538"/>
       </p:ext>
     </p:extLst>
   </p:cSld>
@@ -4249,7 +7088,7 @@
           <p:cNvPr id="2" name="Title 1">
             <a:extLst>
               <a:ext uri="{FF2B5EF4-FFF2-40B4-BE49-F238E27FC236}">
-                <a16:creationId xmlns:a16="http://schemas.microsoft.com/office/drawing/2014/main" id="{5BF6E53E-D76D-4309-A376-C03A6A8389D8}"/>
+                <a16:creationId xmlns:a16="http://schemas.microsoft.com/office/drawing/2014/main" id="{3B3CE0A7-1EE3-4948-B2D1-BA4ADEF1D1AD}"/>
               </a:ext>
             </a:extLst>
           </p:cNvPr>
@@ -4265,16 +7104,26 @@
           <a:bodyPr/>
           <a:lstStyle/>
           <a:p>
-            <a:endParaRPr lang="en-US"/>
+            <a:r>
+              <a:rPr lang="en-US" dirty="0"/>
+              <a:t>Gender Comparison for International Sales</a:t>
+            </a:r>
+            <a:br>
+              <a:rPr lang="en-US" dirty="0"/>
+            </a:br>
+            <a:r>
+              <a:rPr lang="en-US" dirty="0"/>
+              <a:t>Iron Man 3</a:t>
+            </a:r>
           </a:p>
         </p:txBody>
       </p:sp>
       <p:pic>
         <p:nvPicPr>
-          <p:cNvPr id="5" name="Content Placeholder 4">
-            <a:extLst>
-              <a:ext uri="{FF2B5EF4-FFF2-40B4-BE49-F238E27FC236}">
-                <a16:creationId xmlns:a16="http://schemas.microsoft.com/office/drawing/2014/main" id="{3E4A4680-A221-4EEE-B427-32D92ACD92F8}"/>
+          <p:cNvPr id="5" name="Content Placeholder 4" descr="A picture containing text, map&#10;&#10;Description generated with very high confidence">
+            <a:extLst>
+              <a:ext uri="{FF2B5EF4-FFF2-40B4-BE49-F238E27FC236}">
+                <a16:creationId xmlns:a16="http://schemas.microsoft.com/office/drawing/2014/main" id="{6306F232-FA59-4753-B518-2C8AA149AA63}"/>
               </a:ext>
             </a:extLst>
           </p:cNvPr>
@@ -4299,15 +7148,15 @@
         </p:blipFill>
         <p:spPr>
           <a:xfrm>
-            <a:off x="3352175" y="2172077"/>
-            <a:ext cx="5487650" cy="3658433"/>
+            <a:off x="1547812" y="2167731"/>
+            <a:ext cx="9096375" cy="3667125"/>
           </a:xfrm>
         </p:spPr>
       </p:pic>
     </p:spTree>
     <p:extLst>
       <p:ext uri="{BB962C8B-B14F-4D97-AF65-F5344CB8AC3E}">
-        <p14:creationId xmlns:p14="http://schemas.microsoft.com/office/powerpoint/2010/main" val="465828110"/>
+        <p14:creationId xmlns:p14="http://schemas.microsoft.com/office/powerpoint/2010/main" val="702100830"/>
       </p:ext>
     </p:extLst>
   </p:cSld>
@@ -4339,7 +7188,7 @@
           <p:cNvPr id="2" name="Title 1">
             <a:extLst>
               <a:ext uri="{FF2B5EF4-FFF2-40B4-BE49-F238E27FC236}">
-                <a16:creationId xmlns:a16="http://schemas.microsoft.com/office/drawing/2014/main" id="{2AB3447F-8E30-4A76-B9ED-8CF2C2B6C6EC}"/>
+                <a16:creationId xmlns:a16="http://schemas.microsoft.com/office/drawing/2014/main" id="{B66FB1D4-B378-4BFC-B495-74EAFF6CCE22}"/>
               </a:ext>
             </a:extLst>
           </p:cNvPr>
@@ -4357,7 +7206,7 @@
           <a:p>
             <a:r>
               <a:rPr lang="en-US" dirty="0"/>
-              <a:t>Team Members</a:t>
+              <a:t>Research Question</a:t>
             </a:r>
           </a:p>
         </p:txBody>
@@ -4367,7 +7216,7 @@
           <p:cNvPr id="3" name="Content Placeholder 2">
             <a:extLst>
               <a:ext uri="{FF2B5EF4-FFF2-40B4-BE49-F238E27FC236}">
-                <a16:creationId xmlns:a16="http://schemas.microsoft.com/office/drawing/2014/main" id="{32A24BCA-65C8-4D10-8603-4EDA2ABF0AC6}"/>
+                <a16:creationId xmlns:a16="http://schemas.microsoft.com/office/drawing/2014/main" id="{8DA3E0AA-D97E-4905-A26B-19188DBDF6A2}"/>
               </a:ext>
             </a:extLst>
           </p:cNvPr>
@@ -4378,100 +7227,44 @@
             <p:ph idx="1"/>
           </p:nvPr>
         </p:nvSpPr>
-        <p:spPr/>
-        <p:txBody>
-          <a:bodyPr/>
-          <a:lstStyle/>
-          <a:p>
-            <a:r>
-              <a:rPr lang="en-US" b="1" dirty="0"/>
-              <a:t>Carrie Cook: </a:t>
-            </a:r>
-            <a:r>
-              <a:rPr lang="en-US" b="1" dirty="0">
-                <a:hlinkClick r:id="rId2"/>
-              </a:rPr>
-              <a:t>carriecook82@gmail.com</a:t>
-            </a:r>
-            <a:endParaRPr lang="en-US" b="1" dirty="0"/>
-          </a:p>
-          <a:p>
-            <a:r>
-              <a:rPr lang="en-US" b="1" dirty="0"/>
-              <a:t>- Shirley Quintana: </a:t>
-            </a:r>
-            <a:r>
-              <a:rPr lang="en-US" b="1" dirty="0">
-                <a:hlinkClick r:id="rId3"/>
-              </a:rPr>
-              <a:t>quintanashirl@gmail.com</a:t>
-            </a:r>
-            <a:endParaRPr lang="en-US" b="1" dirty="0"/>
-          </a:p>
-          <a:p>
-            <a:r>
-              <a:rPr lang="en-US" b="1" dirty="0"/>
-              <a:t>- Farai </a:t>
-            </a:r>
-            <a:r>
-              <a:rPr lang="en-US" b="1" dirty="0" err="1"/>
-              <a:t>Chinanayi</a:t>
-            </a:r>
-            <a:r>
-              <a:rPr lang="en-US" b="1" dirty="0"/>
-              <a:t>: </a:t>
-            </a:r>
-            <a:r>
-              <a:rPr lang="en-US" b="1" dirty="0">
-                <a:hlinkClick r:id="rId4"/>
-              </a:rPr>
-              <a:t>showfara2011@gmail.com</a:t>
-            </a:r>
-            <a:endParaRPr lang="en-US" b="1" dirty="0"/>
-          </a:p>
-          <a:p>
-            <a:r>
-              <a:rPr lang="en-US" b="1" dirty="0"/>
-              <a:t>- Ryan </a:t>
-            </a:r>
-            <a:r>
-              <a:rPr lang="en-US" b="1" dirty="0" err="1"/>
-              <a:t>Schraeder</a:t>
-            </a:r>
-            <a:r>
-              <a:rPr lang="en-US" b="1" dirty="0"/>
-              <a:t>: </a:t>
-            </a:r>
-            <a:r>
-              <a:rPr lang="en-US" b="1" dirty="0">
-                <a:hlinkClick r:id="rId5"/>
-              </a:rPr>
-              <a:t>rschraeder2@gmail.com</a:t>
-            </a:r>
-            <a:endParaRPr lang="en-US" b="1" dirty="0"/>
-          </a:p>
-          <a:p>
-            <a:r>
-              <a:rPr lang="en-US" b="1" dirty="0"/>
-              <a:t>- James Lee: </a:t>
-            </a:r>
-            <a:r>
-              <a:rPr lang="en-US" b="1" dirty="0">
-                <a:hlinkClick r:id="rId6"/>
-              </a:rPr>
-              <a:t>jamesbradfordlee@gmail.com</a:t>
-            </a:r>
-            <a:endParaRPr lang="en-US" b="1" dirty="0"/>
-          </a:p>
-          <a:p>
+        <p:spPr>
+          <a:xfrm>
+            <a:off x="838200" y="1825625"/>
+            <a:ext cx="10515600" cy="4030645"/>
+          </a:xfrm>
+        </p:spPr>
+        <p:txBody>
+          <a:bodyPr/>
+          <a:lstStyle/>
+          <a:p>
+            <a:pPr marL="0" indent="0">
+              <a:buNone/>
+            </a:pPr>
             <a:endParaRPr lang="en-US" dirty="0"/>
+          </a:p>
+          <a:p>
+            <a:pPr marL="0" indent="0" algn="just">
+              <a:buNone/>
+            </a:pPr>
+            <a:r>
+              <a:rPr lang="en-US" sz="4000" dirty="0"/>
+              <a:t>Do certain superhero attributes (i.e., </a:t>
+            </a:r>
+            <a:r>
+              <a:rPr lang="en-US" sz="4000" b="1" dirty="0"/>
+              <a:t>power level, race (human vs. non-human), gender, and alignment</a:t>
+            </a:r>
+            <a:r>
+              <a:rPr lang="en-US" sz="4000" dirty="0"/>
+              <a:t>) lead to higher or lower box office sales and ratings in the US? International Sales?</a:t>
+            </a:r>
           </a:p>
         </p:txBody>
       </p:sp>
     </p:spTree>
     <p:extLst>
       <p:ext uri="{BB962C8B-B14F-4D97-AF65-F5344CB8AC3E}">
-        <p14:creationId xmlns:p14="http://schemas.microsoft.com/office/powerpoint/2010/main" val="2810892722"/>
+        <p14:creationId xmlns:p14="http://schemas.microsoft.com/office/powerpoint/2010/main" val="50932985"/>
       </p:ext>
     </p:extLst>
   </p:cSld>
@@ -4503,7 +7296,7 @@
           <p:cNvPr id="2" name="Title 1">
             <a:extLst>
               <a:ext uri="{FF2B5EF4-FFF2-40B4-BE49-F238E27FC236}">
-                <a16:creationId xmlns:a16="http://schemas.microsoft.com/office/drawing/2014/main" id="{8D7225A1-2F52-468E-941C-9953BDAF3D87}"/>
+                <a16:creationId xmlns:a16="http://schemas.microsoft.com/office/drawing/2014/main" id="{10D1935D-7173-4F97-BE37-B61900179E68}"/>
               </a:ext>
             </a:extLst>
           </p:cNvPr>
@@ -4521,40 +7314,62 @@
           <a:p>
             <a:r>
               <a:rPr lang="en-US" dirty="0"/>
-              <a:t>Alignment</a:t>
-            </a:r>
-          </a:p>
-        </p:txBody>
-      </p:sp>
-      <p:sp>
-        <p:nvSpPr>
-          <p:cNvPr id="3" name="Content Placeholder 2">
-            <a:extLst>
-              <a:ext uri="{FF2B5EF4-FFF2-40B4-BE49-F238E27FC236}">
-                <a16:creationId xmlns:a16="http://schemas.microsoft.com/office/drawing/2014/main" id="{3FA1A22E-23BB-4256-95F2-9B825B035AD0}"/>
-              </a:ext>
-            </a:extLst>
-          </p:cNvPr>
-          <p:cNvSpPr>
-            <a:spLocks noGrp="1"/>
-          </p:cNvSpPr>
+              <a:t>Race Comparison for International Sales</a:t>
+            </a:r>
+            <a:br>
+              <a:rPr lang="en-US" dirty="0"/>
+            </a:br>
+            <a:r>
+              <a:rPr lang="en-US" dirty="0"/>
+              <a:t>Thor </a:t>
+            </a:r>
+            <a:r>
+              <a:rPr lang="en-US" dirty="0" err="1"/>
+              <a:t>Ragnarok</a:t>
+            </a:r>
+            <a:endParaRPr lang="en-US" dirty="0"/>
+          </a:p>
+        </p:txBody>
+      </p:sp>
+      <p:pic>
+        <p:nvPicPr>
+          <p:cNvPr id="5" name="Content Placeholder 4" descr="A picture containing text, map&#10;&#10;Description generated with very high confidence">
+            <a:extLst>
+              <a:ext uri="{FF2B5EF4-FFF2-40B4-BE49-F238E27FC236}">
+                <a16:creationId xmlns:a16="http://schemas.microsoft.com/office/drawing/2014/main" id="{8560886F-076A-4D32-BC42-2C71E0B0638E}"/>
+              </a:ext>
+            </a:extLst>
+          </p:cNvPr>
+          <p:cNvPicPr>
+            <a:picLocks noGrp="1" noChangeAspect="1"/>
+          </p:cNvPicPr>
           <p:nvPr>
             <p:ph idx="1"/>
           </p:nvPr>
-        </p:nvSpPr>
-        <p:spPr/>
-        <p:txBody>
-          <a:bodyPr/>
-          <a:lstStyle/>
-          <a:p>
-            <a:endParaRPr lang="en-US"/>
-          </a:p>
-        </p:txBody>
-      </p:sp>
+        </p:nvPicPr>
+        <p:blipFill>
+          <a:blip r:embed="rId2">
+            <a:extLst>
+              <a:ext uri="{28A0092B-C50C-407E-A947-70E740481C1C}">
+                <a14:useLocalDpi xmlns:a14="http://schemas.microsoft.com/office/drawing/2010/main" val="0"/>
+              </a:ext>
+            </a:extLst>
+          </a:blip>
+          <a:stretch>
+            <a:fillRect/>
+          </a:stretch>
+        </p:blipFill>
+        <p:spPr>
+          <a:xfrm>
+            <a:off x="1547812" y="2167731"/>
+            <a:ext cx="9096375" cy="3667125"/>
+          </a:xfrm>
+        </p:spPr>
+      </p:pic>
     </p:spTree>
     <p:extLst>
       <p:ext uri="{BB962C8B-B14F-4D97-AF65-F5344CB8AC3E}">
-        <p14:creationId xmlns:p14="http://schemas.microsoft.com/office/powerpoint/2010/main" val="3224985061"/>
+        <p14:creationId xmlns:p14="http://schemas.microsoft.com/office/powerpoint/2010/main" val="2985350570"/>
       </p:ext>
     </p:extLst>
   </p:cSld>
@@ -4586,7 +7401,7 @@
           <p:cNvPr id="2" name="Title 1">
             <a:extLst>
               <a:ext uri="{FF2B5EF4-FFF2-40B4-BE49-F238E27FC236}">
-                <a16:creationId xmlns:a16="http://schemas.microsoft.com/office/drawing/2014/main" id="{09924725-C446-45DB-8269-021D46DE9F32}"/>
+                <a16:creationId xmlns:a16="http://schemas.microsoft.com/office/drawing/2014/main" id="{86542AFD-4341-4B1C-B47C-FD006CAA2BE4}"/>
               </a:ext>
             </a:extLst>
           </p:cNvPr>
@@ -4602,16 +7417,26 @@
           <a:bodyPr/>
           <a:lstStyle/>
           <a:p>
-            <a:endParaRPr lang="en-US"/>
+            <a:r>
+              <a:rPr lang="en-US" dirty="0"/>
+              <a:t>Race Comparison for International Sales</a:t>
+            </a:r>
+            <a:br>
+              <a:rPr lang="en-US" dirty="0"/>
+            </a:br>
+            <a:r>
+              <a:rPr lang="en-US" dirty="0"/>
+              <a:t>Spider Man Homecoming</a:t>
+            </a:r>
           </a:p>
         </p:txBody>
       </p:sp>
       <p:pic>
         <p:nvPicPr>
-          <p:cNvPr id="5" name="Content Placeholder 4">
-            <a:extLst>
-              <a:ext uri="{FF2B5EF4-FFF2-40B4-BE49-F238E27FC236}">
-                <a16:creationId xmlns:a16="http://schemas.microsoft.com/office/drawing/2014/main" id="{020F3E16-0156-4E91-BCA4-082C2C742568}"/>
+          <p:cNvPr id="5" name="Content Placeholder 4" descr="A picture containing text, map&#10;&#10;Description generated with very high confidence">
+            <a:extLst>
+              <a:ext uri="{FF2B5EF4-FFF2-40B4-BE49-F238E27FC236}">
+                <a16:creationId xmlns:a16="http://schemas.microsoft.com/office/drawing/2014/main" id="{E200B0BF-3E50-4E00-B9E0-C7C72FEC8FF2}"/>
               </a:ext>
             </a:extLst>
           </p:cNvPr>
@@ -4636,15 +7461,15 @@
         </p:blipFill>
         <p:spPr>
           <a:xfrm>
-            <a:off x="3352175" y="2172077"/>
-            <a:ext cx="5487650" cy="3658433"/>
+            <a:off x="1547812" y="2167731"/>
+            <a:ext cx="9096375" cy="3667125"/>
           </a:xfrm>
         </p:spPr>
       </p:pic>
     </p:spTree>
     <p:extLst>
       <p:ext uri="{BB962C8B-B14F-4D97-AF65-F5344CB8AC3E}">
-        <p14:creationId xmlns:p14="http://schemas.microsoft.com/office/powerpoint/2010/main" val="592200655"/>
+        <p14:creationId xmlns:p14="http://schemas.microsoft.com/office/powerpoint/2010/main" val="3475884604"/>
       </p:ext>
     </p:extLst>
   </p:cSld>
@@ -4676,7 +7501,7 @@
           <p:cNvPr id="2" name="Title 1">
             <a:extLst>
               <a:ext uri="{FF2B5EF4-FFF2-40B4-BE49-F238E27FC236}">
-                <a16:creationId xmlns:a16="http://schemas.microsoft.com/office/drawing/2014/main" id="{EA2521BF-7F5E-4F29-B9B5-47C7D8A52876}"/>
+                <a16:creationId xmlns:a16="http://schemas.microsoft.com/office/drawing/2014/main" id="{57F5348B-9EE8-480A-9D04-80CB8A97341F}"/>
               </a:ext>
             </a:extLst>
           </p:cNvPr>
@@ -4692,16 +7517,26 @@
           <a:bodyPr/>
           <a:lstStyle/>
           <a:p>
-            <a:endParaRPr lang="en-US"/>
+            <a:r>
+              <a:rPr lang="en-US" dirty="0"/>
+              <a:t>Ethnicity Comparison for International Sales</a:t>
+            </a:r>
+            <a:br>
+              <a:rPr lang="en-US" dirty="0"/>
+            </a:br>
+            <a:r>
+              <a:rPr lang="en-US" dirty="0"/>
+              <a:t>Dark Knight Rises</a:t>
+            </a:r>
           </a:p>
         </p:txBody>
       </p:sp>
       <p:pic>
         <p:nvPicPr>
-          <p:cNvPr id="5" name="Content Placeholder 4">
-            <a:extLst>
-              <a:ext uri="{FF2B5EF4-FFF2-40B4-BE49-F238E27FC236}">
-                <a16:creationId xmlns:a16="http://schemas.microsoft.com/office/drawing/2014/main" id="{A7EE979F-721F-426B-B697-319DA74EB352}"/>
+          <p:cNvPr id="5" name="Content Placeholder 4" descr="A picture containing text, map&#10;&#10;Description generated with very high confidence">
+            <a:extLst>
+              <a:ext uri="{FF2B5EF4-FFF2-40B4-BE49-F238E27FC236}">
+                <a16:creationId xmlns:a16="http://schemas.microsoft.com/office/drawing/2014/main" id="{8095805C-8F30-4858-95C6-A8F3D8DAD1F1}"/>
               </a:ext>
             </a:extLst>
           </p:cNvPr>
@@ -4726,15 +7561,15 @@
         </p:blipFill>
         <p:spPr>
           <a:xfrm>
-            <a:off x="3352175" y="2172077"/>
-            <a:ext cx="5487650" cy="3658433"/>
+            <a:off x="1547812" y="2167731"/>
+            <a:ext cx="9096375" cy="3667125"/>
           </a:xfrm>
         </p:spPr>
       </p:pic>
     </p:spTree>
     <p:extLst>
       <p:ext uri="{BB962C8B-B14F-4D97-AF65-F5344CB8AC3E}">
-        <p14:creationId xmlns:p14="http://schemas.microsoft.com/office/powerpoint/2010/main" val="1760689738"/>
+        <p14:creationId xmlns:p14="http://schemas.microsoft.com/office/powerpoint/2010/main" val="633886611"/>
       </p:ext>
     </p:extLst>
   </p:cSld>
@@ -4766,7 +7601,7 @@
           <p:cNvPr id="2" name="Title 1">
             <a:extLst>
               <a:ext uri="{FF2B5EF4-FFF2-40B4-BE49-F238E27FC236}">
-                <a16:creationId xmlns:a16="http://schemas.microsoft.com/office/drawing/2014/main" id="{AA4263E8-5D92-4EDA-8082-9492B5D11E20}"/>
+                <a16:creationId xmlns:a16="http://schemas.microsoft.com/office/drawing/2014/main" id="{C976D8FE-67B2-4F61-B59A-61A0B74CBE00}"/>
               </a:ext>
             </a:extLst>
           </p:cNvPr>
@@ -4779,19 +7614,31 @@
         </p:nvSpPr>
         <p:spPr/>
         <p:txBody>
-          <a:bodyPr/>
-          <a:lstStyle/>
-          <a:p>
-            <a:endParaRPr lang="en-US"/>
+          <a:bodyPr>
+            <a:normAutofit/>
+          </a:bodyPr>
+          <a:lstStyle/>
+          <a:p>
+            <a:r>
+              <a:rPr lang="en-US" dirty="0"/>
+              <a:t>Ethnicity Comparison for International Sales</a:t>
+            </a:r>
+            <a:br>
+              <a:rPr lang="en-US" dirty="0"/>
+            </a:br>
+            <a:r>
+              <a:rPr lang="en-US" dirty="0"/>
+              <a:t>Black Panther</a:t>
+            </a:r>
           </a:p>
         </p:txBody>
       </p:sp>
       <p:pic>
         <p:nvPicPr>
-          <p:cNvPr id="5" name="Content Placeholder 4">
-            <a:extLst>
-              <a:ext uri="{FF2B5EF4-FFF2-40B4-BE49-F238E27FC236}">
-                <a16:creationId xmlns:a16="http://schemas.microsoft.com/office/drawing/2014/main" id="{478E6FDF-C341-4C24-98F9-8641395F6C5E}"/>
+          <p:cNvPr id="5" name="Content Placeholder 4" descr="A picture containing text, map&#10;&#10;Description generated with very high confidence">
+            <a:extLst>
+              <a:ext uri="{FF2B5EF4-FFF2-40B4-BE49-F238E27FC236}">
+                <a16:creationId xmlns:a16="http://schemas.microsoft.com/office/drawing/2014/main" id="{46B86C74-0899-488C-BF51-C0228DB4AB4C}"/>
               </a:ext>
             </a:extLst>
           </p:cNvPr>
@@ -4816,15 +7663,15 @@
         </p:blipFill>
         <p:spPr>
           <a:xfrm>
-            <a:off x="3352175" y="2172077"/>
-            <a:ext cx="5487650" cy="3658433"/>
+            <a:off x="1547812" y="2167731"/>
+            <a:ext cx="9096375" cy="3667125"/>
           </a:xfrm>
         </p:spPr>
       </p:pic>
     </p:spTree>
     <p:extLst>
       <p:ext uri="{BB962C8B-B14F-4D97-AF65-F5344CB8AC3E}">
-        <p14:creationId xmlns:p14="http://schemas.microsoft.com/office/powerpoint/2010/main" val="2776189567"/>
+        <p14:creationId xmlns:p14="http://schemas.microsoft.com/office/powerpoint/2010/main" val="4066195386"/>
       </p:ext>
     </p:extLst>
   </p:cSld>
@@ -4856,7 +7703,7 @@
           <p:cNvPr id="2" name="Title 1">
             <a:extLst>
               <a:ext uri="{FF2B5EF4-FFF2-40B4-BE49-F238E27FC236}">
-                <a16:creationId xmlns:a16="http://schemas.microsoft.com/office/drawing/2014/main" id="{BE450E26-104D-4FD4-BEED-546679641D51}"/>
+                <a16:creationId xmlns:a16="http://schemas.microsoft.com/office/drawing/2014/main" id="{6CFFABF7-F577-493D-8A6A-8DA29B6E3A63}"/>
               </a:ext>
             </a:extLst>
           </p:cNvPr>
@@ -4874,7 +7721,7 @@
           <a:p>
             <a:r>
               <a:rPr lang="en-US" dirty="0"/>
-              <a:t>Superhero Origin</a:t>
+              <a:t>Final Conclusions</a:t>
             </a:r>
           </a:p>
         </p:txBody>
@@ -4884,7 +7731,7 @@
           <p:cNvPr id="3" name="Content Placeholder 2">
             <a:extLst>
               <a:ext uri="{FF2B5EF4-FFF2-40B4-BE49-F238E27FC236}">
-                <a16:creationId xmlns:a16="http://schemas.microsoft.com/office/drawing/2014/main" id="{D5D22261-B9F5-444E-BE0A-B2141742D000}"/>
+                <a16:creationId xmlns:a16="http://schemas.microsoft.com/office/drawing/2014/main" id="{E2ACC2B6-CB5E-4C77-AC29-91381BAB0F58}"/>
               </a:ext>
             </a:extLst>
           </p:cNvPr>
@@ -4900,284 +7747,47 @@
           <a:bodyPr/>
           <a:lstStyle/>
           <a:p>
-            <a:endParaRPr lang="en-US"/>
+            <a:r>
+              <a:rPr lang="en-US" dirty="0"/>
+              <a:t>No correlation between Superhero attributes and US sales or ratings</a:t>
+            </a:r>
+          </a:p>
+          <a:p>
+            <a:r>
+              <a:rPr lang="en-US" dirty="0"/>
+              <a:t>There is some variation in international sales depending on the superhero movie and attributes</a:t>
+            </a:r>
+          </a:p>
+          <a:p>
+            <a:r>
+              <a:rPr lang="en-US" dirty="0"/>
+              <a:t>Recent releases in movies with increased diversity appear to do well; however substantial data to prove this doesn’t exist yet</a:t>
+            </a:r>
+          </a:p>
+          <a:p>
+            <a:r>
+              <a:rPr lang="en-US" dirty="0"/>
+              <a:t>A limitation of this project is that there are only 31 movies with a single lead superhero </a:t>
+            </a:r>
+          </a:p>
+          <a:p>
+            <a:r>
+              <a:rPr lang="en-US" dirty="0"/>
+              <a:t>The scope period selected was from 2008 - 2019</a:t>
+            </a:r>
+          </a:p>
+          <a:p>
+            <a:endParaRPr lang="en-US" dirty="0"/>
+          </a:p>
+          <a:p>
+            <a:endParaRPr lang="en-US" dirty="0"/>
           </a:p>
         </p:txBody>
       </p:sp>
     </p:spTree>
     <p:extLst>
       <p:ext uri="{BB962C8B-B14F-4D97-AF65-F5344CB8AC3E}">
-        <p14:creationId xmlns:p14="http://schemas.microsoft.com/office/powerpoint/2010/main" val="1052901086"/>
-      </p:ext>
-    </p:extLst>
-  </p:cSld>
-  <p:clrMapOvr>
-    <a:masterClrMapping/>
-  </p:clrMapOvr>
-</p:sld>
-</file>
-
-<file path=ppt/slides/slide25.xml><?xml version="1.0" encoding="utf-8"?>
-<p:sld xmlns:a="http://schemas.openxmlformats.org/drawingml/2006/main" xmlns:r="http://schemas.openxmlformats.org/officeDocument/2006/relationships" xmlns:p="http://schemas.openxmlformats.org/presentationml/2006/main">
-  <p:cSld>
-    <p:spTree>
-      <p:nvGrpSpPr>
-        <p:cNvPr id="1" name=""/>
-        <p:cNvGrpSpPr/>
-        <p:nvPr/>
-      </p:nvGrpSpPr>
-      <p:grpSpPr>
-        <a:xfrm>
-          <a:off x="0" y="0"/>
-          <a:ext cx="0" cy="0"/>
-          <a:chOff x="0" y="0"/>
-          <a:chExt cx="0" cy="0"/>
-        </a:xfrm>
-      </p:grpSpPr>
-      <p:sp>
-        <p:nvSpPr>
-          <p:cNvPr id="2" name="Title 1">
-            <a:extLst>
-              <a:ext uri="{FF2B5EF4-FFF2-40B4-BE49-F238E27FC236}">
-                <a16:creationId xmlns:a16="http://schemas.microsoft.com/office/drawing/2014/main" id="{09924725-C446-45DB-8269-021D46DE9F32}"/>
-              </a:ext>
-            </a:extLst>
-          </p:cNvPr>
-          <p:cNvSpPr>
-            <a:spLocks noGrp="1"/>
-          </p:cNvSpPr>
-          <p:nvPr>
-            <p:ph type="title"/>
-          </p:nvPr>
-        </p:nvSpPr>
-        <p:spPr/>
-        <p:txBody>
-          <a:bodyPr/>
-          <a:lstStyle/>
-          <a:p>
-            <a:endParaRPr lang="en-US"/>
-          </a:p>
-        </p:txBody>
-      </p:sp>
-      <p:pic>
-        <p:nvPicPr>
-          <p:cNvPr id="5" name="Content Placeholder 4">
-            <a:extLst>
-              <a:ext uri="{FF2B5EF4-FFF2-40B4-BE49-F238E27FC236}">
-                <a16:creationId xmlns:a16="http://schemas.microsoft.com/office/drawing/2014/main" id="{E917B305-A13D-48BC-8FA4-195A869EB5F7}"/>
-              </a:ext>
-            </a:extLst>
-          </p:cNvPr>
-          <p:cNvPicPr>
-            <a:picLocks noGrp="1" noChangeAspect="1"/>
-          </p:cNvPicPr>
-          <p:nvPr>
-            <p:ph idx="1"/>
-          </p:nvPr>
-        </p:nvPicPr>
-        <p:blipFill>
-          <a:blip r:embed="rId2">
-            <a:extLst>
-              <a:ext uri="{28A0092B-C50C-407E-A947-70E740481C1C}">
-                <a14:useLocalDpi xmlns:a14="http://schemas.microsoft.com/office/drawing/2010/main" val="0"/>
-              </a:ext>
-            </a:extLst>
-          </a:blip>
-          <a:stretch>
-            <a:fillRect/>
-          </a:stretch>
-        </p:blipFill>
-        <p:spPr>
-          <a:xfrm>
-            <a:off x="3352175" y="2172077"/>
-            <a:ext cx="5487650" cy="3658433"/>
-          </a:xfrm>
-        </p:spPr>
-      </p:pic>
-    </p:spTree>
-    <p:extLst>
-      <p:ext uri="{BB962C8B-B14F-4D97-AF65-F5344CB8AC3E}">
-        <p14:creationId xmlns:p14="http://schemas.microsoft.com/office/powerpoint/2010/main" val="3443507426"/>
-      </p:ext>
-    </p:extLst>
-  </p:cSld>
-  <p:clrMapOvr>
-    <a:masterClrMapping/>
-  </p:clrMapOvr>
-</p:sld>
-</file>
-
-<file path=ppt/slides/slide26.xml><?xml version="1.0" encoding="utf-8"?>
-<p:sld xmlns:a="http://schemas.openxmlformats.org/drawingml/2006/main" xmlns:r="http://schemas.openxmlformats.org/officeDocument/2006/relationships" xmlns:p="http://schemas.openxmlformats.org/presentationml/2006/main">
-  <p:cSld>
-    <p:spTree>
-      <p:nvGrpSpPr>
-        <p:cNvPr id="1" name=""/>
-        <p:cNvGrpSpPr/>
-        <p:nvPr/>
-      </p:nvGrpSpPr>
-      <p:grpSpPr>
-        <a:xfrm>
-          <a:off x="0" y="0"/>
-          <a:ext cx="0" cy="0"/>
-          <a:chOff x="0" y="0"/>
-          <a:chExt cx="0" cy="0"/>
-        </a:xfrm>
-      </p:grpSpPr>
-      <p:sp>
-        <p:nvSpPr>
-          <p:cNvPr id="2" name="Title 1">
-            <a:extLst>
-              <a:ext uri="{FF2B5EF4-FFF2-40B4-BE49-F238E27FC236}">
-                <a16:creationId xmlns:a16="http://schemas.microsoft.com/office/drawing/2014/main" id="{AA4263E8-5D92-4EDA-8082-9492B5D11E20}"/>
-              </a:ext>
-            </a:extLst>
-          </p:cNvPr>
-          <p:cNvSpPr>
-            <a:spLocks noGrp="1"/>
-          </p:cNvSpPr>
-          <p:nvPr>
-            <p:ph type="title"/>
-          </p:nvPr>
-        </p:nvSpPr>
-        <p:spPr/>
-        <p:txBody>
-          <a:bodyPr/>
-          <a:lstStyle/>
-          <a:p>
-            <a:endParaRPr lang="en-US"/>
-          </a:p>
-        </p:txBody>
-      </p:sp>
-      <p:pic>
-        <p:nvPicPr>
-          <p:cNvPr id="5" name="Content Placeholder 4">
-            <a:extLst>
-              <a:ext uri="{FF2B5EF4-FFF2-40B4-BE49-F238E27FC236}">
-                <a16:creationId xmlns:a16="http://schemas.microsoft.com/office/drawing/2014/main" id="{F243C261-3EF8-4217-BC9B-98DEB581DDAC}"/>
-              </a:ext>
-            </a:extLst>
-          </p:cNvPr>
-          <p:cNvPicPr>
-            <a:picLocks noGrp="1" noChangeAspect="1"/>
-          </p:cNvPicPr>
-          <p:nvPr>
-            <p:ph idx="1"/>
-          </p:nvPr>
-        </p:nvPicPr>
-        <p:blipFill>
-          <a:blip r:embed="rId2">
-            <a:extLst>
-              <a:ext uri="{28A0092B-C50C-407E-A947-70E740481C1C}">
-                <a14:useLocalDpi xmlns:a14="http://schemas.microsoft.com/office/drawing/2010/main" val="0"/>
-              </a:ext>
-            </a:extLst>
-          </a:blip>
-          <a:stretch>
-            <a:fillRect/>
-          </a:stretch>
-        </p:blipFill>
-        <p:spPr>
-          <a:xfrm>
-            <a:off x="3352175" y="2172077"/>
-            <a:ext cx="5487650" cy="3658433"/>
-          </a:xfrm>
-        </p:spPr>
-      </p:pic>
-    </p:spTree>
-    <p:extLst>
-      <p:ext uri="{BB962C8B-B14F-4D97-AF65-F5344CB8AC3E}">
-        <p14:creationId xmlns:p14="http://schemas.microsoft.com/office/powerpoint/2010/main" val="975637488"/>
-      </p:ext>
-    </p:extLst>
-  </p:cSld>
-  <p:clrMapOvr>
-    <a:masterClrMapping/>
-  </p:clrMapOvr>
-</p:sld>
-</file>
-
-<file path=ppt/slides/slide27.xml><?xml version="1.0" encoding="utf-8"?>
-<p:sld xmlns:a="http://schemas.openxmlformats.org/drawingml/2006/main" xmlns:r="http://schemas.openxmlformats.org/officeDocument/2006/relationships" xmlns:p="http://schemas.openxmlformats.org/presentationml/2006/main">
-  <p:cSld>
-    <p:spTree>
-      <p:nvGrpSpPr>
-        <p:cNvPr id="1" name=""/>
-        <p:cNvGrpSpPr/>
-        <p:nvPr/>
-      </p:nvGrpSpPr>
-      <p:grpSpPr>
-        <a:xfrm>
-          <a:off x="0" y="0"/>
-          <a:ext cx="0" cy="0"/>
-          <a:chOff x="0" y="0"/>
-          <a:chExt cx="0" cy="0"/>
-        </a:xfrm>
-      </p:grpSpPr>
-      <p:sp>
-        <p:nvSpPr>
-          <p:cNvPr id="2" name="Title 1">
-            <a:extLst>
-              <a:ext uri="{FF2B5EF4-FFF2-40B4-BE49-F238E27FC236}">
-                <a16:creationId xmlns:a16="http://schemas.microsoft.com/office/drawing/2014/main" id="{EA2521BF-7F5E-4F29-B9B5-47C7D8A52876}"/>
-              </a:ext>
-            </a:extLst>
-          </p:cNvPr>
-          <p:cNvSpPr>
-            <a:spLocks noGrp="1"/>
-          </p:cNvSpPr>
-          <p:nvPr>
-            <p:ph type="title"/>
-          </p:nvPr>
-        </p:nvSpPr>
-        <p:spPr/>
-        <p:txBody>
-          <a:bodyPr/>
-          <a:lstStyle/>
-          <a:p>
-            <a:endParaRPr lang="en-US"/>
-          </a:p>
-        </p:txBody>
-      </p:sp>
-      <p:pic>
-        <p:nvPicPr>
-          <p:cNvPr id="5" name="Content Placeholder 4">
-            <a:extLst>
-              <a:ext uri="{FF2B5EF4-FFF2-40B4-BE49-F238E27FC236}">
-                <a16:creationId xmlns:a16="http://schemas.microsoft.com/office/drawing/2014/main" id="{5BD5DDD6-3CED-401D-AB88-24BC738B7E64}"/>
-              </a:ext>
-            </a:extLst>
-          </p:cNvPr>
-          <p:cNvPicPr>
-            <a:picLocks noGrp="1" noChangeAspect="1"/>
-          </p:cNvPicPr>
-          <p:nvPr>
-            <p:ph idx="1"/>
-          </p:nvPr>
-        </p:nvPicPr>
-        <p:blipFill>
-          <a:blip r:embed="rId2">
-            <a:extLst>
-              <a:ext uri="{28A0092B-C50C-407E-A947-70E740481C1C}">
-                <a14:useLocalDpi xmlns:a14="http://schemas.microsoft.com/office/drawing/2010/main" val="0"/>
-              </a:ext>
-            </a:extLst>
-          </a:blip>
-          <a:stretch>
-            <a:fillRect/>
-          </a:stretch>
-        </p:blipFill>
-        <p:spPr>
-          <a:xfrm>
-            <a:off x="3352175" y="2172077"/>
-            <a:ext cx="5487650" cy="3658433"/>
-          </a:xfrm>
-        </p:spPr>
-      </p:pic>
-    </p:spTree>
-    <p:extLst>
-      <p:ext uri="{BB962C8B-B14F-4D97-AF65-F5344CB8AC3E}">
-        <p14:creationId xmlns:p14="http://schemas.microsoft.com/office/powerpoint/2010/main" val="3761349660"/>
+        <p14:creationId xmlns:p14="http://schemas.microsoft.com/office/powerpoint/2010/main" val="3971703570"/>
       </p:ext>
     </p:extLst>
   </p:cSld>
@@ -5209,7 +7819,7 @@
           <p:cNvPr id="2" name="Title 1">
             <a:extLst>
               <a:ext uri="{FF2B5EF4-FFF2-40B4-BE49-F238E27FC236}">
-                <a16:creationId xmlns:a16="http://schemas.microsoft.com/office/drawing/2014/main" id="{B66FB1D4-B378-4BFC-B495-74EAFF6CCE22}"/>
+                <a16:creationId xmlns:a16="http://schemas.microsoft.com/office/drawing/2014/main" id="{F4F32654-7464-4210-A88E-31D62F7A6A2B}"/>
               </a:ext>
             </a:extLst>
           </p:cNvPr>
@@ -5227,7 +7837,7 @@
           <a:p>
             <a:r>
               <a:rPr lang="en-US" dirty="0"/>
-              <a:t>Research Questions</a:t>
+              <a:t>Case References</a:t>
             </a:r>
           </a:p>
         </p:txBody>
@@ -5237,7 +7847,7 @@
           <p:cNvPr id="3" name="Content Placeholder 2">
             <a:extLst>
               <a:ext uri="{FF2B5EF4-FFF2-40B4-BE49-F238E27FC236}">
-                <a16:creationId xmlns:a16="http://schemas.microsoft.com/office/drawing/2014/main" id="{8DA3E0AA-D97E-4905-A26B-19188DBDF6A2}"/>
+                <a16:creationId xmlns:a16="http://schemas.microsoft.com/office/drawing/2014/main" id="{B9F51E8A-14A0-4423-AA21-28FCFC7DDC9C}"/>
               </a:ext>
             </a:extLst>
           </p:cNvPr>
@@ -5254,24 +7864,37 @@
           <a:lstStyle/>
           <a:p>
             <a:r>
-              <a:rPr lang="en-US" dirty="0"/>
-              <a:t>Do certain superhero attributes (i.e. </a:t>
-            </a:r>
-            <a:r>
-              <a:rPr lang="en-US" b="1" dirty="0"/>
-              <a:t>power(s), race (human vs. non-human), gender</a:t>
-            </a:r>
-            <a:r>
-              <a:rPr lang="en-US" dirty="0"/>
-              <a:t>) lead to higher or lower box office sales in the US? International?</a:t>
-            </a:r>
+              <a:rPr lang="en-US" i="1" dirty="0">
+                <a:hlinkClick r:id="rId2"/>
+              </a:rPr>
+              <a:t>Black Panther Racial and Ethnic Socialization</a:t>
+            </a:r>
+            <a:endParaRPr lang="en-US" dirty="0"/>
+          </a:p>
+          <a:p>
+            <a:r>
+              <a:rPr lang="en-US" i="1" dirty="0">
+                <a:hlinkClick r:id="rId3"/>
+              </a:rPr>
+              <a:t>Captain Marvel Feminism</a:t>
+            </a:r>
+            <a:endParaRPr lang="en-US" dirty="0"/>
+          </a:p>
+          <a:p>
+            <a:r>
+              <a:rPr lang="en-US" i="1" dirty="0">
+                <a:hlinkClick r:id="rId4"/>
+              </a:rPr>
+              <a:t>Superhero Movies Need More Diversity</a:t>
+            </a:r>
+            <a:endParaRPr lang="en-US" dirty="0"/>
           </a:p>
         </p:txBody>
       </p:sp>
     </p:spTree>
     <p:extLst>
       <p:ext uri="{BB962C8B-B14F-4D97-AF65-F5344CB8AC3E}">
-        <p14:creationId xmlns:p14="http://schemas.microsoft.com/office/powerpoint/2010/main" val="50932985"/>
+        <p14:creationId xmlns:p14="http://schemas.microsoft.com/office/powerpoint/2010/main" val="3668930872"/>
       </p:ext>
     </p:extLst>
   </p:cSld>
@@ -5303,7 +7926,7 @@
           <p:cNvPr id="2" name="Title 1">
             <a:extLst>
               <a:ext uri="{FF2B5EF4-FFF2-40B4-BE49-F238E27FC236}">
-                <a16:creationId xmlns:a16="http://schemas.microsoft.com/office/drawing/2014/main" id="{F4F32654-7464-4210-A88E-31D62F7A6A2B}"/>
+                <a16:creationId xmlns:a16="http://schemas.microsoft.com/office/drawing/2014/main" id="{B543DCE5-3C34-4240-8C5C-E476ED4C46F3}"/>
               </a:ext>
             </a:extLst>
           </p:cNvPr>
@@ -5320,65 +7943,322 @@
           <a:lstStyle/>
           <a:p>
             <a:r>
-              <a:rPr lang="en-US" dirty="0"/>
-              <a:t>Case References</a:t>
-            </a:r>
-          </a:p>
-        </p:txBody>
-      </p:sp>
-      <p:sp>
-        <p:nvSpPr>
-          <p:cNvPr id="3" name="Content Placeholder 2">
-            <a:extLst>
-              <a:ext uri="{FF2B5EF4-FFF2-40B4-BE49-F238E27FC236}">
-                <a16:creationId xmlns:a16="http://schemas.microsoft.com/office/drawing/2014/main" id="{B9F51E8A-14A0-4423-AA21-28FCFC7DDC9C}"/>
-              </a:ext>
-            </a:extLst>
-          </p:cNvPr>
-          <p:cNvSpPr>
-            <a:spLocks noGrp="1"/>
-          </p:cNvSpPr>
-          <p:nvPr>
-            <p:ph idx="1"/>
-          </p:nvPr>
-        </p:nvSpPr>
-        <p:spPr/>
-        <p:txBody>
-          <a:bodyPr/>
-          <a:lstStyle/>
-          <a:p>
-            <a:r>
-              <a:rPr lang="en-US" i="1" dirty="0">
-                <a:hlinkClick r:id="rId2"/>
-              </a:rPr>
-              <a:t>Black Panther Racial and Ethnic Socialization</a:t>
-            </a:r>
+              <a:rPr lang="en-US" b="1" dirty="0"/>
+              <a:t>Data Sources</a:t>
+            </a:r>
+            <a:br>
+              <a:rPr lang="en-US" b="1" dirty="0"/>
+            </a:br>
             <a:endParaRPr lang="en-US" dirty="0"/>
           </a:p>
-          <a:p>
-            <a:r>
-              <a:rPr lang="en-US" i="1" dirty="0">
-                <a:hlinkClick r:id="rId3"/>
-              </a:rPr>
-              <a:t>Captain Marvel Feminism</a:t>
-            </a:r>
-            <a:endParaRPr lang="en-US" dirty="0"/>
-          </a:p>
-          <a:p>
-            <a:r>
-              <a:rPr lang="en-US" i="1" dirty="0">
-                <a:hlinkClick r:id="rId4"/>
-              </a:rPr>
-              <a:t>Superhero Movies Need More Diversity</a:t>
-            </a:r>
-            <a:endParaRPr lang="en-US" dirty="0"/>
-          </a:p>
-        </p:txBody>
-      </p:sp>
+        </p:txBody>
+      </p:sp>
+      <p:graphicFrame>
+        <p:nvGraphicFramePr>
+          <p:cNvPr id="4" name="Table 3">
+            <a:extLst>
+              <a:ext uri="{FF2B5EF4-FFF2-40B4-BE49-F238E27FC236}">
+                <a16:creationId xmlns:a16="http://schemas.microsoft.com/office/drawing/2014/main" id="{706BB424-F4D1-4A77-B923-5E3432E9BF03}"/>
+              </a:ext>
+            </a:extLst>
+          </p:cNvPr>
+          <p:cNvGraphicFramePr>
+            <a:graphicFrameLocks noGrp="1"/>
+          </p:cNvGraphicFramePr>
+          <p:nvPr>
+            <p:extLst>
+              <p:ext uri="{D42A27DB-BD31-4B8C-83A1-F6EECF244321}">
+                <p14:modId xmlns:p14="http://schemas.microsoft.com/office/powerpoint/2010/main" val="1125905794"/>
+              </p:ext>
+            </p:extLst>
+          </p:nvPr>
+        </p:nvGraphicFramePr>
+        <p:xfrm>
+          <a:off x="1447514" y="1340881"/>
+          <a:ext cx="9296972" cy="9845040"/>
+        </p:xfrm>
+        <a:graphic>
+          <a:graphicData uri="http://schemas.openxmlformats.org/drawingml/2006/table">
+            <a:tbl>
+              <a:tblPr firstRow="1" bandRow="1">
+                <a:tableStyleId>{5C22544A-7EE6-4342-B048-85BDC9FD1C3A}</a:tableStyleId>
+              </a:tblPr>
+              <a:tblGrid>
+                <a:gridCol w="4648486">
+                  <a:extLst>
+                    <a:ext uri="{9D8B030D-6E8A-4147-A177-3AD203B41FA5}">
+                      <a16:colId xmlns:a16="http://schemas.microsoft.com/office/drawing/2014/main" val="56322214"/>
+                    </a:ext>
+                  </a:extLst>
+                </a:gridCol>
+                <a:gridCol w="4648486">
+                  <a:extLst>
+                    <a:ext uri="{9D8B030D-6E8A-4147-A177-3AD203B41FA5}">
+                      <a16:colId xmlns:a16="http://schemas.microsoft.com/office/drawing/2014/main" val="2517983189"/>
+                    </a:ext>
+                  </a:extLst>
+                </a:gridCol>
+              </a:tblGrid>
+              <a:tr h="8810275">
+                <a:tc>
+                  <a:txBody>
+                    <a:bodyPr/>
+                    <a:lstStyle/>
+                    <a:p>
+                      <a:r>
+                        <a:rPr lang="en-US" sz="4000" u="sng" dirty="0">
+                          <a:solidFill>
+                            <a:schemeClr val="tx1"/>
+                          </a:solidFill>
+                        </a:rPr>
+                        <a:t>API’s</a:t>
+                      </a:r>
+                    </a:p>
+                    <a:p>
+                      <a:endParaRPr lang="en-US" sz="4000" dirty="0">
+                        <a:solidFill>
+                          <a:schemeClr val="tx1"/>
+                        </a:solidFill>
+                      </a:endParaRPr>
+                    </a:p>
+                    <a:p>
+                      <a:r>
+                        <a:rPr lang="en-US" sz="4000" dirty="0">
+                          <a:solidFill>
+                            <a:schemeClr val="tx1"/>
+                          </a:solidFill>
+                        </a:rPr>
+                        <a:t>Superhero </a:t>
+                      </a:r>
+                    </a:p>
+                    <a:p>
+                      <a:r>
+                        <a:rPr lang="en-US" sz="4000" dirty="0" err="1">
+                          <a:solidFill>
+                            <a:schemeClr val="tx1"/>
+                          </a:solidFill>
+                        </a:rPr>
+                        <a:t>ComicVine</a:t>
+                      </a:r>
+                      <a:r>
+                        <a:rPr lang="en-US" sz="4000" dirty="0">
+                          <a:solidFill>
+                            <a:schemeClr val="tx1"/>
+                          </a:solidFill>
+                        </a:rPr>
+                        <a:t> </a:t>
+                      </a:r>
+                    </a:p>
+                    <a:p>
+                      <a:r>
+                        <a:rPr lang="en-US" sz="4000" dirty="0">
+                          <a:solidFill>
+                            <a:schemeClr val="tx1"/>
+                          </a:solidFill>
+                        </a:rPr>
+                        <a:t>Marvel </a:t>
+                      </a:r>
+                    </a:p>
+                    <a:p>
+                      <a:r>
+                        <a:rPr lang="en-US" sz="4000" dirty="0" err="1">
+                          <a:solidFill>
+                            <a:schemeClr val="tx1"/>
+                          </a:solidFill>
+                        </a:rPr>
+                        <a:t>OMDb</a:t>
+                      </a:r>
+                      <a:endParaRPr lang="en-US" sz="4000" dirty="0">
+                        <a:solidFill>
+                          <a:schemeClr val="tx1"/>
+                        </a:solidFill>
+                      </a:endParaRPr>
+                    </a:p>
+                    <a:p>
+                      <a:endParaRPr lang="en-US" sz="4000" dirty="0">
+                        <a:solidFill>
+                          <a:schemeClr val="tx1"/>
+                        </a:solidFill>
+                      </a:endParaRPr>
+                    </a:p>
+                    <a:p>
+                      <a:endParaRPr lang="en-US" sz="4000" dirty="0">
+                        <a:solidFill>
+                          <a:schemeClr val="tx1"/>
+                        </a:solidFill>
+                      </a:endParaRPr>
+                    </a:p>
+                    <a:p>
+                      <a:endParaRPr lang="en-US" sz="4000" dirty="0">
+                        <a:solidFill>
+                          <a:schemeClr val="tx1"/>
+                        </a:solidFill>
+                      </a:endParaRPr>
+                    </a:p>
+                    <a:p>
+                      <a:endParaRPr lang="en-US" sz="4000" dirty="0">
+                        <a:solidFill>
+                          <a:schemeClr val="tx1"/>
+                        </a:solidFill>
+                      </a:endParaRPr>
+                    </a:p>
+                    <a:p>
+                      <a:endParaRPr lang="en-US" sz="4000" dirty="0">
+                        <a:solidFill>
+                          <a:schemeClr val="tx1"/>
+                        </a:solidFill>
+                      </a:endParaRPr>
+                    </a:p>
+                    <a:p>
+                      <a:endParaRPr lang="en-US" sz="4000" dirty="0">
+                        <a:solidFill>
+                          <a:schemeClr val="tx1"/>
+                        </a:solidFill>
+                      </a:endParaRPr>
+                    </a:p>
+                    <a:p>
+                      <a:endParaRPr lang="en-US" sz="4000" dirty="0">
+                        <a:solidFill>
+                          <a:schemeClr val="tx1"/>
+                        </a:solidFill>
+                      </a:endParaRPr>
+                    </a:p>
+                    <a:p>
+                      <a:endParaRPr lang="en-US" sz="4000" dirty="0">
+                        <a:solidFill>
+                          <a:schemeClr val="tx1"/>
+                        </a:solidFill>
+                      </a:endParaRPr>
+                    </a:p>
+                    <a:p>
+                      <a:endParaRPr lang="en-US" sz="4000" dirty="0">
+                        <a:solidFill>
+                          <a:schemeClr val="tx1"/>
+                        </a:solidFill>
+                      </a:endParaRPr>
+                    </a:p>
+                    <a:p>
+                      <a:endParaRPr lang="en-US" sz="4000" dirty="0">
+                        <a:solidFill>
+                          <a:schemeClr val="tx1"/>
+                        </a:solidFill>
+                      </a:endParaRPr>
+                    </a:p>
+                  </a:txBody>
+                  <a:tcPr>
+                    <a:lnL w="12700" cmpd="sng">
+                      <a:noFill/>
+                    </a:lnL>
+                    <a:lnR w="12700" cmpd="sng">
+                      <a:noFill/>
+                    </a:lnR>
+                    <a:lnT w="12700" cmpd="sng">
+                      <a:noFill/>
+                    </a:lnT>
+                    <a:lnB w="38100" cmpd="sng">
+                      <a:noFill/>
+                    </a:lnB>
+                    <a:lnTlToBr w="12700" cmpd="sng">
+                      <a:noFill/>
+                      <a:prstDash val="solid"/>
+                    </a:lnTlToBr>
+                    <a:lnBlToTr w="12700" cmpd="sng">
+                      <a:noFill/>
+                      <a:prstDash val="solid"/>
+                    </a:lnBlToTr>
+                    <a:noFill/>
+                  </a:tcPr>
+                </a:tc>
+                <a:tc>
+                  <a:txBody>
+                    <a:bodyPr/>
+                    <a:lstStyle/>
+                    <a:p>
+                      <a:r>
+                        <a:rPr lang="en-US" sz="4000" u="sng" dirty="0">
+                          <a:solidFill>
+                            <a:schemeClr val="tx1"/>
+                          </a:solidFill>
+                        </a:rPr>
+                        <a:t>URL’s</a:t>
+                      </a:r>
+                    </a:p>
+                    <a:p>
+                      <a:endParaRPr lang="en-US" sz="4000" dirty="0">
+                        <a:solidFill>
+                          <a:schemeClr val="tx1"/>
+                        </a:solidFill>
+                      </a:endParaRPr>
+                    </a:p>
+                    <a:p>
+                      <a:r>
+                        <a:rPr lang="en-US" sz="4000" dirty="0">
+                          <a:solidFill>
+                            <a:schemeClr val="tx1"/>
+                          </a:solidFill>
+                        </a:rPr>
+                        <a:t>IMDB</a:t>
+                      </a:r>
+                    </a:p>
+                    <a:p>
+                      <a:r>
+                        <a:rPr lang="en-US" sz="4000" dirty="0">
+                          <a:solidFill>
+                            <a:schemeClr val="tx1"/>
+                          </a:solidFill>
+                        </a:rPr>
+                        <a:t>Marvel Wiki</a:t>
+                      </a:r>
+                    </a:p>
+                    <a:p>
+                      <a:r>
+                        <a:rPr lang="en-US" sz="4000" dirty="0">
+                          <a:solidFill>
+                            <a:schemeClr val="tx1"/>
+                          </a:solidFill>
+                        </a:rPr>
+                        <a:t>Box Office Mojo</a:t>
+                      </a:r>
+                    </a:p>
+                  </a:txBody>
+                  <a:tcPr>
+                    <a:lnL w="12700" cmpd="sng">
+                      <a:noFill/>
+                    </a:lnL>
+                    <a:lnR w="12700" cmpd="sng">
+                      <a:noFill/>
+                    </a:lnR>
+                    <a:lnT w="12700" cmpd="sng">
+                      <a:noFill/>
+                    </a:lnT>
+                    <a:lnB w="38100" cmpd="sng">
+                      <a:noFill/>
+                    </a:lnB>
+                    <a:lnTlToBr w="12700" cmpd="sng">
+                      <a:noFill/>
+                      <a:prstDash val="solid"/>
+                    </a:lnTlToBr>
+                    <a:lnBlToTr w="12700" cmpd="sng">
+                      <a:noFill/>
+                      <a:prstDash val="solid"/>
+                    </a:lnBlToTr>
+                    <a:noFill/>
+                  </a:tcPr>
+                </a:tc>
+                <a:extLst>
+                  <a:ext uri="{0D108BD9-81ED-4DB2-BD59-A6C34878D82A}">
+                    <a16:rowId xmlns:a16="http://schemas.microsoft.com/office/drawing/2014/main" val="4281474277"/>
+                  </a:ext>
+                </a:extLst>
+              </a:tr>
+            </a:tbl>
+          </a:graphicData>
+        </a:graphic>
+      </p:graphicFrame>
     </p:spTree>
     <p:extLst>
       <p:ext uri="{BB962C8B-B14F-4D97-AF65-F5344CB8AC3E}">
-        <p14:creationId xmlns:p14="http://schemas.microsoft.com/office/powerpoint/2010/main" val="3668930872"/>
+        <p14:creationId xmlns:p14="http://schemas.microsoft.com/office/powerpoint/2010/main" val="2141814559"/>
       </p:ext>
     </p:extLst>
   </p:cSld>
@@ -5410,7 +8290,7 @@
           <p:cNvPr id="2" name="Title 1">
             <a:extLst>
               <a:ext uri="{FF2B5EF4-FFF2-40B4-BE49-F238E27FC236}">
-                <a16:creationId xmlns:a16="http://schemas.microsoft.com/office/drawing/2014/main" id="{B543DCE5-3C34-4240-8C5C-E476ED4C46F3}"/>
+                <a16:creationId xmlns:a16="http://schemas.microsoft.com/office/drawing/2014/main" id="{B303CD59-461E-4B94-A06C-ECCFB6430283}"/>
               </a:ext>
             </a:extLst>
           </p:cNvPr>
@@ -5427,13 +8307,9 @@
           <a:lstStyle/>
           <a:p>
             <a:r>
-              <a:rPr lang="en-US" b="1" dirty="0"/>
-              <a:t>Data Sets</a:t>
-            </a:r>
-            <a:br>
-              <a:rPr lang="en-US" b="1" dirty="0"/>
-            </a:br>
-            <a:endParaRPr lang="en-US" dirty="0"/>
+              <a:rPr lang="en-US" dirty="0"/>
+              <a:t>Movie Population Selected for Analysis</a:t>
+            </a:r>
           </a:p>
         </p:txBody>
       </p:sp>
@@ -5442,7 +8318,7 @@
           <p:cNvPr id="3" name="Content Placeholder 2">
             <a:extLst>
               <a:ext uri="{FF2B5EF4-FFF2-40B4-BE49-F238E27FC236}">
-                <a16:creationId xmlns:a16="http://schemas.microsoft.com/office/drawing/2014/main" id="{E1279CF9-C536-494F-93A4-27FE3CA905B7}"/>
+                <a16:creationId xmlns:a16="http://schemas.microsoft.com/office/drawing/2014/main" id="{A07FB5AD-9E5E-4864-96DD-733A8CAB0928}"/>
               </a:ext>
             </a:extLst>
           </p:cNvPr>
@@ -5453,127 +8329,27 @@
             <p:ph idx="1"/>
           </p:nvPr>
         </p:nvSpPr>
-        <p:spPr>
-          <a:xfrm>
-            <a:off x="838200" y="1330036"/>
-            <a:ext cx="10515600" cy="4846927"/>
-          </a:xfrm>
-        </p:spPr>
-        <p:txBody>
-          <a:bodyPr>
-            <a:normAutofit lnSpcReduction="10000"/>
-          </a:bodyPr>
-          <a:lstStyle/>
-          <a:p>
-            <a:pPr marL="0" indent="0">
-              <a:buNone/>
-            </a:pPr>
-            <a:r>
-              <a:rPr lang="en-US" dirty="0"/>
-              <a:t>Data sets used found in the "</a:t>
-            </a:r>
-            <a:r>
-              <a:rPr lang="en-US" i="1" dirty="0"/>
-              <a:t>Datasets</a:t>
-            </a:r>
-            <a:r>
-              <a:rPr lang="en-US" dirty="0"/>
-              <a:t>" folder </a:t>
-            </a:r>
-            <a:r>
-              <a:rPr lang="en-US" dirty="0">
-                <a:hlinkClick r:id="rId2"/>
-              </a:rPr>
-              <a:t>here</a:t>
-            </a:r>
-            <a:endParaRPr lang="en-US" dirty="0"/>
-          </a:p>
-          <a:p>
-            <a:r>
-              <a:rPr lang="en-US" b="1" dirty="0"/>
-              <a:t>SOURCE APIs</a:t>
-            </a:r>
-          </a:p>
-          <a:p>
-            <a:r>
-              <a:rPr lang="en-US" dirty="0">
-                <a:hlinkClick r:id="rId3"/>
-              </a:rPr>
-              <a:t>Superhero API</a:t>
-            </a:r>
-            <a:endParaRPr lang="en-US" dirty="0"/>
-          </a:p>
-          <a:p>
-            <a:r>
-              <a:rPr lang="en-US" dirty="0" err="1">
-                <a:hlinkClick r:id="rId4"/>
-              </a:rPr>
-              <a:t>ComicVine</a:t>
-            </a:r>
-            <a:r>
-              <a:rPr lang="en-US" dirty="0">
-                <a:hlinkClick r:id="rId4"/>
-              </a:rPr>
-              <a:t> API</a:t>
-            </a:r>
-            <a:endParaRPr lang="en-US" dirty="0"/>
-          </a:p>
-          <a:p>
-            <a:r>
-              <a:rPr lang="en-US" dirty="0">
-                <a:hlinkClick r:id="rId5"/>
-              </a:rPr>
-              <a:t>MARVEL API</a:t>
-            </a:r>
-            <a:endParaRPr lang="en-US" dirty="0"/>
-          </a:p>
-          <a:p>
-            <a:r>
-              <a:rPr lang="en-US" dirty="0" err="1">
-                <a:hlinkClick r:id="rId6"/>
-              </a:rPr>
-              <a:t>OMDb</a:t>
-            </a:r>
-            <a:r>
-              <a:rPr lang="en-US" dirty="0">
-                <a:hlinkClick r:id="rId6"/>
-              </a:rPr>
-              <a:t> API</a:t>
-            </a:r>
-            <a:endParaRPr lang="en-US" dirty="0"/>
-          </a:p>
-          <a:p>
-            <a:r>
-              <a:rPr lang="en-US" b="1" dirty="0"/>
-              <a:t>SOURCE URLs</a:t>
-            </a:r>
-          </a:p>
-          <a:p>
-            <a:r>
-              <a:rPr lang="en-US" dirty="0">
-                <a:hlinkClick r:id="rId7"/>
-              </a:rPr>
-              <a:t>IMDB</a:t>
-            </a:r>
-            <a:endParaRPr lang="en-US" dirty="0"/>
-          </a:p>
-          <a:p>
-            <a:r>
-              <a:rPr lang="en-US" dirty="0">
-                <a:hlinkClick r:id="rId8"/>
-              </a:rPr>
-              <a:t>MARVEL Wiki</a:t>
-            </a:r>
-            <a:endParaRPr lang="en-US" dirty="0"/>
-          </a:p>
-          <a:p>
-            <a:r>
-              <a:rPr lang="en-US" dirty="0">
-                <a:hlinkClick r:id="rId9"/>
-              </a:rPr>
-              <a:t>Box Office Mojo</a:t>
-            </a:r>
-            <a:endParaRPr lang="en-US" dirty="0"/>
+        <p:spPr/>
+        <p:txBody>
+          <a:bodyPr/>
+          <a:lstStyle/>
+          <a:p>
+            <a:r>
+              <a:rPr lang="en-US" sz="4000" dirty="0"/>
+              <a:t>31 movies released with one primary character lead during 2008 – 2019</a:t>
+            </a:r>
+          </a:p>
+          <a:p>
+            <a:r>
+              <a:rPr lang="en-US" sz="4000" dirty="0"/>
+              <a:t>Ranked movies by US Sales (adjusted for inflation)</a:t>
+            </a:r>
+          </a:p>
+          <a:p>
+            <a:r>
+              <a:rPr lang="en-US" sz="4000" dirty="0"/>
+              <a:t>Ranked movies by Rotten Tomato ratings (popular with viewers)</a:t>
+            </a:r>
           </a:p>
           <a:p>
             <a:endParaRPr lang="en-US" dirty="0"/>
@@ -5583,7 +8359,7 @@
     </p:spTree>
     <p:extLst>
       <p:ext uri="{BB962C8B-B14F-4D97-AF65-F5344CB8AC3E}">
-        <p14:creationId xmlns:p14="http://schemas.microsoft.com/office/powerpoint/2010/main" val="2141814559"/>
+        <p14:creationId xmlns:p14="http://schemas.microsoft.com/office/powerpoint/2010/main" val="2722591429"/>
       </p:ext>
     </p:extLst>
   </p:cSld>
@@ -5615,7 +8391,7 @@
           <p:cNvPr id="2" name="Title 1">
             <a:extLst>
               <a:ext uri="{FF2B5EF4-FFF2-40B4-BE49-F238E27FC236}">
-                <a16:creationId xmlns:a16="http://schemas.microsoft.com/office/drawing/2014/main" id="{B303CD59-461E-4B94-A06C-ECCFB6430283}"/>
+                <a16:creationId xmlns:a16="http://schemas.microsoft.com/office/drawing/2014/main" id="{B79C4028-B7C4-4DEB-863D-D4ED11AAF63B}"/>
               </a:ext>
             </a:extLst>
           </p:cNvPr>
@@ -5633,40 +8409,50 @@
           <a:p>
             <a:r>
               <a:rPr lang="en-US" dirty="0"/>
-              <a:t>Movie Plots</a:t>
-            </a:r>
-          </a:p>
-        </p:txBody>
-      </p:sp>
-      <p:sp>
-        <p:nvSpPr>
-          <p:cNvPr id="3" name="Content Placeholder 2">
-            <a:extLst>
-              <a:ext uri="{FF2B5EF4-FFF2-40B4-BE49-F238E27FC236}">
-                <a16:creationId xmlns:a16="http://schemas.microsoft.com/office/drawing/2014/main" id="{A07FB5AD-9E5E-4864-96DD-733A8CAB0928}"/>
-              </a:ext>
-            </a:extLst>
-          </p:cNvPr>
-          <p:cNvSpPr>
-            <a:spLocks noGrp="1"/>
-          </p:cNvSpPr>
+              <a:t>Ranking of Superhero movies by U. S. box office sales</a:t>
+            </a:r>
+          </a:p>
+        </p:txBody>
+      </p:sp>
+      <p:pic>
+        <p:nvPicPr>
+          <p:cNvPr id="5" name="Content Placeholder 4">
+            <a:extLst>
+              <a:ext uri="{FF2B5EF4-FFF2-40B4-BE49-F238E27FC236}">
+                <a16:creationId xmlns:a16="http://schemas.microsoft.com/office/drawing/2014/main" id="{CC877D56-83C2-40B2-93E7-7BB52DCDEE54}"/>
+              </a:ext>
+            </a:extLst>
+          </p:cNvPr>
+          <p:cNvPicPr>
+            <a:picLocks noGrp="1" noChangeAspect="1"/>
+          </p:cNvPicPr>
           <p:nvPr>
             <p:ph idx="1"/>
           </p:nvPr>
-        </p:nvSpPr>
-        <p:spPr/>
-        <p:txBody>
-          <a:bodyPr/>
-          <a:lstStyle/>
-          <a:p>
-            <a:endParaRPr lang="en-US"/>
-          </a:p>
-        </p:txBody>
-      </p:sp>
+        </p:nvPicPr>
+        <p:blipFill>
+          <a:blip r:embed="rId3">
+            <a:extLst>
+              <a:ext uri="{28A0092B-C50C-407E-A947-70E740481C1C}">
+                <a14:useLocalDpi xmlns:a14="http://schemas.microsoft.com/office/drawing/2010/main" val="0"/>
+              </a:ext>
+            </a:extLst>
+          </a:blip>
+          <a:stretch>
+            <a:fillRect/>
+          </a:stretch>
+        </p:blipFill>
+        <p:spPr>
+          <a:xfrm>
+            <a:off x="838200" y="2248694"/>
+            <a:ext cx="10515600" cy="3505200"/>
+          </a:xfrm>
+        </p:spPr>
+      </p:pic>
     </p:spTree>
     <p:extLst>
       <p:ext uri="{BB962C8B-B14F-4D97-AF65-F5344CB8AC3E}">
-        <p14:creationId xmlns:p14="http://schemas.microsoft.com/office/powerpoint/2010/main" val="2722591429"/>
+        <p14:creationId xmlns:p14="http://schemas.microsoft.com/office/powerpoint/2010/main" val="934686839"/>
       </p:ext>
     </p:extLst>
   </p:cSld>
@@ -5698,7 +8484,7 @@
           <p:cNvPr id="2" name="Title 1">
             <a:extLst>
               <a:ext uri="{FF2B5EF4-FFF2-40B4-BE49-F238E27FC236}">
-                <a16:creationId xmlns:a16="http://schemas.microsoft.com/office/drawing/2014/main" id="{B79C4028-B7C4-4DEB-863D-D4ED11AAF63B}"/>
+                <a16:creationId xmlns:a16="http://schemas.microsoft.com/office/drawing/2014/main" id="{2E7F0846-9752-45BE-98B2-2D21CEF47A54}"/>
               </a:ext>
             </a:extLst>
           </p:cNvPr>
@@ -5714,7 +8500,10 @@
           <a:bodyPr/>
           <a:lstStyle/>
           <a:p>
-            <a:endParaRPr lang="en-US"/>
+            <a:r>
+              <a:rPr lang="en-US" dirty="0"/>
+              <a:t>Ranking of Superhero movies by viewer rating (Rotten Tomatoes)</a:t>
+            </a:r>
           </a:p>
         </p:txBody>
       </p:sp>
@@ -5723,7 +8512,7 @@
           <p:cNvPr id="5" name="Content Placeholder 4">
             <a:extLst>
               <a:ext uri="{FF2B5EF4-FFF2-40B4-BE49-F238E27FC236}">
-                <a16:creationId xmlns:a16="http://schemas.microsoft.com/office/drawing/2014/main" id="{CC877D56-83C2-40B2-93E7-7BB52DCDEE54}"/>
+                <a16:creationId xmlns:a16="http://schemas.microsoft.com/office/drawing/2014/main" id="{C12477B5-62D4-4C3C-8B4D-397A7C953BA3}"/>
               </a:ext>
             </a:extLst>
           </p:cNvPr>
@@ -5735,7 +8524,7 @@
           </p:nvPr>
         </p:nvPicPr>
         <p:blipFill>
-          <a:blip r:embed="rId2">
+          <a:blip r:embed="rId3">
             <a:extLst>
               <a:ext uri="{28A0092B-C50C-407E-A947-70E740481C1C}">
                 <a14:useLocalDpi xmlns:a14="http://schemas.microsoft.com/office/drawing/2010/main" val="0"/>
@@ -5756,7 +8545,7 @@
     </p:spTree>
     <p:extLst>
       <p:ext uri="{BB962C8B-B14F-4D97-AF65-F5344CB8AC3E}">
-        <p14:creationId xmlns:p14="http://schemas.microsoft.com/office/powerpoint/2010/main" val="934686839"/>
+        <p14:creationId xmlns:p14="http://schemas.microsoft.com/office/powerpoint/2010/main" val="801021367"/>
       </p:ext>
     </p:extLst>
   </p:cSld>
@@ -5788,7 +8577,7 @@
           <p:cNvPr id="2" name="Title 1">
             <a:extLst>
               <a:ext uri="{FF2B5EF4-FFF2-40B4-BE49-F238E27FC236}">
-                <a16:creationId xmlns:a16="http://schemas.microsoft.com/office/drawing/2014/main" id="{2E7F0846-9752-45BE-98B2-2D21CEF47A54}"/>
+                <a16:creationId xmlns:a16="http://schemas.microsoft.com/office/drawing/2014/main" id="{8FC2768F-07A7-4806-8276-9941AA44B9AB}"/>
               </a:ext>
             </a:extLst>
           </p:cNvPr>
@@ -5799,54 +8588,93 @@
             <p:ph type="title"/>
           </p:nvPr>
         </p:nvSpPr>
-        <p:spPr/>
-        <p:txBody>
-          <a:bodyPr/>
-          <a:lstStyle/>
-          <a:p>
-            <a:endParaRPr lang="en-US"/>
-          </a:p>
-        </p:txBody>
-      </p:sp>
-      <p:pic>
-        <p:nvPicPr>
-          <p:cNvPr id="5" name="Content Placeholder 4">
-            <a:extLst>
-              <a:ext uri="{FF2B5EF4-FFF2-40B4-BE49-F238E27FC236}">
-                <a16:creationId xmlns:a16="http://schemas.microsoft.com/office/drawing/2014/main" id="{C12477B5-62D4-4C3C-8B4D-397A7C953BA3}"/>
-              </a:ext>
-            </a:extLst>
-          </p:cNvPr>
-          <p:cNvPicPr>
-            <a:picLocks noGrp="1" noChangeAspect="1"/>
-          </p:cNvPicPr>
-          <p:nvPr>
-            <p:ph idx="1"/>
-          </p:nvPr>
-        </p:nvPicPr>
-        <p:blipFill>
-          <a:blip r:embed="rId2">
-            <a:extLst>
-              <a:ext uri="{28A0092B-C50C-407E-A947-70E740481C1C}">
-                <a14:useLocalDpi xmlns:a14="http://schemas.microsoft.com/office/drawing/2010/main" val="0"/>
-              </a:ext>
-            </a:extLst>
-          </a:blip>
-          <a:stretch>
-            <a:fillRect/>
-          </a:stretch>
-        </p:blipFill>
         <p:spPr>
           <a:xfrm>
-            <a:off x="838200" y="2248694"/>
-            <a:ext cx="10515600" cy="3505200"/>
+            <a:off x="838200" y="365125"/>
+            <a:ext cx="10515600" cy="911225"/>
           </a:xfrm>
         </p:spPr>
-      </p:pic>
+        <p:txBody>
+          <a:bodyPr/>
+          <a:lstStyle/>
+          <a:p>
+            <a:r>
+              <a:rPr lang="en-US" dirty="0"/>
+              <a:t>Superhero Plots</a:t>
+            </a:r>
+          </a:p>
+        </p:txBody>
+      </p:sp>
+      <p:sp>
+        <p:nvSpPr>
+          <p:cNvPr id="3" name="Content Placeholder 2">
+            <a:extLst>
+              <a:ext uri="{FF2B5EF4-FFF2-40B4-BE49-F238E27FC236}">
+                <a16:creationId xmlns:a16="http://schemas.microsoft.com/office/drawing/2014/main" id="{6699C8A1-69AD-459A-A12D-BAF9EEA18625}"/>
+              </a:ext>
+            </a:extLst>
+          </p:cNvPr>
+          <p:cNvSpPr>
+            <a:spLocks noGrp="1"/>
+          </p:cNvSpPr>
+          <p:nvPr>
+            <p:ph idx="1"/>
+          </p:nvPr>
+        </p:nvSpPr>
+        <p:spPr>
+          <a:xfrm>
+            <a:off x="838200" y="1362075"/>
+            <a:ext cx="10515600" cy="4814888"/>
+          </a:xfrm>
+        </p:spPr>
+        <p:txBody>
+          <a:bodyPr>
+            <a:normAutofit/>
+          </a:bodyPr>
+          <a:lstStyle/>
+          <a:p>
+            <a:r>
+              <a:rPr lang="en-US" sz="3600" dirty="0"/>
+              <a:t>Calculated the average US sales and average viewer rating for each superhero</a:t>
+            </a:r>
+          </a:p>
+          <a:p>
+            <a:r>
+              <a:rPr lang="en-US" sz="3600" dirty="0"/>
+              <a:t>Batman is consistently the highest rated superhero and has the most box office sales</a:t>
+            </a:r>
+          </a:p>
+          <a:p>
+            <a:r>
+              <a:rPr lang="en-US" sz="3600" dirty="0"/>
+              <a:t>Two of the top 5 movies in sales have minority leads</a:t>
+            </a:r>
+          </a:p>
+          <a:p>
+            <a:r>
+              <a:rPr lang="en-US" sz="3600" dirty="0"/>
+              <a:t>One of the top 5 movies in ratings has a minority lead </a:t>
+            </a:r>
+          </a:p>
+          <a:p>
+            <a:pPr lvl="1"/>
+            <a:r>
+              <a:rPr lang="en-US" sz="3600" dirty="0"/>
+              <a:t>Wonder Woman was included in the top 5 for both sales and ratings</a:t>
+            </a:r>
+          </a:p>
+          <a:p>
+            <a:endParaRPr lang="en-US" dirty="0"/>
+          </a:p>
+          <a:p>
+            <a:endParaRPr lang="en-US" dirty="0"/>
+          </a:p>
+        </p:txBody>
+      </p:sp>
     </p:spTree>
     <p:extLst>
       <p:ext uri="{BB962C8B-B14F-4D97-AF65-F5344CB8AC3E}">
-        <p14:creationId xmlns:p14="http://schemas.microsoft.com/office/powerpoint/2010/main" val="801021367"/>
+        <p14:creationId xmlns:p14="http://schemas.microsoft.com/office/powerpoint/2010/main" val="1230780411"/>
       </p:ext>
     </p:extLst>
   </p:cSld>
@@ -5878,7 +8706,7 @@
           <p:cNvPr id="2" name="Title 1">
             <a:extLst>
               <a:ext uri="{FF2B5EF4-FFF2-40B4-BE49-F238E27FC236}">
-                <a16:creationId xmlns:a16="http://schemas.microsoft.com/office/drawing/2014/main" id="{8FC2768F-07A7-4806-8276-9941AA44B9AB}"/>
+                <a16:creationId xmlns:a16="http://schemas.microsoft.com/office/drawing/2014/main" id="{43FB5F5F-3BA8-450F-AF65-6B27EA2EF43B}"/>
               </a:ext>
             </a:extLst>
           </p:cNvPr>
@@ -5896,40 +8724,50 @@
           <a:p>
             <a:r>
               <a:rPr lang="en-US" dirty="0"/>
-              <a:t>Superhero Plots</a:t>
-            </a:r>
-          </a:p>
-        </p:txBody>
-      </p:sp>
-      <p:sp>
-        <p:nvSpPr>
-          <p:cNvPr id="3" name="Content Placeholder 2">
-            <a:extLst>
-              <a:ext uri="{FF2B5EF4-FFF2-40B4-BE49-F238E27FC236}">
-                <a16:creationId xmlns:a16="http://schemas.microsoft.com/office/drawing/2014/main" id="{6699C8A1-69AD-459A-A12D-BAF9EEA18625}"/>
-              </a:ext>
-            </a:extLst>
-          </p:cNvPr>
-          <p:cNvSpPr>
-            <a:spLocks noGrp="1"/>
-          </p:cNvSpPr>
+              <a:t>Average US Sales by Superhero</a:t>
+            </a:r>
+          </a:p>
+        </p:txBody>
+      </p:sp>
+      <p:pic>
+        <p:nvPicPr>
+          <p:cNvPr id="5" name="Content Placeholder 4">
+            <a:extLst>
+              <a:ext uri="{FF2B5EF4-FFF2-40B4-BE49-F238E27FC236}">
+                <a16:creationId xmlns:a16="http://schemas.microsoft.com/office/drawing/2014/main" id="{9347F85A-3E04-494C-9326-64F864E7BABE}"/>
+              </a:ext>
+            </a:extLst>
+          </p:cNvPr>
+          <p:cNvPicPr>
+            <a:picLocks noGrp="1" noChangeAspect="1"/>
+          </p:cNvPicPr>
           <p:nvPr>
             <p:ph idx="1"/>
           </p:nvPr>
-        </p:nvSpPr>
-        <p:spPr/>
-        <p:txBody>
-          <a:bodyPr/>
-          <a:lstStyle/>
-          <a:p>
-            <a:endParaRPr lang="en-US"/>
-          </a:p>
-        </p:txBody>
-      </p:sp>
+        </p:nvPicPr>
+        <p:blipFill>
+          <a:blip r:embed="rId3">
+            <a:extLst>
+              <a:ext uri="{28A0092B-C50C-407E-A947-70E740481C1C}">
+                <a14:useLocalDpi xmlns:a14="http://schemas.microsoft.com/office/drawing/2010/main" val="0"/>
+              </a:ext>
+            </a:extLst>
+          </a:blip>
+          <a:stretch>
+            <a:fillRect/>
+          </a:stretch>
+        </p:blipFill>
+        <p:spPr>
+          <a:xfrm>
+            <a:off x="838200" y="2248694"/>
+            <a:ext cx="10515600" cy="3505200"/>
+          </a:xfrm>
+        </p:spPr>
+      </p:pic>
     </p:spTree>
     <p:extLst>
       <p:ext uri="{BB962C8B-B14F-4D97-AF65-F5344CB8AC3E}">
-        <p14:creationId xmlns:p14="http://schemas.microsoft.com/office/powerpoint/2010/main" val="1230780411"/>
+        <p14:creationId xmlns:p14="http://schemas.microsoft.com/office/powerpoint/2010/main" val="503759757"/>
       </p:ext>
     </p:extLst>
   </p:cSld>
@@ -6232,4 +9070,299 @@
     </a:ext>
   </a:extLst>
 </a:theme>
+</file>
+
+<file path=ppt/theme/theme2.xml><?xml version="1.0" encoding="utf-8"?>
+<a:theme xmlns:a="http://schemas.openxmlformats.org/drawingml/2006/main" name="Office Theme">
+  <a:themeElements>
+    <a:clrScheme name="Office">
+      <a:dk1>
+        <a:sysClr val="windowText" lastClr="000000"/>
+      </a:dk1>
+      <a:lt1>
+        <a:sysClr val="window" lastClr="FFFFFF"/>
+      </a:lt1>
+      <a:dk2>
+        <a:srgbClr val="44546A"/>
+      </a:dk2>
+      <a:lt2>
+        <a:srgbClr val="E7E6E6"/>
+      </a:lt2>
+      <a:accent1>
+        <a:srgbClr val="4472C4"/>
+      </a:accent1>
+      <a:accent2>
+        <a:srgbClr val="ED7D31"/>
+      </a:accent2>
+      <a:accent3>
+        <a:srgbClr val="A5A5A5"/>
+      </a:accent3>
+      <a:accent4>
+        <a:srgbClr val="FFC000"/>
+      </a:accent4>
+      <a:accent5>
+        <a:srgbClr val="5B9BD5"/>
+      </a:accent5>
+      <a:accent6>
+        <a:srgbClr val="70AD47"/>
+      </a:accent6>
+      <a:hlink>
+        <a:srgbClr val="0563C1"/>
+      </a:hlink>
+      <a:folHlink>
+        <a:srgbClr val="954F72"/>
+      </a:folHlink>
+    </a:clrScheme>
+    <a:fontScheme name="Office">
+      <a:majorFont>
+        <a:latin typeface="Calibri Light" panose="020F0302020204030204"/>
+        <a:ea typeface=""/>
+        <a:cs typeface=""/>
+        <a:font script="Jpan" typeface="游ゴシック Light"/>
+        <a:font script="Hang" typeface="맑은 고딕"/>
+        <a:font script="Hans" typeface="等线 Light"/>
+        <a:font script="Hant" typeface="新細明體"/>
+        <a:font script="Arab" typeface="Times New Roman"/>
+        <a:font script="Hebr" typeface="Times New Roman"/>
+        <a:font script="Thai" typeface="Angsana New"/>
+        <a:font script="Ethi" typeface="Nyala"/>
+        <a:font script="Beng" typeface="Vrinda"/>
+        <a:font script="Gujr" typeface="Shruti"/>
+        <a:font script="Khmr" typeface="MoolBoran"/>
+        <a:font script="Knda" typeface="Tunga"/>
+        <a:font script="Guru" typeface="Raavi"/>
+        <a:font script="Cans" typeface="Euphemia"/>
+        <a:font script="Cher" typeface="Plantagenet Cherokee"/>
+        <a:font script="Yiii" typeface="Microsoft Yi Baiti"/>
+        <a:font script="Tibt" typeface="Microsoft Himalaya"/>
+        <a:font script="Thaa" typeface="MV Boli"/>
+        <a:font script="Deva" typeface="Mangal"/>
+        <a:font script="Telu" typeface="Gautami"/>
+        <a:font script="Taml" typeface="Latha"/>
+        <a:font script="Syrc" typeface="Estrangelo Edessa"/>
+        <a:font script="Orya" typeface="Kalinga"/>
+        <a:font script="Mlym" typeface="Kartika"/>
+        <a:font script="Laoo" typeface="DokChampa"/>
+        <a:font script="Sinh" typeface="Iskoola Pota"/>
+        <a:font script="Mong" typeface="Mongolian Baiti"/>
+        <a:font script="Viet" typeface="Times New Roman"/>
+        <a:font script="Uigh" typeface="Microsoft Uighur"/>
+        <a:font script="Geor" typeface="Sylfaen"/>
+        <a:font script="Armn" typeface="Arial"/>
+        <a:font script="Bugi" typeface="Leelawadee UI"/>
+        <a:font script="Bopo" typeface="Microsoft JhengHei"/>
+        <a:font script="Java" typeface="Javanese Text"/>
+        <a:font script="Lisu" typeface="Segoe UI"/>
+        <a:font script="Mymr" typeface="Myanmar Text"/>
+        <a:font script="Nkoo" typeface="Ebrima"/>
+        <a:font script="Olck" typeface="Nirmala UI"/>
+        <a:font script="Osma" typeface="Ebrima"/>
+        <a:font script="Phag" typeface="Phagspa"/>
+        <a:font script="Syrn" typeface="Estrangelo Edessa"/>
+        <a:font script="Syrj" typeface="Estrangelo Edessa"/>
+        <a:font script="Syre" typeface="Estrangelo Edessa"/>
+        <a:font script="Sora" typeface="Nirmala UI"/>
+        <a:font script="Tale" typeface="Microsoft Tai Le"/>
+        <a:font script="Talu" typeface="Microsoft New Tai Lue"/>
+        <a:font script="Tfng" typeface="Ebrima"/>
+      </a:majorFont>
+      <a:minorFont>
+        <a:latin typeface="Calibri" panose="020F0502020204030204"/>
+        <a:ea typeface=""/>
+        <a:cs typeface=""/>
+        <a:font script="Jpan" typeface="游ゴシック"/>
+        <a:font script="Hang" typeface="맑은 고딕"/>
+        <a:font script="Hans" typeface="等线"/>
+        <a:font script="Hant" typeface="新細明體"/>
+        <a:font script="Arab" typeface="Arial"/>
+        <a:font script="Hebr" typeface="Arial"/>
+        <a:font script="Thai" typeface="Cordia New"/>
+        <a:font script="Ethi" typeface="Nyala"/>
+        <a:font script="Beng" typeface="Vrinda"/>
+        <a:font script="Gujr" typeface="Shruti"/>
+        <a:font script="Khmr" typeface="DaunPenh"/>
+        <a:font script="Knda" typeface="Tunga"/>
+        <a:font script="Guru" typeface="Raavi"/>
+        <a:font script="Cans" typeface="Euphemia"/>
+        <a:font script="Cher" typeface="Plantagenet Cherokee"/>
+        <a:font script="Yiii" typeface="Microsoft Yi Baiti"/>
+        <a:font script="Tibt" typeface="Microsoft Himalaya"/>
+        <a:font script="Thaa" typeface="MV Boli"/>
+        <a:font script="Deva" typeface="Mangal"/>
+        <a:font script="Telu" typeface="Gautami"/>
+        <a:font script="Taml" typeface="Latha"/>
+        <a:font script="Syrc" typeface="Estrangelo Edessa"/>
+        <a:font script="Orya" typeface="Kalinga"/>
+        <a:font script="Mlym" typeface="Kartika"/>
+        <a:font script="Laoo" typeface="DokChampa"/>
+        <a:font script="Sinh" typeface="Iskoola Pota"/>
+        <a:font script="Mong" typeface="Mongolian Baiti"/>
+        <a:font script="Viet" typeface="Arial"/>
+        <a:font script="Uigh" typeface="Microsoft Uighur"/>
+        <a:font script="Geor" typeface="Sylfaen"/>
+        <a:font script="Armn" typeface="Arial"/>
+        <a:font script="Bugi" typeface="Leelawadee UI"/>
+        <a:font script="Bopo" typeface="Microsoft JhengHei"/>
+        <a:font script="Java" typeface="Javanese Text"/>
+        <a:font script="Lisu" typeface="Segoe UI"/>
+        <a:font script="Mymr" typeface="Myanmar Text"/>
+        <a:font script="Nkoo" typeface="Ebrima"/>
+        <a:font script="Olck" typeface="Nirmala UI"/>
+        <a:font script="Osma" typeface="Ebrima"/>
+        <a:font script="Phag" typeface="Phagspa"/>
+        <a:font script="Syrn" typeface="Estrangelo Edessa"/>
+        <a:font script="Syrj" typeface="Estrangelo Edessa"/>
+        <a:font script="Syre" typeface="Estrangelo Edessa"/>
+        <a:font script="Sora" typeface="Nirmala UI"/>
+        <a:font script="Tale" typeface="Microsoft Tai Le"/>
+        <a:font script="Talu" typeface="Microsoft New Tai Lue"/>
+        <a:font script="Tfng" typeface="Ebrima"/>
+      </a:minorFont>
+    </a:fontScheme>
+    <a:fmtScheme name="Office">
+      <a:fillStyleLst>
+        <a:solidFill>
+          <a:schemeClr val="phClr"/>
+        </a:solidFill>
+        <a:gradFill rotWithShape="1">
+          <a:gsLst>
+            <a:gs pos="0">
+              <a:schemeClr val="phClr">
+                <a:lumMod val="110000"/>
+                <a:satMod val="105000"/>
+                <a:tint val="67000"/>
+              </a:schemeClr>
+            </a:gs>
+            <a:gs pos="50000">
+              <a:schemeClr val="phClr">
+                <a:lumMod val="105000"/>
+                <a:satMod val="103000"/>
+                <a:tint val="73000"/>
+              </a:schemeClr>
+            </a:gs>
+            <a:gs pos="100000">
+              <a:schemeClr val="phClr">
+                <a:lumMod val="105000"/>
+                <a:satMod val="109000"/>
+                <a:tint val="81000"/>
+              </a:schemeClr>
+            </a:gs>
+          </a:gsLst>
+          <a:lin ang="5400000" scaled="0"/>
+        </a:gradFill>
+        <a:gradFill rotWithShape="1">
+          <a:gsLst>
+            <a:gs pos="0">
+              <a:schemeClr val="phClr">
+                <a:satMod val="103000"/>
+                <a:lumMod val="102000"/>
+                <a:tint val="94000"/>
+              </a:schemeClr>
+            </a:gs>
+            <a:gs pos="50000">
+              <a:schemeClr val="phClr">
+                <a:satMod val="110000"/>
+                <a:lumMod val="100000"/>
+                <a:shade val="100000"/>
+              </a:schemeClr>
+            </a:gs>
+            <a:gs pos="100000">
+              <a:schemeClr val="phClr">
+                <a:lumMod val="99000"/>
+                <a:satMod val="120000"/>
+                <a:shade val="78000"/>
+              </a:schemeClr>
+            </a:gs>
+          </a:gsLst>
+          <a:lin ang="5400000" scaled="0"/>
+        </a:gradFill>
+      </a:fillStyleLst>
+      <a:lnStyleLst>
+        <a:ln w="6350" cap="flat" cmpd="sng" algn="ctr">
+          <a:solidFill>
+            <a:schemeClr val="phClr"/>
+          </a:solidFill>
+          <a:prstDash val="solid"/>
+          <a:miter lim="800000"/>
+        </a:ln>
+        <a:ln w="12700" cap="flat" cmpd="sng" algn="ctr">
+          <a:solidFill>
+            <a:schemeClr val="phClr"/>
+          </a:solidFill>
+          <a:prstDash val="solid"/>
+          <a:miter lim="800000"/>
+        </a:ln>
+        <a:ln w="19050" cap="flat" cmpd="sng" algn="ctr">
+          <a:solidFill>
+            <a:schemeClr val="phClr"/>
+          </a:solidFill>
+          <a:prstDash val="solid"/>
+          <a:miter lim="800000"/>
+        </a:ln>
+      </a:lnStyleLst>
+      <a:effectStyleLst>
+        <a:effectStyle>
+          <a:effectLst/>
+        </a:effectStyle>
+        <a:effectStyle>
+          <a:effectLst/>
+        </a:effectStyle>
+        <a:effectStyle>
+          <a:effectLst>
+            <a:outerShdw blurRad="57150" dist="19050" dir="5400000" algn="ctr" rotWithShape="0">
+              <a:srgbClr val="000000">
+                <a:alpha val="63000"/>
+              </a:srgbClr>
+            </a:outerShdw>
+          </a:effectLst>
+        </a:effectStyle>
+      </a:effectStyleLst>
+      <a:bgFillStyleLst>
+        <a:solidFill>
+          <a:schemeClr val="phClr"/>
+        </a:solidFill>
+        <a:solidFill>
+          <a:schemeClr val="phClr">
+            <a:tint val="95000"/>
+            <a:satMod val="170000"/>
+          </a:schemeClr>
+        </a:solidFill>
+        <a:gradFill rotWithShape="1">
+          <a:gsLst>
+            <a:gs pos="0">
+              <a:schemeClr val="phClr">
+                <a:tint val="93000"/>
+                <a:satMod val="150000"/>
+                <a:shade val="98000"/>
+                <a:lumMod val="102000"/>
+              </a:schemeClr>
+            </a:gs>
+            <a:gs pos="50000">
+              <a:schemeClr val="phClr">
+                <a:tint val="98000"/>
+                <a:satMod val="130000"/>
+                <a:shade val="90000"/>
+                <a:lumMod val="103000"/>
+              </a:schemeClr>
+            </a:gs>
+            <a:gs pos="100000">
+              <a:schemeClr val="phClr">
+                <a:shade val="63000"/>
+                <a:satMod val="120000"/>
+              </a:schemeClr>
+            </a:gs>
+          </a:gsLst>
+          <a:lin ang="5400000" scaled="0"/>
+        </a:gradFill>
+      </a:bgFillStyleLst>
+    </a:fmtScheme>
+  </a:themeElements>
+  <a:objectDefaults/>
+  <a:extraClrSchemeLst/>
+  <a:extLst>
+    <a:ext uri="{05A4C25C-085E-4340-85A3-A5531E510DB2}">
+      <thm15:themeFamily xmlns:thm15="http://schemas.microsoft.com/office/thememl/2012/main" name="Office Theme" id="{62F939B6-93AF-4DB8-9C6B-D6C7DFDC589F}" vid="{4A3C46E8-61CC-4603-A589-7422A47A8E4A}"/>
+    </a:ext>
+  </a:extLst>
+</a:theme>
 </file>
--- a/Project_1_Superheros.pptx
+++ b/Project_1_Superheros.pptx
@@ -5,7 +5,7 @@
     <p:sldMasterId id="2147483648" r:id="rId1"/>
   </p:sldMasterIdLst>
   <p:notesMasterIdLst>
-    <p:notesMasterId r:id="rId26"/>
+    <p:notesMasterId r:id="rId27"/>
   </p:notesMasterIdLst>
   <p:sldIdLst>
     <p:sldId id="256" r:id="rId2"/>
@@ -19,19 +19,20 @@
     <p:sldId id="266" r:id="rId10"/>
     <p:sldId id="265" r:id="rId11"/>
     <p:sldId id="267" r:id="rId12"/>
-    <p:sldId id="276" r:id="rId13"/>
-    <p:sldId id="273" r:id="rId14"/>
+    <p:sldId id="273" r:id="rId13"/>
+    <p:sldId id="276" r:id="rId14"/>
     <p:sldId id="285" r:id="rId15"/>
     <p:sldId id="284" r:id="rId16"/>
-    <p:sldId id="286" r:id="rId17"/>
-    <p:sldId id="287" r:id="rId18"/>
-    <p:sldId id="288" r:id="rId19"/>
-    <p:sldId id="291" r:id="rId20"/>
-    <p:sldId id="292" r:id="rId21"/>
-    <p:sldId id="289" r:id="rId22"/>
-    <p:sldId id="293" r:id="rId23"/>
-    <p:sldId id="290" r:id="rId24"/>
-    <p:sldId id="294" r:id="rId25"/>
+    <p:sldId id="295" r:id="rId17"/>
+    <p:sldId id="288" r:id="rId18"/>
+    <p:sldId id="291" r:id="rId19"/>
+    <p:sldId id="286" r:id="rId20"/>
+    <p:sldId id="287" r:id="rId21"/>
+    <p:sldId id="292" r:id="rId22"/>
+    <p:sldId id="289" r:id="rId23"/>
+    <p:sldId id="293" r:id="rId24"/>
+    <p:sldId id="290" r:id="rId25"/>
+    <p:sldId id="294" r:id="rId26"/>
   </p:sldIdLst>
   <p:sldSz cx="12192000" cy="6858000"/>
   <p:notesSz cx="6858000" cy="9144000"/>
@@ -139,6 +140,14 @@
     </p:ext>
   </p:extLst>
 </p:presentation>
+</file>
+
+<file path=ppt/revisionInfo.xml><?xml version="1.0" encoding="utf-8"?>
+<p1510:revInfo xmlns:a="http://schemas.openxmlformats.org/drawingml/2006/main" xmlns:r="http://schemas.openxmlformats.org/officeDocument/2006/relationships" xmlns:p1510="http://schemas.microsoft.com/office/powerpoint/2015/10/main">
+  <p1510:revLst>
+    <p1510:client id="{83851C9F-9BC1-4315-93A8-7D0F4462957B}" v="11" dt="2019-04-13T19:39:52.747"/>
+  </p1510:revLst>
+</p1510:revInfo>
 </file>
 
 <file path=ppt/notesMasters/notesMaster1.xml><?xml version="1.0" encoding="utf-8"?>
@@ -726,7 +735,7 @@
           <a:p>
             <a:fld id="{546DA88A-8385-4F84-A597-5276C3E39C78}" type="slidenum">
               <a:rPr lang="en-US" smtClean="0"/>
-              <a:t>16</a:t>
+              <a:t>19</a:t>
             </a:fld>
             <a:endParaRPr lang="en-US"/>
           </a:p>
@@ -810,7 +819,7 @@
           <a:p>
             <a:fld id="{546DA88A-8385-4F84-A597-5276C3E39C78}" type="slidenum">
               <a:rPr lang="en-US" smtClean="0"/>
-              <a:t>17</a:t>
+              <a:t>20</a:t>
             </a:fld>
             <a:endParaRPr lang="en-US"/>
           </a:p>
@@ -894,7 +903,7 @@
           <a:p>
             <a:fld id="{546DA88A-8385-4F84-A597-5276C3E39C78}" type="slidenum">
               <a:rPr lang="en-US" smtClean="0"/>
-              <a:t>24</a:t>
+              <a:t>25</a:t>
             </a:fld>
             <a:endParaRPr lang="en-US"/>
           </a:p>
@@ -1508,10 +1517,7 @@
           <a:bodyPr/>
           <a:lstStyle/>
           <a:p>
-            <a:r>
-              <a:rPr lang="en-US" dirty="0"/>
-              <a:t>Only 2 of the 31 movies had women leads</a:t>
-            </a:r>
+            <a:endParaRPr lang="en-US" dirty="0"/>
           </a:p>
         </p:txBody>
       </p:sp>
@@ -1541,7 +1547,7 @@
     </p:spTree>
     <p:extLst>
       <p:ext uri="{BB962C8B-B14F-4D97-AF65-F5344CB8AC3E}">
-        <p14:creationId xmlns:p14="http://schemas.microsoft.com/office/powerpoint/2010/main" val="2268533184"/>
+        <p14:creationId xmlns:p14="http://schemas.microsoft.com/office/powerpoint/2010/main" val="2717320629"/>
       </p:ext>
     </p:extLst>
   </p:cSld>
@@ -1595,7 +1601,10 @@
           <a:bodyPr/>
           <a:lstStyle/>
           <a:p>
-            <a:endParaRPr lang="en-US" dirty="0"/>
+            <a:r>
+              <a:rPr lang="en-US" dirty="0"/>
+              <a:t>Only 2 of the 31 movies had women leads</a:t>
+            </a:r>
           </a:p>
         </p:txBody>
       </p:sp>
@@ -1625,7 +1634,7 @@
     </p:spTree>
     <p:extLst>
       <p:ext uri="{BB962C8B-B14F-4D97-AF65-F5344CB8AC3E}">
-        <p14:creationId xmlns:p14="http://schemas.microsoft.com/office/powerpoint/2010/main" val="2717320629"/>
+        <p14:creationId xmlns:p14="http://schemas.microsoft.com/office/powerpoint/2010/main" val="2268533184"/>
       </p:ext>
     </p:extLst>
   </p:cSld>
@@ -4273,23 +4282,23 @@
           <a:gsLst>
             <a:gs pos="0">
               <a:schemeClr val="accent3">
-                <a:lumMod val="67000"/>
+                <a:lumMod val="0"/>
+                <a:lumOff val="100000"/>
               </a:schemeClr>
             </a:gs>
-            <a:gs pos="48000">
+            <a:gs pos="0">
               <a:schemeClr val="accent3">
-                <a:lumMod val="97000"/>
-                <a:lumOff val="3000"/>
+                <a:lumMod val="0"/>
+                <a:lumOff val="100000"/>
               </a:schemeClr>
             </a:gs>
-            <a:gs pos="78000">
+            <a:gs pos="100000">
               <a:schemeClr val="accent3">
-                <a:lumMod val="60000"/>
-                <a:lumOff val="40000"/>
+                <a:lumMod val="100000"/>
               </a:schemeClr>
             </a:gs>
           </a:gsLst>
-          <a:lin ang="16200000" scaled="1"/>
+          <a:lin ang="5400000" scaled="1"/>
           <a:tileRect/>
         </a:gradFill>
         <a:effectLst/>
@@ -4971,7 +4980,7 @@
 </file>
 
 <file path=ppt/slides/slide10.xml><?xml version="1.0" encoding="utf-8"?>
-<p:sld xmlns:a="http://schemas.openxmlformats.org/drawingml/2006/main" xmlns:r="http://schemas.openxmlformats.org/officeDocument/2006/relationships" xmlns:p="http://schemas.openxmlformats.org/presentationml/2006/main">
+<p:sld xmlns:a="http://schemas.openxmlformats.org/drawingml/2006/main" xmlns:r="http://schemas.openxmlformats.org/officeDocument/2006/relationships" xmlns:p="http://schemas.openxmlformats.org/presentationml/2006/main" show="0">
   <p:cSld>
     <p:spTree>
       <p:nvGrpSpPr>
@@ -5179,6 +5188,411 @@
 </file>
 
 <file path=ppt/slides/slide12.xml><?xml version="1.0" encoding="utf-8"?>
+<p:sld xmlns:a="http://schemas.openxmlformats.org/drawingml/2006/main" xmlns:r="http://schemas.openxmlformats.org/officeDocument/2006/relationships" xmlns:p="http://schemas.openxmlformats.org/presentationml/2006/main">
+  <p:cSld>
+    <p:spTree>
+      <p:nvGrpSpPr>
+        <p:cNvPr id="1" name=""/>
+        <p:cNvGrpSpPr/>
+        <p:nvPr/>
+      </p:nvGrpSpPr>
+      <p:grpSpPr>
+        <a:xfrm>
+          <a:off x="0" y="0"/>
+          <a:ext cx="0" cy="0"/>
+          <a:chOff x="0" y="0"/>
+          <a:chExt cx="0" cy="0"/>
+        </a:xfrm>
+      </p:grpSpPr>
+      <p:sp>
+        <p:nvSpPr>
+          <p:cNvPr id="2" name="Title 1">
+            <a:extLst>
+              <a:ext uri="{FF2B5EF4-FFF2-40B4-BE49-F238E27FC236}">
+                <a16:creationId xmlns:a16="http://schemas.microsoft.com/office/drawing/2014/main" id="{AF50DADC-0626-4328-9C14-364B01262647}"/>
+              </a:ext>
+            </a:extLst>
+          </p:cNvPr>
+          <p:cNvSpPr>
+            <a:spLocks noGrp="1"/>
+          </p:cNvSpPr>
+          <p:nvPr>
+            <p:ph type="title"/>
+          </p:nvPr>
+        </p:nvSpPr>
+        <p:spPr>
+          <a:xfrm>
+            <a:off x="838201" y="365126"/>
+            <a:ext cx="7465828" cy="559908"/>
+          </a:xfrm>
+        </p:spPr>
+        <p:txBody>
+          <a:bodyPr>
+            <a:normAutofit fontScale="90000"/>
+          </a:bodyPr>
+          <a:lstStyle/>
+          <a:p>
+            <a:r>
+              <a:rPr lang="en-US" dirty="0"/>
+              <a:t>Power level by superhero</a:t>
+            </a:r>
+          </a:p>
+        </p:txBody>
+      </p:sp>
+      <p:pic>
+        <p:nvPicPr>
+          <p:cNvPr id="5" name="Content Placeholder 4">
+            <a:extLst>
+              <a:ext uri="{FF2B5EF4-FFF2-40B4-BE49-F238E27FC236}">
+                <a16:creationId xmlns:a16="http://schemas.microsoft.com/office/drawing/2014/main" id="{18D02DE4-CEDF-4C85-8A74-A626E7285383}"/>
+              </a:ext>
+            </a:extLst>
+          </p:cNvPr>
+          <p:cNvPicPr>
+            <a:picLocks noGrp="1" noChangeAspect="1"/>
+          </p:cNvPicPr>
+          <p:nvPr>
+            <p:ph idx="1"/>
+          </p:nvPr>
+        </p:nvPicPr>
+        <p:blipFill>
+          <a:blip r:embed="rId3">
+            <a:extLst>
+              <a:ext uri="{28A0092B-C50C-407E-A947-70E740481C1C}">
+                <a14:useLocalDpi xmlns:a14="http://schemas.microsoft.com/office/drawing/2010/main" val="0"/>
+              </a:ext>
+            </a:extLst>
+          </a:blip>
+          <a:stretch>
+            <a:fillRect/>
+          </a:stretch>
+        </p:blipFill>
+        <p:spPr>
+          <a:xfrm>
+            <a:off x="621730" y="969718"/>
+            <a:ext cx="10723209" cy="3574403"/>
+          </a:xfrm>
+        </p:spPr>
+      </p:pic>
+      <p:pic>
+        <p:nvPicPr>
+          <p:cNvPr id="4" name="Content Placeholder 4">
+            <a:extLst>
+              <a:ext uri="{FF2B5EF4-FFF2-40B4-BE49-F238E27FC236}">
+                <a16:creationId xmlns:a16="http://schemas.microsoft.com/office/drawing/2014/main" id="{17A551A5-FB8E-4538-8DD9-2F8210C98137}"/>
+              </a:ext>
+            </a:extLst>
+          </p:cNvPr>
+          <p:cNvPicPr>
+            <a:picLocks noChangeAspect="1"/>
+          </p:cNvPicPr>
+          <p:nvPr/>
+        </p:nvPicPr>
+        <p:blipFill>
+          <a:blip r:embed="rId4">
+            <a:extLst>
+              <a:ext uri="{28A0092B-C50C-407E-A947-70E740481C1C}">
+                <a14:useLocalDpi xmlns:a14="http://schemas.microsoft.com/office/drawing/2010/main" val="0"/>
+              </a:ext>
+            </a:extLst>
+          </a:blip>
+          <a:stretch>
+            <a:fillRect/>
+          </a:stretch>
+        </p:blipFill>
+        <p:spPr>
+          <a:xfrm>
+            <a:off x="621730" y="4236410"/>
+            <a:ext cx="3384697" cy="2256464"/>
+          </a:xfrm>
+          <a:prstGeom prst="rect">
+            <a:avLst/>
+          </a:prstGeom>
+        </p:spPr>
+      </p:pic>
+      <p:pic>
+        <p:nvPicPr>
+          <p:cNvPr id="6" name="Content Placeholder 4">
+            <a:extLst>
+              <a:ext uri="{FF2B5EF4-FFF2-40B4-BE49-F238E27FC236}">
+                <a16:creationId xmlns:a16="http://schemas.microsoft.com/office/drawing/2014/main" id="{2F025F0C-FF9B-4E4F-92BD-9476701D9F7B}"/>
+              </a:ext>
+            </a:extLst>
+          </p:cNvPr>
+          <p:cNvPicPr>
+            <a:picLocks noChangeAspect="1"/>
+          </p:cNvPicPr>
+          <p:nvPr/>
+        </p:nvPicPr>
+        <p:blipFill>
+          <a:blip r:embed="rId5">
+            <a:extLst>
+              <a:ext uri="{28A0092B-C50C-407E-A947-70E740481C1C}">
+                <a14:useLocalDpi xmlns:a14="http://schemas.microsoft.com/office/drawing/2010/main" val="0"/>
+              </a:ext>
+            </a:extLst>
+          </a:blip>
+          <a:stretch>
+            <a:fillRect/>
+          </a:stretch>
+        </p:blipFill>
+        <p:spPr>
+          <a:xfrm>
+            <a:off x="4006427" y="4281094"/>
+            <a:ext cx="3250642" cy="2167095"/>
+          </a:xfrm>
+          <a:prstGeom prst="rect">
+            <a:avLst/>
+          </a:prstGeom>
+        </p:spPr>
+      </p:pic>
+      <p:sp>
+        <p:nvSpPr>
+          <p:cNvPr id="7" name="Content Placeholder 2">
+            <a:extLst>
+              <a:ext uri="{FF2B5EF4-FFF2-40B4-BE49-F238E27FC236}">
+                <a16:creationId xmlns:a16="http://schemas.microsoft.com/office/drawing/2014/main" id="{E97C6247-049C-41B9-B21E-8D32AEF0A755}"/>
+              </a:ext>
+            </a:extLst>
+          </p:cNvPr>
+          <p:cNvSpPr txBox="1">
+            <a:spLocks/>
+          </p:cNvSpPr>
+          <p:nvPr/>
+        </p:nvSpPr>
+        <p:spPr>
+          <a:xfrm>
+            <a:off x="7257069" y="4754618"/>
+            <a:ext cx="3798205" cy="1635550"/>
+          </a:xfrm>
+          <a:prstGeom prst="rect">
+            <a:avLst/>
+          </a:prstGeom>
+        </p:spPr>
+        <p:txBody>
+          <a:bodyPr vert="horz" lIns="91440" tIns="45720" rIns="91440" bIns="45720" rtlCol="0">
+            <a:normAutofit fontScale="40000" lnSpcReduction="20000"/>
+          </a:bodyPr>
+          <a:lstStyle>
+            <a:lvl1pPr marL="228600" indent="-228600" algn="l" defTabSz="914400" rtl="0" eaLnBrk="1" latinLnBrk="0" hangingPunct="1">
+              <a:lnSpc>
+                <a:spcPct val="90000"/>
+              </a:lnSpc>
+              <a:spcBef>
+                <a:spcPts val="1000"/>
+              </a:spcBef>
+              <a:buFont typeface="Arial" panose="020B0604020202020204" pitchFamily="34" charset="0"/>
+              <a:buChar char="•"/>
+              <a:defRPr sz="2800" kern="1200">
+                <a:solidFill>
+                  <a:schemeClr val="tx1"/>
+                </a:solidFill>
+                <a:latin typeface="+mn-lt"/>
+                <a:ea typeface="+mn-ea"/>
+                <a:cs typeface="+mn-cs"/>
+              </a:defRPr>
+            </a:lvl1pPr>
+            <a:lvl2pPr marL="685800" indent="-228600" algn="l" defTabSz="914400" rtl="0" eaLnBrk="1" latinLnBrk="0" hangingPunct="1">
+              <a:lnSpc>
+                <a:spcPct val="90000"/>
+              </a:lnSpc>
+              <a:spcBef>
+                <a:spcPts val="500"/>
+              </a:spcBef>
+              <a:buFont typeface="Arial" panose="020B0604020202020204" pitchFamily="34" charset="0"/>
+              <a:buChar char="•"/>
+              <a:defRPr sz="2400" kern="1200">
+                <a:solidFill>
+                  <a:schemeClr val="tx1"/>
+                </a:solidFill>
+                <a:latin typeface="+mn-lt"/>
+                <a:ea typeface="+mn-ea"/>
+                <a:cs typeface="+mn-cs"/>
+              </a:defRPr>
+            </a:lvl2pPr>
+            <a:lvl3pPr marL="1143000" indent="-228600" algn="l" defTabSz="914400" rtl="0" eaLnBrk="1" latinLnBrk="0" hangingPunct="1">
+              <a:lnSpc>
+                <a:spcPct val="90000"/>
+              </a:lnSpc>
+              <a:spcBef>
+                <a:spcPts val="500"/>
+              </a:spcBef>
+              <a:buFont typeface="Arial" panose="020B0604020202020204" pitchFamily="34" charset="0"/>
+              <a:buChar char="•"/>
+              <a:defRPr sz="2000" kern="1200">
+                <a:solidFill>
+                  <a:schemeClr val="tx1"/>
+                </a:solidFill>
+                <a:latin typeface="+mn-lt"/>
+                <a:ea typeface="+mn-ea"/>
+                <a:cs typeface="+mn-cs"/>
+              </a:defRPr>
+            </a:lvl3pPr>
+            <a:lvl4pPr marL="1600200" indent="-228600" algn="l" defTabSz="914400" rtl="0" eaLnBrk="1" latinLnBrk="0" hangingPunct="1">
+              <a:lnSpc>
+                <a:spcPct val="90000"/>
+              </a:lnSpc>
+              <a:spcBef>
+                <a:spcPts val="500"/>
+              </a:spcBef>
+              <a:buFont typeface="Arial" panose="020B0604020202020204" pitchFamily="34" charset="0"/>
+              <a:buChar char="•"/>
+              <a:defRPr sz="1800" kern="1200">
+                <a:solidFill>
+                  <a:schemeClr val="tx1"/>
+                </a:solidFill>
+                <a:latin typeface="+mn-lt"/>
+                <a:ea typeface="+mn-ea"/>
+                <a:cs typeface="+mn-cs"/>
+              </a:defRPr>
+            </a:lvl4pPr>
+            <a:lvl5pPr marL="2057400" indent="-228600" algn="l" defTabSz="914400" rtl="0" eaLnBrk="1" latinLnBrk="0" hangingPunct="1">
+              <a:lnSpc>
+                <a:spcPct val="90000"/>
+              </a:lnSpc>
+              <a:spcBef>
+                <a:spcPts val="500"/>
+              </a:spcBef>
+              <a:buFont typeface="Arial" panose="020B0604020202020204" pitchFamily="34" charset="0"/>
+              <a:buChar char="•"/>
+              <a:defRPr sz="1800" kern="1200">
+                <a:solidFill>
+                  <a:schemeClr val="tx1"/>
+                </a:solidFill>
+                <a:latin typeface="+mn-lt"/>
+                <a:ea typeface="+mn-ea"/>
+                <a:cs typeface="+mn-cs"/>
+              </a:defRPr>
+            </a:lvl5pPr>
+            <a:lvl6pPr marL="2514600" indent="-228600" algn="l" defTabSz="914400" rtl="0" eaLnBrk="1" latinLnBrk="0" hangingPunct="1">
+              <a:lnSpc>
+                <a:spcPct val="90000"/>
+              </a:lnSpc>
+              <a:spcBef>
+                <a:spcPts val="500"/>
+              </a:spcBef>
+              <a:buFont typeface="Arial" panose="020B0604020202020204" pitchFamily="34" charset="0"/>
+              <a:buChar char="•"/>
+              <a:defRPr sz="1800" kern="1200">
+                <a:solidFill>
+                  <a:schemeClr val="tx1"/>
+                </a:solidFill>
+                <a:latin typeface="+mn-lt"/>
+                <a:ea typeface="+mn-ea"/>
+                <a:cs typeface="+mn-cs"/>
+              </a:defRPr>
+            </a:lvl6pPr>
+            <a:lvl7pPr marL="2971800" indent="-228600" algn="l" defTabSz="914400" rtl="0" eaLnBrk="1" latinLnBrk="0" hangingPunct="1">
+              <a:lnSpc>
+                <a:spcPct val="90000"/>
+              </a:lnSpc>
+              <a:spcBef>
+                <a:spcPts val="500"/>
+              </a:spcBef>
+              <a:buFont typeface="Arial" panose="020B0604020202020204" pitchFamily="34" charset="0"/>
+              <a:buChar char="•"/>
+              <a:defRPr sz="1800" kern="1200">
+                <a:solidFill>
+                  <a:schemeClr val="tx1"/>
+                </a:solidFill>
+                <a:latin typeface="+mn-lt"/>
+                <a:ea typeface="+mn-ea"/>
+                <a:cs typeface="+mn-cs"/>
+              </a:defRPr>
+            </a:lvl7pPr>
+            <a:lvl8pPr marL="3429000" indent="-228600" algn="l" defTabSz="914400" rtl="0" eaLnBrk="1" latinLnBrk="0" hangingPunct="1">
+              <a:lnSpc>
+                <a:spcPct val="90000"/>
+              </a:lnSpc>
+              <a:spcBef>
+                <a:spcPts val="500"/>
+              </a:spcBef>
+              <a:buFont typeface="Arial" panose="020B0604020202020204" pitchFamily="34" charset="0"/>
+              <a:buChar char="•"/>
+              <a:defRPr sz="1800" kern="1200">
+                <a:solidFill>
+                  <a:schemeClr val="tx1"/>
+                </a:solidFill>
+                <a:latin typeface="+mn-lt"/>
+                <a:ea typeface="+mn-ea"/>
+                <a:cs typeface="+mn-cs"/>
+              </a:defRPr>
+            </a:lvl8pPr>
+            <a:lvl9pPr marL="3886200" indent="-228600" algn="l" defTabSz="914400" rtl="0" eaLnBrk="1" latinLnBrk="0" hangingPunct="1">
+              <a:lnSpc>
+                <a:spcPct val="90000"/>
+              </a:lnSpc>
+              <a:spcBef>
+                <a:spcPts val="500"/>
+              </a:spcBef>
+              <a:buFont typeface="Arial" panose="020B0604020202020204" pitchFamily="34" charset="0"/>
+              <a:buChar char="•"/>
+              <a:defRPr sz="1800" kern="1200">
+                <a:solidFill>
+                  <a:schemeClr val="tx1"/>
+                </a:solidFill>
+                <a:latin typeface="+mn-lt"/>
+                <a:ea typeface="+mn-ea"/>
+                <a:cs typeface="+mn-cs"/>
+              </a:defRPr>
+            </a:lvl9pPr>
+          </a:lstStyle>
+          <a:p>
+            <a:r>
+              <a:rPr lang="en-US" sz="4000" dirty="0"/>
+              <a:t>No correlation between power level and box office sales</a:t>
+            </a:r>
+          </a:p>
+          <a:p>
+            <a:r>
+              <a:rPr lang="en-US" sz="4000" dirty="0"/>
+              <a:t>No correlation between power level and viewer ratings</a:t>
+            </a:r>
+          </a:p>
+          <a:p>
+            <a:r>
+              <a:rPr lang="en-US" sz="4000" dirty="0"/>
+              <a:t>Sales : </a:t>
+            </a:r>
+            <a:r>
+              <a:rPr lang="en-US" sz="4000" dirty="0" err="1"/>
+              <a:t>Pvalue</a:t>
+            </a:r>
+            <a:r>
+              <a:rPr lang="en-US" sz="4000" dirty="0"/>
+              <a:t>=0.4051</a:t>
+            </a:r>
+          </a:p>
+          <a:p>
+            <a:r>
+              <a:rPr lang="en-US" sz="4000" dirty="0"/>
+              <a:t>Rating : </a:t>
+            </a:r>
+            <a:r>
+              <a:rPr lang="en-US" sz="4000" dirty="0" err="1"/>
+              <a:t>pvalue</a:t>
+            </a:r>
+            <a:r>
+              <a:rPr lang="en-US" sz="4000" dirty="0"/>
+              <a:t>=0.9693</a:t>
+            </a:r>
+          </a:p>
+        </p:txBody>
+      </p:sp>
+    </p:spTree>
+    <p:extLst>
+      <p:ext uri="{BB962C8B-B14F-4D97-AF65-F5344CB8AC3E}">
+        <p14:creationId xmlns:p14="http://schemas.microsoft.com/office/powerpoint/2010/main" val="3572409655"/>
+      </p:ext>
+    </p:extLst>
+  </p:cSld>
+  <p:clrMapOvr>
+    <a:masterClrMapping/>
+  </p:clrMapOvr>
+</p:sld>
+</file>
+
+<file path=ppt/slides/slide13.xml><?xml version="1.0" encoding="utf-8"?>
 <p:sld xmlns:a="http://schemas.openxmlformats.org/drawingml/2006/main" xmlns:r="http://schemas.openxmlformats.org/officeDocument/2006/relationships" xmlns:p="http://schemas.openxmlformats.org/presentationml/2006/main">
   <p:cSld>
     <p:spTree>
@@ -5578,411 +5992,6 @@
 </p:sld>
 </file>
 
-<file path=ppt/slides/slide13.xml><?xml version="1.0" encoding="utf-8"?>
-<p:sld xmlns:a="http://schemas.openxmlformats.org/drawingml/2006/main" xmlns:r="http://schemas.openxmlformats.org/officeDocument/2006/relationships" xmlns:p="http://schemas.openxmlformats.org/presentationml/2006/main">
-  <p:cSld>
-    <p:spTree>
-      <p:nvGrpSpPr>
-        <p:cNvPr id="1" name=""/>
-        <p:cNvGrpSpPr/>
-        <p:nvPr/>
-      </p:nvGrpSpPr>
-      <p:grpSpPr>
-        <a:xfrm>
-          <a:off x="0" y="0"/>
-          <a:ext cx="0" cy="0"/>
-          <a:chOff x="0" y="0"/>
-          <a:chExt cx="0" cy="0"/>
-        </a:xfrm>
-      </p:grpSpPr>
-      <p:sp>
-        <p:nvSpPr>
-          <p:cNvPr id="2" name="Title 1">
-            <a:extLst>
-              <a:ext uri="{FF2B5EF4-FFF2-40B4-BE49-F238E27FC236}">
-                <a16:creationId xmlns:a16="http://schemas.microsoft.com/office/drawing/2014/main" id="{AF50DADC-0626-4328-9C14-364B01262647}"/>
-              </a:ext>
-            </a:extLst>
-          </p:cNvPr>
-          <p:cNvSpPr>
-            <a:spLocks noGrp="1"/>
-          </p:cNvSpPr>
-          <p:nvPr>
-            <p:ph type="title"/>
-          </p:nvPr>
-        </p:nvSpPr>
-        <p:spPr>
-          <a:xfrm>
-            <a:off x="838201" y="365126"/>
-            <a:ext cx="7465828" cy="559908"/>
-          </a:xfrm>
-        </p:spPr>
-        <p:txBody>
-          <a:bodyPr>
-            <a:normAutofit fontScale="90000"/>
-          </a:bodyPr>
-          <a:lstStyle/>
-          <a:p>
-            <a:r>
-              <a:rPr lang="en-US" dirty="0"/>
-              <a:t>Power level by superhero</a:t>
-            </a:r>
-          </a:p>
-        </p:txBody>
-      </p:sp>
-      <p:pic>
-        <p:nvPicPr>
-          <p:cNvPr id="5" name="Content Placeholder 4">
-            <a:extLst>
-              <a:ext uri="{FF2B5EF4-FFF2-40B4-BE49-F238E27FC236}">
-                <a16:creationId xmlns:a16="http://schemas.microsoft.com/office/drawing/2014/main" id="{18D02DE4-CEDF-4C85-8A74-A626E7285383}"/>
-              </a:ext>
-            </a:extLst>
-          </p:cNvPr>
-          <p:cNvPicPr>
-            <a:picLocks noGrp="1" noChangeAspect="1"/>
-          </p:cNvPicPr>
-          <p:nvPr>
-            <p:ph idx="1"/>
-          </p:nvPr>
-        </p:nvPicPr>
-        <p:blipFill>
-          <a:blip r:embed="rId3">
-            <a:extLst>
-              <a:ext uri="{28A0092B-C50C-407E-A947-70E740481C1C}">
-                <a14:useLocalDpi xmlns:a14="http://schemas.microsoft.com/office/drawing/2010/main" val="0"/>
-              </a:ext>
-            </a:extLst>
-          </a:blip>
-          <a:stretch>
-            <a:fillRect/>
-          </a:stretch>
-        </p:blipFill>
-        <p:spPr>
-          <a:xfrm>
-            <a:off x="621730" y="969718"/>
-            <a:ext cx="10723209" cy="3574403"/>
-          </a:xfrm>
-        </p:spPr>
-      </p:pic>
-      <p:pic>
-        <p:nvPicPr>
-          <p:cNvPr id="4" name="Content Placeholder 4">
-            <a:extLst>
-              <a:ext uri="{FF2B5EF4-FFF2-40B4-BE49-F238E27FC236}">
-                <a16:creationId xmlns:a16="http://schemas.microsoft.com/office/drawing/2014/main" id="{17A551A5-FB8E-4538-8DD9-2F8210C98137}"/>
-              </a:ext>
-            </a:extLst>
-          </p:cNvPr>
-          <p:cNvPicPr>
-            <a:picLocks noChangeAspect="1"/>
-          </p:cNvPicPr>
-          <p:nvPr/>
-        </p:nvPicPr>
-        <p:blipFill>
-          <a:blip r:embed="rId4">
-            <a:extLst>
-              <a:ext uri="{28A0092B-C50C-407E-A947-70E740481C1C}">
-                <a14:useLocalDpi xmlns:a14="http://schemas.microsoft.com/office/drawing/2010/main" val="0"/>
-              </a:ext>
-            </a:extLst>
-          </a:blip>
-          <a:stretch>
-            <a:fillRect/>
-          </a:stretch>
-        </p:blipFill>
-        <p:spPr>
-          <a:xfrm>
-            <a:off x="621730" y="4236410"/>
-            <a:ext cx="3384697" cy="2256464"/>
-          </a:xfrm>
-          <a:prstGeom prst="rect">
-            <a:avLst/>
-          </a:prstGeom>
-        </p:spPr>
-      </p:pic>
-      <p:pic>
-        <p:nvPicPr>
-          <p:cNvPr id="6" name="Content Placeholder 4">
-            <a:extLst>
-              <a:ext uri="{FF2B5EF4-FFF2-40B4-BE49-F238E27FC236}">
-                <a16:creationId xmlns:a16="http://schemas.microsoft.com/office/drawing/2014/main" id="{2F025F0C-FF9B-4E4F-92BD-9476701D9F7B}"/>
-              </a:ext>
-            </a:extLst>
-          </p:cNvPr>
-          <p:cNvPicPr>
-            <a:picLocks noChangeAspect="1"/>
-          </p:cNvPicPr>
-          <p:nvPr/>
-        </p:nvPicPr>
-        <p:blipFill>
-          <a:blip r:embed="rId5">
-            <a:extLst>
-              <a:ext uri="{28A0092B-C50C-407E-A947-70E740481C1C}">
-                <a14:useLocalDpi xmlns:a14="http://schemas.microsoft.com/office/drawing/2010/main" val="0"/>
-              </a:ext>
-            </a:extLst>
-          </a:blip>
-          <a:stretch>
-            <a:fillRect/>
-          </a:stretch>
-        </p:blipFill>
-        <p:spPr>
-          <a:xfrm>
-            <a:off x="4006427" y="4281094"/>
-            <a:ext cx="3250642" cy="2167095"/>
-          </a:xfrm>
-          <a:prstGeom prst="rect">
-            <a:avLst/>
-          </a:prstGeom>
-        </p:spPr>
-      </p:pic>
-      <p:sp>
-        <p:nvSpPr>
-          <p:cNvPr id="7" name="Content Placeholder 2">
-            <a:extLst>
-              <a:ext uri="{FF2B5EF4-FFF2-40B4-BE49-F238E27FC236}">
-                <a16:creationId xmlns:a16="http://schemas.microsoft.com/office/drawing/2014/main" id="{E97C6247-049C-41B9-B21E-8D32AEF0A755}"/>
-              </a:ext>
-            </a:extLst>
-          </p:cNvPr>
-          <p:cNvSpPr txBox="1">
-            <a:spLocks/>
-          </p:cNvSpPr>
-          <p:nvPr/>
-        </p:nvSpPr>
-        <p:spPr>
-          <a:xfrm>
-            <a:off x="7257069" y="4754618"/>
-            <a:ext cx="3798205" cy="1635550"/>
-          </a:xfrm>
-          <a:prstGeom prst="rect">
-            <a:avLst/>
-          </a:prstGeom>
-        </p:spPr>
-        <p:txBody>
-          <a:bodyPr vert="horz" lIns="91440" tIns="45720" rIns="91440" bIns="45720" rtlCol="0">
-            <a:normAutofit fontScale="40000" lnSpcReduction="20000"/>
-          </a:bodyPr>
-          <a:lstStyle>
-            <a:lvl1pPr marL="228600" indent="-228600" algn="l" defTabSz="914400" rtl="0" eaLnBrk="1" latinLnBrk="0" hangingPunct="1">
-              <a:lnSpc>
-                <a:spcPct val="90000"/>
-              </a:lnSpc>
-              <a:spcBef>
-                <a:spcPts val="1000"/>
-              </a:spcBef>
-              <a:buFont typeface="Arial" panose="020B0604020202020204" pitchFamily="34" charset="0"/>
-              <a:buChar char="•"/>
-              <a:defRPr sz="2800" kern="1200">
-                <a:solidFill>
-                  <a:schemeClr val="tx1"/>
-                </a:solidFill>
-                <a:latin typeface="+mn-lt"/>
-                <a:ea typeface="+mn-ea"/>
-                <a:cs typeface="+mn-cs"/>
-              </a:defRPr>
-            </a:lvl1pPr>
-            <a:lvl2pPr marL="685800" indent="-228600" algn="l" defTabSz="914400" rtl="0" eaLnBrk="1" latinLnBrk="0" hangingPunct="1">
-              <a:lnSpc>
-                <a:spcPct val="90000"/>
-              </a:lnSpc>
-              <a:spcBef>
-                <a:spcPts val="500"/>
-              </a:spcBef>
-              <a:buFont typeface="Arial" panose="020B0604020202020204" pitchFamily="34" charset="0"/>
-              <a:buChar char="•"/>
-              <a:defRPr sz="2400" kern="1200">
-                <a:solidFill>
-                  <a:schemeClr val="tx1"/>
-                </a:solidFill>
-                <a:latin typeface="+mn-lt"/>
-                <a:ea typeface="+mn-ea"/>
-                <a:cs typeface="+mn-cs"/>
-              </a:defRPr>
-            </a:lvl2pPr>
-            <a:lvl3pPr marL="1143000" indent="-228600" algn="l" defTabSz="914400" rtl="0" eaLnBrk="1" latinLnBrk="0" hangingPunct="1">
-              <a:lnSpc>
-                <a:spcPct val="90000"/>
-              </a:lnSpc>
-              <a:spcBef>
-                <a:spcPts val="500"/>
-              </a:spcBef>
-              <a:buFont typeface="Arial" panose="020B0604020202020204" pitchFamily="34" charset="0"/>
-              <a:buChar char="•"/>
-              <a:defRPr sz="2000" kern="1200">
-                <a:solidFill>
-                  <a:schemeClr val="tx1"/>
-                </a:solidFill>
-                <a:latin typeface="+mn-lt"/>
-                <a:ea typeface="+mn-ea"/>
-                <a:cs typeface="+mn-cs"/>
-              </a:defRPr>
-            </a:lvl3pPr>
-            <a:lvl4pPr marL="1600200" indent="-228600" algn="l" defTabSz="914400" rtl="0" eaLnBrk="1" latinLnBrk="0" hangingPunct="1">
-              <a:lnSpc>
-                <a:spcPct val="90000"/>
-              </a:lnSpc>
-              <a:spcBef>
-                <a:spcPts val="500"/>
-              </a:spcBef>
-              <a:buFont typeface="Arial" panose="020B0604020202020204" pitchFamily="34" charset="0"/>
-              <a:buChar char="•"/>
-              <a:defRPr sz="1800" kern="1200">
-                <a:solidFill>
-                  <a:schemeClr val="tx1"/>
-                </a:solidFill>
-                <a:latin typeface="+mn-lt"/>
-                <a:ea typeface="+mn-ea"/>
-                <a:cs typeface="+mn-cs"/>
-              </a:defRPr>
-            </a:lvl4pPr>
-            <a:lvl5pPr marL="2057400" indent="-228600" algn="l" defTabSz="914400" rtl="0" eaLnBrk="1" latinLnBrk="0" hangingPunct="1">
-              <a:lnSpc>
-                <a:spcPct val="90000"/>
-              </a:lnSpc>
-              <a:spcBef>
-                <a:spcPts val="500"/>
-              </a:spcBef>
-              <a:buFont typeface="Arial" panose="020B0604020202020204" pitchFamily="34" charset="0"/>
-              <a:buChar char="•"/>
-              <a:defRPr sz="1800" kern="1200">
-                <a:solidFill>
-                  <a:schemeClr val="tx1"/>
-                </a:solidFill>
-                <a:latin typeface="+mn-lt"/>
-                <a:ea typeface="+mn-ea"/>
-                <a:cs typeface="+mn-cs"/>
-              </a:defRPr>
-            </a:lvl5pPr>
-            <a:lvl6pPr marL="2514600" indent="-228600" algn="l" defTabSz="914400" rtl="0" eaLnBrk="1" latinLnBrk="0" hangingPunct="1">
-              <a:lnSpc>
-                <a:spcPct val="90000"/>
-              </a:lnSpc>
-              <a:spcBef>
-                <a:spcPts val="500"/>
-              </a:spcBef>
-              <a:buFont typeface="Arial" panose="020B0604020202020204" pitchFamily="34" charset="0"/>
-              <a:buChar char="•"/>
-              <a:defRPr sz="1800" kern="1200">
-                <a:solidFill>
-                  <a:schemeClr val="tx1"/>
-                </a:solidFill>
-                <a:latin typeface="+mn-lt"/>
-                <a:ea typeface="+mn-ea"/>
-                <a:cs typeface="+mn-cs"/>
-              </a:defRPr>
-            </a:lvl6pPr>
-            <a:lvl7pPr marL="2971800" indent="-228600" algn="l" defTabSz="914400" rtl="0" eaLnBrk="1" latinLnBrk="0" hangingPunct="1">
-              <a:lnSpc>
-                <a:spcPct val="90000"/>
-              </a:lnSpc>
-              <a:spcBef>
-                <a:spcPts val="500"/>
-              </a:spcBef>
-              <a:buFont typeface="Arial" panose="020B0604020202020204" pitchFamily="34" charset="0"/>
-              <a:buChar char="•"/>
-              <a:defRPr sz="1800" kern="1200">
-                <a:solidFill>
-                  <a:schemeClr val="tx1"/>
-                </a:solidFill>
-                <a:latin typeface="+mn-lt"/>
-                <a:ea typeface="+mn-ea"/>
-                <a:cs typeface="+mn-cs"/>
-              </a:defRPr>
-            </a:lvl7pPr>
-            <a:lvl8pPr marL="3429000" indent="-228600" algn="l" defTabSz="914400" rtl="0" eaLnBrk="1" latinLnBrk="0" hangingPunct="1">
-              <a:lnSpc>
-                <a:spcPct val="90000"/>
-              </a:lnSpc>
-              <a:spcBef>
-                <a:spcPts val="500"/>
-              </a:spcBef>
-              <a:buFont typeface="Arial" panose="020B0604020202020204" pitchFamily="34" charset="0"/>
-              <a:buChar char="•"/>
-              <a:defRPr sz="1800" kern="1200">
-                <a:solidFill>
-                  <a:schemeClr val="tx1"/>
-                </a:solidFill>
-                <a:latin typeface="+mn-lt"/>
-                <a:ea typeface="+mn-ea"/>
-                <a:cs typeface="+mn-cs"/>
-              </a:defRPr>
-            </a:lvl8pPr>
-            <a:lvl9pPr marL="3886200" indent="-228600" algn="l" defTabSz="914400" rtl="0" eaLnBrk="1" latinLnBrk="0" hangingPunct="1">
-              <a:lnSpc>
-                <a:spcPct val="90000"/>
-              </a:lnSpc>
-              <a:spcBef>
-                <a:spcPts val="500"/>
-              </a:spcBef>
-              <a:buFont typeface="Arial" panose="020B0604020202020204" pitchFamily="34" charset="0"/>
-              <a:buChar char="•"/>
-              <a:defRPr sz="1800" kern="1200">
-                <a:solidFill>
-                  <a:schemeClr val="tx1"/>
-                </a:solidFill>
-                <a:latin typeface="+mn-lt"/>
-                <a:ea typeface="+mn-ea"/>
-                <a:cs typeface="+mn-cs"/>
-              </a:defRPr>
-            </a:lvl9pPr>
-          </a:lstStyle>
-          <a:p>
-            <a:r>
-              <a:rPr lang="en-US" sz="4000" dirty="0"/>
-              <a:t>No correlation between power level and box office sales</a:t>
-            </a:r>
-          </a:p>
-          <a:p>
-            <a:r>
-              <a:rPr lang="en-US" sz="4000" dirty="0"/>
-              <a:t>No correlation between power level and viewer ratings</a:t>
-            </a:r>
-          </a:p>
-          <a:p>
-            <a:r>
-              <a:rPr lang="en-US" sz="4000" dirty="0"/>
-              <a:t>Sales : </a:t>
-            </a:r>
-            <a:r>
-              <a:rPr lang="en-US" sz="4000" dirty="0" err="1"/>
-              <a:t>Pvalue</a:t>
-            </a:r>
-            <a:r>
-              <a:rPr lang="en-US" sz="4000" dirty="0"/>
-              <a:t>=0.4051</a:t>
-            </a:r>
-          </a:p>
-          <a:p>
-            <a:r>
-              <a:rPr lang="en-US" sz="4000" dirty="0"/>
-              <a:t>Rating : </a:t>
-            </a:r>
-            <a:r>
-              <a:rPr lang="en-US" sz="4000" dirty="0" err="1"/>
-              <a:t>pvalue</a:t>
-            </a:r>
-            <a:r>
-              <a:rPr lang="en-US" sz="4000" dirty="0"/>
-              <a:t>=0.9693</a:t>
-            </a:r>
-          </a:p>
-        </p:txBody>
-      </p:sp>
-    </p:spTree>
-    <p:extLst>
-      <p:ext uri="{BB962C8B-B14F-4D97-AF65-F5344CB8AC3E}">
-        <p14:creationId xmlns:p14="http://schemas.microsoft.com/office/powerpoint/2010/main" val="3572409655"/>
-      </p:ext>
-    </p:extLst>
-  </p:cSld>
-  <p:clrMapOvr>
-    <a:masterClrMapping/>
-  </p:clrMapOvr>
-</p:sld>
-</file>
-
 <file path=ppt/slides/slide14.xml><?xml version="1.0" encoding="utf-8"?>
 <p:sld xmlns:a="http://schemas.openxmlformats.org/drawingml/2006/main" xmlns:r="http://schemas.openxmlformats.org/officeDocument/2006/relationships" xmlns:p="http://schemas.openxmlformats.org/presentationml/2006/main">
   <p:cSld>
@@ -6353,7 +6362,7 @@
             </a:r>
             <a:r>
               <a:rPr lang="en-US" sz="4000" dirty="0"/>
-              <a:t>=</a:t>
+              <a:t>= 0.8439</a:t>
             </a:r>
           </a:p>
           <a:p>
@@ -6739,7 +6748,7 @@
             </a:r>
             <a:r>
               <a:rPr lang="en-US" sz="4000" dirty="0"/>
-              <a:t>=</a:t>
+              <a:t>= 0.7939</a:t>
             </a:r>
           </a:p>
         </p:txBody>
@@ -6779,7 +6788,7 @@
           <p:cNvPr id="2" name="Title 1">
             <a:extLst>
               <a:ext uri="{FF2B5EF4-FFF2-40B4-BE49-F238E27FC236}">
-                <a16:creationId xmlns:a16="http://schemas.microsoft.com/office/drawing/2014/main" id="{34A4F683-5B19-431F-9C32-DFB98F9B8C90}"/>
+                <a16:creationId xmlns:a16="http://schemas.microsoft.com/office/drawing/2014/main" id="{3FDCE3D4-0695-44A1-BD9D-7634967AE5AB}"/>
               </a:ext>
             </a:extLst>
           </p:cNvPr>
@@ -6790,73 +6799,61 @@
             <p:ph type="title"/>
           </p:nvPr>
         </p:nvSpPr>
-        <p:spPr/>
-        <p:txBody>
-          <a:bodyPr>
-            <a:normAutofit fontScale="90000"/>
-          </a:bodyPr>
-          <a:lstStyle/>
-          <a:p>
-            <a:br>
-              <a:rPr lang="en-US" dirty="0"/>
-            </a:br>
-            <a:r>
-              <a:rPr lang="en-US" dirty="0"/>
-              <a:t>Alignment Comparison for International Sales</a:t>
-            </a:r>
-            <a:br>
-              <a:rPr lang="en-US" dirty="0"/>
-            </a:br>
-            <a:r>
-              <a:rPr lang="en-US" dirty="0"/>
-              <a:t>Ant-Man and the Wasp </a:t>
-            </a:r>
-            <a:br>
-              <a:rPr lang="en-US" dirty="0"/>
-            </a:br>
-            <a:endParaRPr lang="en-US" dirty="0"/>
-          </a:p>
-        </p:txBody>
-      </p:sp>
-      <p:pic>
-        <p:nvPicPr>
-          <p:cNvPr id="5" name="Content Placeholder 4" descr="A picture containing text, map&#10;&#10;Description generated with very high confidence">
-            <a:extLst>
-              <a:ext uri="{FF2B5EF4-FFF2-40B4-BE49-F238E27FC236}">
-                <a16:creationId xmlns:a16="http://schemas.microsoft.com/office/drawing/2014/main" id="{9226D4B1-4EEB-476B-A2EB-1DFA8A1A2833}"/>
-              </a:ext>
-            </a:extLst>
-          </p:cNvPr>
-          <p:cNvPicPr>
-            <a:picLocks noGrp="1" noChangeAspect="1"/>
-          </p:cNvPicPr>
-          <p:nvPr>
-            <p:ph idx="1"/>
-          </p:nvPr>
-        </p:nvPicPr>
-        <p:blipFill>
-          <a:blip r:embed="rId3">
-            <a:extLst>
-              <a:ext uri="{28A0092B-C50C-407E-A947-70E740481C1C}">
-                <a14:useLocalDpi xmlns:a14="http://schemas.microsoft.com/office/drawing/2010/main" val="0"/>
-              </a:ext>
-            </a:extLst>
-          </a:blip>
-          <a:stretch>
-            <a:fillRect/>
-          </a:stretch>
-        </p:blipFill>
         <p:spPr>
           <a:xfrm>
-            <a:off x="1547812" y="2167731"/>
-            <a:ext cx="9010318" cy="3632432"/>
+            <a:off x="417095" y="365125"/>
+            <a:ext cx="11421979" cy="1325563"/>
           </a:xfrm>
         </p:spPr>
-      </p:pic>
+        <p:txBody>
+          <a:bodyPr/>
+          <a:lstStyle/>
+          <a:p>
+            <a:r>
+              <a:rPr lang="en-US" dirty="0"/>
+              <a:t>Superhero Movies and International Sales Trends</a:t>
+            </a:r>
+          </a:p>
+        </p:txBody>
+      </p:sp>
+      <p:sp>
+        <p:nvSpPr>
+          <p:cNvPr id="3" name="Content Placeholder 2">
+            <a:extLst>
+              <a:ext uri="{FF2B5EF4-FFF2-40B4-BE49-F238E27FC236}">
+                <a16:creationId xmlns:a16="http://schemas.microsoft.com/office/drawing/2014/main" id="{7C09EFB9-83B8-4AEF-8724-532587B9AAD7}"/>
+              </a:ext>
+            </a:extLst>
+          </p:cNvPr>
+          <p:cNvSpPr>
+            <a:spLocks noGrp="1"/>
+          </p:cNvSpPr>
+          <p:nvPr>
+            <p:ph idx="1"/>
+          </p:nvPr>
+        </p:nvSpPr>
+        <p:spPr/>
+        <p:txBody>
+          <a:bodyPr/>
+          <a:lstStyle/>
+          <a:p>
+            <a:r>
+              <a:rPr lang="en-US" dirty="0"/>
+              <a:t>Selected two movies from each attribute that had similar inflation adjusted sales and ratings.</a:t>
+            </a:r>
+          </a:p>
+          <a:p>
+            <a:r>
+              <a:rPr lang="en-US" dirty="0"/>
+              <a:t>Compared international sales trends for each movie. </a:t>
+            </a:r>
+          </a:p>
+        </p:txBody>
+      </p:sp>
     </p:spTree>
     <p:extLst>
       <p:ext uri="{BB962C8B-B14F-4D97-AF65-F5344CB8AC3E}">
-        <p14:creationId xmlns:p14="http://schemas.microsoft.com/office/powerpoint/2010/main" val="4005584866"/>
+        <p14:creationId xmlns:p14="http://schemas.microsoft.com/office/powerpoint/2010/main" val="1541669911"/>
       </p:ext>
     </p:extLst>
   </p:cSld>
@@ -6888,7 +6885,7 @@
           <p:cNvPr id="2" name="Title 1">
             <a:extLst>
               <a:ext uri="{FF2B5EF4-FFF2-40B4-BE49-F238E27FC236}">
-                <a16:creationId xmlns:a16="http://schemas.microsoft.com/office/drawing/2014/main" id="{3C74C30E-52C0-4A42-BA3F-E7F3AE4E9442}"/>
+                <a16:creationId xmlns:a16="http://schemas.microsoft.com/office/drawing/2014/main" id="{BCE45D90-5717-4B5A-9175-A0AB58648D11}"/>
               </a:ext>
             </a:extLst>
           </p:cNvPr>
@@ -6906,24 +6903,24 @@
           <a:p>
             <a:r>
               <a:rPr lang="en-US" dirty="0"/>
-              <a:t>Alignment Comparison for International Sales</a:t>
+              <a:t>Gender Comparison for International Sales</a:t>
             </a:r>
             <a:br>
               <a:rPr lang="en-US" dirty="0"/>
             </a:br>
             <a:r>
               <a:rPr lang="en-US" dirty="0"/>
-              <a:t>Venom</a:t>
+              <a:t>Wonder Woman</a:t>
             </a:r>
           </a:p>
         </p:txBody>
       </p:sp>
       <p:pic>
         <p:nvPicPr>
-          <p:cNvPr id="5" name="Content Placeholder 4" descr="A close up of a map&#10;&#10;Description generated with high confidence">
-            <a:extLst>
-              <a:ext uri="{FF2B5EF4-FFF2-40B4-BE49-F238E27FC236}">
-                <a16:creationId xmlns:a16="http://schemas.microsoft.com/office/drawing/2014/main" id="{4FADECF0-CDA3-4DE6-990F-70565410DE8C}"/>
+          <p:cNvPr id="11" name="Content Placeholder 10">
+            <a:extLst>
+              <a:ext uri="{FF2B5EF4-FFF2-40B4-BE49-F238E27FC236}">
+                <a16:creationId xmlns:a16="http://schemas.microsoft.com/office/drawing/2014/main" id="{95388B76-FA44-4E5A-9011-690686F7926B}"/>
               </a:ext>
             </a:extLst>
           </p:cNvPr>
@@ -6935,7 +6932,7 @@
           </p:nvPr>
         </p:nvPicPr>
         <p:blipFill>
-          <a:blip r:embed="rId3">
+          <a:blip r:embed="rId2">
             <a:extLst>
               <a:ext uri="{28A0092B-C50C-407E-A947-70E740481C1C}">
                 <a14:useLocalDpi xmlns:a14="http://schemas.microsoft.com/office/drawing/2010/main" val="0"/>
@@ -6956,7 +6953,7 @@
     </p:spTree>
     <p:extLst>
       <p:ext uri="{BB962C8B-B14F-4D97-AF65-F5344CB8AC3E}">
-        <p14:creationId xmlns:p14="http://schemas.microsoft.com/office/powerpoint/2010/main" val="1012909179"/>
+        <p14:creationId xmlns:p14="http://schemas.microsoft.com/office/powerpoint/2010/main" val="1292301538"/>
       </p:ext>
     </p:extLst>
   </p:cSld>
@@ -6988,7 +6985,7 @@
           <p:cNvPr id="2" name="Title 1">
             <a:extLst>
               <a:ext uri="{FF2B5EF4-FFF2-40B4-BE49-F238E27FC236}">
-                <a16:creationId xmlns:a16="http://schemas.microsoft.com/office/drawing/2014/main" id="{BCE45D90-5717-4B5A-9175-A0AB58648D11}"/>
+                <a16:creationId xmlns:a16="http://schemas.microsoft.com/office/drawing/2014/main" id="{3B3CE0A7-1EE3-4948-B2D1-BA4ADEF1D1AD}"/>
               </a:ext>
             </a:extLst>
           </p:cNvPr>
@@ -7013,17 +7010,17 @@
             </a:br>
             <a:r>
               <a:rPr lang="en-US" dirty="0"/>
-              <a:t>Wonder Woman</a:t>
+              <a:t>Iron Man 3</a:t>
             </a:r>
           </a:p>
         </p:txBody>
       </p:sp>
       <p:pic>
         <p:nvPicPr>
-          <p:cNvPr id="5" name="Content Placeholder 4" descr="A close up of a map&#10;&#10;Description generated with high confidence">
-            <a:extLst>
-              <a:ext uri="{FF2B5EF4-FFF2-40B4-BE49-F238E27FC236}">
-                <a16:creationId xmlns:a16="http://schemas.microsoft.com/office/drawing/2014/main" id="{AE11023A-8D19-42CC-B8F8-9C2425392730}"/>
+          <p:cNvPr id="11" name="Content Placeholder 10">
+            <a:extLst>
+              <a:ext uri="{FF2B5EF4-FFF2-40B4-BE49-F238E27FC236}">
+                <a16:creationId xmlns:a16="http://schemas.microsoft.com/office/drawing/2014/main" id="{3B4FCE1B-3A63-41F1-B0FD-A7E1A1AD57B6}"/>
               </a:ext>
             </a:extLst>
           </p:cNvPr>
@@ -7056,7 +7053,7 @@
     </p:spTree>
     <p:extLst>
       <p:ext uri="{BB962C8B-B14F-4D97-AF65-F5344CB8AC3E}">
-        <p14:creationId xmlns:p14="http://schemas.microsoft.com/office/powerpoint/2010/main" val="1292301538"/>
+        <p14:creationId xmlns:p14="http://schemas.microsoft.com/office/powerpoint/2010/main" val="702100830"/>
       </p:ext>
     </p:extLst>
   </p:cSld>
@@ -7088,7 +7085,7 @@
           <p:cNvPr id="2" name="Title 1">
             <a:extLst>
               <a:ext uri="{FF2B5EF4-FFF2-40B4-BE49-F238E27FC236}">
-                <a16:creationId xmlns:a16="http://schemas.microsoft.com/office/drawing/2014/main" id="{3B3CE0A7-1EE3-4948-B2D1-BA4ADEF1D1AD}"/>
+                <a16:creationId xmlns:a16="http://schemas.microsoft.com/office/drawing/2014/main" id="{34A4F683-5B19-431F-9C32-DFB98F9B8C90}"/>
               </a:ext>
             </a:extLst>
           </p:cNvPr>
@@ -7101,29 +7098,38 @@
         </p:nvSpPr>
         <p:spPr/>
         <p:txBody>
-          <a:bodyPr/>
-          <a:lstStyle/>
-          <a:p>
-            <a:r>
-              <a:rPr lang="en-US" dirty="0"/>
-              <a:t>Gender Comparison for International Sales</a:t>
-            </a:r>
+          <a:bodyPr>
+            <a:normAutofit fontScale="90000"/>
+          </a:bodyPr>
+          <a:lstStyle/>
+          <a:p>
             <a:br>
               <a:rPr lang="en-US" dirty="0"/>
             </a:br>
             <a:r>
               <a:rPr lang="en-US" dirty="0"/>
-              <a:t>Iron Man 3</a:t>
-            </a:r>
+              <a:t>Alignment Comparison for International Sales</a:t>
+            </a:r>
+            <a:br>
+              <a:rPr lang="en-US" dirty="0"/>
+            </a:br>
+            <a:r>
+              <a:rPr lang="en-US" dirty="0"/>
+              <a:t>Ant-Man and the Wasp </a:t>
+            </a:r>
+            <a:br>
+              <a:rPr lang="en-US" dirty="0"/>
+            </a:br>
+            <a:endParaRPr lang="en-US" dirty="0"/>
           </a:p>
         </p:txBody>
       </p:sp>
       <p:pic>
         <p:nvPicPr>
-          <p:cNvPr id="5" name="Content Placeholder 4" descr="A picture containing text, map&#10;&#10;Description generated with very high confidence">
-            <a:extLst>
-              <a:ext uri="{FF2B5EF4-FFF2-40B4-BE49-F238E27FC236}">
-                <a16:creationId xmlns:a16="http://schemas.microsoft.com/office/drawing/2014/main" id="{6306F232-FA59-4753-B518-2C8AA149AA63}"/>
+          <p:cNvPr id="11" name="Content Placeholder 10">
+            <a:extLst>
+              <a:ext uri="{FF2B5EF4-FFF2-40B4-BE49-F238E27FC236}">
+                <a16:creationId xmlns:a16="http://schemas.microsoft.com/office/drawing/2014/main" id="{E7420112-F924-455B-A476-C763881C0690}"/>
               </a:ext>
             </a:extLst>
           </p:cNvPr>
@@ -7135,7 +7141,7 @@
           </p:nvPr>
         </p:nvPicPr>
         <p:blipFill>
-          <a:blip r:embed="rId2">
+          <a:blip r:embed="rId3">
             <a:extLst>
               <a:ext uri="{28A0092B-C50C-407E-A947-70E740481C1C}">
                 <a14:useLocalDpi xmlns:a14="http://schemas.microsoft.com/office/drawing/2010/main" val="0"/>
@@ -7156,7 +7162,7 @@
     </p:spTree>
     <p:extLst>
       <p:ext uri="{BB962C8B-B14F-4D97-AF65-F5344CB8AC3E}">
-        <p14:creationId xmlns:p14="http://schemas.microsoft.com/office/powerpoint/2010/main" val="702100830"/>
+        <p14:creationId xmlns:p14="http://schemas.microsoft.com/office/powerpoint/2010/main" val="4005584866"/>
       </p:ext>
     </p:extLst>
   </p:cSld>
@@ -7296,7 +7302,7 @@
           <p:cNvPr id="2" name="Title 1">
             <a:extLst>
               <a:ext uri="{FF2B5EF4-FFF2-40B4-BE49-F238E27FC236}">
-                <a16:creationId xmlns:a16="http://schemas.microsoft.com/office/drawing/2014/main" id="{10D1935D-7173-4F97-BE37-B61900179E68}"/>
+                <a16:creationId xmlns:a16="http://schemas.microsoft.com/office/drawing/2014/main" id="{3C74C30E-52C0-4A42-BA3F-E7F3AE4E9442}"/>
               </a:ext>
             </a:extLst>
           </p:cNvPr>
@@ -7314,29 +7320,24 @@
           <a:p>
             <a:r>
               <a:rPr lang="en-US" dirty="0"/>
-              <a:t>Race Comparison for International Sales</a:t>
+              <a:t>Alignment Comparison for International Sales</a:t>
             </a:r>
             <a:br>
               <a:rPr lang="en-US" dirty="0"/>
             </a:br>
             <a:r>
               <a:rPr lang="en-US" dirty="0"/>
-              <a:t>Thor </a:t>
-            </a:r>
-            <a:r>
-              <a:rPr lang="en-US" dirty="0" err="1"/>
-              <a:t>Ragnarok</a:t>
-            </a:r>
-            <a:endParaRPr lang="en-US" dirty="0"/>
+              <a:t>Venom</a:t>
+            </a:r>
           </a:p>
         </p:txBody>
       </p:sp>
       <p:pic>
         <p:nvPicPr>
-          <p:cNvPr id="5" name="Content Placeholder 4" descr="A picture containing text, map&#10;&#10;Description generated with very high confidence">
-            <a:extLst>
-              <a:ext uri="{FF2B5EF4-FFF2-40B4-BE49-F238E27FC236}">
-                <a16:creationId xmlns:a16="http://schemas.microsoft.com/office/drawing/2014/main" id="{8560886F-076A-4D32-BC42-2C71E0B0638E}"/>
+          <p:cNvPr id="11" name="Content Placeholder 10">
+            <a:extLst>
+              <a:ext uri="{FF2B5EF4-FFF2-40B4-BE49-F238E27FC236}">
+                <a16:creationId xmlns:a16="http://schemas.microsoft.com/office/drawing/2014/main" id="{E41C1162-AB06-4E30-84D2-9D0E45C3FD28}"/>
               </a:ext>
             </a:extLst>
           </p:cNvPr>
@@ -7348,7 +7349,7 @@
           </p:nvPr>
         </p:nvPicPr>
         <p:blipFill>
-          <a:blip r:embed="rId2">
+          <a:blip r:embed="rId3">
             <a:extLst>
               <a:ext uri="{28A0092B-C50C-407E-A947-70E740481C1C}">
                 <a14:useLocalDpi xmlns:a14="http://schemas.microsoft.com/office/drawing/2010/main" val="0"/>
@@ -7369,7 +7370,7 @@
     </p:spTree>
     <p:extLst>
       <p:ext uri="{BB962C8B-B14F-4D97-AF65-F5344CB8AC3E}">
-        <p14:creationId xmlns:p14="http://schemas.microsoft.com/office/powerpoint/2010/main" val="2985350570"/>
+        <p14:creationId xmlns:p14="http://schemas.microsoft.com/office/powerpoint/2010/main" val="1012909179"/>
       </p:ext>
     </p:extLst>
   </p:cSld>
@@ -7401,7 +7402,7 @@
           <p:cNvPr id="2" name="Title 1">
             <a:extLst>
               <a:ext uri="{FF2B5EF4-FFF2-40B4-BE49-F238E27FC236}">
-                <a16:creationId xmlns:a16="http://schemas.microsoft.com/office/drawing/2014/main" id="{86542AFD-4341-4B1C-B47C-FD006CAA2BE4}"/>
+                <a16:creationId xmlns:a16="http://schemas.microsoft.com/office/drawing/2014/main" id="{10D1935D-7173-4F97-BE37-B61900179E68}"/>
               </a:ext>
             </a:extLst>
           </p:cNvPr>
@@ -7426,17 +7427,22 @@
             </a:br>
             <a:r>
               <a:rPr lang="en-US" dirty="0"/>
-              <a:t>Spider Man Homecoming</a:t>
-            </a:r>
+              <a:t>Thor </a:t>
+            </a:r>
+            <a:r>
+              <a:rPr lang="en-US" dirty="0" err="1"/>
+              <a:t>Ragnarok</a:t>
+            </a:r>
+            <a:endParaRPr lang="en-US" dirty="0"/>
           </a:p>
         </p:txBody>
       </p:sp>
       <p:pic>
         <p:nvPicPr>
-          <p:cNvPr id="5" name="Content Placeholder 4" descr="A picture containing text, map&#10;&#10;Description generated with very high confidence">
-            <a:extLst>
-              <a:ext uri="{FF2B5EF4-FFF2-40B4-BE49-F238E27FC236}">
-                <a16:creationId xmlns:a16="http://schemas.microsoft.com/office/drawing/2014/main" id="{E200B0BF-3E50-4E00-B9E0-C7C72FEC8FF2}"/>
+          <p:cNvPr id="11" name="Content Placeholder 10">
+            <a:extLst>
+              <a:ext uri="{FF2B5EF4-FFF2-40B4-BE49-F238E27FC236}">
+                <a16:creationId xmlns:a16="http://schemas.microsoft.com/office/drawing/2014/main" id="{608DE5A4-70F4-4425-A5F5-300D0FF77CED}"/>
               </a:ext>
             </a:extLst>
           </p:cNvPr>
@@ -7469,7 +7475,7 @@
     </p:spTree>
     <p:extLst>
       <p:ext uri="{BB962C8B-B14F-4D97-AF65-F5344CB8AC3E}">
-        <p14:creationId xmlns:p14="http://schemas.microsoft.com/office/powerpoint/2010/main" val="3475884604"/>
+        <p14:creationId xmlns:p14="http://schemas.microsoft.com/office/powerpoint/2010/main" val="2985350570"/>
       </p:ext>
     </p:extLst>
   </p:cSld>
@@ -7501,7 +7507,7 @@
           <p:cNvPr id="2" name="Title 1">
             <a:extLst>
               <a:ext uri="{FF2B5EF4-FFF2-40B4-BE49-F238E27FC236}">
-                <a16:creationId xmlns:a16="http://schemas.microsoft.com/office/drawing/2014/main" id="{57F5348B-9EE8-480A-9D04-80CB8A97341F}"/>
+                <a16:creationId xmlns:a16="http://schemas.microsoft.com/office/drawing/2014/main" id="{86542AFD-4341-4B1C-B47C-FD006CAA2BE4}"/>
               </a:ext>
             </a:extLst>
           </p:cNvPr>
@@ -7519,24 +7525,24 @@
           <a:p>
             <a:r>
               <a:rPr lang="en-US" dirty="0"/>
-              <a:t>Ethnicity Comparison for International Sales</a:t>
+              <a:t>Race Comparison for International Sales</a:t>
             </a:r>
             <a:br>
               <a:rPr lang="en-US" dirty="0"/>
             </a:br>
             <a:r>
               <a:rPr lang="en-US" dirty="0"/>
-              <a:t>Dark Knight Rises</a:t>
+              <a:t>Spider Man Homecoming</a:t>
             </a:r>
           </a:p>
         </p:txBody>
       </p:sp>
       <p:pic>
         <p:nvPicPr>
-          <p:cNvPr id="5" name="Content Placeholder 4" descr="A picture containing text, map&#10;&#10;Description generated with very high confidence">
-            <a:extLst>
-              <a:ext uri="{FF2B5EF4-FFF2-40B4-BE49-F238E27FC236}">
-                <a16:creationId xmlns:a16="http://schemas.microsoft.com/office/drawing/2014/main" id="{8095805C-8F30-4858-95C6-A8F3D8DAD1F1}"/>
+          <p:cNvPr id="11" name="Content Placeholder 10">
+            <a:extLst>
+              <a:ext uri="{FF2B5EF4-FFF2-40B4-BE49-F238E27FC236}">
+                <a16:creationId xmlns:a16="http://schemas.microsoft.com/office/drawing/2014/main" id="{702FFA67-1FDA-4302-963E-B1AD52F8DA53}"/>
               </a:ext>
             </a:extLst>
           </p:cNvPr>
@@ -7569,7 +7575,7 @@
     </p:spTree>
     <p:extLst>
       <p:ext uri="{BB962C8B-B14F-4D97-AF65-F5344CB8AC3E}">
-        <p14:creationId xmlns:p14="http://schemas.microsoft.com/office/powerpoint/2010/main" val="633886611"/>
+        <p14:creationId xmlns:p14="http://schemas.microsoft.com/office/powerpoint/2010/main" val="3475884604"/>
       </p:ext>
     </p:extLst>
   </p:cSld>
@@ -7601,6 +7607,106 @@
           <p:cNvPr id="2" name="Title 1">
             <a:extLst>
               <a:ext uri="{FF2B5EF4-FFF2-40B4-BE49-F238E27FC236}">
+                <a16:creationId xmlns:a16="http://schemas.microsoft.com/office/drawing/2014/main" id="{57F5348B-9EE8-480A-9D04-80CB8A97341F}"/>
+              </a:ext>
+            </a:extLst>
+          </p:cNvPr>
+          <p:cNvSpPr>
+            <a:spLocks noGrp="1"/>
+          </p:cNvSpPr>
+          <p:nvPr>
+            <p:ph type="title"/>
+          </p:nvPr>
+        </p:nvSpPr>
+        <p:spPr/>
+        <p:txBody>
+          <a:bodyPr/>
+          <a:lstStyle/>
+          <a:p>
+            <a:r>
+              <a:rPr lang="en-US" dirty="0"/>
+              <a:t>Ethnicity Comparison for International Sales</a:t>
+            </a:r>
+            <a:br>
+              <a:rPr lang="en-US" dirty="0"/>
+            </a:br>
+            <a:r>
+              <a:rPr lang="en-US" dirty="0"/>
+              <a:t>Dark Knight Rises</a:t>
+            </a:r>
+          </a:p>
+        </p:txBody>
+      </p:sp>
+      <p:pic>
+        <p:nvPicPr>
+          <p:cNvPr id="11" name="Content Placeholder 10">
+            <a:extLst>
+              <a:ext uri="{FF2B5EF4-FFF2-40B4-BE49-F238E27FC236}">
+                <a16:creationId xmlns:a16="http://schemas.microsoft.com/office/drawing/2014/main" id="{3681745B-05B9-4E20-864D-0E705794FCC3}"/>
+              </a:ext>
+            </a:extLst>
+          </p:cNvPr>
+          <p:cNvPicPr>
+            <a:picLocks noGrp="1" noChangeAspect="1"/>
+          </p:cNvPicPr>
+          <p:nvPr>
+            <p:ph idx="1"/>
+          </p:nvPr>
+        </p:nvPicPr>
+        <p:blipFill>
+          <a:blip r:embed="rId2">
+            <a:extLst>
+              <a:ext uri="{28A0092B-C50C-407E-A947-70E740481C1C}">
+                <a14:useLocalDpi xmlns:a14="http://schemas.microsoft.com/office/drawing/2010/main" val="0"/>
+              </a:ext>
+            </a:extLst>
+          </a:blip>
+          <a:stretch>
+            <a:fillRect/>
+          </a:stretch>
+        </p:blipFill>
+        <p:spPr>
+          <a:xfrm>
+            <a:off x="1547812" y="2167731"/>
+            <a:ext cx="9096375" cy="3667125"/>
+          </a:xfrm>
+        </p:spPr>
+      </p:pic>
+    </p:spTree>
+    <p:extLst>
+      <p:ext uri="{BB962C8B-B14F-4D97-AF65-F5344CB8AC3E}">
+        <p14:creationId xmlns:p14="http://schemas.microsoft.com/office/powerpoint/2010/main" val="633886611"/>
+      </p:ext>
+    </p:extLst>
+  </p:cSld>
+  <p:clrMapOvr>
+    <a:masterClrMapping/>
+  </p:clrMapOvr>
+</p:sld>
+</file>
+
+<file path=ppt/slides/slide24.xml><?xml version="1.0" encoding="utf-8"?>
+<p:sld xmlns:a="http://schemas.openxmlformats.org/drawingml/2006/main" xmlns:r="http://schemas.openxmlformats.org/officeDocument/2006/relationships" xmlns:p="http://schemas.openxmlformats.org/presentationml/2006/main">
+  <p:cSld>
+    <p:spTree>
+      <p:nvGrpSpPr>
+        <p:cNvPr id="1" name=""/>
+        <p:cNvGrpSpPr/>
+        <p:nvPr/>
+      </p:nvGrpSpPr>
+      <p:grpSpPr>
+        <a:xfrm>
+          <a:off x="0" y="0"/>
+          <a:ext cx="0" cy="0"/>
+          <a:chOff x="0" y="0"/>
+          <a:chExt cx="0" cy="0"/>
+        </a:xfrm>
+      </p:grpSpPr>
+      <p:sp>
+        <p:nvSpPr>
+          <p:cNvPr id="2" name="Title 1">
+            <a:extLst>
+              <a:ext uri="{FF2B5EF4-FFF2-40B4-BE49-F238E27FC236}">
                 <a16:creationId xmlns:a16="http://schemas.microsoft.com/office/drawing/2014/main" id="{C976D8FE-67B2-4F61-B59A-61A0B74CBE00}"/>
               </a:ext>
             </a:extLst>
@@ -7635,10 +7741,10 @@
       </p:sp>
       <p:pic>
         <p:nvPicPr>
-          <p:cNvPr id="5" name="Content Placeholder 4" descr="A picture containing text, map&#10;&#10;Description generated with very high confidence">
-            <a:extLst>
-              <a:ext uri="{FF2B5EF4-FFF2-40B4-BE49-F238E27FC236}">
-                <a16:creationId xmlns:a16="http://schemas.microsoft.com/office/drawing/2014/main" id="{46B86C74-0899-488C-BF51-C0228DB4AB4C}"/>
+          <p:cNvPr id="11" name="Content Placeholder 10">
+            <a:extLst>
+              <a:ext uri="{FF2B5EF4-FFF2-40B4-BE49-F238E27FC236}">
+                <a16:creationId xmlns:a16="http://schemas.microsoft.com/office/drawing/2014/main" id="{07F15761-F9A2-4D39-9E62-D4795985848B}"/>
               </a:ext>
             </a:extLst>
           </p:cNvPr>
@@ -7681,7 +7787,7 @@
 </p:sld>
 </file>
 
-<file path=ppt/slides/slide24.xml><?xml version="1.0" encoding="utf-8"?>
+<file path=ppt/slides/slide25.xml><?xml version="1.0" encoding="utf-8"?>
 <p:sld xmlns:a="http://schemas.openxmlformats.org/drawingml/2006/main" xmlns:r="http://schemas.openxmlformats.org/officeDocument/2006/relationships" xmlns:p="http://schemas.openxmlformats.org/presentationml/2006/main">
   <p:cSld>
     <p:spTree>
@@ -8463,7 +8569,7 @@
 </file>
 
 <file path=ppt/slides/slide7.xml><?xml version="1.0" encoding="utf-8"?>
-<p:sld xmlns:a="http://schemas.openxmlformats.org/drawingml/2006/main" xmlns:r="http://schemas.openxmlformats.org/officeDocument/2006/relationships" xmlns:p="http://schemas.openxmlformats.org/presentationml/2006/main">
+<p:sld xmlns:a="http://schemas.openxmlformats.org/drawingml/2006/main" xmlns:r="http://schemas.openxmlformats.org/officeDocument/2006/relationships" xmlns:p="http://schemas.openxmlformats.org/presentationml/2006/main" show="0">
   <p:cSld>
     <p:spTree>
       <p:nvGrpSpPr>
@@ -8556,7 +8662,7 @@
 </file>
 
 <file path=ppt/slides/slide8.xml><?xml version="1.0" encoding="utf-8"?>
-<p:sld xmlns:a="http://schemas.openxmlformats.org/drawingml/2006/main" xmlns:r="http://schemas.openxmlformats.org/officeDocument/2006/relationships" xmlns:p="http://schemas.openxmlformats.org/presentationml/2006/main">
+<p:sld xmlns:a="http://schemas.openxmlformats.org/drawingml/2006/main" xmlns:r="http://schemas.openxmlformats.org/officeDocument/2006/relationships" xmlns:p="http://schemas.openxmlformats.org/presentationml/2006/main" show="0">
   <p:cSld>
     <p:spTree>
       <p:nvGrpSpPr>

--- a/Project_1_Superheros.pptx
+++ b/Project_1_Superheros.pptx
@@ -5,7 +5,7 @@
     <p:sldMasterId id="2147483648" r:id="rId1"/>
   </p:sldMasterIdLst>
   <p:notesMasterIdLst>
-    <p:notesMasterId r:id="rId27"/>
+    <p:notesMasterId r:id="rId28"/>
   </p:notesMasterIdLst>
   <p:sldIdLst>
     <p:sldId id="256" r:id="rId2"/>
@@ -20,19 +20,20 @@
     <p:sldId id="265" r:id="rId11"/>
     <p:sldId id="267" r:id="rId12"/>
     <p:sldId id="273" r:id="rId13"/>
-    <p:sldId id="276" r:id="rId14"/>
-    <p:sldId id="285" r:id="rId15"/>
-    <p:sldId id="284" r:id="rId16"/>
-    <p:sldId id="295" r:id="rId17"/>
-    <p:sldId id="288" r:id="rId18"/>
+    <p:sldId id="296" r:id="rId14"/>
+    <p:sldId id="276" r:id="rId15"/>
+    <p:sldId id="285" r:id="rId16"/>
+    <p:sldId id="284" r:id="rId17"/>
+    <p:sldId id="295" r:id="rId18"/>
     <p:sldId id="291" r:id="rId19"/>
-    <p:sldId id="286" r:id="rId20"/>
-    <p:sldId id="287" r:id="rId21"/>
-    <p:sldId id="292" r:id="rId22"/>
-    <p:sldId id="289" r:id="rId23"/>
-    <p:sldId id="293" r:id="rId24"/>
-    <p:sldId id="290" r:id="rId25"/>
-    <p:sldId id="294" r:id="rId26"/>
+    <p:sldId id="288" r:id="rId20"/>
+    <p:sldId id="286" r:id="rId21"/>
+    <p:sldId id="287" r:id="rId22"/>
+    <p:sldId id="292" r:id="rId23"/>
+    <p:sldId id="289" r:id="rId24"/>
+    <p:sldId id="293" r:id="rId25"/>
+    <p:sldId id="290" r:id="rId26"/>
+    <p:sldId id="294" r:id="rId27"/>
   </p:sldIdLst>
   <p:sldSz cx="12192000" cy="6858000"/>
   <p:notesSz cx="6858000" cy="9144000"/>
@@ -142,14 +143,6 @@
 </p:presentation>
 </file>
 
-<file path=ppt/revisionInfo.xml><?xml version="1.0" encoding="utf-8"?>
-<p1510:revInfo xmlns:a="http://schemas.openxmlformats.org/drawingml/2006/main" xmlns:r="http://schemas.openxmlformats.org/officeDocument/2006/relationships" xmlns:p1510="http://schemas.microsoft.com/office/powerpoint/2015/10/main">
-  <p1510:revLst>
-    <p1510:client id="{83851C9F-9BC1-4315-93A8-7D0F4462957B}" v="11" dt="2019-04-13T19:39:52.747"/>
-  </p1510:revLst>
-</p1510:revInfo>
-</file>
-
 <file path=ppt/notesMasters/notesMaster1.xml><?xml version="1.0" encoding="utf-8"?>
 <p:notesMaster xmlns:a="http://schemas.openxmlformats.org/drawingml/2006/main" xmlns:r="http://schemas.openxmlformats.org/officeDocument/2006/relationships" xmlns:p="http://schemas.openxmlformats.org/presentationml/2006/main">
   <p:cSld>
@@ -232,7 +225,7 @@
           <a:p>
             <a:fld id="{9C98B144-16DC-4979-9693-C525CA986809}" type="datetimeFigureOut">
               <a:rPr lang="en-US" smtClean="0"/>
-              <a:t>4/13/2019</a:t>
+              <a:t>4/14/2019</a:t>
             </a:fld>
             <a:endParaRPr lang="en-US"/>
           </a:p>
@@ -569,7 +562,7 @@
               <a:rPr lang="en-US" smtClean="0"/>
               <a:t>2</a:t>
             </a:fld>
-            <a:endParaRPr lang="en-US"/>
+            <a:endParaRPr lang="en-US" dirty="0"/>
           </a:p>
         </p:txBody>
       </p:sp>
@@ -651,7 +644,7 @@
           <a:p>
             <a:fld id="{546DA88A-8385-4F84-A597-5276C3E39C78}" type="slidenum">
               <a:rPr lang="en-US" smtClean="0"/>
-              <a:t>14</a:t>
+              <a:t>15</a:t>
             </a:fld>
             <a:endParaRPr lang="en-US"/>
           </a:p>
@@ -735,9 +728,9 @@
           <a:p>
             <a:fld id="{546DA88A-8385-4F84-A597-5276C3E39C78}" type="slidenum">
               <a:rPr lang="en-US" smtClean="0"/>
-              <a:t>19</a:t>
+              <a:t>20</a:t>
             </a:fld>
-            <a:endParaRPr lang="en-US"/>
+            <a:endParaRPr lang="en-US" dirty="0"/>
           </a:p>
         </p:txBody>
       </p:sp>
@@ -819,9 +812,9 @@
           <a:p>
             <a:fld id="{546DA88A-8385-4F84-A597-5276C3E39C78}" type="slidenum">
               <a:rPr lang="en-US" smtClean="0"/>
-              <a:t>20</a:t>
+              <a:t>21</a:t>
             </a:fld>
-            <a:endParaRPr lang="en-US"/>
+            <a:endParaRPr lang="en-US" dirty="0"/>
           </a:p>
         </p:txBody>
       </p:sp>
@@ -903,7 +896,7 @@
           <a:p>
             <a:fld id="{546DA88A-8385-4F84-A597-5276C3E39C78}" type="slidenum">
               <a:rPr lang="en-US" smtClean="0"/>
-              <a:t>25</a:t>
+              <a:t>26</a:t>
             </a:fld>
             <a:endParaRPr lang="en-US"/>
           </a:p>
@@ -1625,7 +1618,7 @@
           <a:p>
             <a:fld id="{546DA88A-8385-4F84-A597-5276C3E39C78}" type="slidenum">
               <a:rPr lang="en-US" smtClean="0"/>
-              <a:t>13</a:t>
+              <a:t>14</a:t>
             </a:fld>
             <a:endParaRPr lang="en-US"/>
           </a:p>
@@ -1791,7 +1784,7 @@
           <a:p>
             <a:fld id="{913DB1DE-0B1F-4B58-83A2-758AD1F56FCE}" type="datetimeFigureOut">
               <a:rPr lang="en-US" smtClean="0"/>
-              <a:t>4/13/2019</a:t>
+              <a:t>4/14/2019</a:t>
             </a:fld>
             <a:endParaRPr lang="en-US"/>
           </a:p>
@@ -1989,7 +1982,7 @@
           <a:p>
             <a:fld id="{913DB1DE-0B1F-4B58-83A2-758AD1F56FCE}" type="datetimeFigureOut">
               <a:rPr lang="en-US" smtClean="0"/>
-              <a:t>4/13/2019</a:t>
+              <a:t>4/14/2019</a:t>
             </a:fld>
             <a:endParaRPr lang="en-US"/>
           </a:p>
@@ -2197,7 +2190,7 @@
           <a:p>
             <a:fld id="{913DB1DE-0B1F-4B58-83A2-758AD1F56FCE}" type="datetimeFigureOut">
               <a:rPr lang="en-US" smtClean="0"/>
-              <a:t>4/13/2019</a:t>
+              <a:t>4/14/2019</a:t>
             </a:fld>
             <a:endParaRPr lang="en-US"/>
           </a:p>
@@ -2395,7 +2388,7 @@
           <a:p>
             <a:fld id="{913DB1DE-0B1F-4B58-83A2-758AD1F56FCE}" type="datetimeFigureOut">
               <a:rPr lang="en-US" smtClean="0"/>
-              <a:t>4/13/2019</a:t>
+              <a:t>4/14/2019</a:t>
             </a:fld>
             <a:endParaRPr lang="en-US"/>
           </a:p>
@@ -2670,7 +2663,7 @@
           <a:p>
             <a:fld id="{913DB1DE-0B1F-4B58-83A2-758AD1F56FCE}" type="datetimeFigureOut">
               <a:rPr lang="en-US" smtClean="0"/>
-              <a:t>4/13/2019</a:t>
+              <a:t>4/14/2019</a:t>
             </a:fld>
             <a:endParaRPr lang="en-US"/>
           </a:p>
@@ -2935,7 +2928,7 @@
           <a:p>
             <a:fld id="{913DB1DE-0B1F-4B58-83A2-758AD1F56FCE}" type="datetimeFigureOut">
               <a:rPr lang="en-US" smtClean="0"/>
-              <a:t>4/13/2019</a:t>
+              <a:t>4/14/2019</a:t>
             </a:fld>
             <a:endParaRPr lang="en-US"/>
           </a:p>
@@ -3347,7 +3340,7 @@
           <a:p>
             <a:fld id="{913DB1DE-0B1F-4B58-83A2-758AD1F56FCE}" type="datetimeFigureOut">
               <a:rPr lang="en-US" smtClean="0"/>
-              <a:t>4/13/2019</a:t>
+              <a:t>4/14/2019</a:t>
             </a:fld>
             <a:endParaRPr lang="en-US"/>
           </a:p>
@@ -3488,7 +3481,7 @@
           <a:p>
             <a:fld id="{913DB1DE-0B1F-4B58-83A2-758AD1F56FCE}" type="datetimeFigureOut">
               <a:rPr lang="en-US" smtClean="0"/>
-              <a:t>4/13/2019</a:t>
+              <a:t>4/14/2019</a:t>
             </a:fld>
             <a:endParaRPr lang="en-US"/>
           </a:p>
@@ -3601,7 +3594,7 @@
           <a:p>
             <a:fld id="{913DB1DE-0B1F-4B58-83A2-758AD1F56FCE}" type="datetimeFigureOut">
               <a:rPr lang="en-US" smtClean="0"/>
-              <a:t>4/13/2019</a:t>
+              <a:t>4/14/2019</a:t>
             </a:fld>
             <a:endParaRPr lang="en-US"/>
           </a:p>
@@ -3912,7 +3905,7 @@
           <a:p>
             <a:fld id="{913DB1DE-0B1F-4B58-83A2-758AD1F56FCE}" type="datetimeFigureOut">
               <a:rPr lang="en-US" smtClean="0"/>
-              <a:t>4/13/2019</a:t>
+              <a:t>4/14/2019</a:t>
             </a:fld>
             <a:endParaRPr lang="en-US"/>
           </a:p>
@@ -4200,7 +4193,7 @@
           <a:p>
             <a:fld id="{913DB1DE-0B1F-4B58-83A2-758AD1F56FCE}" type="datetimeFigureOut">
               <a:rPr lang="en-US" smtClean="0"/>
-              <a:t>4/13/2019</a:t>
+              <a:t>4/14/2019</a:t>
             </a:fld>
             <a:endParaRPr lang="en-US"/>
           </a:p>
@@ -4464,7 +4457,7 @@
           <a:p>
             <a:fld id="{913DB1DE-0B1F-4B58-83A2-758AD1F56FCE}" type="datetimeFigureOut">
               <a:rPr lang="en-US" smtClean="0"/>
-              <a:t>4/13/2019</a:t>
+              <a:t>4/14/2019</a:t>
             </a:fld>
             <a:endParaRPr lang="en-US"/>
           </a:p>
@@ -4961,7 +4954,7 @@
                   <a:srgbClr val="3333CC"/>
                 </a:solidFill>
               </a:rPr>
-              <a:t>Carrie, Farai,  James, Ryan, Shirley</a:t>
+              <a:t>Carrie, Farai, James, Ryan, Shirley</a:t>
             </a:r>
           </a:p>
         </p:txBody>
@@ -4996,34 +4989,6 @@
           <a:chExt cx="0" cy="0"/>
         </a:xfrm>
       </p:grpSpPr>
-      <p:sp>
-        <p:nvSpPr>
-          <p:cNvPr id="2" name="Title 1">
-            <a:extLst>
-              <a:ext uri="{FF2B5EF4-FFF2-40B4-BE49-F238E27FC236}">
-                <a16:creationId xmlns:a16="http://schemas.microsoft.com/office/drawing/2014/main" id="{72C27864-1F5E-4B85-AF6F-34994D9283E7}"/>
-              </a:ext>
-            </a:extLst>
-          </p:cNvPr>
-          <p:cNvSpPr>
-            <a:spLocks noGrp="1"/>
-          </p:cNvSpPr>
-          <p:nvPr>
-            <p:ph type="title"/>
-          </p:nvPr>
-        </p:nvSpPr>
-        <p:spPr/>
-        <p:txBody>
-          <a:bodyPr/>
-          <a:lstStyle/>
-          <a:p>
-            <a:r>
-              <a:rPr lang="en-US" dirty="0"/>
-              <a:t>Average Rotten Tomatoes Rating by Superhero</a:t>
-            </a:r>
-          </a:p>
-        </p:txBody>
-      </p:sp>
       <p:pic>
         <p:nvPicPr>
           <p:cNvPr id="5" name="Content Placeholder 4">
@@ -5054,11 +5019,65 @@
         </p:blipFill>
         <p:spPr>
           <a:xfrm>
-            <a:off x="838200" y="2248694"/>
-            <a:ext cx="10515600" cy="3505200"/>
+            <a:off x="1524" y="2795016"/>
+            <a:ext cx="12188952" cy="4062984"/>
           </a:xfrm>
         </p:spPr>
       </p:pic>
+      <p:sp>
+        <p:nvSpPr>
+          <p:cNvPr id="4" name="Title 1">
+            <a:extLst>
+              <a:ext uri="{FF2B5EF4-FFF2-40B4-BE49-F238E27FC236}">
+                <a16:creationId xmlns:a16="http://schemas.microsoft.com/office/drawing/2014/main" id="{13DDA352-58E7-4254-9F32-54B4A24AE38A}"/>
+              </a:ext>
+            </a:extLst>
+          </p:cNvPr>
+          <p:cNvSpPr txBox="1">
+            <a:spLocks/>
+          </p:cNvSpPr>
+          <p:nvPr/>
+        </p:nvSpPr>
+        <p:spPr>
+          <a:xfrm>
+            <a:off x="0" y="0"/>
+            <a:ext cx="12190476" cy="1143000"/>
+          </a:xfrm>
+          <a:prstGeom prst="rect">
+            <a:avLst/>
+          </a:prstGeom>
+        </p:spPr>
+        <p:txBody>
+          <a:bodyPr vert="horz" lIns="91440" tIns="45720" rIns="91440" bIns="45720" rtlCol="0" anchor="ctr">
+            <a:noAutofit/>
+          </a:bodyPr>
+          <a:lstStyle>
+            <a:lvl1pPr algn="l" defTabSz="914400" rtl="0" eaLnBrk="1" latinLnBrk="0" hangingPunct="1">
+              <a:lnSpc>
+                <a:spcPct val="90000"/>
+              </a:lnSpc>
+              <a:spcBef>
+                <a:spcPct val="0"/>
+              </a:spcBef>
+              <a:buNone/>
+              <a:defRPr sz="4400" kern="1200">
+                <a:solidFill>
+                  <a:schemeClr val="tx1"/>
+                </a:solidFill>
+                <a:latin typeface="+mj-lt"/>
+                <a:ea typeface="+mj-ea"/>
+                <a:cs typeface="+mj-cs"/>
+              </a:defRPr>
+            </a:lvl1pPr>
+          </a:lstStyle>
+          <a:p>
+            <a:r>
+              <a:rPr lang="en-US" b="1" dirty="0"/>
+              <a:t>Average Rating by Superhero (Rotten Tomatoes)</a:t>
+            </a:r>
+          </a:p>
+        </p:txBody>
+      </p:sp>
     </p:spTree>
     <p:extLst>
       <p:ext uri="{BB962C8B-B14F-4D97-AF65-F5344CB8AC3E}">
@@ -5091,27 +5110,53 @@
       </p:grpSpPr>
       <p:sp>
         <p:nvSpPr>
-          <p:cNvPr id="2" name="Title 1">
-            <a:extLst>
-              <a:ext uri="{FF2B5EF4-FFF2-40B4-BE49-F238E27FC236}">
-                <a16:creationId xmlns:a16="http://schemas.microsoft.com/office/drawing/2014/main" id="{3E4D80B9-17A5-4E71-A712-D94FE99AAF96}"/>
-              </a:ext>
-            </a:extLst>
-          </p:cNvPr>
-          <p:cNvSpPr>
-            <a:spLocks noGrp="1"/>
-          </p:cNvSpPr>
-          <p:nvPr>
-            <p:ph type="title"/>
-          </p:nvPr>
-        </p:nvSpPr>
-        <p:spPr/>
-        <p:txBody>
-          <a:bodyPr/>
-          <a:lstStyle/>
-          <a:p>
-            <a:r>
-              <a:rPr lang="en-US" dirty="0"/>
+          <p:cNvPr id="4" name="Title 1">
+            <a:extLst>
+              <a:ext uri="{FF2B5EF4-FFF2-40B4-BE49-F238E27FC236}">
+                <a16:creationId xmlns:a16="http://schemas.microsoft.com/office/drawing/2014/main" id="{4CB9D616-2245-4989-A5F9-D26C8B0DB3EA}"/>
+              </a:ext>
+            </a:extLst>
+          </p:cNvPr>
+          <p:cNvSpPr txBox="1">
+            <a:spLocks/>
+          </p:cNvSpPr>
+          <p:nvPr/>
+        </p:nvSpPr>
+        <p:spPr>
+          <a:xfrm>
+            <a:off x="0" y="0"/>
+            <a:ext cx="12190476" cy="1143000"/>
+          </a:xfrm>
+          <a:prstGeom prst="rect">
+            <a:avLst/>
+          </a:prstGeom>
+        </p:spPr>
+        <p:txBody>
+          <a:bodyPr vert="horz" lIns="91440" tIns="45720" rIns="91440" bIns="45720" rtlCol="0" anchor="ctr">
+            <a:noAutofit/>
+          </a:bodyPr>
+          <a:lstStyle>
+            <a:lvl1pPr algn="l" defTabSz="914400" rtl="0" eaLnBrk="1" latinLnBrk="0" hangingPunct="1">
+              <a:lnSpc>
+                <a:spcPct val="90000"/>
+              </a:lnSpc>
+              <a:spcBef>
+                <a:spcPct val="0"/>
+              </a:spcBef>
+              <a:buNone/>
+              <a:defRPr sz="4400" kern="1200">
+                <a:solidFill>
+                  <a:schemeClr val="tx1"/>
+                </a:solidFill>
+                <a:latin typeface="+mj-lt"/>
+                <a:ea typeface="+mj-ea"/>
+                <a:cs typeface="+mj-cs"/>
+              </a:defRPr>
+            </a:lvl1pPr>
+          </a:lstStyle>
+          <a:p>
+            <a:r>
+              <a:rPr lang="en-US" b="1" dirty="0"/>
               <a:t>Attributes Analyzed</a:t>
             </a:r>
           </a:p>
@@ -5119,26 +5164,195 @@
       </p:sp>
       <p:sp>
         <p:nvSpPr>
-          <p:cNvPr id="3" name="Content Placeholder 2">
-            <a:extLst>
-              <a:ext uri="{FF2B5EF4-FFF2-40B4-BE49-F238E27FC236}">
-                <a16:creationId xmlns:a16="http://schemas.microsoft.com/office/drawing/2014/main" id="{87F14E18-B195-4E77-B6A1-C9FA640552F1}"/>
-              </a:ext>
-            </a:extLst>
-          </p:cNvPr>
-          <p:cNvSpPr>
-            <a:spLocks noGrp="1"/>
-          </p:cNvSpPr>
-          <p:nvPr>
-            <p:ph idx="1"/>
-          </p:nvPr>
-        </p:nvSpPr>
-        <p:spPr/>
-        <p:txBody>
-          <a:bodyPr>
+          <p:cNvPr id="7" name="Content Placeholder 2">
+            <a:extLst>
+              <a:ext uri="{FF2B5EF4-FFF2-40B4-BE49-F238E27FC236}">
+                <a16:creationId xmlns:a16="http://schemas.microsoft.com/office/drawing/2014/main" id="{451E54A5-AD07-4259-B90F-3A878C8BB302}"/>
+              </a:ext>
+            </a:extLst>
+          </p:cNvPr>
+          <p:cNvSpPr txBox="1">
+            <a:spLocks/>
+          </p:cNvSpPr>
+          <p:nvPr/>
+        </p:nvSpPr>
+        <p:spPr>
+          <a:xfrm>
+            <a:off x="1524" y="1143000"/>
+            <a:ext cx="12188952" cy="5714999"/>
+          </a:xfrm>
+          <a:prstGeom prst="rect">
+            <a:avLst/>
+          </a:prstGeom>
+        </p:spPr>
+        <p:txBody>
+          <a:bodyPr vert="horz" lIns="91440" tIns="45720" rIns="91440" bIns="45720" rtlCol="0">
             <a:normAutofit/>
           </a:bodyPr>
-          <a:lstStyle/>
+          <a:lstStyle>
+            <a:lvl1pPr marL="228600" indent="-228600" algn="l" defTabSz="914400" rtl="0" eaLnBrk="1" latinLnBrk="0" hangingPunct="1">
+              <a:lnSpc>
+                <a:spcPct val="90000"/>
+              </a:lnSpc>
+              <a:spcBef>
+                <a:spcPts val="1000"/>
+              </a:spcBef>
+              <a:buFont typeface="Arial" panose="020B0604020202020204" pitchFamily="34" charset="0"/>
+              <a:buChar char="•"/>
+              <a:defRPr sz="2800" kern="1200">
+                <a:solidFill>
+                  <a:schemeClr val="tx1"/>
+                </a:solidFill>
+                <a:latin typeface="+mn-lt"/>
+                <a:ea typeface="+mn-ea"/>
+                <a:cs typeface="+mn-cs"/>
+              </a:defRPr>
+            </a:lvl1pPr>
+            <a:lvl2pPr marL="685800" indent="-228600" algn="l" defTabSz="914400" rtl="0" eaLnBrk="1" latinLnBrk="0" hangingPunct="1">
+              <a:lnSpc>
+                <a:spcPct val="90000"/>
+              </a:lnSpc>
+              <a:spcBef>
+                <a:spcPts val="500"/>
+              </a:spcBef>
+              <a:buFont typeface="Arial" panose="020B0604020202020204" pitchFamily="34" charset="0"/>
+              <a:buChar char="•"/>
+              <a:defRPr sz="2400" kern="1200">
+                <a:solidFill>
+                  <a:schemeClr val="tx1"/>
+                </a:solidFill>
+                <a:latin typeface="+mn-lt"/>
+                <a:ea typeface="+mn-ea"/>
+                <a:cs typeface="+mn-cs"/>
+              </a:defRPr>
+            </a:lvl2pPr>
+            <a:lvl3pPr marL="1143000" indent="-228600" algn="l" defTabSz="914400" rtl="0" eaLnBrk="1" latinLnBrk="0" hangingPunct="1">
+              <a:lnSpc>
+                <a:spcPct val="90000"/>
+              </a:lnSpc>
+              <a:spcBef>
+                <a:spcPts val="500"/>
+              </a:spcBef>
+              <a:buFont typeface="Arial" panose="020B0604020202020204" pitchFamily="34" charset="0"/>
+              <a:buChar char="•"/>
+              <a:defRPr sz="2000" kern="1200">
+                <a:solidFill>
+                  <a:schemeClr val="tx1"/>
+                </a:solidFill>
+                <a:latin typeface="+mn-lt"/>
+                <a:ea typeface="+mn-ea"/>
+                <a:cs typeface="+mn-cs"/>
+              </a:defRPr>
+            </a:lvl3pPr>
+            <a:lvl4pPr marL="1600200" indent="-228600" algn="l" defTabSz="914400" rtl="0" eaLnBrk="1" latinLnBrk="0" hangingPunct="1">
+              <a:lnSpc>
+                <a:spcPct val="90000"/>
+              </a:lnSpc>
+              <a:spcBef>
+                <a:spcPts val="500"/>
+              </a:spcBef>
+              <a:buFont typeface="Arial" panose="020B0604020202020204" pitchFamily="34" charset="0"/>
+              <a:buChar char="•"/>
+              <a:defRPr sz="1800" kern="1200">
+                <a:solidFill>
+                  <a:schemeClr val="tx1"/>
+                </a:solidFill>
+                <a:latin typeface="+mn-lt"/>
+                <a:ea typeface="+mn-ea"/>
+                <a:cs typeface="+mn-cs"/>
+              </a:defRPr>
+            </a:lvl4pPr>
+            <a:lvl5pPr marL="2057400" indent="-228600" algn="l" defTabSz="914400" rtl="0" eaLnBrk="1" latinLnBrk="0" hangingPunct="1">
+              <a:lnSpc>
+                <a:spcPct val="90000"/>
+              </a:lnSpc>
+              <a:spcBef>
+                <a:spcPts val="500"/>
+              </a:spcBef>
+              <a:buFont typeface="Arial" panose="020B0604020202020204" pitchFamily="34" charset="0"/>
+              <a:buChar char="•"/>
+              <a:defRPr sz="1800" kern="1200">
+                <a:solidFill>
+                  <a:schemeClr val="tx1"/>
+                </a:solidFill>
+                <a:latin typeface="+mn-lt"/>
+                <a:ea typeface="+mn-ea"/>
+                <a:cs typeface="+mn-cs"/>
+              </a:defRPr>
+            </a:lvl5pPr>
+            <a:lvl6pPr marL="2514600" indent="-228600" algn="l" defTabSz="914400" rtl="0" eaLnBrk="1" latinLnBrk="0" hangingPunct="1">
+              <a:lnSpc>
+                <a:spcPct val="90000"/>
+              </a:lnSpc>
+              <a:spcBef>
+                <a:spcPts val="500"/>
+              </a:spcBef>
+              <a:buFont typeface="Arial" panose="020B0604020202020204" pitchFamily="34" charset="0"/>
+              <a:buChar char="•"/>
+              <a:defRPr sz="1800" kern="1200">
+                <a:solidFill>
+                  <a:schemeClr val="tx1"/>
+                </a:solidFill>
+                <a:latin typeface="+mn-lt"/>
+                <a:ea typeface="+mn-ea"/>
+                <a:cs typeface="+mn-cs"/>
+              </a:defRPr>
+            </a:lvl6pPr>
+            <a:lvl7pPr marL="2971800" indent="-228600" algn="l" defTabSz="914400" rtl="0" eaLnBrk="1" latinLnBrk="0" hangingPunct="1">
+              <a:lnSpc>
+                <a:spcPct val="90000"/>
+              </a:lnSpc>
+              <a:spcBef>
+                <a:spcPts val="500"/>
+              </a:spcBef>
+              <a:buFont typeface="Arial" panose="020B0604020202020204" pitchFamily="34" charset="0"/>
+              <a:buChar char="•"/>
+              <a:defRPr sz="1800" kern="1200">
+                <a:solidFill>
+                  <a:schemeClr val="tx1"/>
+                </a:solidFill>
+                <a:latin typeface="+mn-lt"/>
+                <a:ea typeface="+mn-ea"/>
+                <a:cs typeface="+mn-cs"/>
+              </a:defRPr>
+            </a:lvl7pPr>
+            <a:lvl8pPr marL="3429000" indent="-228600" algn="l" defTabSz="914400" rtl="0" eaLnBrk="1" latinLnBrk="0" hangingPunct="1">
+              <a:lnSpc>
+                <a:spcPct val="90000"/>
+              </a:lnSpc>
+              <a:spcBef>
+                <a:spcPts val="500"/>
+              </a:spcBef>
+              <a:buFont typeface="Arial" panose="020B0604020202020204" pitchFamily="34" charset="0"/>
+              <a:buChar char="•"/>
+              <a:defRPr sz="1800" kern="1200">
+                <a:solidFill>
+                  <a:schemeClr val="tx1"/>
+                </a:solidFill>
+                <a:latin typeface="+mn-lt"/>
+                <a:ea typeface="+mn-ea"/>
+                <a:cs typeface="+mn-cs"/>
+              </a:defRPr>
+            </a:lvl8pPr>
+            <a:lvl9pPr marL="3886200" indent="-228600" algn="l" defTabSz="914400" rtl="0" eaLnBrk="1" latinLnBrk="0" hangingPunct="1">
+              <a:lnSpc>
+                <a:spcPct val="90000"/>
+              </a:lnSpc>
+              <a:spcBef>
+                <a:spcPts val="500"/>
+              </a:spcBef>
+              <a:buFont typeface="Arial" panose="020B0604020202020204" pitchFamily="34" charset="0"/>
+              <a:buChar char="•"/>
+              <a:defRPr sz="1800" kern="1200">
+                <a:solidFill>
+                  <a:schemeClr val="tx1"/>
+                </a:solidFill>
+                <a:latin typeface="+mn-lt"/>
+                <a:ea typeface="+mn-ea"/>
+                <a:cs typeface="+mn-cs"/>
+              </a:defRPr>
+            </a:lvl9pPr>
+          </a:lstStyle>
           <a:p>
             <a:r>
               <a:rPr lang="en-US" sz="3600" dirty="0"/>
@@ -5146,25 +5360,16 @@
             </a:r>
           </a:p>
           <a:p>
-            <a:endParaRPr lang="en-US" sz="3600" dirty="0"/>
-          </a:p>
-          <a:p>
             <a:r>
               <a:rPr lang="en-US" sz="3600" dirty="0"/>
               <a:t>Power level</a:t>
             </a:r>
           </a:p>
           <a:p>
-            <a:endParaRPr lang="en-US" sz="3600" dirty="0"/>
-          </a:p>
-          <a:p>
             <a:r>
               <a:rPr lang="en-US" sz="3600" dirty="0"/>
               <a:t>Alignment (lead is considered good, neutral, or bad)</a:t>
             </a:r>
-          </a:p>
-          <a:p>
-            <a:endParaRPr lang="en-US" sz="3600" dirty="0"/>
           </a:p>
           <a:p>
             <a:r>
@@ -5204,41 +5409,6 @@
           <a:chExt cx="0" cy="0"/>
         </a:xfrm>
       </p:grpSpPr>
-      <p:sp>
-        <p:nvSpPr>
-          <p:cNvPr id="2" name="Title 1">
-            <a:extLst>
-              <a:ext uri="{FF2B5EF4-FFF2-40B4-BE49-F238E27FC236}">
-                <a16:creationId xmlns:a16="http://schemas.microsoft.com/office/drawing/2014/main" id="{AF50DADC-0626-4328-9C14-364B01262647}"/>
-              </a:ext>
-            </a:extLst>
-          </p:cNvPr>
-          <p:cNvSpPr>
-            <a:spLocks noGrp="1"/>
-          </p:cNvSpPr>
-          <p:nvPr>
-            <p:ph type="title"/>
-          </p:nvPr>
-        </p:nvSpPr>
-        <p:spPr>
-          <a:xfrm>
-            <a:off x="838201" y="365126"/>
-            <a:ext cx="7465828" cy="559908"/>
-          </a:xfrm>
-        </p:spPr>
-        <p:txBody>
-          <a:bodyPr>
-            <a:normAutofit fontScale="90000"/>
-          </a:bodyPr>
-          <a:lstStyle/>
-          <a:p>
-            <a:r>
-              <a:rPr lang="en-US" dirty="0"/>
-              <a:t>Power level by superhero</a:t>
-            </a:r>
-          </a:p>
-        </p:txBody>
-      </p:sp>
       <p:pic>
         <p:nvPicPr>
           <p:cNvPr id="5" name="Content Placeholder 4">
@@ -5269,312 +5439,61 @@
         </p:blipFill>
         <p:spPr>
           <a:xfrm>
-            <a:off x="621730" y="969718"/>
-            <a:ext cx="10723209" cy="3574403"/>
+            <a:off x="1524" y="2795016"/>
+            <a:ext cx="12188952" cy="4062984"/>
           </a:xfrm>
         </p:spPr>
       </p:pic>
-      <p:pic>
-        <p:nvPicPr>
-          <p:cNvPr id="4" name="Content Placeholder 4">
-            <a:extLst>
-              <a:ext uri="{FF2B5EF4-FFF2-40B4-BE49-F238E27FC236}">
-                <a16:creationId xmlns:a16="http://schemas.microsoft.com/office/drawing/2014/main" id="{17A551A5-FB8E-4538-8DD9-2F8210C98137}"/>
-              </a:ext>
-            </a:extLst>
-          </p:cNvPr>
-          <p:cNvPicPr>
-            <a:picLocks noChangeAspect="1"/>
-          </p:cNvPicPr>
+      <p:sp>
+        <p:nvSpPr>
+          <p:cNvPr id="8" name="Title 1">
+            <a:extLst>
+              <a:ext uri="{FF2B5EF4-FFF2-40B4-BE49-F238E27FC236}">
+                <a16:creationId xmlns:a16="http://schemas.microsoft.com/office/drawing/2014/main" id="{A7B887F6-8212-43AA-98AB-9A6D59D1763F}"/>
+              </a:ext>
+            </a:extLst>
+          </p:cNvPr>
+          <p:cNvSpPr txBox="1">
+            <a:spLocks/>
+          </p:cNvSpPr>
           <p:nvPr/>
-        </p:nvPicPr>
-        <p:blipFill>
-          <a:blip r:embed="rId4">
-            <a:extLst>
-              <a:ext uri="{28A0092B-C50C-407E-A947-70E740481C1C}">
-                <a14:useLocalDpi xmlns:a14="http://schemas.microsoft.com/office/drawing/2010/main" val="0"/>
-              </a:ext>
-            </a:extLst>
-          </a:blip>
-          <a:stretch>
-            <a:fillRect/>
-          </a:stretch>
-        </p:blipFill>
+        </p:nvSpPr>
         <p:spPr>
           <a:xfrm>
-            <a:off x="621730" y="4236410"/>
-            <a:ext cx="3384697" cy="2256464"/>
+            <a:off x="0" y="0"/>
+            <a:ext cx="12190476" cy="1143000"/>
           </a:xfrm>
           <a:prstGeom prst="rect">
             <a:avLst/>
           </a:prstGeom>
         </p:spPr>
-      </p:pic>
-      <p:pic>
-        <p:nvPicPr>
-          <p:cNvPr id="6" name="Content Placeholder 4">
-            <a:extLst>
-              <a:ext uri="{FF2B5EF4-FFF2-40B4-BE49-F238E27FC236}">
-                <a16:creationId xmlns:a16="http://schemas.microsoft.com/office/drawing/2014/main" id="{2F025F0C-FF9B-4E4F-92BD-9476701D9F7B}"/>
-              </a:ext>
-            </a:extLst>
-          </p:cNvPr>
-          <p:cNvPicPr>
-            <a:picLocks noChangeAspect="1"/>
-          </p:cNvPicPr>
-          <p:nvPr/>
-        </p:nvPicPr>
-        <p:blipFill>
-          <a:blip r:embed="rId5">
-            <a:extLst>
-              <a:ext uri="{28A0092B-C50C-407E-A947-70E740481C1C}">
-                <a14:useLocalDpi xmlns:a14="http://schemas.microsoft.com/office/drawing/2010/main" val="0"/>
-              </a:ext>
-            </a:extLst>
-          </a:blip>
-          <a:stretch>
-            <a:fillRect/>
-          </a:stretch>
-        </p:blipFill>
-        <p:spPr>
-          <a:xfrm>
-            <a:off x="4006427" y="4281094"/>
-            <a:ext cx="3250642" cy="2167095"/>
-          </a:xfrm>
-          <a:prstGeom prst="rect">
-            <a:avLst/>
-          </a:prstGeom>
-        </p:spPr>
-      </p:pic>
-      <p:sp>
-        <p:nvSpPr>
-          <p:cNvPr id="7" name="Content Placeholder 2">
-            <a:extLst>
-              <a:ext uri="{FF2B5EF4-FFF2-40B4-BE49-F238E27FC236}">
-                <a16:creationId xmlns:a16="http://schemas.microsoft.com/office/drawing/2014/main" id="{E97C6247-049C-41B9-B21E-8D32AEF0A755}"/>
-              </a:ext>
-            </a:extLst>
-          </p:cNvPr>
-          <p:cNvSpPr txBox="1">
-            <a:spLocks/>
-          </p:cNvSpPr>
-          <p:nvPr/>
-        </p:nvSpPr>
-        <p:spPr>
-          <a:xfrm>
-            <a:off x="7257069" y="4754618"/>
-            <a:ext cx="3798205" cy="1635550"/>
-          </a:xfrm>
-          <a:prstGeom prst="rect">
-            <a:avLst/>
-          </a:prstGeom>
-        </p:spPr>
-        <p:txBody>
-          <a:bodyPr vert="horz" lIns="91440" tIns="45720" rIns="91440" bIns="45720" rtlCol="0">
-            <a:normAutofit fontScale="40000" lnSpcReduction="20000"/>
+        <p:txBody>
+          <a:bodyPr vert="horz" lIns="91440" tIns="45720" rIns="91440" bIns="45720" rtlCol="0" anchor="ctr">
+            <a:noAutofit/>
           </a:bodyPr>
           <a:lstStyle>
-            <a:lvl1pPr marL="228600" indent="-228600" algn="l" defTabSz="914400" rtl="0" eaLnBrk="1" latinLnBrk="0" hangingPunct="1">
-              <a:lnSpc>
-                <a:spcPct val="90000"/>
-              </a:lnSpc>
-              <a:spcBef>
-                <a:spcPts val="1000"/>
-              </a:spcBef>
-              <a:buFont typeface="Arial" panose="020B0604020202020204" pitchFamily="34" charset="0"/>
-              <a:buChar char="•"/>
-              <a:defRPr sz="2800" kern="1200">
-                <a:solidFill>
-                  <a:schemeClr val="tx1"/>
-                </a:solidFill>
-                <a:latin typeface="+mn-lt"/>
-                <a:ea typeface="+mn-ea"/>
-                <a:cs typeface="+mn-cs"/>
+            <a:lvl1pPr algn="l" defTabSz="914400" rtl="0" eaLnBrk="1" latinLnBrk="0" hangingPunct="1">
+              <a:lnSpc>
+                <a:spcPct val="90000"/>
+              </a:lnSpc>
+              <a:spcBef>
+                <a:spcPct val="0"/>
+              </a:spcBef>
+              <a:buNone/>
+              <a:defRPr sz="4400" kern="1200">
+                <a:solidFill>
+                  <a:schemeClr val="tx1"/>
+                </a:solidFill>
+                <a:latin typeface="+mj-lt"/>
+                <a:ea typeface="+mj-ea"/>
+                <a:cs typeface="+mj-cs"/>
               </a:defRPr>
             </a:lvl1pPr>
-            <a:lvl2pPr marL="685800" indent="-228600" algn="l" defTabSz="914400" rtl="0" eaLnBrk="1" latinLnBrk="0" hangingPunct="1">
-              <a:lnSpc>
-                <a:spcPct val="90000"/>
-              </a:lnSpc>
-              <a:spcBef>
-                <a:spcPts val="500"/>
-              </a:spcBef>
-              <a:buFont typeface="Arial" panose="020B0604020202020204" pitchFamily="34" charset="0"/>
-              <a:buChar char="•"/>
-              <a:defRPr sz="2400" kern="1200">
-                <a:solidFill>
-                  <a:schemeClr val="tx1"/>
-                </a:solidFill>
-                <a:latin typeface="+mn-lt"/>
-                <a:ea typeface="+mn-ea"/>
-                <a:cs typeface="+mn-cs"/>
-              </a:defRPr>
-            </a:lvl2pPr>
-            <a:lvl3pPr marL="1143000" indent="-228600" algn="l" defTabSz="914400" rtl="0" eaLnBrk="1" latinLnBrk="0" hangingPunct="1">
-              <a:lnSpc>
-                <a:spcPct val="90000"/>
-              </a:lnSpc>
-              <a:spcBef>
-                <a:spcPts val="500"/>
-              </a:spcBef>
-              <a:buFont typeface="Arial" panose="020B0604020202020204" pitchFamily="34" charset="0"/>
-              <a:buChar char="•"/>
-              <a:defRPr sz="2000" kern="1200">
-                <a:solidFill>
-                  <a:schemeClr val="tx1"/>
-                </a:solidFill>
-                <a:latin typeface="+mn-lt"/>
-                <a:ea typeface="+mn-ea"/>
-                <a:cs typeface="+mn-cs"/>
-              </a:defRPr>
-            </a:lvl3pPr>
-            <a:lvl4pPr marL="1600200" indent="-228600" algn="l" defTabSz="914400" rtl="0" eaLnBrk="1" latinLnBrk="0" hangingPunct="1">
-              <a:lnSpc>
-                <a:spcPct val="90000"/>
-              </a:lnSpc>
-              <a:spcBef>
-                <a:spcPts val="500"/>
-              </a:spcBef>
-              <a:buFont typeface="Arial" panose="020B0604020202020204" pitchFamily="34" charset="0"/>
-              <a:buChar char="•"/>
-              <a:defRPr sz="1800" kern="1200">
-                <a:solidFill>
-                  <a:schemeClr val="tx1"/>
-                </a:solidFill>
-                <a:latin typeface="+mn-lt"/>
-                <a:ea typeface="+mn-ea"/>
-                <a:cs typeface="+mn-cs"/>
-              </a:defRPr>
-            </a:lvl4pPr>
-            <a:lvl5pPr marL="2057400" indent="-228600" algn="l" defTabSz="914400" rtl="0" eaLnBrk="1" latinLnBrk="0" hangingPunct="1">
-              <a:lnSpc>
-                <a:spcPct val="90000"/>
-              </a:lnSpc>
-              <a:spcBef>
-                <a:spcPts val="500"/>
-              </a:spcBef>
-              <a:buFont typeface="Arial" panose="020B0604020202020204" pitchFamily="34" charset="0"/>
-              <a:buChar char="•"/>
-              <a:defRPr sz="1800" kern="1200">
-                <a:solidFill>
-                  <a:schemeClr val="tx1"/>
-                </a:solidFill>
-                <a:latin typeface="+mn-lt"/>
-                <a:ea typeface="+mn-ea"/>
-                <a:cs typeface="+mn-cs"/>
-              </a:defRPr>
-            </a:lvl5pPr>
-            <a:lvl6pPr marL="2514600" indent="-228600" algn="l" defTabSz="914400" rtl="0" eaLnBrk="1" latinLnBrk="0" hangingPunct="1">
-              <a:lnSpc>
-                <a:spcPct val="90000"/>
-              </a:lnSpc>
-              <a:spcBef>
-                <a:spcPts val="500"/>
-              </a:spcBef>
-              <a:buFont typeface="Arial" panose="020B0604020202020204" pitchFamily="34" charset="0"/>
-              <a:buChar char="•"/>
-              <a:defRPr sz="1800" kern="1200">
-                <a:solidFill>
-                  <a:schemeClr val="tx1"/>
-                </a:solidFill>
-                <a:latin typeface="+mn-lt"/>
-                <a:ea typeface="+mn-ea"/>
-                <a:cs typeface="+mn-cs"/>
-              </a:defRPr>
-            </a:lvl6pPr>
-            <a:lvl7pPr marL="2971800" indent="-228600" algn="l" defTabSz="914400" rtl="0" eaLnBrk="1" latinLnBrk="0" hangingPunct="1">
-              <a:lnSpc>
-                <a:spcPct val="90000"/>
-              </a:lnSpc>
-              <a:spcBef>
-                <a:spcPts val="500"/>
-              </a:spcBef>
-              <a:buFont typeface="Arial" panose="020B0604020202020204" pitchFamily="34" charset="0"/>
-              <a:buChar char="•"/>
-              <a:defRPr sz="1800" kern="1200">
-                <a:solidFill>
-                  <a:schemeClr val="tx1"/>
-                </a:solidFill>
-                <a:latin typeface="+mn-lt"/>
-                <a:ea typeface="+mn-ea"/>
-                <a:cs typeface="+mn-cs"/>
-              </a:defRPr>
-            </a:lvl7pPr>
-            <a:lvl8pPr marL="3429000" indent="-228600" algn="l" defTabSz="914400" rtl="0" eaLnBrk="1" latinLnBrk="0" hangingPunct="1">
-              <a:lnSpc>
-                <a:spcPct val="90000"/>
-              </a:lnSpc>
-              <a:spcBef>
-                <a:spcPts val="500"/>
-              </a:spcBef>
-              <a:buFont typeface="Arial" panose="020B0604020202020204" pitchFamily="34" charset="0"/>
-              <a:buChar char="•"/>
-              <a:defRPr sz="1800" kern="1200">
-                <a:solidFill>
-                  <a:schemeClr val="tx1"/>
-                </a:solidFill>
-                <a:latin typeface="+mn-lt"/>
-                <a:ea typeface="+mn-ea"/>
-                <a:cs typeface="+mn-cs"/>
-              </a:defRPr>
-            </a:lvl8pPr>
-            <a:lvl9pPr marL="3886200" indent="-228600" algn="l" defTabSz="914400" rtl="0" eaLnBrk="1" latinLnBrk="0" hangingPunct="1">
-              <a:lnSpc>
-                <a:spcPct val="90000"/>
-              </a:lnSpc>
-              <a:spcBef>
-                <a:spcPts val="500"/>
-              </a:spcBef>
-              <a:buFont typeface="Arial" panose="020B0604020202020204" pitchFamily="34" charset="0"/>
-              <a:buChar char="•"/>
-              <a:defRPr sz="1800" kern="1200">
-                <a:solidFill>
-                  <a:schemeClr val="tx1"/>
-                </a:solidFill>
-                <a:latin typeface="+mn-lt"/>
-                <a:ea typeface="+mn-ea"/>
-                <a:cs typeface="+mn-cs"/>
-              </a:defRPr>
-            </a:lvl9pPr>
           </a:lstStyle>
           <a:p>
             <a:r>
-              <a:rPr lang="en-US" sz="4000" dirty="0"/>
-              <a:t>No correlation between power level and box office sales</a:t>
-            </a:r>
-          </a:p>
-          <a:p>
-            <a:r>
-              <a:rPr lang="en-US" sz="4000" dirty="0"/>
-              <a:t>No correlation between power level and viewer ratings</a:t>
-            </a:r>
-          </a:p>
-          <a:p>
-            <a:r>
-              <a:rPr lang="en-US" sz="4000" dirty="0"/>
-              <a:t>Sales : </a:t>
-            </a:r>
-            <a:r>
-              <a:rPr lang="en-US" sz="4000" dirty="0" err="1"/>
-              <a:t>Pvalue</a:t>
-            </a:r>
-            <a:r>
-              <a:rPr lang="en-US" sz="4000" dirty="0"/>
-              <a:t>=0.4051</a:t>
-            </a:r>
-          </a:p>
-          <a:p>
-            <a:r>
-              <a:rPr lang="en-US" sz="4000" dirty="0"/>
-              <a:t>Rating : </a:t>
-            </a:r>
-            <a:r>
-              <a:rPr lang="en-US" sz="4000" dirty="0" err="1"/>
-              <a:t>pvalue</a:t>
-            </a:r>
-            <a:r>
-              <a:rPr lang="en-US" sz="4000" dirty="0"/>
-              <a:t>=0.9693</a:t>
+              <a:rPr lang="en-US" b="1" dirty="0"/>
+              <a:t>Power Level by Superhero</a:t>
             </a:r>
           </a:p>
         </p:txBody>
@@ -5611,33 +5530,54 @@
       </p:grpSpPr>
       <p:sp>
         <p:nvSpPr>
-          <p:cNvPr id="2" name="Title 1">
-            <a:extLst>
-              <a:ext uri="{FF2B5EF4-FFF2-40B4-BE49-F238E27FC236}">
-                <a16:creationId xmlns:a16="http://schemas.microsoft.com/office/drawing/2014/main" id="{14ABFC99-512B-45D3-A790-9C32C21DC439}"/>
-              </a:ext>
-            </a:extLst>
-          </p:cNvPr>
-          <p:cNvSpPr>
-            <a:spLocks noGrp="1"/>
-          </p:cNvSpPr>
-          <p:nvPr>
-            <p:ph type="title"/>
-          </p:nvPr>
+          <p:cNvPr id="4" name="Title 1">
+            <a:extLst>
+              <a:ext uri="{FF2B5EF4-FFF2-40B4-BE49-F238E27FC236}">
+                <a16:creationId xmlns:a16="http://schemas.microsoft.com/office/drawing/2014/main" id="{DAA05A00-805B-48A0-82BF-8649003DAF8E}"/>
+              </a:ext>
+            </a:extLst>
+          </p:cNvPr>
+          <p:cNvSpPr txBox="1">
+            <a:spLocks/>
+          </p:cNvSpPr>
+          <p:nvPr/>
         </p:nvSpPr>
         <p:spPr>
           <a:xfrm>
-            <a:off x="838200" y="365126"/>
-            <a:ext cx="9135140" cy="730028"/>
+            <a:off x="0" y="0"/>
+            <a:ext cx="12190476" cy="1143000"/>
           </a:xfrm>
+          <a:prstGeom prst="rect">
+            <a:avLst/>
+          </a:prstGeom>
         </p:spPr>
         <p:txBody>
-          <a:bodyPr/>
-          <a:lstStyle/>
-          <a:p>
-            <a:r>
-              <a:rPr lang="en-US" dirty="0"/>
-              <a:t>Gender Breakdown</a:t>
+          <a:bodyPr vert="horz" lIns="91440" tIns="45720" rIns="91440" bIns="45720" rtlCol="0" anchor="ctr">
+            <a:noAutofit/>
+          </a:bodyPr>
+          <a:lstStyle>
+            <a:lvl1pPr algn="l" defTabSz="914400" rtl="0" eaLnBrk="1" latinLnBrk="0" hangingPunct="1">
+              <a:lnSpc>
+                <a:spcPct val="90000"/>
+              </a:lnSpc>
+              <a:spcBef>
+                <a:spcPct val="0"/>
+              </a:spcBef>
+              <a:buNone/>
+              <a:defRPr sz="4400" kern="1200">
+                <a:solidFill>
+                  <a:schemeClr val="tx1"/>
+                </a:solidFill>
+                <a:latin typeface="+mj-lt"/>
+                <a:ea typeface="+mj-ea"/>
+                <a:cs typeface="+mj-cs"/>
+              </a:defRPr>
+            </a:lvl1pPr>
+          </a:lstStyle>
+          <a:p>
+            <a:r>
+              <a:rPr lang="en-US" b="1" dirty="0"/>
+              <a:t>Power Level by Superhero Test Results</a:t>
             </a:r>
           </a:p>
         </p:txBody>
@@ -5647,19 +5587,17 @@
           <p:cNvPr id="5" name="Content Placeholder 4">
             <a:extLst>
               <a:ext uri="{FF2B5EF4-FFF2-40B4-BE49-F238E27FC236}">
-                <a16:creationId xmlns:a16="http://schemas.microsoft.com/office/drawing/2014/main" id="{11C93188-A679-4693-B88A-12E32594320C}"/>
+                <a16:creationId xmlns:a16="http://schemas.microsoft.com/office/drawing/2014/main" id="{CD10A6AF-845D-43A5-94DD-65F30275B06A}"/>
               </a:ext>
             </a:extLst>
           </p:cNvPr>
           <p:cNvPicPr>
-            <a:picLocks noGrp="1" noChangeAspect="1"/>
+            <a:picLocks noChangeAspect="1"/>
           </p:cNvPicPr>
-          <p:nvPr>
-            <p:ph idx="1"/>
-          </p:nvPr>
+          <p:nvPr/>
         </p:nvPicPr>
         <p:blipFill>
-          <a:blip r:embed="rId3">
+          <a:blip r:embed="rId2">
             <a:extLst>
               <a:ext uri="{28A0092B-C50C-407E-A947-70E740481C1C}">
                 <a14:useLocalDpi xmlns:a14="http://schemas.microsoft.com/office/drawing/2010/main" val="0"/>
@@ -5672,41 +5610,8 @@
         </p:blipFill>
         <p:spPr>
           <a:xfrm>
-            <a:off x="187664" y="1438606"/>
-            <a:ext cx="3589209" cy="2392806"/>
-          </a:xfrm>
-        </p:spPr>
-      </p:pic>
-      <p:pic>
-        <p:nvPicPr>
-          <p:cNvPr id="4" name="Content Placeholder 4">
-            <a:extLst>
-              <a:ext uri="{FF2B5EF4-FFF2-40B4-BE49-F238E27FC236}">
-                <a16:creationId xmlns:a16="http://schemas.microsoft.com/office/drawing/2014/main" id="{9CEABF51-7D0B-454B-9D97-8A53BAA62BB8}"/>
-              </a:ext>
-            </a:extLst>
-          </p:cNvPr>
-          <p:cNvPicPr>
-            <a:picLocks noChangeAspect="1"/>
-          </p:cNvPicPr>
-          <p:nvPr/>
-        </p:nvPicPr>
-        <p:blipFill>
-          <a:blip r:embed="rId4">
-            <a:extLst>
-              <a:ext uri="{28A0092B-C50C-407E-A947-70E740481C1C}">
-                <a14:useLocalDpi xmlns:a14="http://schemas.microsoft.com/office/drawing/2010/main" val="0"/>
-              </a:ext>
-            </a:extLst>
-          </a:blip>
-          <a:stretch>
-            <a:fillRect/>
-          </a:stretch>
-        </p:blipFill>
-        <p:spPr>
-          <a:xfrm>
-            <a:off x="3507014" y="1279413"/>
-            <a:ext cx="4526228" cy="2711191"/>
+            <a:off x="0" y="2791969"/>
+            <a:ext cx="6099048" cy="4066031"/>
           </a:xfrm>
           <a:prstGeom prst="rect">
             <a:avLst/>
@@ -5718,7 +5623,7 @@
           <p:cNvPr id="6" name="Content Placeholder 4">
             <a:extLst>
               <a:ext uri="{FF2B5EF4-FFF2-40B4-BE49-F238E27FC236}">
-                <a16:creationId xmlns:a16="http://schemas.microsoft.com/office/drawing/2014/main" id="{2ADA9752-A5B8-42A4-B558-C66AB7EEF50D}"/>
+                <a16:creationId xmlns:a16="http://schemas.microsoft.com/office/drawing/2014/main" id="{A50451E8-965B-4F3D-9A0F-89687483948B}"/>
               </a:ext>
             </a:extLst>
           </p:cNvPr>
@@ -5728,7 +5633,7 @@
           <p:nvPr/>
         </p:nvPicPr>
         <p:blipFill>
-          <a:blip r:embed="rId5">
+          <a:blip r:embed="rId3">
             <a:extLst>
               <a:ext uri="{28A0092B-C50C-407E-A947-70E740481C1C}">
                 <a14:useLocalDpi xmlns:a14="http://schemas.microsoft.com/office/drawing/2010/main" val="0"/>
@@ -5741,8 +5646,8 @@
         </p:blipFill>
         <p:spPr>
           <a:xfrm>
-            <a:off x="7809958" y="1242199"/>
-            <a:ext cx="4066787" cy="2711191"/>
+            <a:off x="6092952" y="2791967"/>
+            <a:ext cx="6099048" cy="4066033"/>
           </a:xfrm>
           <a:prstGeom prst="rect">
             <a:avLst/>
@@ -5754,7 +5659,7 @@
           <p:cNvPr id="7" name="Content Placeholder 2">
             <a:extLst>
               <a:ext uri="{FF2B5EF4-FFF2-40B4-BE49-F238E27FC236}">
-                <a16:creationId xmlns:a16="http://schemas.microsoft.com/office/drawing/2014/main" id="{35B0BEB1-501E-46F2-B77F-02E16A78AA24}"/>
+                <a16:creationId xmlns:a16="http://schemas.microsoft.com/office/drawing/2014/main" id="{5C79595F-587D-45C8-88C0-94DAA435648C}"/>
               </a:ext>
             </a:extLst>
           </p:cNvPr>
@@ -5765,8 +5670,8 @@
         </p:nvSpPr>
         <p:spPr>
           <a:xfrm>
-            <a:off x="1008321" y="4296842"/>
-            <a:ext cx="8965019" cy="1706526"/>
+            <a:off x="0" y="1159046"/>
+            <a:ext cx="6099048" cy="1635550"/>
           </a:xfrm>
           <a:prstGeom prst="rect">
             <a:avLst/>
@@ -5774,7 +5679,7 @@
         </p:spPr>
         <p:txBody>
           <a:bodyPr vert="horz" lIns="91440" tIns="45720" rIns="91440" bIns="45720" rtlCol="0">
-            <a:normAutofit fontScale="70000" lnSpcReduction="20000"/>
+            <a:normAutofit fontScale="85000" lnSpcReduction="10000"/>
           </a:bodyPr>
           <a:lstStyle>
             <a:lvl1pPr marL="228600" indent="-228600" algn="l" defTabSz="914400" rtl="0" eaLnBrk="1" latinLnBrk="0" hangingPunct="1">
@@ -5941,48 +5846,228 @@
             </a:lvl9pPr>
           </a:lstStyle>
           <a:p>
-            <a:endParaRPr lang="en-US" sz="4000" dirty="0"/>
-          </a:p>
-          <a:p>
             <a:r>
               <a:rPr lang="en-US" sz="4000" dirty="0"/>
-              <a:t>Female led movies resulted in higher sales</a:t>
+              <a:t>No correlation between power level and box office sales</a:t>
             </a:r>
           </a:p>
           <a:p>
             <a:r>
               <a:rPr lang="en-US" sz="4000" dirty="0"/>
-              <a:t>No correlation between viewer ratings and gender</a:t>
-            </a:r>
-          </a:p>
-          <a:p>
-            <a:r>
-              <a:rPr lang="en-US" sz="4000" dirty="0" err="1"/>
-              <a:t>Pvalue</a:t>
-            </a:r>
+              <a:t>Sales: p-value = 0.4051</a:t>
+            </a:r>
+          </a:p>
+        </p:txBody>
+      </p:sp>
+      <p:sp>
+        <p:nvSpPr>
+          <p:cNvPr id="8" name="Content Placeholder 2">
+            <a:extLst>
+              <a:ext uri="{FF2B5EF4-FFF2-40B4-BE49-F238E27FC236}">
+                <a16:creationId xmlns:a16="http://schemas.microsoft.com/office/drawing/2014/main" id="{82E27A72-60D3-4CA5-8F86-E8F83B279343}"/>
+              </a:ext>
+            </a:extLst>
+          </p:cNvPr>
+          <p:cNvSpPr txBox="1">
+            <a:spLocks/>
+          </p:cNvSpPr>
+          <p:nvPr/>
+        </p:nvSpPr>
+        <p:spPr>
+          <a:xfrm>
+            <a:off x="6092952" y="1159046"/>
+            <a:ext cx="6099048" cy="1635550"/>
+          </a:xfrm>
+          <a:prstGeom prst="rect">
+            <a:avLst/>
+          </a:prstGeom>
+        </p:spPr>
+        <p:txBody>
+          <a:bodyPr vert="horz" lIns="91440" tIns="45720" rIns="91440" bIns="45720" rtlCol="0">
+            <a:normAutofit fontScale="85000" lnSpcReduction="10000"/>
+          </a:bodyPr>
+          <a:lstStyle>
+            <a:lvl1pPr marL="228600" indent="-228600" algn="l" defTabSz="914400" rtl="0" eaLnBrk="1" latinLnBrk="0" hangingPunct="1">
+              <a:lnSpc>
+                <a:spcPct val="90000"/>
+              </a:lnSpc>
+              <a:spcBef>
+                <a:spcPts val="1000"/>
+              </a:spcBef>
+              <a:buFont typeface="Arial" panose="020B0604020202020204" pitchFamily="34" charset="0"/>
+              <a:buChar char="•"/>
+              <a:defRPr sz="2800" kern="1200">
+                <a:solidFill>
+                  <a:schemeClr val="tx1"/>
+                </a:solidFill>
+                <a:latin typeface="+mn-lt"/>
+                <a:ea typeface="+mn-ea"/>
+                <a:cs typeface="+mn-cs"/>
+              </a:defRPr>
+            </a:lvl1pPr>
+            <a:lvl2pPr marL="685800" indent="-228600" algn="l" defTabSz="914400" rtl="0" eaLnBrk="1" latinLnBrk="0" hangingPunct="1">
+              <a:lnSpc>
+                <a:spcPct val="90000"/>
+              </a:lnSpc>
+              <a:spcBef>
+                <a:spcPts val="500"/>
+              </a:spcBef>
+              <a:buFont typeface="Arial" panose="020B0604020202020204" pitchFamily="34" charset="0"/>
+              <a:buChar char="•"/>
+              <a:defRPr sz="2400" kern="1200">
+                <a:solidFill>
+                  <a:schemeClr val="tx1"/>
+                </a:solidFill>
+                <a:latin typeface="+mn-lt"/>
+                <a:ea typeface="+mn-ea"/>
+                <a:cs typeface="+mn-cs"/>
+              </a:defRPr>
+            </a:lvl2pPr>
+            <a:lvl3pPr marL="1143000" indent="-228600" algn="l" defTabSz="914400" rtl="0" eaLnBrk="1" latinLnBrk="0" hangingPunct="1">
+              <a:lnSpc>
+                <a:spcPct val="90000"/>
+              </a:lnSpc>
+              <a:spcBef>
+                <a:spcPts val="500"/>
+              </a:spcBef>
+              <a:buFont typeface="Arial" panose="020B0604020202020204" pitchFamily="34" charset="0"/>
+              <a:buChar char="•"/>
+              <a:defRPr sz="2000" kern="1200">
+                <a:solidFill>
+                  <a:schemeClr val="tx1"/>
+                </a:solidFill>
+                <a:latin typeface="+mn-lt"/>
+                <a:ea typeface="+mn-ea"/>
+                <a:cs typeface="+mn-cs"/>
+              </a:defRPr>
+            </a:lvl3pPr>
+            <a:lvl4pPr marL="1600200" indent="-228600" algn="l" defTabSz="914400" rtl="0" eaLnBrk="1" latinLnBrk="0" hangingPunct="1">
+              <a:lnSpc>
+                <a:spcPct val="90000"/>
+              </a:lnSpc>
+              <a:spcBef>
+                <a:spcPts val="500"/>
+              </a:spcBef>
+              <a:buFont typeface="Arial" panose="020B0604020202020204" pitchFamily="34" charset="0"/>
+              <a:buChar char="•"/>
+              <a:defRPr sz="1800" kern="1200">
+                <a:solidFill>
+                  <a:schemeClr val="tx1"/>
+                </a:solidFill>
+                <a:latin typeface="+mn-lt"/>
+                <a:ea typeface="+mn-ea"/>
+                <a:cs typeface="+mn-cs"/>
+              </a:defRPr>
+            </a:lvl4pPr>
+            <a:lvl5pPr marL="2057400" indent="-228600" algn="l" defTabSz="914400" rtl="0" eaLnBrk="1" latinLnBrk="0" hangingPunct="1">
+              <a:lnSpc>
+                <a:spcPct val="90000"/>
+              </a:lnSpc>
+              <a:spcBef>
+                <a:spcPts val="500"/>
+              </a:spcBef>
+              <a:buFont typeface="Arial" panose="020B0604020202020204" pitchFamily="34" charset="0"/>
+              <a:buChar char="•"/>
+              <a:defRPr sz="1800" kern="1200">
+                <a:solidFill>
+                  <a:schemeClr val="tx1"/>
+                </a:solidFill>
+                <a:latin typeface="+mn-lt"/>
+                <a:ea typeface="+mn-ea"/>
+                <a:cs typeface="+mn-cs"/>
+              </a:defRPr>
+            </a:lvl5pPr>
+            <a:lvl6pPr marL="2514600" indent="-228600" algn="l" defTabSz="914400" rtl="0" eaLnBrk="1" latinLnBrk="0" hangingPunct="1">
+              <a:lnSpc>
+                <a:spcPct val="90000"/>
+              </a:lnSpc>
+              <a:spcBef>
+                <a:spcPts val="500"/>
+              </a:spcBef>
+              <a:buFont typeface="Arial" panose="020B0604020202020204" pitchFamily="34" charset="0"/>
+              <a:buChar char="•"/>
+              <a:defRPr sz="1800" kern="1200">
+                <a:solidFill>
+                  <a:schemeClr val="tx1"/>
+                </a:solidFill>
+                <a:latin typeface="+mn-lt"/>
+                <a:ea typeface="+mn-ea"/>
+                <a:cs typeface="+mn-cs"/>
+              </a:defRPr>
+            </a:lvl6pPr>
+            <a:lvl7pPr marL="2971800" indent="-228600" algn="l" defTabSz="914400" rtl="0" eaLnBrk="1" latinLnBrk="0" hangingPunct="1">
+              <a:lnSpc>
+                <a:spcPct val="90000"/>
+              </a:lnSpc>
+              <a:spcBef>
+                <a:spcPts val="500"/>
+              </a:spcBef>
+              <a:buFont typeface="Arial" panose="020B0604020202020204" pitchFamily="34" charset="0"/>
+              <a:buChar char="•"/>
+              <a:defRPr sz="1800" kern="1200">
+                <a:solidFill>
+                  <a:schemeClr val="tx1"/>
+                </a:solidFill>
+                <a:latin typeface="+mn-lt"/>
+                <a:ea typeface="+mn-ea"/>
+                <a:cs typeface="+mn-cs"/>
+              </a:defRPr>
+            </a:lvl7pPr>
+            <a:lvl8pPr marL="3429000" indent="-228600" algn="l" defTabSz="914400" rtl="0" eaLnBrk="1" latinLnBrk="0" hangingPunct="1">
+              <a:lnSpc>
+                <a:spcPct val="90000"/>
+              </a:lnSpc>
+              <a:spcBef>
+                <a:spcPts val="500"/>
+              </a:spcBef>
+              <a:buFont typeface="Arial" panose="020B0604020202020204" pitchFamily="34" charset="0"/>
+              <a:buChar char="•"/>
+              <a:defRPr sz="1800" kern="1200">
+                <a:solidFill>
+                  <a:schemeClr val="tx1"/>
+                </a:solidFill>
+                <a:latin typeface="+mn-lt"/>
+                <a:ea typeface="+mn-ea"/>
+                <a:cs typeface="+mn-cs"/>
+              </a:defRPr>
+            </a:lvl8pPr>
+            <a:lvl9pPr marL="3886200" indent="-228600" algn="l" defTabSz="914400" rtl="0" eaLnBrk="1" latinLnBrk="0" hangingPunct="1">
+              <a:lnSpc>
+                <a:spcPct val="90000"/>
+              </a:lnSpc>
+              <a:spcBef>
+                <a:spcPts val="500"/>
+              </a:spcBef>
+              <a:buFont typeface="Arial" panose="020B0604020202020204" pitchFamily="34" charset="0"/>
+              <a:buChar char="•"/>
+              <a:defRPr sz="1800" kern="1200">
+                <a:solidFill>
+                  <a:schemeClr val="tx1"/>
+                </a:solidFill>
+                <a:latin typeface="+mn-lt"/>
+                <a:ea typeface="+mn-ea"/>
+                <a:cs typeface="+mn-cs"/>
+              </a:defRPr>
+            </a:lvl9pPr>
+          </a:lstStyle>
+          <a:p>
             <a:r>
               <a:rPr lang="en-US" sz="4000" dirty="0"/>
-              <a:t> = 0.2019</a:t>
-            </a:r>
-          </a:p>
-          <a:p>
-            <a:endParaRPr lang="en-US" sz="4000" dirty="0"/>
-          </a:p>
-          <a:p>
-            <a:endParaRPr lang="en-US" sz="4000" dirty="0"/>
-          </a:p>
-          <a:p>
-            <a:endParaRPr lang="en-US" sz="4000" dirty="0"/>
-          </a:p>
-          <a:p>
-            <a:endParaRPr lang="en-US" sz="4000" dirty="0"/>
+              <a:t>No correlation between power level and viewer ratings</a:t>
+            </a:r>
+          </a:p>
+          <a:p>
+            <a:r>
+              <a:rPr lang="en-US" sz="4000" dirty="0"/>
+              <a:t>Rating: p-value = 0.9693</a:t>
+            </a:r>
           </a:p>
         </p:txBody>
       </p:sp>
     </p:spTree>
     <p:extLst>
       <p:ext uri="{BB962C8B-B14F-4D97-AF65-F5344CB8AC3E}">
-        <p14:creationId xmlns:p14="http://schemas.microsoft.com/office/powerpoint/2010/main" val="27151563"/>
+        <p14:creationId xmlns:p14="http://schemas.microsoft.com/office/powerpoint/2010/main" val="356392095"/>
       </p:ext>
     </p:extLst>
   </p:cSld>
@@ -6009,45 +6094,12 @@
           <a:chExt cx="0" cy="0"/>
         </a:xfrm>
       </p:grpSpPr>
-      <p:sp>
-        <p:nvSpPr>
-          <p:cNvPr id="2" name="Title 1">
-            <a:extLst>
-              <a:ext uri="{FF2B5EF4-FFF2-40B4-BE49-F238E27FC236}">
-                <a16:creationId xmlns:a16="http://schemas.microsoft.com/office/drawing/2014/main" id="{889166AC-CD02-40B0-927F-3D43F3C5947B}"/>
-              </a:ext>
-            </a:extLst>
-          </p:cNvPr>
-          <p:cNvSpPr>
-            <a:spLocks noGrp="1"/>
-          </p:cNvSpPr>
-          <p:nvPr>
-            <p:ph type="title"/>
-          </p:nvPr>
-        </p:nvSpPr>
-        <p:spPr>
-          <a:xfrm>
-            <a:off x="838200" y="365126"/>
-            <a:ext cx="9241465" cy="878884"/>
-          </a:xfrm>
-        </p:spPr>
-        <p:txBody>
-          <a:bodyPr/>
-          <a:lstStyle/>
-          <a:p>
-            <a:r>
-              <a:rPr lang="en-US" dirty="0"/>
-              <a:t>Alignment (good vs. bad) Breakdown</a:t>
-            </a:r>
-          </a:p>
-        </p:txBody>
-      </p:sp>
       <p:pic>
         <p:nvPicPr>
-          <p:cNvPr id="7" name="Content Placeholder 6" descr="A close up of a logo&#10;&#10;Description generated with high confidence">
-            <a:extLst>
-              <a:ext uri="{FF2B5EF4-FFF2-40B4-BE49-F238E27FC236}">
-                <a16:creationId xmlns:a16="http://schemas.microsoft.com/office/drawing/2014/main" id="{9B0DCF17-C0FF-47A0-A4EC-61D79DAAEC1D}"/>
+          <p:cNvPr id="5" name="Content Placeholder 4">
+            <a:extLst>
+              <a:ext uri="{FF2B5EF4-FFF2-40B4-BE49-F238E27FC236}">
+                <a16:creationId xmlns:a16="http://schemas.microsoft.com/office/drawing/2014/main" id="{11C93188-A679-4693-B88A-12E32594320C}"/>
               </a:ext>
             </a:extLst>
           </p:cNvPr>
@@ -6072,17 +6124,17 @@
         </p:blipFill>
         <p:spPr>
           <a:xfrm>
-            <a:off x="-479379" y="1368771"/>
-            <a:ext cx="4620611" cy="3080407"/>
+            <a:off x="0" y="4146681"/>
+            <a:ext cx="4073652" cy="2715768"/>
           </a:xfrm>
         </p:spPr>
       </p:pic>
       <p:pic>
         <p:nvPicPr>
-          <p:cNvPr id="8" name="Content Placeholder 6" descr="A screenshot of a cell phone&#10;&#10;Description generated with very high confidence">
-            <a:extLst>
-              <a:ext uri="{FF2B5EF4-FFF2-40B4-BE49-F238E27FC236}">
-                <a16:creationId xmlns:a16="http://schemas.microsoft.com/office/drawing/2014/main" id="{968E9687-C622-4530-BA5B-7F2E95490847}"/>
+          <p:cNvPr id="4" name="Content Placeholder 4">
+            <a:extLst>
+              <a:ext uri="{FF2B5EF4-FFF2-40B4-BE49-F238E27FC236}">
+                <a16:creationId xmlns:a16="http://schemas.microsoft.com/office/drawing/2014/main" id="{9CEABF51-7D0B-454B-9D97-8A53BAA62BB8}"/>
               </a:ext>
             </a:extLst>
           </p:cNvPr>
@@ -6105,8 +6157,8 @@
         </p:blipFill>
         <p:spPr>
           <a:xfrm>
-            <a:off x="4157669" y="1593902"/>
-            <a:ext cx="4063221" cy="2708814"/>
+            <a:off x="3772523" y="4151258"/>
+            <a:ext cx="4526228" cy="2711191"/>
           </a:xfrm>
           <a:prstGeom prst="rect">
             <a:avLst/>
@@ -6115,10 +6167,10 @@
       </p:pic>
       <p:pic>
         <p:nvPicPr>
-          <p:cNvPr id="9" name="Content Placeholder 6" descr="A screenshot of a cell phone&#10;&#10;Description generated with very high confidence">
-            <a:extLst>
-              <a:ext uri="{FF2B5EF4-FFF2-40B4-BE49-F238E27FC236}">
-                <a16:creationId xmlns:a16="http://schemas.microsoft.com/office/drawing/2014/main" id="{BD7D426B-74D0-4A24-B9D3-C294D24C5576}"/>
+          <p:cNvPr id="6" name="Content Placeholder 4">
+            <a:extLst>
+              <a:ext uri="{FF2B5EF4-FFF2-40B4-BE49-F238E27FC236}">
+                <a16:creationId xmlns:a16="http://schemas.microsoft.com/office/drawing/2014/main" id="{2ADA9752-A5B8-42A4-B558-C66AB7EEF50D}"/>
               </a:ext>
             </a:extLst>
           </p:cNvPr>
@@ -6141,8 +6193,8 @@
         </p:blipFill>
         <p:spPr>
           <a:xfrm>
-            <a:off x="8034332" y="1554567"/>
-            <a:ext cx="4063221" cy="2708814"/>
+            <a:off x="8125213" y="4151258"/>
+            <a:ext cx="4066787" cy="2711191"/>
           </a:xfrm>
           <a:prstGeom prst="rect">
             <a:avLst/>
@@ -6151,10 +6203,10 @@
       </p:pic>
       <p:sp>
         <p:nvSpPr>
-          <p:cNvPr id="10" name="Content Placeholder 2">
-            <a:extLst>
-              <a:ext uri="{FF2B5EF4-FFF2-40B4-BE49-F238E27FC236}">
-                <a16:creationId xmlns:a16="http://schemas.microsoft.com/office/drawing/2014/main" id="{6F8E1C0B-C235-4EAE-B719-9C1C2AB197D7}"/>
+          <p:cNvPr id="8" name="Title 1">
+            <a:extLst>
+              <a:ext uri="{FF2B5EF4-FFF2-40B4-BE49-F238E27FC236}">
+                <a16:creationId xmlns:a16="http://schemas.microsoft.com/office/drawing/2014/main" id="{D938EB6C-19EF-46C4-BEEC-AB0BFA66CB03}"/>
               </a:ext>
             </a:extLst>
           </p:cNvPr>
@@ -6165,16 +6217,70 @@
         </p:nvSpPr>
         <p:spPr>
           <a:xfrm>
-            <a:off x="1475267" y="4834193"/>
-            <a:ext cx="9241465" cy="1812922"/>
+            <a:off x="0" y="0"/>
+            <a:ext cx="12190476" cy="1143000"/>
           </a:xfrm>
           <a:prstGeom prst="rect">
             <a:avLst/>
           </a:prstGeom>
         </p:spPr>
         <p:txBody>
+          <a:bodyPr vert="horz" lIns="91440" tIns="45720" rIns="91440" bIns="45720" rtlCol="0" anchor="ctr">
+            <a:noAutofit/>
+          </a:bodyPr>
+          <a:lstStyle>
+            <a:lvl1pPr algn="l" defTabSz="914400" rtl="0" eaLnBrk="1" latinLnBrk="0" hangingPunct="1">
+              <a:lnSpc>
+                <a:spcPct val="90000"/>
+              </a:lnSpc>
+              <a:spcBef>
+                <a:spcPct val="0"/>
+              </a:spcBef>
+              <a:buNone/>
+              <a:defRPr sz="4400" kern="1200">
+                <a:solidFill>
+                  <a:schemeClr val="tx1"/>
+                </a:solidFill>
+                <a:latin typeface="+mj-lt"/>
+                <a:ea typeface="+mj-ea"/>
+                <a:cs typeface="+mj-cs"/>
+              </a:defRPr>
+            </a:lvl1pPr>
+          </a:lstStyle>
+          <a:p>
+            <a:r>
+              <a:rPr lang="en-US" b="1" dirty="0"/>
+              <a:t>Gender Breakdown</a:t>
+            </a:r>
+          </a:p>
+        </p:txBody>
+      </p:sp>
+      <p:sp>
+        <p:nvSpPr>
+          <p:cNvPr id="10" name="Content Placeholder 2">
+            <a:extLst>
+              <a:ext uri="{FF2B5EF4-FFF2-40B4-BE49-F238E27FC236}">
+                <a16:creationId xmlns:a16="http://schemas.microsoft.com/office/drawing/2014/main" id="{C125A141-56BF-4C25-9BFC-DC585242CF2E}"/>
+              </a:ext>
+            </a:extLst>
+          </p:cNvPr>
+          <p:cNvSpPr txBox="1">
+            <a:spLocks/>
+          </p:cNvSpPr>
+          <p:nvPr/>
+        </p:nvSpPr>
+        <p:spPr>
+          <a:xfrm>
+            <a:off x="1524" y="1143000"/>
+            <a:ext cx="12188952" cy="5714999"/>
+          </a:xfrm>
+          <a:prstGeom prst="rect">
+            <a:avLst/>
+          </a:prstGeom>
+        </p:spPr>
+        <p:txBody>
           <a:bodyPr vert="horz" lIns="91440" tIns="45720" rIns="91440" bIns="45720" rtlCol="0">
-            <a:normAutofit fontScale="62500" lnSpcReduction="20000"/>
+            <a:normAutofit/>
           </a:bodyPr>
           <a:lstStyle>
             <a:lvl1pPr marL="228600" indent="-228600" algn="l" defTabSz="914400" rtl="0" eaLnBrk="1" latinLnBrk="0" hangingPunct="1">
@@ -6341,39 +6447,29 @@
             </a:lvl9pPr>
           </a:lstStyle>
           <a:p>
-            <a:endParaRPr lang="en-US" sz="4000" dirty="0"/>
-          </a:p>
-          <a:p>
-            <a:r>
-              <a:rPr lang="en-US" sz="4000" dirty="0"/>
-              <a:t>Good superheroes generate more sales</a:t>
-            </a:r>
-          </a:p>
-          <a:p>
-            <a:r>
-              <a:rPr lang="en-US" sz="4000" dirty="0"/>
-              <a:t>No correlation between good or bad superhero in viewer ratings</a:t>
-            </a:r>
-          </a:p>
-          <a:p>
-            <a:r>
-              <a:rPr lang="en-US" sz="4000" dirty="0" err="1"/>
-              <a:t>Pvalue</a:t>
-            </a:r>
-            <a:r>
-              <a:rPr lang="en-US" sz="4000" dirty="0"/>
-              <a:t>= 0.8439</a:t>
-            </a:r>
-          </a:p>
-          <a:p>
-            <a:endParaRPr lang="en-US" dirty="0"/>
+            <a:r>
+              <a:rPr lang="en-US" sz="3600" dirty="0"/>
+              <a:t>Female led movies resulted in higher sales</a:t>
+            </a:r>
+          </a:p>
+          <a:p>
+            <a:r>
+              <a:rPr lang="en-US" sz="3600" dirty="0"/>
+              <a:t>No correlation between viewer ratings and gender</a:t>
+            </a:r>
+          </a:p>
+          <a:p>
+            <a:r>
+              <a:rPr lang="en-US" sz="3600" dirty="0"/>
+              <a:t>p-value = 0.2019</a:t>
+            </a:r>
           </a:p>
         </p:txBody>
       </p:sp>
     </p:spTree>
     <p:extLst>
       <p:ext uri="{BB962C8B-B14F-4D97-AF65-F5344CB8AC3E}">
-        <p14:creationId xmlns:p14="http://schemas.microsoft.com/office/powerpoint/2010/main" val="963660623"/>
+        <p14:creationId xmlns:p14="http://schemas.microsoft.com/office/powerpoint/2010/main" val="27151563"/>
       </p:ext>
     </p:extLst>
   </p:cSld>
@@ -6400,40 +6496,12 @@
           <a:chExt cx="0" cy="0"/>
         </a:xfrm>
       </p:grpSpPr>
-      <p:sp>
-        <p:nvSpPr>
-          <p:cNvPr id="2" name="Title 1">
-            <a:extLst>
-              <a:ext uri="{FF2B5EF4-FFF2-40B4-BE49-F238E27FC236}">
-                <a16:creationId xmlns:a16="http://schemas.microsoft.com/office/drawing/2014/main" id="{8680DFD6-28E1-4BE7-A82C-531694124C5C}"/>
-              </a:ext>
-            </a:extLst>
-          </p:cNvPr>
-          <p:cNvSpPr>
-            <a:spLocks noGrp="1"/>
-          </p:cNvSpPr>
-          <p:nvPr>
-            <p:ph type="title"/>
-          </p:nvPr>
-        </p:nvSpPr>
-        <p:spPr/>
-        <p:txBody>
-          <a:bodyPr/>
-          <a:lstStyle/>
-          <a:p>
-            <a:r>
-              <a:rPr lang="en-US" dirty="0"/>
-              <a:t>Race (human vs. non-human) Breakdown</a:t>
-            </a:r>
-          </a:p>
-        </p:txBody>
-      </p:sp>
       <p:pic>
         <p:nvPicPr>
           <p:cNvPr id="7" name="Content Placeholder 6" descr="A close up of a logo&#10;&#10;Description generated with high confidence">
             <a:extLst>
               <a:ext uri="{FF2B5EF4-FFF2-40B4-BE49-F238E27FC236}">
-                <a16:creationId xmlns:a16="http://schemas.microsoft.com/office/drawing/2014/main" id="{D59AC0ED-CFC4-49DB-9D97-6BED09307FD5}"/>
+                <a16:creationId xmlns:a16="http://schemas.microsoft.com/office/drawing/2014/main" id="{9B0DCF17-C0FF-47A0-A4EC-61D79DAAEC1D}"/>
               </a:ext>
             </a:extLst>
           </p:cNvPr>
@@ -6445,7 +6513,7 @@
           </p:nvPr>
         </p:nvPicPr>
         <p:blipFill>
-          <a:blip r:embed="rId2">
+          <a:blip r:embed="rId3">
             <a:extLst>
               <a:ext uri="{28A0092B-C50C-407E-A947-70E740481C1C}">
                 <a14:useLocalDpi xmlns:a14="http://schemas.microsoft.com/office/drawing/2010/main" val="0"/>
@@ -6458,8 +6526,8 @@
         </p:blipFill>
         <p:spPr>
           <a:xfrm>
-            <a:off x="-693958" y="1544664"/>
-            <a:ext cx="4537184" cy="3024789"/>
+            <a:off x="0" y="4161481"/>
+            <a:ext cx="4059936" cy="2706624"/>
           </a:xfrm>
         </p:spPr>
       </p:pic>
@@ -6468,7 +6536,7 @@
           <p:cNvPr id="8" name="Content Placeholder 6" descr="A screenshot of a cell phone&#10;&#10;Description generated with very high confidence">
             <a:extLst>
               <a:ext uri="{FF2B5EF4-FFF2-40B4-BE49-F238E27FC236}">
-                <a16:creationId xmlns:a16="http://schemas.microsoft.com/office/drawing/2014/main" id="{972BC191-8C5B-4D73-8442-D235D2B2760E}"/>
+                <a16:creationId xmlns:a16="http://schemas.microsoft.com/office/drawing/2014/main" id="{968E9687-C622-4530-BA5B-7F2E95490847}"/>
               </a:ext>
             </a:extLst>
           </p:cNvPr>
@@ -6478,7 +6546,7 @@
           <p:nvPr/>
         </p:nvPicPr>
         <p:blipFill>
-          <a:blip r:embed="rId3">
+          <a:blip r:embed="rId4">
             <a:extLst>
               <a:ext uri="{28A0092B-C50C-407E-A947-70E740481C1C}">
                 <a14:useLocalDpi xmlns:a14="http://schemas.microsoft.com/office/drawing/2010/main" val="0"/>
@@ -6491,8 +6559,8 @@
         </p:blipFill>
         <p:spPr>
           <a:xfrm>
-            <a:off x="3843226" y="1611830"/>
-            <a:ext cx="4316821" cy="2877880"/>
+            <a:off x="4070604" y="4161481"/>
+            <a:ext cx="4059936" cy="2706624"/>
           </a:xfrm>
           <a:prstGeom prst="rect">
             <a:avLst/>
@@ -6504,7 +6572,7 @@
           <p:cNvPr id="9" name="Content Placeholder 6" descr="A screenshot of a cell phone&#10;&#10;Description generated with very high confidence">
             <a:extLst>
               <a:ext uri="{FF2B5EF4-FFF2-40B4-BE49-F238E27FC236}">
-                <a16:creationId xmlns:a16="http://schemas.microsoft.com/office/drawing/2014/main" id="{9E0BF771-655F-4EAC-BEEB-A6AECB610A68}"/>
+                <a16:creationId xmlns:a16="http://schemas.microsoft.com/office/drawing/2014/main" id="{BD7D426B-74D0-4A24-B9D3-C294D24C5576}"/>
               </a:ext>
             </a:extLst>
           </p:cNvPr>
@@ -6514,7 +6582,7 @@
           <p:nvPr/>
         </p:nvPicPr>
         <p:blipFill>
-          <a:blip r:embed="rId4">
+          <a:blip r:embed="rId5">
             <a:extLst>
               <a:ext uri="{28A0092B-C50C-407E-A947-70E740481C1C}">
                 <a14:useLocalDpi xmlns:a14="http://schemas.microsoft.com/office/drawing/2010/main" val="0"/>
@@ -6527,8 +6595,8 @@
         </p:blipFill>
         <p:spPr>
           <a:xfrm>
-            <a:off x="8111755" y="1690688"/>
-            <a:ext cx="4080245" cy="2720163"/>
+            <a:off x="8128779" y="4159291"/>
+            <a:ext cx="4063221" cy="2708814"/>
           </a:xfrm>
           <a:prstGeom prst="rect">
             <a:avLst/>
@@ -6537,10 +6605,10 @@
       </p:pic>
       <p:sp>
         <p:nvSpPr>
-          <p:cNvPr id="10" name="Content Placeholder 2">
-            <a:extLst>
-              <a:ext uri="{FF2B5EF4-FFF2-40B4-BE49-F238E27FC236}">
-                <a16:creationId xmlns:a16="http://schemas.microsoft.com/office/drawing/2014/main" id="{EAF37D5B-09CC-4DB0-8F5C-B06BDDCB55CA}"/>
+          <p:cNvPr id="11" name="Title 1">
+            <a:extLst>
+              <a:ext uri="{FF2B5EF4-FFF2-40B4-BE49-F238E27FC236}">
+                <a16:creationId xmlns:a16="http://schemas.microsoft.com/office/drawing/2014/main" id="{4AD5DF19-D64A-405C-8D55-B9CE682C9DE0}"/>
               </a:ext>
             </a:extLst>
           </p:cNvPr>
@@ -6551,16 +6619,70 @@
         </p:nvSpPr>
         <p:spPr>
           <a:xfrm>
-            <a:off x="933894" y="4393619"/>
-            <a:ext cx="10515600" cy="1839433"/>
+            <a:off x="0" y="0"/>
+            <a:ext cx="12190476" cy="1143000"/>
           </a:xfrm>
           <a:prstGeom prst="rect">
             <a:avLst/>
           </a:prstGeom>
         </p:spPr>
         <p:txBody>
+          <a:bodyPr vert="horz" lIns="91440" tIns="45720" rIns="91440" bIns="45720" rtlCol="0" anchor="ctr">
+            <a:noAutofit/>
+          </a:bodyPr>
+          <a:lstStyle>
+            <a:lvl1pPr algn="l" defTabSz="914400" rtl="0" eaLnBrk="1" latinLnBrk="0" hangingPunct="1">
+              <a:lnSpc>
+                <a:spcPct val="90000"/>
+              </a:lnSpc>
+              <a:spcBef>
+                <a:spcPct val="0"/>
+              </a:spcBef>
+              <a:buNone/>
+              <a:defRPr sz="4400" kern="1200">
+                <a:solidFill>
+                  <a:schemeClr val="tx1"/>
+                </a:solidFill>
+                <a:latin typeface="+mj-lt"/>
+                <a:ea typeface="+mj-ea"/>
+                <a:cs typeface="+mj-cs"/>
+              </a:defRPr>
+            </a:lvl1pPr>
+          </a:lstStyle>
+          <a:p>
+            <a:r>
+              <a:rPr lang="en-US" b="1" dirty="0"/>
+              <a:t>Alignment Breakdown (Good vs. Bad Vs. Neutral)</a:t>
+            </a:r>
+          </a:p>
+        </p:txBody>
+      </p:sp>
+      <p:sp>
+        <p:nvSpPr>
+          <p:cNvPr id="12" name="Content Placeholder 2">
+            <a:extLst>
+              <a:ext uri="{FF2B5EF4-FFF2-40B4-BE49-F238E27FC236}">
+                <a16:creationId xmlns:a16="http://schemas.microsoft.com/office/drawing/2014/main" id="{36B977D1-39E4-4654-9AB5-0B35A164A166}"/>
+              </a:ext>
+            </a:extLst>
+          </p:cNvPr>
+          <p:cNvSpPr txBox="1">
+            <a:spLocks/>
+          </p:cNvSpPr>
+          <p:nvPr/>
+        </p:nvSpPr>
+        <p:spPr>
+          <a:xfrm>
+            <a:off x="1524" y="1143000"/>
+            <a:ext cx="12188952" cy="5714999"/>
+          </a:xfrm>
+          <a:prstGeom prst="rect">
+            <a:avLst/>
+          </a:prstGeom>
+        </p:spPr>
+        <p:txBody>
           <a:bodyPr vert="horz" lIns="91440" tIns="45720" rIns="91440" bIns="45720" rtlCol="0">
-            <a:normAutofit fontScale="77500" lnSpcReduction="20000"/>
+            <a:normAutofit/>
           </a:bodyPr>
           <a:lstStyle>
             <a:lvl1pPr marL="228600" indent="-228600" algn="l" defTabSz="914400" rtl="0" eaLnBrk="1" latinLnBrk="0" hangingPunct="1">
@@ -6727,28 +6849,21 @@
             </a:lvl9pPr>
           </a:lstStyle>
           <a:p>
-            <a:endParaRPr lang="en-US" sz="4000" dirty="0"/>
-          </a:p>
-          <a:p>
-            <a:r>
-              <a:rPr lang="en-US" sz="4000" dirty="0"/>
-              <a:t>Human superheroes generate more box office sales</a:t>
-            </a:r>
-          </a:p>
-          <a:p>
-            <a:r>
-              <a:rPr lang="en-US" sz="4000" dirty="0"/>
-              <a:t>No correlation in viewer ratings based on race</a:t>
-            </a:r>
-          </a:p>
-          <a:p>
-            <a:r>
-              <a:rPr lang="en-US" sz="4000" dirty="0" err="1"/>
-              <a:t>Pvalue</a:t>
-            </a:r>
-            <a:r>
-              <a:rPr lang="en-US" sz="4000" dirty="0"/>
-              <a:t>= 0.7939</a:t>
+            <a:r>
+              <a:rPr lang="en-US" sz="3600" dirty="0"/>
+              <a:t>Good superheroes generate more sales</a:t>
+            </a:r>
+          </a:p>
+          <a:p>
+            <a:r>
+              <a:rPr lang="en-US" sz="3600" dirty="0"/>
+              <a:t>No correlation between good or bad superhero in viewer ratings</a:t>
+            </a:r>
+          </a:p>
+          <a:p>
+            <a:r>
+              <a:rPr lang="en-US" sz="3600" dirty="0"/>
+              <a:t>p-value = 0.8439</a:t>
             </a:r>
           </a:p>
         </p:txBody>
@@ -6756,7 +6871,7 @@
     </p:spTree>
     <p:extLst>
       <p:ext uri="{BB962C8B-B14F-4D97-AF65-F5344CB8AC3E}">
-        <p14:creationId xmlns:p14="http://schemas.microsoft.com/office/powerpoint/2010/main" val="3897819111"/>
+        <p14:creationId xmlns:p14="http://schemas.microsoft.com/office/powerpoint/2010/main" val="963660623"/>
       </p:ext>
     </p:extLst>
   </p:cSld>
@@ -6783,69 +6898,374 @@
           <a:chExt cx="0" cy="0"/>
         </a:xfrm>
       </p:grpSpPr>
-      <p:sp>
-        <p:nvSpPr>
-          <p:cNvPr id="2" name="Title 1">
-            <a:extLst>
-              <a:ext uri="{FF2B5EF4-FFF2-40B4-BE49-F238E27FC236}">
-                <a16:creationId xmlns:a16="http://schemas.microsoft.com/office/drawing/2014/main" id="{3FDCE3D4-0695-44A1-BD9D-7634967AE5AB}"/>
-              </a:ext>
-            </a:extLst>
-          </p:cNvPr>
-          <p:cNvSpPr>
-            <a:spLocks noGrp="1"/>
-          </p:cNvSpPr>
-          <p:nvPr>
-            <p:ph type="title"/>
-          </p:nvPr>
-        </p:nvSpPr>
-        <p:spPr>
-          <a:xfrm>
-            <a:off x="417095" y="365125"/>
-            <a:ext cx="11421979" cy="1325563"/>
-          </a:xfrm>
-        </p:spPr>
-        <p:txBody>
-          <a:bodyPr/>
-          <a:lstStyle/>
-          <a:p>
-            <a:r>
-              <a:rPr lang="en-US" dirty="0"/>
-              <a:t>Superhero Movies and International Sales Trends</a:t>
-            </a:r>
-          </a:p>
-        </p:txBody>
-      </p:sp>
-      <p:sp>
-        <p:nvSpPr>
-          <p:cNvPr id="3" name="Content Placeholder 2">
-            <a:extLst>
-              <a:ext uri="{FF2B5EF4-FFF2-40B4-BE49-F238E27FC236}">
-                <a16:creationId xmlns:a16="http://schemas.microsoft.com/office/drawing/2014/main" id="{7C09EFB9-83B8-4AEF-8724-532587B9AAD7}"/>
-              </a:ext>
-            </a:extLst>
-          </p:cNvPr>
-          <p:cNvSpPr>
-            <a:spLocks noGrp="1"/>
-          </p:cNvSpPr>
+      <p:pic>
+        <p:nvPicPr>
+          <p:cNvPr id="7" name="Content Placeholder 6" descr="A close up of a logo&#10;&#10;Description generated with high confidence">
+            <a:extLst>
+              <a:ext uri="{FF2B5EF4-FFF2-40B4-BE49-F238E27FC236}">
+                <a16:creationId xmlns:a16="http://schemas.microsoft.com/office/drawing/2014/main" id="{D59AC0ED-CFC4-49DB-9D97-6BED09307FD5}"/>
+              </a:ext>
+            </a:extLst>
+          </p:cNvPr>
+          <p:cNvPicPr>
+            <a:picLocks noGrp="1" noChangeAspect="1"/>
+          </p:cNvPicPr>
           <p:nvPr>
             <p:ph idx="1"/>
           </p:nvPr>
-        </p:nvSpPr>
-        <p:spPr/>
-        <p:txBody>
-          <a:bodyPr/>
-          <a:lstStyle/>
-          <a:p>
-            <a:r>
-              <a:rPr lang="en-US" dirty="0"/>
-              <a:t>Selected two movies from each attribute that had similar inflation adjusted sales and ratings.</a:t>
-            </a:r>
-          </a:p>
-          <a:p>
-            <a:r>
-              <a:rPr lang="en-US" dirty="0"/>
-              <a:t>Compared international sales trends for each movie. </a:t>
+        </p:nvPicPr>
+        <p:blipFill>
+          <a:blip r:embed="rId2">
+            <a:extLst>
+              <a:ext uri="{28A0092B-C50C-407E-A947-70E740481C1C}">
+                <a14:useLocalDpi xmlns:a14="http://schemas.microsoft.com/office/drawing/2010/main" val="0"/>
+              </a:ext>
+            </a:extLst>
+          </a:blip>
+          <a:stretch>
+            <a:fillRect/>
+          </a:stretch>
+        </p:blipFill>
+        <p:spPr>
+          <a:xfrm>
+            <a:off x="0" y="4155940"/>
+            <a:ext cx="4059936" cy="2706624"/>
+          </a:xfrm>
+        </p:spPr>
+      </p:pic>
+      <p:pic>
+        <p:nvPicPr>
+          <p:cNvPr id="8" name="Content Placeholder 6" descr="A screenshot of a cell phone&#10;&#10;Description generated with very high confidence">
+            <a:extLst>
+              <a:ext uri="{FF2B5EF4-FFF2-40B4-BE49-F238E27FC236}">
+                <a16:creationId xmlns:a16="http://schemas.microsoft.com/office/drawing/2014/main" id="{972BC191-8C5B-4D73-8442-D235D2B2760E}"/>
+              </a:ext>
+            </a:extLst>
+          </p:cNvPr>
+          <p:cNvPicPr>
+            <a:picLocks noChangeAspect="1"/>
+          </p:cNvPicPr>
+          <p:nvPr/>
+        </p:nvPicPr>
+        <p:blipFill>
+          <a:blip r:embed="rId3">
+            <a:extLst>
+              <a:ext uri="{28A0092B-C50C-407E-A947-70E740481C1C}">
+                <a14:useLocalDpi xmlns:a14="http://schemas.microsoft.com/office/drawing/2010/main" val="0"/>
+              </a:ext>
+            </a:extLst>
+          </a:blip>
+          <a:stretch>
+            <a:fillRect/>
+          </a:stretch>
+        </p:blipFill>
+        <p:spPr>
+          <a:xfrm>
+            <a:off x="4055878" y="4155941"/>
+            <a:ext cx="4059936" cy="2706623"/>
+          </a:xfrm>
+          <a:prstGeom prst="rect">
+            <a:avLst/>
+          </a:prstGeom>
+        </p:spPr>
+      </p:pic>
+      <p:pic>
+        <p:nvPicPr>
+          <p:cNvPr id="9" name="Content Placeholder 6" descr="A screenshot of a cell phone&#10;&#10;Description generated with very high confidence">
+            <a:extLst>
+              <a:ext uri="{FF2B5EF4-FFF2-40B4-BE49-F238E27FC236}">
+                <a16:creationId xmlns:a16="http://schemas.microsoft.com/office/drawing/2014/main" id="{9E0BF771-655F-4EAC-BEEB-A6AECB610A68}"/>
+              </a:ext>
+            </a:extLst>
+          </p:cNvPr>
+          <p:cNvPicPr>
+            <a:picLocks noChangeAspect="1"/>
+          </p:cNvPicPr>
+          <p:nvPr/>
+        </p:nvPicPr>
+        <p:blipFill>
+          <a:blip r:embed="rId4">
+            <a:extLst>
+              <a:ext uri="{28A0092B-C50C-407E-A947-70E740481C1C}">
+                <a14:useLocalDpi xmlns:a14="http://schemas.microsoft.com/office/drawing/2010/main" val="0"/>
+              </a:ext>
+            </a:extLst>
+          </a:blip>
+          <a:stretch>
+            <a:fillRect/>
+          </a:stretch>
+        </p:blipFill>
+        <p:spPr>
+          <a:xfrm>
+            <a:off x="8111755" y="4155940"/>
+            <a:ext cx="4059936" cy="2706624"/>
+          </a:xfrm>
+          <a:prstGeom prst="rect">
+            <a:avLst/>
+          </a:prstGeom>
+        </p:spPr>
+      </p:pic>
+      <p:sp>
+        <p:nvSpPr>
+          <p:cNvPr id="11" name="Title 1">
+            <a:extLst>
+              <a:ext uri="{FF2B5EF4-FFF2-40B4-BE49-F238E27FC236}">
+                <a16:creationId xmlns:a16="http://schemas.microsoft.com/office/drawing/2014/main" id="{C2703F49-28D8-4B29-AED0-22C264B97CA3}"/>
+              </a:ext>
+            </a:extLst>
+          </p:cNvPr>
+          <p:cNvSpPr txBox="1">
+            <a:spLocks/>
+          </p:cNvSpPr>
+          <p:nvPr/>
+        </p:nvSpPr>
+        <p:spPr>
+          <a:xfrm>
+            <a:off x="0" y="0"/>
+            <a:ext cx="12190476" cy="1143000"/>
+          </a:xfrm>
+          <a:prstGeom prst="rect">
+            <a:avLst/>
+          </a:prstGeom>
+        </p:spPr>
+        <p:txBody>
+          <a:bodyPr vert="horz" lIns="91440" tIns="45720" rIns="91440" bIns="45720" rtlCol="0" anchor="ctr">
+            <a:noAutofit/>
+          </a:bodyPr>
+          <a:lstStyle>
+            <a:lvl1pPr algn="l" defTabSz="914400" rtl="0" eaLnBrk="1" latinLnBrk="0" hangingPunct="1">
+              <a:lnSpc>
+                <a:spcPct val="90000"/>
+              </a:lnSpc>
+              <a:spcBef>
+                <a:spcPct val="0"/>
+              </a:spcBef>
+              <a:buNone/>
+              <a:defRPr sz="4400" kern="1200">
+                <a:solidFill>
+                  <a:schemeClr val="tx1"/>
+                </a:solidFill>
+                <a:latin typeface="+mj-lt"/>
+                <a:ea typeface="+mj-ea"/>
+                <a:cs typeface="+mj-cs"/>
+              </a:defRPr>
+            </a:lvl1pPr>
+          </a:lstStyle>
+          <a:p>
+            <a:r>
+              <a:rPr lang="en-US" b="1" dirty="0"/>
+              <a:t>Race Breakdown (Human vs. Non-Human)</a:t>
+            </a:r>
+          </a:p>
+        </p:txBody>
+      </p:sp>
+      <p:sp>
+        <p:nvSpPr>
+          <p:cNvPr id="12" name="Content Placeholder 2">
+            <a:extLst>
+              <a:ext uri="{FF2B5EF4-FFF2-40B4-BE49-F238E27FC236}">
+                <a16:creationId xmlns:a16="http://schemas.microsoft.com/office/drawing/2014/main" id="{BE0C4841-69F4-4D50-B75A-3455D4D73288}"/>
+              </a:ext>
+            </a:extLst>
+          </p:cNvPr>
+          <p:cNvSpPr txBox="1">
+            <a:spLocks/>
+          </p:cNvSpPr>
+          <p:nvPr/>
+        </p:nvSpPr>
+        <p:spPr>
+          <a:xfrm>
+            <a:off x="1524" y="1143000"/>
+            <a:ext cx="12188952" cy="5714999"/>
+          </a:xfrm>
+          <a:prstGeom prst="rect">
+            <a:avLst/>
+          </a:prstGeom>
+        </p:spPr>
+        <p:txBody>
+          <a:bodyPr vert="horz" lIns="91440" tIns="45720" rIns="91440" bIns="45720" rtlCol="0">
+            <a:normAutofit/>
+          </a:bodyPr>
+          <a:lstStyle>
+            <a:lvl1pPr marL="228600" indent="-228600" algn="l" defTabSz="914400" rtl="0" eaLnBrk="1" latinLnBrk="0" hangingPunct="1">
+              <a:lnSpc>
+                <a:spcPct val="90000"/>
+              </a:lnSpc>
+              <a:spcBef>
+                <a:spcPts val="1000"/>
+              </a:spcBef>
+              <a:buFont typeface="Arial" panose="020B0604020202020204" pitchFamily="34" charset="0"/>
+              <a:buChar char="•"/>
+              <a:defRPr sz="2800" kern="1200">
+                <a:solidFill>
+                  <a:schemeClr val="tx1"/>
+                </a:solidFill>
+                <a:latin typeface="+mn-lt"/>
+                <a:ea typeface="+mn-ea"/>
+                <a:cs typeface="+mn-cs"/>
+              </a:defRPr>
+            </a:lvl1pPr>
+            <a:lvl2pPr marL="685800" indent="-228600" algn="l" defTabSz="914400" rtl="0" eaLnBrk="1" latinLnBrk="0" hangingPunct="1">
+              <a:lnSpc>
+                <a:spcPct val="90000"/>
+              </a:lnSpc>
+              <a:spcBef>
+                <a:spcPts val="500"/>
+              </a:spcBef>
+              <a:buFont typeface="Arial" panose="020B0604020202020204" pitchFamily="34" charset="0"/>
+              <a:buChar char="•"/>
+              <a:defRPr sz="2400" kern="1200">
+                <a:solidFill>
+                  <a:schemeClr val="tx1"/>
+                </a:solidFill>
+                <a:latin typeface="+mn-lt"/>
+                <a:ea typeface="+mn-ea"/>
+                <a:cs typeface="+mn-cs"/>
+              </a:defRPr>
+            </a:lvl2pPr>
+            <a:lvl3pPr marL="1143000" indent="-228600" algn="l" defTabSz="914400" rtl="0" eaLnBrk="1" latinLnBrk="0" hangingPunct="1">
+              <a:lnSpc>
+                <a:spcPct val="90000"/>
+              </a:lnSpc>
+              <a:spcBef>
+                <a:spcPts val="500"/>
+              </a:spcBef>
+              <a:buFont typeface="Arial" panose="020B0604020202020204" pitchFamily="34" charset="0"/>
+              <a:buChar char="•"/>
+              <a:defRPr sz="2000" kern="1200">
+                <a:solidFill>
+                  <a:schemeClr val="tx1"/>
+                </a:solidFill>
+                <a:latin typeface="+mn-lt"/>
+                <a:ea typeface="+mn-ea"/>
+                <a:cs typeface="+mn-cs"/>
+              </a:defRPr>
+            </a:lvl3pPr>
+            <a:lvl4pPr marL="1600200" indent="-228600" algn="l" defTabSz="914400" rtl="0" eaLnBrk="1" latinLnBrk="0" hangingPunct="1">
+              <a:lnSpc>
+                <a:spcPct val="90000"/>
+              </a:lnSpc>
+              <a:spcBef>
+                <a:spcPts val="500"/>
+              </a:spcBef>
+              <a:buFont typeface="Arial" panose="020B0604020202020204" pitchFamily="34" charset="0"/>
+              <a:buChar char="•"/>
+              <a:defRPr sz="1800" kern="1200">
+                <a:solidFill>
+                  <a:schemeClr val="tx1"/>
+                </a:solidFill>
+                <a:latin typeface="+mn-lt"/>
+                <a:ea typeface="+mn-ea"/>
+                <a:cs typeface="+mn-cs"/>
+              </a:defRPr>
+            </a:lvl4pPr>
+            <a:lvl5pPr marL="2057400" indent="-228600" algn="l" defTabSz="914400" rtl="0" eaLnBrk="1" latinLnBrk="0" hangingPunct="1">
+              <a:lnSpc>
+                <a:spcPct val="90000"/>
+              </a:lnSpc>
+              <a:spcBef>
+                <a:spcPts val="500"/>
+              </a:spcBef>
+              <a:buFont typeface="Arial" panose="020B0604020202020204" pitchFamily="34" charset="0"/>
+              <a:buChar char="•"/>
+              <a:defRPr sz="1800" kern="1200">
+                <a:solidFill>
+                  <a:schemeClr val="tx1"/>
+                </a:solidFill>
+                <a:latin typeface="+mn-lt"/>
+                <a:ea typeface="+mn-ea"/>
+                <a:cs typeface="+mn-cs"/>
+              </a:defRPr>
+            </a:lvl5pPr>
+            <a:lvl6pPr marL="2514600" indent="-228600" algn="l" defTabSz="914400" rtl="0" eaLnBrk="1" latinLnBrk="0" hangingPunct="1">
+              <a:lnSpc>
+                <a:spcPct val="90000"/>
+              </a:lnSpc>
+              <a:spcBef>
+                <a:spcPts val="500"/>
+              </a:spcBef>
+              <a:buFont typeface="Arial" panose="020B0604020202020204" pitchFamily="34" charset="0"/>
+              <a:buChar char="•"/>
+              <a:defRPr sz="1800" kern="1200">
+                <a:solidFill>
+                  <a:schemeClr val="tx1"/>
+                </a:solidFill>
+                <a:latin typeface="+mn-lt"/>
+                <a:ea typeface="+mn-ea"/>
+                <a:cs typeface="+mn-cs"/>
+              </a:defRPr>
+            </a:lvl6pPr>
+            <a:lvl7pPr marL="2971800" indent="-228600" algn="l" defTabSz="914400" rtl="0" eaLnBrk="1" latinLnBrk="0" hangingPunct="1">
+              <a:lnSpc>
+                <a:spcPct val="90000"/>
+              </a:lnSpc>
+              <a:spcBef>
+                <a:spcPts val="500"/>
+              </a:spcBef>
+              <a:buFont typeface="Arial" panose="020B0604020202020204" pitchFamily="34" charset="0"/>
+              <a:buChar char="•"/>
+              <a:defRPr sz="1800" kern="1200">
+                <a:solidFill>
+                  <a:schemeClr val="tx1"/>
+                </a:solidFill>
+                <a:latin typeface="+mn-lt"/>
+                <a:ea typeface="+mn-ea"/>
+                <a:cs typeface="+mn-cs"/>
+              </a:defRPr>
+            </a:lvl7pPr>
+            <a:lvl8pPr marL="3429000" indent="-228600" algn="l" defTabSz="914400" rtl="0" eaLnBrk="1" latinLnBrk="0" hangingPunct="1">
+              <a:lnSpc>
+                <a:spcPct val="90000"/>
+              </a:lnSpc>
+              <a:spcBef>
+                <a:spcPts val="500"/>
+              </a:spcBef>
+              <a:buFont typeface="Arial" panose="020B0604020202020204" pitchFamily="34" charset="0"/>
+              <a:buChar char="•"/>
+              <a:defRPr sz="1800" kern="1200">
+                <a:solidFill>
+                  <a:schemeClr val="tx1"/>
+                </a:solidFill>
+                <a:latin typeface="+mn-lt"/>
+                <a:ea typeface="+mn-ea"/>
+                <a:cs typeface="+mn-cs"/>
+              </a:defRPr>
+            </a:lvl8pPr>
+            <a:lvl9pPr marL="3886200" indent="-228600" algn="l" defTabSz="914400" rtl="0" eaLnBrk="1" latinLnBrk="0" hangingPunct="1">
+              <a:lnSpc>
+                <a:spcPct val="90000"/>
+              </a:lnSpc>
+              <a:spcBef>
+                <a:spcPts val="500"/>
+              </a:spcBef>
+              <a:buFont typeface="Arial" panose="020B0604020202020204" pitchFamily="34" charset="0"/>
+              <a:buChar char="•"/>
+              <a:defRPr sz="1800" kern="1200">
+                <a:solidFill>
+                  <a:schemeClr val="tx1"/>
+                </a:solidFill>
+                <a:latin typeface="+mn-lt"/>
+                <a:ea typeface="+mn-ea"/>
+                <a:cs typeface="+mn-cs"/>
+              </a:defRPr>
+            </a:lvl9pPr>
+          </a:lstStyle>
+          <a:p>
+            <a:r>
+              <a:rPr lang="en-US" sz="3600" dirty="0"/>
+              <a:t>Human superheroes generate more box office sales</a:t>
+            </a:r>
+          </a:p>
+          <a:p>
+            <a:r>
+              <a:rPr lang="en-US" sz="3600" dirty="0"/>
+              <a:t>No correlation in viewer ratings based on race</a:t>
+            </a:r>
+          </a:p>
+          <a:p>
+            <a:r>
+              <a:rPr lang="en-US" sz="3600" dirty="0"/>
+              <a:t>p-value = 0.7939</a:t>
             </a:r>
           </a:p>
         </p:txBody>
@@ -6853,7 +7273,7 @@
     </p:spTree>
     <p:extLst>
       <p:ext uri="{BB962C8B-B14F-4D97-AF65-F5344CB8AC3E}">
-        <p14:creationId xmlns:p14="http://schemas.microsoft.com/office/powerpoint/2010/main" val="1541669911"/>
+        <p14:creationId xmlns:p14="http://schemas.microsoft.com/office/powerpoint/2010/main" val="3897819111"/>
       </p:ext>
     </p:extLst>
   </p:cSld>
@@ -6882,78 +7302,267 @@
       </p:grpSpPr>
       <p:sp>
         <p:nvSpPr>
-          <p:cNvPr id="2" name="Title 1">
-            <a:extLst>
-              <a:ext uri="{FF2B5EF4-FFF2-40B4-BE49-F238E27FC236}">
-                <a16:creationId xmlns:a16="http://schemas.microsoft.com/office/drawing/2014/main" id="{BCE45D90-5717-4B5A-9175-A0AB58648D11}"/>
-              </a:ext>
-            </a:extLst>
-          </p:cNvPr>
-          <p:cNvSpPr>
-            <a:spLocks noGrp="1"/>
-          </p:cNvSpPr>
-          <p:nvPr>
-            <p:ph type="title"/>
-          </p:nvPr>
-        </p:nvSpPr>
-        <p:spPr/>
-        <p:txBody>
-          <a:bodyPr/>
-          <a:lstStyle/>
-          <a:p>
-            <a:r>
-              <a:rPr lang="en-US" dirty="0"/>
-              <a:t>Gender Comparison for International Sales</a:t>
-            </a:r>
-            <a:br>
-              <a:rPr lang="en-US" dirty="0"/>
-            </a:br>
-            <a:r>
-              <a:rPr lang="en-US" dirty="0"/>
-              <a:t>Wonder Woman</a:t>
-            </a:r>
-          </a:p>
-        </p:txBody>
-      </p:sp>
-      <p:pic>
-        <p:nvPicPr>
-          <p:cNvPr id="11" name="Content Placeholder 10">
-            <a:extLst>
-              <a:ext uri="{FF2B5EF4-FFF2-40B4-BE49-F238E27FC236}">
-                <a16:creationId xmlns:a16="http://schemas.microsoft.com/office/drawing/2014/main" id="{95388B76-FA44-4E5A-9011-690686F7926B}"/>
-              </a:ext>
-            </a:extLst>
-          </p:cNvPr>
-          <p:cNvPicPr>
-            <a:picLocks noGrp="1" noChangeAspect="1"/>
-          </p:cNvPicPr>
-          <p:nvPr>
-            <p:ph idx="1"/>
-          </p:nvPr>
-        </p:nvPicPr>
-        <p:blipFill>
-          <a:blip r:embed="rId2">
-            <a:extLst>
-              <a:ext uri="{28A0092B-C50C-407E-A947-70E740481C1C}">
-                <a14:useLocalDpi xmlns:a14="http://schemas.microsoft.com/office/drawing/2010/main" val="0"/>
-              </a:ext>
-            </a:extLst>
-          </a:blip>
-          <a:stretch>
-            <a:fillRect/>
-          </a:stretch>
-        </p:blipFill>
+          <p:cNvPr id="4" name="Title 1">
+            <a:extLst>
+              <a:ext uri="{FF2B5EF4-FFF2-40B4-BE49-F238E27FC236}">
+                <a16:creationId xmlns:a16="http://schemas.microsoft.com/office/drawing/2014/main" id="{3D6A817C-BEDF-4B89-8BF9-9AF5FBBB0A11}"/>
+              </a:ext>
+            </a:extLst>
+          </p:cNvPr>
+          <p:cNvSpPr txBox="1">
+            <a:spLocks/>
+          </p:cNvSpPr>
+          <p:nvPr/>
+        </p:nvSpPr>
         <p:spPr>
           <a:xfrm>
-            <a:off x="1547812" y="2167731"/>
-            <a:ext cx="9096375" cy="3667125"/>
+            <a:off x="0" y="0"/>
+            <a:ext cx="12190476" cy="1143000"/>
           </a:xfrm>
+          <a:prstGeom prst="rect">
+            <a:avLst/>
+          </a:prstGeom>
         </p:spPr>
-      </p:pic>
+        <p:txBody>
+          <a:bodyPr vert="horz" lIns="91440" tIns="45720" rIns="91440" bIns="45720" rtlCol="0" anchor="ctr">
+            <a:noAutofit/>
+          </a:bodyPr>
+          <a:lstStyle>
+            <a:lvl1pPr algn="l" defTabSz="914400" rtl="0" eaLnBrk="1" latinLnBrk="0" hangingPunct="1">
+              <a:lnSpc>
+                <a:spcPct val="90000"/>
+              </a:lnSpc>
+              <a:spcBef>
+                <a:spcPct val="0"/>
+              </a:spcBef>
+              <a:buNone/>
+              <a:defRPr sz="4400" kern="1200">
+                <a:solidFill>
+                  <a:schemeClr val="tx1"/>
+                </a:solidFill>
+                <a:latin typeface="+mj-lt"/>
+                <a:ea typeface="+mj-ea"/>
+                <a:cs typeface="+mj-cs"/>
+              </a:defRPr>
+            </a:lvl1pPr>
+          </a:lstStyle>
+          <a:p>
+            <a:r>
+              <a:rPr lang="en-US" b="1" dirty="0"/>
+              <a:t>Superhero Movies and International Sales Trends</a:t>
+            </a:r>
+          </a:p>
+        </p:txBody>
+      </p:sp>
+      <p:sp>
+        <p:nvSpPr>
+          <p:cNvPr id="5" name="Content Placeholder 2">
+            <a:extLst>
+              <a:ext uri="{FF2B5EF4-FFF2-40B4-BE49-F238E27FC236}">
+                <a16:creationId xmlns:a16="http://schemas.microsoft.com/office/drawing/2014/main" id="{D5E100D5-673E-4BB5-8ED4-C350FA365ECA}"/>
+              </a:ext>
+            </a:extLst>
+          </p:cNvPr>
+          <p:cNvSpPr txBox="1">
+            <a:spLocks/>
+          </p:cNvSpPr>
+          <p:nvPr/>
+        </p:nvSpPr>
+        <p:spPr>
+          <a:xfrm>
+            <a:off x="1524" y="1143000"/>
+            <a:ext cx="12188952" cy="5714999"/>
+          </a:xfrm>
+          <a:prstGeom prst="rect">
+            <a:avLst/>
+          </a:prstGeom>
+        </p:spPr>
+        <p:txBody>
+          <a:bodyPr vert="horz" lIns="91440" tIns="45720" rIns="91440" bIns="45720" rtlCol="0">
+            <a:normAutofit/>
+          </a:bodyPr>
+          <a:lstStyle>
+            <a:lvl1pPr marL="228600" indent="-228600" algn="l" defTabSz="914400" rtl="0" eaLnBrk="1" latinLnBrk="0" hangingPunct="1">
+              <a:lnSpc>
+                <a:spcPct val="90000"/>
+              </a:lnSpc>
+              <a:spcBef>
+                <a:spcPts val="1000"/>
+              </a:spcBef>
+              <a:buFont typeface="Arial" panose="020B0604020202020204" pitchFamily="34" charset="0"/>
+              <a:buChar char="•"/>
+              <a:defRPr sz="2800" kern="1200">
+                <a:solidFill>
+                  <a:schemeClr val="tx1"/>
+                </a:solidFill>
+                <a:latin typeface="+mn-lt"/>
+                <a:ea typeface="+mn-ea"/>
+                <a:cs typeface="+mn-cs"/>
+              </a:defRPr>
+            </a:lvl1pPr>
+            <a:lvl2pPr marL="685800" indent="-228600" algn="l" defTabSz="914400" rtl="0" eaLnBrk="1" latinLnBrk="0" hangingPunct="1">
+              <a:lnSpc>
+                <a:spcPct val="90000"/>
+              </a:lnSpc>
+              <a:spcBef>
+                <a:spcPts val="500"/>
+              </a:spcBef>
+              <a:buFont typeface="Arial" panose="020B0604020202020204" pitchFamily="34" charset="0"/>
+              <a:buChar char="•"/>
+              <a:defRPr sz="2400" kern="1200">
+                <a:solidFill>
+                  <a:schemeClr val="tx1"/>
+                </a:solidFill>
+                <a:latin typeface="+mn-lt"/>
+                <a:ea typeface="+mn-ea"/>
+                <a:cs typeface="+mn-cs"/>
+              </a:defRPr>
+            </a:lvl2pPr>
+            <a:lvl3pPr marL="1143000" indent="-228600" algn="l" defTabSz="914400" rtl="0" eaLnBrk="1" latinLnBrk="0" hangingPunct="1">
+              <a:lnSpc>
+                <a:spcPct val="90000"/>
+              </a:lnSpc>
+              <a:spcBef>
+                <a:spcPts val="500"/>
+              </a:spcBef>
+              <a:buFont typeface="Arial" panose="020B0604020202020204" pitchFamily="34" charset="0"/>
+              <a:buChar char="•"/>
+              <a:defRPr sz="2000" kern="1200">
+                <a:solidFill>
+                  <a:schemeClr val="tx1"/>
+                </a:solidFill>
+                <a:latin typeface="+mn-lt"/>
+                <a:ea typeface="+mn-ea"/>
+                <a:cs typeface="+mn-cs"/>
+              </a:defRPr>
+            </a:lvl3pPr>
+            <a:lvl4pPr marL="1600200" indent="-228600" algn="l" defTabSz="914400" rtl="0" eaLnBrk="1" latinLnBrk="0" hangingPunct="1">
+              <a:lnSpc>
+                <a:spcPct val="90000"/>
+              </a:lnSpc>
+              <a:spcBef>
+                <a:spcPts val="500"/>
+              </a:spcBef>
+              <a:buFont typeface="Arial" panose="020B0604020202020204" pitchFamily="34" charset="0"/>
+              <a:buChar char="•"/>
+              <a:defRPr sz="1800" kern="1200">
+                <a:solidFill>
+                  <a:schemeClr val="tx1"/>
+                </a:solidFill>
+                <a:latin typeface="+mn-lt"/>
+                <a:ea typeface="+mn-ea"/>
+                <a:cs typeface="+mn-cs"/>
+              </a:defRPr>
+            </a:lvl4pPr>
+            <a:lvl5pPr marL="2057400" indent="-228600" algn="l" defTabSz="914400" rtl="0" eaLnBrk="1" latinLnBrk="0" hangingPunct="1">
+              <a:lnSpc>
+                <a:spcPct val="90000"/>
+              </a:lnSpc>
+              <a:spcBef>
+                <a:spcPts val="500"/>
+              </a:spcBef>
+              <a:buFont typeface="Arial" panose="020B0604020202020204" pitchFamily="34" charset="0"/>
+              <a:buChar char="•"/>
+              <a:defRPr sz="1800" kern="1200">
+                <a:solidFill>
+                  <a:schemeClr val="tx1"/>
+                </a:solidFill>
+                <a:latin typeface="+mn-lt"/>
+                <a:ea typeface="+mn-ea"/>
+                <a:cs typeface="+mn-cs"/>
+              </a:defRPr>
+            </a:lvl5pPr>
+            <a:lvl6pPr marL="2514600" indent="-228600" algn="l" defTabSz="914400" rtl="0" eaLnBrk="1" latinLnBrk="0" hangingPunct="1">
+              <a:lnSpc>
+                <a:spcPct val="90000"/>
+              </a:lnSpc>
+              <a:spcBef>
+                <a:spcPts val="500"/>
+              </a:spcBef>
+              <a:buFont typeface="Arial" panose="020B0604020202020204" pitchFamily="34" charset="0"/>
+              <a:buChar char="•"/>
+              <a:defRPr sz="1800" kern="1200">
+                <a:solidFill>
+                  <a:schemeClr val="tx1"/>
+                </a:solidFill>
+                <a:latin typeface="+mn-lt"/>
+                <a:ea typeface="+mn-ea"/>
+                <a:cs typeface="+mn-cs"/>
+              </a:defRPr>
+            </a:lvl6pPr>
+            <a:lvl7pPr marL="2971800" indent="-228600" algn="l" defTabSz="914400" rtl="0" eaLnBrk="1" latinLnBrk="0" hangingPunct="1">
+              <a:lnSpc>
+                <a:spcPct val="90000"/>
+              </a:lnSpc>
+              <a:spcBef>
+                <a:spcPts val="500"/>
+              </a:spcBef>
+              <a:buFont typeface="Arial" panose="020B0604020202020204" pitchFamily="34" charset="0"/>
+              <a:buChar char="•"/>
+              <a:defRPr sz="1800" kern="1200">
+                <a:solidFill>
+                  <a:schemeClr val="tx1"/>
+                </a:solidFill>
+                <a:latin typeface="+mn-lt"/>
+                <a:ea typeface="+mn-ea"/>
+                <a:cs typeface="+mn-cs"/>
+              </a:defRPr>
+            </a:lvl7pPr>
+            <a:lvl8pPr marL="3429000" indent="-228600" algn="l" defTabSz="914400" rtl="0" eaLnBrk="1" latinLnBrk="0" hangingPunct="1">
+              <a:lnSpc>
+                <a:spcPct val="90000"/>
+              </a:lnSpc>
+              <a:spcBef>
+                <a:spcPts val="500"/>
+              </a:spcBef>
+              <a:buFont typeface="Arial" panose="020B0604020202020204" pitchFamily="34" charset="0"/>
+              <a:buChar char="•"/>
+              <a:defRPr sz="1800" kern="1200">
+                <a:solidFill>
+                  <a:schemeClr val="tx1"/>
+                </a:solidFill>
+                <a:latin typeface="+mn-lt"/>
+                <a:ea typeface="+mn-ea"/>
+                <a:cs typeface="+mn-cs"/>
+              </a:defRPr>
+            </a:lvl8pPr>
+            <a:lvl9pPr marL="3886200" indent="-228600" algn="l" defTabSz="914400" rtl="0" eaLnBrk="1" latinLnBrk="0" hangingPunct="1">
+              <a:lnSpc>
+                <a:spcPct val="90000"/>
+              </a:lnSpc>
+              <a:spcBef>
+                <a:spcPts val="500"/>
+              </a:spcBef>
+              <a:buFont typeface="Arial" panose="020B0604020202020204" pitchFamily="34" charset="0"/>
+              <a:buChar char="•"/>
+              <a:defRPr sz="1800" kern="1200">
+                <a:solidFill>
+                  <a:schemeClr val="tx1"/>
+                </a:solidFill>
+                <a:latin typeface="+mn-lt"/>
+                <a:ea typeface="+mn-ea"/>
+                <a:cs typeface="+mn-cs"/>
+              </a:defRPr>
+            </a:lvl9pPr>
+          </a:lstStyle>
+          <a:p>
+            <a:r>
+              <a:rPr lang="en-US" sz="3600" dirty="0"/>
+              <a:t>Selected two movies from each attribute that had similar inflation adjusted sales and ratings</a:t>
+            </a:r>
+          </a:p>
+          <a:p>
+            <a:r>
+              <a:rPr lang="en-US" sz="3600" dirty="0"/>
+              <a:t>Compared international sales trends for each movie</a:t>
+            </a:r>
+          </a:p>
+        </p:txBody>
+      </p:sp>
     </p:spTree>
     <p:extLst>
       <p:ext uri="{BB962C8B-B14F-4D97-AF65-F5344CB8AC3E}">
-        <p14:creationId xmlns:p14="http://schemas.microsoft.com/office/powerpoint/2010/main" val="1292301538"/>
+        <p14:creationId xmlns:p14="http://schemas.microsoft.com/office/powerpoint/2010/main" val="1541669911"/>
       </p:ext>
     </p:extLst>
   </p:cSld>
@@ -6982,54 +7591,71 @@
       </p:grpSpPr>
       <p:sp>
         <p:nvSpPr>
-          <p:cNvPr id="2" name="Title 1">
-            <a:extLst>
-              <a:ext uri="{FF2B5EF4-FFF2-40B4-BE49-F238E27FC236}">
-                <a16:creationId xmlns:a16="http://schemas.microsoft.com/office/drawing/2014/main" id="{3B3CE0A7-1EE3-4948-B2D1-BA4ADEF1D1AD}"/>
-              </a:ext>
-            </a:extLst>
-          </p:cNvPr>
-          <p:cNvSpPr>
-            <a:spLocks noGrp="1"/>
-          </p:cNvSpPr>
-          <p:nvPr>
-            <p:ph type="title"/>
-          </p:nvPr>
-        </p:nvSpPr>
-        <p:spPr/>
-        <p:txBody>
-          <a:bodyPr/>
-          <a:lstStyle/>
-          <a:p>
-            <a:r>
-              <a:rPr lang="en-US" dirty="0"/>
+          <p:cNvPr id="4" name="Title 1">
+            <a:extLst>
+              <a:ext uri="{FF2B5EF4-FFF2-40B4-BE49-F238E27FC236}">
+                <a16:creationId xmlns:a16="http://schemas.microsoft.com/office/drawing/2014/main" id="{471DE414-7905-49B6-A7A6-E3F1AB9663AC}"/>
+              </a:ext>
+            </a:extLst>
+          </p:cNvPr>
+          <p:cNvSpPr txBox="1">
+            <a:spLocks/>
+          </p:cNvSpPr>
+          <p:nvPr/>
+        </p:nvSpPr>
+        <p:spPr>
+          <a:xfrm>
+            <a:off x="0" y="0"/>
+            <a:ext cx="12190476" cy="1143000"/>
+          </a:xfrm>
+          <a:prstGeom prst="rect">
+            <a:avLst/>
+          </a:prstGeom>
+        </p:spPr>
+        <p:txBody>
+          <a:bodyPr vert="horz" lIns="91440" tIns="45720" rIns="91440" bIns="45720" rtlCol="0" anchor="ctr">
+            <a:noAutofit/>
+          </a:bodyPr>
+          <a:lstStyle>
+            <a:lvl1pPr algn="l" defTabSz="914400" rtl="0" eaLnBrk="1" latinLnBrk="0" hangingPunct="1">
+              <a:lnSpc>
+                <a:spcPct val="90000"/>
+              </a:lnSpc>
+              <a:spcBef>
+                <a:spcPct val="0"/>
+              </a:spcBef>
+              <a:buNone/>
+              <a:defRPr sz="4400" kern="1200">
+                <a:solidFill>
+                  <a:schemeClr val="tx1"/>
+                </a:solidFill>
+                <a:latin typeface="+mj-lt"/>
+                <a:ea typeface="+mj-ea"/>
+                <a:cs typeface="+mj-cs"/>
+              </a:defRPr>
+            </a:lvl1pPr>
+          </a:lstStyle>
+          <a:p>
+            <a:r>
+              <a:rPr lang="en-US" b="1" dirty="0"/>
               <a:t>Gender Comparison for International Sales</a:t>
-            </a:r>
-            <a:br>
-              <a:rPr lang="en-US" dirty="0"/>
-            </a:br>
-            <a:r>
-              <a:rPr lang="en-US" dirty="0"/>
-              <a:t>Iron Man 3</a:t>
             </a:r>
           </a:p>
         </p:txBody>
       </p:sp>
       <p:pic>
         <p:nvPicPr>
-          <p:cNvPr id="11" name="Content Placeholder 10">
-            <a:extLst>
-              <a:ext uri="{FF2B5EF4-FFF2-40B4-BE49-F238E27FC236}">
-                <a16:creationId xmlns:a16="http://schemas.microsoft.com/office/drawing/2014/main" id="{3B4FCE1B-3A63-41F1-B0FD-A7E1A1AD57B6}"/>
+          <p:cNvPr id="9" name="Picture 8">
+            <a:extLst>
+              <a:ext uri="{FF2B5EF4-FFF2-40B4-BE49-F238E27FC236}">
+                <a16:creationId xmlns:a16="http://schemas.microsoft.com/office/drawing/2014/main" id="{06AD5051-746C-4098-804B-266283C622A9}"/>
               </a:ext>
             </a:extLst>
           </p:cNvPr>
           <p:cNvPicPr>
-            <a:picLocks noGrp="1" noChangeAspect="1"/>
+            <a:picLocks noChangeAspect="1"/>
           </p:cNvPicPr>
-          <p:nvPr>
-            <p:ph idx="1"/>
-          </p:nvPr>
+          <p:nvPr/>
         </p:nvPicPr>
         <p:blipFill>
           <a:blip r:embed="rId2">
@@ -7045,11 +7671,216 @@
         </p:blipFill>
         <p:spPr>
           <a:xfrm>
-            <a:off x="1547812" y="2167731"/>
-            <a:ext cx="9096375" cy="3667125"/>
+            <a:off x="1524" y="1944129"/>
+            <a:ext cx="12188952" cy="4913871"/>
           </a:xfrm>
+          <a:prstGeom prst="rect">
+            <a:avLst/>
+          </a:prstGeom>
         </p:spPr>
       </p:pic>
+      <p:sp>
+        <p:nvSpPr>
+          <p:cNvPr id="12" name="Content Placeholder 2">
+            <a:extLst>
+              <a:ext uri="{FF2B5EF4-FFF2-40B4-BE49-F238E27FC236}">
+                <a16:creationId xmlns:a16="http://schemas.microsoft.com/office/drawing/2014/main" id="{BAB5507E-B413-455A-A1FC-69E48C4FA0C2}"/>
+              </a:ext>
+            </a:extLst>
+          </p:cNvPr>
+          <p:cNvSpPr txBox="1">
+            <a:spLocks/>
+          </p:cNvSpPr>
+          <p:nvPr/>
+        </p:nvSpPr>
+        <p:spPr>
+          <a:xfrm>
+            <a:off x="1524" y="1143000"/>
+            <a:ext cx="12188952" cy="5714999"/>
+          </a:xfrm>
+          <a:prstGeom prst="rect">
+            <a:avLst/>
+          </a:prstGeom>
+        </p:spPr>
+        <p:txBody>
+          <a:bodyPr vert="horz" lIns="91440" tIns="45720" rIns="91440" bIns="45720" rtlCol="0">
+            <a:normAutofit/>
+          </a:bodyPr>
+          <a:lstStyle>
+            <a:lvl1pPr marL="228600" indent="-228600" algn="l" defTabSz="914400" rtl="0" eaLnBrk="1" latinLnBrk="0" hangingPunct="1">
+              <a:lnSpc>
+                <a:spcPct val="90000"/>
+              </a:lnSpc>
+              <a:spcBef>
+                <a:spcPts val="1000"/>
+              </a:spcBef>
+              <a:buFont typeface="Arial" panose="020B0604020202020204" pitchFamily="34" charset="0"/>
+              <a:buChar char="•"/>
+              <a:defRPr sz="2800" kern="1200">
+                <a:solidFill>
+                  <a:schemeClr val="tx1"/>
+                </a:solidFill>
+                <a:latin typeface="+mn-lt"/>
+                <a:ea typeface="+mn-ea"/>
+                <a:cs typeface="+mn-cs"/>
+              </a:defRPr>
+            </a:lvl1pPr>
+            <a:lvl2pPr marL="685800" indent="-228600" algn="l" defTabSz="914400" rtl="0" eaLnBrk="1" latinLnBrk="0" hangingPunct="1">
+              <a:lnSpc>
+                <a:spcPct val="90000"/>
+              </a:lnSpc>
+              <a:spcBef>
+                <a:spcPts val="500"/>
+              </a:spcBef>
+              <a:buFont typeface="Arial" panose="020B0604020202020204" pitchFamily="34" charset="0"/>
+              <a:buChar char="•"/>
+              <a:defRPr sz="2400" kern="1200">
+                <a:solidFill>
+                  <a:schemeClr val="tx1"/>
+                </a:solidFill>
+                <a:latin typeface="+mn-lt"/>
+                <a:ea typeface="+mn-ea"/>
+                <a:cs typeface="+mn-cs"/>
+              </a:defRPr>
+            </a:lvl2pPr>
+            <a:lvl3pPr marL="1143000" indent="-228600" algn="l" defTabSz="914400" rtl="0" eaLnBrk="1" latinLnBrk="0" hangingPunct="1">
+              <a:lnSpc>
+                <a:spcPct val="90000"/>
+              </a:lnSpc>
+              <a:spcBef>
+                <a:spcPts val="500"/>
+              </a:spcBef>
+              <a:buFont typeface="Arial" panose="020B0604020202020204" pitchFamily="34" charset="0"/>
+              <a:buChar char="•"/>
+              <a:defRPr sz="2000" kern="1200">
+                <a:solidFill>
+                  <a:schemeClr val="tx1"/>
+                </a:solidFill>
+                <a:latin typeface="+mn-lt"/>
+                <a:ea typeface="+mn-ea"/>
+                <a:cs typeface="+mn-cs"/>
+              </a:defRPr>
+            </a:lvl3pPr>
+            <a:lvl4pPr marL="1600200" indent="-228600" algn="l" defTabSz="914400" rtl="0" eaLnBrk="1" latinLnBrk="0" hangingPunct="1">
+              <a:lnSpc>
+                <a:spcPct val="90000"/>
+              </a:lnSpc>
+              <a:spcBef>
+                <a:spcPts val="500"/>
+              </a:spcBef>
+              <a:buFont typeface="Arial" panose="020B0604020202020204" pitchFamily="34" charset="0"/>
+              <a:buChar char="•"/>
+              <a:defRPr sz="1800" kern="1200">
+                <a:solidFill>
+                  <a:schemeClr val="tx1"/>
+                </a:solidFill>
+                <a:latin typeface="+mn-lt"/>
+                <a:ea typeface="+mn-ea"/>
+                <a:cs typeface="+mn-cs"/>
+              </a:defRPr>
+            </a:lvl4pPr>
+            <a:lvl5pPr marL="2057400" indent="-228600" algn="l" defTabSz="914400" rtl="0" eaLnBrk="1" latinLnBrk="0" hangingPunct="1">
+              <a:lnSpc>
+                <a:spcPct val="90000"/>
+              </a:lnSpc>
+              <a:spcBef>
+                <a:spcPts val="500"/>
+              </a:spcBef>
+              <a:buFont typeface="Arial" panose="020B0604020202020204" pitchFamily="34" charset="0"/>
+              <a:buChar char="•"/>
+              <a:defRPr sz="1800" kern="1200">
+                <a:solidFill>
+                  <a:schemeClr val="tx1"/>
+                </a:solidFill>
+                <a:latin typeface="+mn-lt"/>
+                <a:ea typeface="+mn-ea"/>
+                <a:cs typeface="+mn-cs"/>
+              </a:defRPr>
+            </a:lvl5pPr>
+            <a:lvl6pPr marL="2514600" indent="-228600" algn="l" defTabSz="914400" rtl="0" eaLnBrk="1" latinLnBrk="0" hangingPunct="1">
+              <a:lnSpc>
+                <a:spcPct val="90000"/>
+              </a:lnSpc>
+              <a:spcBef>
+                <a:spcPts val="500"/>
+              </a:spcBef>
+              <a:buFont typeface="Arial" panose="020B0604020202020204" pitchFamily="34" charset="0"/>
+              <a:buChar char="•"/>
+              <a:defRPr sz="1800" kern="1200">
+                <a:solidFill>
+                  <a:schemeClr val="tx1"/>
+                </a:solidFill>
+                <a:latin typeface="+mn-lt"/>
+                <a:ea typeface="+mn-ea"/>
+                <a:cs typeface="+mn-cs"/>
+              </a:defRPr>
+            </a:lvl6pPr>
+            <a:lvl7pPr marL="2971800" indent="-228600" algn="l" defTabSz="914400" rtl="0" eaLnBrk="1" latinLnBrk="0" hangingPunct="1">
+              <a:lnSpc>
+                <a:spcPct val="90000"/>
+              </a:lnSpc>
+              <a:spcBef>
+                <a:spcPts val="500"/>
+              </a:spcBef>
+              <a:buFont typeface="Arial" panose="020B0604020202020204" pitchFamily="34" charset="0"/>
+              <a:buChar char="•"/>
+              <a:defRPr sz="1800" kern="1200">
+                <a:solidFill>
+                  <a:schemeClr val="tx1"/>
+                </a:solidFill>
+                <a:latin typeface="+mn-lt"/>
+                <a:ea typeface="+mn-ea"/>
+                <a:cs typeface="+mn-cs"/>
+              </a:defRPr>
+            </a:lvl7pPr>
+            <a:lvl8pPr marL="3429000" indent="-228600" algn="l" defTabSz="914400" rtl="0" eaLnBrk="1" latinLnBrk="0" hangingPunct="1">
+              <a:lnSpc>
+                <a:spcPct val="90000"/>
+              </a:lnSpc>
+              <a:spcBef>
+                <a:spcPts val="500"/>
+              </a:spcBef>
+              <a:buFont typeface="Arial" panose="020B0604020202020204" pitchFamily="34" charset="0"/>
+              <a:buChar char="•"/>
+              <a:defRPr sz="1800" kern="1200">
+                <a:solidFill>
+                  <a:schemeClr val="tx1"/>
+                </a:solidFill>
+                <a:latin typeface="+mn-lt"/>
+                <a:ea typeface="+mn-ea"/>
+                <a:cs typeface="+mn-cs"/>
+              </a:defRPr>
+            </a:lvl8pPr>
+            <a:lvl9pPr marL="3886200" indent="-228600" algn="l" defTabSz="914400" rtl="0" eaLnBrk="1" latinLnBrk="0" hangingPunct="1">
+              <a:lnSpc>
+                <a:spcPct val="90000"/>
+              </a:lnSpc>
+              <a:spcBef>
+                <a:spcPts val="500"/>
+              </a:spcBef>
+              <a:buFont typeface="Arial" panose="020B0604020202020204" pitchFamily="34" charset="0"/>
+              <a:buChar char="•"/>
+              <a:defRPr sz="1800" kern="1200">
+                <a:solidFill>
+                  <a:schemeClr val="tx1"/>
+                </a:solidFill>
+                <a:latin typeface="+mn-lt"/>
+                <a:ea typeface="+mn-ea"/>
+                <a:cs typeface="+mn-cs"/>
+              </a:defRPr>
+            </a:lvl9pPr>
+          </a:lstStyle>
+          <a:p>
+            <a:pPr marL="0" indent="0" algn="ctr">
+              <a:buNone/>
+            </a:pPr>
+            <a:r>
+              <a:rPr lang="en-US" sz="3600" dirty="0"/>
+              <a:t>Iron Man 3</a:t>
+            </a:r>
+          </a:p>
+        </p:txBody>
+      </p:sp>
     </p:spTree>
     <p:extLst>
       <p:ext uri="{BB962C8B-B14F-4D97-AF65-F5344CB8AC3E}">
@@ -7082,66 +7913,276 @@
       </p:grpSpPr>
       <p:sp>
         <p:nvSpPr>
-          <p:cNvPr id="2" name="Title 1">
-            <a:extLst>
-              <a:ext uri="{FF2B5EF4-FFF2-40B4-BE49-F238E27FC236}">
-                <a16:creationId xmlns:a16="http://schemas.microsoft.com/office/drawing/2014/main" id="{34A4F683-5B19-431F-9C32-DFB98F9B8C90}"/>
-              </a:ext>
-            </a:extLst>
-          </p:cNvPr>
-          <p:cNvSpPr>
-            <a:spLocks noGrp="1"/>
-          </p:cNvSpPr>
-          <p:nvPr>
-            <p:ph type="title"/>
-          </p:nvPr>
-        </p:nvSpPr>
-        <p:spPr/>
-        <p:txBody>
-          <a:bodyPr>
-            <a:normAutofit fontScale="90000"/>
+          <p:cNvPr id="4" name="Title 1">
+            <a:extLst>
+              <a:ext uri="{FF2B5EF4-FFF2-40B4-BE49-F238E27FC236}">
+                <a16:creationId xmlns:a16="http://schemas.microsoft.com/office/drawing/2014/main" id="{F25ACB4C-433A-47DA-B1BA-D8B3E493CD0C}"/>
+              </a:ext>
+            </a:extLst>
+          </p:cNvPr>
+          <p:cNvSpPr txBox="1">
+            <a:spLocks/>
+          </p:cNvSpPr>
+          <p:nvPr/>
+        </p:nvSpPr>
+        <p:spPr>
+          <a:xfrm>
+            <a:off x="0" y="0"/>
+            <a:ext cx="12190476" cy="1143000"/>
+          </a:xfrm>
+          <a:prstGeom prst="rect">
+            <a:avLst/>
+          </a:prstGeom>
+        </p:spPr>
+        <p:txBody>
+          <a:bodyPr vert="horz" lIns="91440" tIns="45720" rIns="91440" bIns="45720" rtlCol="0" anchor="ctr">
+            <a:noAutofit/>
           </a:bodyPr>
-          <a:lstStyle/>
-          <a:p>
-            <a:br>
-              <a:rPr lang="en-US" dirty="0"/>
-            </a:br>
-            <a:r>
-              <a:rPr lang="en-US" dirty="0"/>
-              <a:t>Alignment Comparison for International Sales</a:t>
-            </a:r>
-            <a:br>
-              <a:rPr lang="en-US" dirty="0"/>
-            </a:br>
-            <a:r>
-              <a:rPr lang="en-US" dirty="0"/>
-              <a:t>Ant-Man and the Wasp </a:t>
-            </a:r>
-            <a:br>
-              <a:rPr lang="en-US" dirty="0"/>
-            </a:br>
-            <a:endParaRPr lang="en-US" dirty="0"/>
+          <a:lstStyle>
+            <a:lvl1pPr algn="l" defTabSz="914400" rtl="0" eaLnBrk="1" latinLnBrk="0" hangingPunct="1">
+              <a:lnSpc>
+                <a:spcPct val="90000"/>
+              </a:lnSpc>
+              <a:spcBef>
+                <a:spcPct val="0"/>
+              </a:spcBef>
+              <a:buNone/>
+              <a:defRPr sz="4400" kern="1200">
+                <a:solidFill>
+                  <a:schemeClr val="tx1"/>
+                </a:solidFill>
+                <a:latin typeface="+mj-lt"/>
+                <a:ea typeface="+mj-ea"/>
+                <a:cs typeface="+mj-cs"/>
+              </a:defRPr>
+            </a:lvl1pPr>
+          </a:lstStyle>
+          <a:p>
+            <a:r>
+              <a:rPr lang="en-US" b="1" dirty="0"/>
+              <a:t>Gender Comparison for International Sales</a:t>
+            </a:r>
+          </a:p>
+        </p:txBody>
+      </p:sp>
+      <p:sp>
+        <p:nvSpPr>
+          <p:cNvPr id="7" name="Content Placeholder 2">
+            <a:extLst>
+              <a:ext uri="{FF2B5EF4-FFF2-40B4-BE49-F238E27FC236}">
+                <a16:creationId xmlns:a16="http://schemas.microsoft.com/office/drawing/2014/main" id="{41A8C879-C5F3-41B7-9173-AC6A53483E73}"/>
+              </a:ext>
+            </a:extLst>
+          </p:cNvPr>
+          <p:cNvSpPr txBox="1">
+            <a:spLocks/>
+          </p:cNvSpPr>
+          <p:nvPr/>
+        </p:nvSpPr>
+        <p:spPr>
+          <a:xfrm>
+            <a:off x="1524" y="1143000"/>
+            <a:ext cx="12188952" cy="5714999"/>
+          </a:xfrm>
+          <a:prstGeom prst="rect">
+            <a:avLst/>
+          </a:prstGeom>
+        </p:spPr>
+        <p:txBody>
+          <a:bodyPr vert="horz" lIns="91440" tIns="45720" rIns="91440" bIns="45720" rtlCol="0">
+            <a:normAutofit/>
+          </a:bodyPr>
+          <a:lstStyle>
+            <a:lvl1pPr marL="228600" indent="-228600" algn="l" defTabSz="914400" rtl="0" eaLnBrk="1" latinLnBrk="0" hangingPunct="1">
+              <a:lnSpc>
+                <a:spcPct val="90000"/>
+              </a:lnSpc>
+              <a:spcBef>
+                <a:spcPts val="1000"/>
+              </a:spcBef>
+              <a:buFont typeface="Arial" panose="020B0604020202020204" pitchFamily="34" charset="0"/>
+              <a:buChar char="•"/>
+              <a:defRPr sz="2800" kern="1200">
+                <a:solidFill>
+                  <a:schemeClr val="tx1"/>
+                </a:solidFill>
+                <a:latin typeface="+mn-lt"/>
+                <a:ea typeface="+mn-ea"/>
+                <a:cs typeface="+mn-cs"/>
+              </a:defRPr>
+            </a:lvl1pPr>
+            <a:lvl2pPr marL="685800" indent="-228600" algn="l" defTabSz="914400" rtl="0" eaLnBrk="1" latinLnBrk="0" hangingPunct="1">
+              <a:lnSpc>
+                <a:spcPct val="90000"/>
+              </a:lnSpc>
+              <a:spcBef>
+                <a:spcPts val="500"/>
+              </a:spcBef>
+              <a:buFont typeface="Arial" panose="020B0604020202020204" pitchFamily="34" charset="0"/>
+              <a:buChar char="•"/>
+              <a:defRPr sz="2400" kern="1200">
+                <a:solidFill>
+                  <a:schemeClr val="tx1"/>
+                </a:solidFill>
+                <a:latin typeface="+mn-lt"/>
+                <a:ea typeface="+mn-ea"/>
+                <a:cs typeface="+mn-cs"/>
+              </a:defRPr>
+            </a:lvl2pPr>
+            <a:lvl3pPr marL="1143000" indent="-228600" algn="l" defTabSz="914400" rtl="0" eaLnBrk="1" latinLnBrk="0" hangingPunct="1">
+              <a:lnSpc>
+                <a:spcPct val="90000"/>
+              </a:lnSpc>
+              <a:spcBef>
+                <a:spcPts val="500"/>
+              </a:spcBef>
+              <a:buFont typeface="Arial" panose="020B0604020202020204" pitchFamily="34" charset="0"/>
+              <a:buChar char="•"/>
+              <a:defRPr sz="2000" kern="1200">
+                <a:solidFill>
+                  <a:schemeClr val="tx1"/>
+                </a:solidFill>
+                <a:latin typeface="+mn-lt"/>
+                <a:ea typeface="+mn-ea"/>
+                <a:cs typeface="+mn-cs"/>
+              </a:defRPr>
+            </a:lvl3pPr>
+            <a:lvl4pPr marL="1600200" indent="-228600" algn="l" defTabSz="914400" rtl="0" eaLnBrk="1" latinLnBrk="0" hangingPunct="1">
+              <a:lnSpc>
+                <a:spcPct val="90000"/>
+              </a:lnSpc>
+              <a:spcBef>
+                <a:spcPts val="500"/>
+              </a:spcBef>
+              <a:buFont typeface="Arial" panose="020B0604020202020204" pitchFamily="34" charset="0"/>
+              <a:buChar char="•"/>
+              <a:defRPr sz="1800" kern="1200">
+                <a:solidFill>
+                  <a:schemeClr val="tx1"/>
+                </a:solidFill>
+                <a:latin typeface="+mn-lt"/>
+                <a:ea typeface="+mn-ea"/>
+                <a:cs typeface="+mn-cs"/>
+              </a:defRPr>
+            </a:lvl4pPr>
+            <a:lvl5pPr marL="2057400" indent="-228600" algn="l" defTabSz="914400" rtl="0" eaLnBrk="1" latinLnBrk="0" hangingPunct="1">
+              <a:lnSpc>
+                <a:spcPct val="90000"/>
+              </a:lnSpc>
+              <a:spcBef>
+                <a:spcPts val="500"/>
+              </a:spcBef>
+              <a:buFont typeface="Arial" panose="020B0604020202020204" pitchFamily="34" charset="0"/>
+              <a:buChar char="•"/>
+              <a:defRPr sz="1800" kern="1200">
+                <a:solidFill>
+                  <a:schemeClr val="tx1"/>
+                </a:solidFill>
+                <a:latin typeface="+mn-lt"/>
+                <a:ea typeface="+mn-ea"/>
+                <a:cs typeface="+mn-cs"/>
+              </a:defRPr>
+            </a:lvl5pPr>
+            <a:lvl6pPr marL="2514600" indent="-228600" algn="l" defTabSz="914400" rtl="0" eaLnBrk="1" latinLnBrk="0" hangingPunct="1">
+              <a:lnSpc>
+                <a:spcPct val="90000"/>
+              </a:lnSpc>
+              <a:spcBef>
+                <a:spcPts val="500"/>
+              </a:spcBef>
+              <a:buFont typeface="Arial" panose="020B0604020202020204" pitchFamily="34" charset="0"/>
+              <a:buChar char="•"/>
+              <a:defRPr sz="1800" kern="1200">
+                <a:solidFill>
+                  <a:schemeClr val="tx1"/>
+                </a:solidFill>
+                <a:latin typeface="+mn-lt"/>
+                <a:ea typeface="+mn-ea"/>
+                <a:cs typeface="+mn-cs"/>
+              </a:defRPr>
+            </a:lvl6pPr>
+            <a:lvl7pPr marL="2971800" indent="-228600" algn="l" defTabSz="914400" rtl="0" eaLnBrk="1" latinLnBrk="0" hangingPunct="1">
+              <a:lnSpc>
+                <a:spcPct val="90000"/>
+              </a:lnSpc>
+              <a:spcBef>
+                <a:spcPts val="500"/>
+              </a:spcBef>
+              <a:buFont typeface="Arial" panose="020B0604020202020204" pitchFamily="34" charset="0"/>
+              <a:buChar char="•"/>
+              <a:defRPr sz="1800" kern="1200">
+                <a:solidFill>
+                  <a:schemeClr val="tx1"/>
+                </a:solidFill>
+                <a:latin typeface="+mn-lt"/>
+                <a:ea typeface="+mn-ea"/>
+                <a:cs typeface="+mn-cs"/>
+              </a:defRPr>
+            </a:lvl7pPr>
+            <a:lvl8pPr marL="3429000" indent="-228600" algn="l" defTabSz="914400" rtl="0" eaLnBrk="1" latinLnBrk="0" hangingPunct="1">
+              <a:lnSpc>
+                <a:spcPct val="90000"/>
+              </a:lnSpc>
+              <a:spcBef>
+                <a:spcPts val="500"/>
+              </a:spcBef>
+              <a:buFont typeface="Arial" panose="020B0604020202020204" pitchFamily="34" charset="0"/>
+              <a:buChar char="•"/>
+              <a:defRPr sz="1800" kern="1200">
+                <a:solidFill>
+                  <a:schemeClr val="tx1"/>
+                </a:solidFill>
+                <a:latin typeface="+mn-lt"/>
+                <a:ea typeface="+mn-ea"/>
+                <a:cs typeface="+mn-cs"/>
+              </a:defRPr>
+            </a:lvl8pPr>
+            <a:lvl9pPr marL="3886200" indent="-228600" algn="l" defTabSz="914400" rtl="0" eaLnBrk="1" latinLnBrk="0" hangingPunct="1">
+              <a:lnSpc>
+                <a:spcPct val="90000"/>
+              </a:lnSpc>
+              <a:spcBef>
+                <a:spcPts val="500"/>
+              </a:spcBef>
+              <a:buFont typeface="Arial" panose="020B0604020202020204" pitchFamily="34" charset="0"/>
+              <a:buChar char="•"/>
+              <a:defRPr sz="1800" kern="1200">
+                <a:solidFill>
+                  <a:schemeClr val="tx1"/>
+                </a:solidFill>
+                <a:latin typeface="+mn-lt"/>
+                <a:ea typeface="+mn-ea"/>
+                <a:cs typeface="+mn-cs"/>
+              </a:defRPr>
+            </a:lvl9pPr>
+          </a:lstStyle>
+          <a:p>
+            <a:pPr marL="0" indent="0" algn="ctr">
+              <a:buNone/>
+            </a:pPr>
+            <a:r>
+              <a:rPr lang="en-US" sz="3600" dirty="0"/>
+              <a:t>Wonder Woman</a:t>
+            </a:r>
           </a:p>
         </p:txBody>
       </p:sp>
       <p:pic>
         <p:nvPicPr>
-          <p:cNvPr id="11" name="Content Placeholder 10">
-            <a:extLst>
-              <a:ext uri="{FF2B5EF4-FFF2-40B4-BE49-F238E27FC236}">
-                <a16:creationId xmlns:a16="http://schemas.microsoft.com/office/drawing/2014/main" id="{E7420112-F924-455B-A476-C763881C0690}"/>
+          <p:cNvPr id="8" name="Picture 7">
+            <a:extLst>
+              <a:ext uri="{FF2B5EF4-FFF2-40B4-BE49-F238E27FC236}">
+                <a16:creationId xmlns:a16="http://schemas.microsoft.com/office/drawing/2014/main" id="{01E184F8-710B-4B72-9666-785F1BE7BFA9}"/>
               </a:ext>
             </a:extLst>
           </p:cNvPr>
           <p:cNvPicPr>
-            <a:picLocks noGrp="1" noChangeAspect="1"/>
+            <a:picLocks noChangeAspect="1"/>
           </p:cNvPicPr>
-          <p:nvPr>
-            <p:ph idx="1"/>
-          </p:nvPr>
+          <p:nvPr/>
         </p:nvPicPr>
         <p:blipFill>
-          <a:blip r:embed="rId3">
+          <a:blip r:embed="rId2">
             <a:extLst>
               <a:ext uri="{28A0092B-C50C-407E-A947-70E740481C1C}">
                 <a14:useLocalDpi xmlns:a14="http://schemas.microsoft.com/office/drawing/2010/main" val="0"/>
@@ -7154,15 +8195,18 @@
         </p:blipFill>
         <p:spPr>
           <a:xfrm>
-            <a:off x="1547812" y="2167731"/>
-            <a:ext cx="9096375" cy="3667125"/>
+            <a:off x="1524" y="1944129"/>
+            <a:ext cx="12188952" cy="4913871"/>
           </a:xfrm>
+          <a:prstGeom prst="rect">
+            <a:avLst/>
+          </a:prstGeom>
         </p:spPr>
       </p:pic>
     </p:spTree>
     <p:extLst>
       <p:ext uri="{BB962C8B-B14F-4D97-AF65-F5344CB8AC3E}">
-        <p14:creationId xmlns:p14="http://schemas.microsoft.com/office/powerpoint/2010/main" val="4005584866"/>
+        <p14:creationId xmlns:p14="http://schemas.microsoft.com/office/powerpoint/2010/main" val="1292301538"/>
       </p:ext>
     </p:extLst>
   </p:cSld>
@@ -7191,78 +8235,269 @@
       </p:grpSpPr>
       <p:sp>
         <p:nvSpPr>
-          <p:cNvPr id="2" name="Title 1">
-            <a:extLst>
-              <a:ext uri="{FF2B5EF4-FFF2-40B4-BE49-F238E27FC236}">
-                <a16:creationId xmlns:a16="http://schemas.microsoft.com/office/drawing/2014/main" id="{B66FB1D4-B378-4BFC-B495-74EAFF6CCE22}"/>
-              </a:ext>
-            </a:extLst>
-          </p:cNvPr>
-          <p:cNvSpPr>
-            <a:spLocks noGrp="1"/>
-          </p:cNvSpPr>
-          <p:nvPr>
-            <p:ph type="title"/>
-          </p:nvPr>
-        </p:nvSpPr>
-        <p:spPr/>
-        <p:txBody>
-          <a:bodyPr/>
-          <a:lstStyle/>
-          <a:p>
-            <a:r>
-              <a:rPr lang="en-US" dirty="0"/>
-              <a:t>Research Question</a:t>
-            </a:r>
-          </a:p>
-        </p:txBody>
-      </p:sp>
-      <p:sp>
-        <p:nvSpPr>
-          <p:cNvPr id="3" name="Content Placeholder 2">
-            <a:extLst>
-              <a:ext uri="{FF2B5EF4-FFF2-40B4-BE49-F238E27FC236}">
-                <a16:creationId xmlns:a16="http://schemas.microsoft.com/office/drawing/2014/main" id="{8DA3E0AA-D97E-4905-A26B-19188DBDF6A2}"/>
-              </a:ext>
-            </a:extLst>
-          </p:cNvPr>
-          <p:cNvSpPr>
-            <a:spLocks noGrp="1"/>
-          </p:cNvSpPr>
-          <p:nvPr>
-            <p:ph idx="1"/>
-          </p:nvPr>
+          <p:cNvPr id="4" name="Title 1">
+            <a:extLst>
+              <a:ext uri="{FF2B5EF4-FFF2-40B4-BE49-F238E27FC236}">
+                <a16:creationId xmlns:a16="http://schemas.microsoft.com/office/drawing/2014/main" id="{9AB2507F-1617-425D-A42E-738D82AB6CE9}"/>
+              </a:ext>
+            </a:extLst>
+          </p:cNvPr>
+          <p:cNvSpPr txBox="1">
+            <a:spLocks/>
+          </p:cNvSpPr>
+          <p:nvPr/>
         </p:nvSpPr>
         <p:spPr>
           <a:xfrm>
-            <a:off x="838200" y="1825625"/>
-            <a:ext cx="10515600" cy="4030645"/>
+            <a:off x="0" y="0"/>
+            <a:ext cx="12188952" cy="1143000"/>
           </a:xfrm>
+          <a:prstGeom prst="rect">
+            <a:avLst/>
+          </a:prstGeom>
         </p:spPr>
         <p:txBody>
-          <a:bodyPr/>
-          <a:lstStyle/>
-          <a:p>
-            <a:pPr marL="0" indent="0">
+          <a:bodyPr vert="horz" lIns="91440" tIns="45720" rIns="91440" bIns="45720" rtlCol="0" anchor="ctr">
+            <a:noAutofit/>
+          </a:bodyPr>
+          <a:lstStyle>
+            <a:lvl1pPr algn="l" defTabSz="914400" rtl="0" eaLnBrk="1" latinLnBrk="0" hangingPunct="1">
+              <a:lnSpc>
+                <a:spcPct val="90000"/>
+              </a:lnSpc>
+              <a:spcBef>
+                <a:spcPct val="0"/>
+              </a:spcBef>
               <a:buNone/>
-            </a:pPr>
-            <a:endParaRPr lang="en-US" dirty="0"/>
-          </a:p>
+              <a:defRPr sz="4400" kern="1200">
+                <a:solidFill>
+                  <a:schemeClr val="tx1"/>
+                </a:solidFill>
+                <a:latin typeface="+mj-lt"/>
+                <a:ea typeface="+mj-ea"/>
+                <a:cs typeface="+mj-cs"/>
+              </a:defRPr>
+            </a:lvl1pPr>
+          </a:lstStyle>
+          <a:p>
+            <a:r>
+              <a:rPr lang="en-US" b="1" dirty="0">
+                <a:solidFill>
+                  <a:prstClr val="black"/>
+                </a:solidFill>
+              </a:rPr>
+              <a:t>Research Question</a:t>
+            </a:r>
+            <a:endParaRPr lang="en-US" b="1" dirty="0"/>
+          </a:p>
+        </p:txBody>
+      </p:sp>
+      <p:sp>
+        <p:nvSpPr>
+          <p:cNvPr id="7" name="Content Placeholder 2">
+            <a:extLst>
+              <a:ext uri="{FF2B5EF4-FFF2-40B4-BE49-F238E27FC236}">
+                <a16:creationId xmlns:a16="http://schemas.microsoft.com/office/drawing/2014/main" id="{7B5F51F7-C5A2-4E3F-9609-F4569438214C}"/>
+              </a:ext>
+            </a:extLst>
+          </p:cNvPr>
+          <p:cNvSpPr txBox="1">
+            <a:spLocks/>
+          </p:cNvSpPr>
+          <p:nvPr/>
+        </p:nvSpPr>
+        <p:spPr>
+          <a:xfrm>
+            <a:off x="1524" y="1143000"/>
+            <a:ext cx="12188952" cy="5714999"/>
+          </a:xfrm>
+          <a:prstGeom prst="rect">
+            <a:avLst/>
+          </a:prstGeom>
+        </p:spPr>
+        <p:txBody>
+          <a:bodyPr vert="horz" lIns="91440" tIns="45720" rIns="91440" bIns="45720" rtlCol="0">
+            <a:normAutofit/>
+          </a:bodyPr>
+          <a:lstStyle>
+            <a:lvl1pPr marL="228600" indent="-228600" algn="l" defTabSz="914400" rtl="0" eaLnBrk="1" latinLnBrk="0" hangingPunct="1">
+              <a:lnSpc>
+                <a:spcPct val="90000"/>
+              </a:lnSpc>
+              <a:spcBef>
+                <a:spcPts val="1000"/>
+              </a:spcBef>
+              <a:buFont typeface="Arial" panose="020B0604020202020204" pitchFamily="34" charset="0"/>
+              <a:buChar char="•"/>
+              <a:defRPr sz="2800" kern="1200">
+                <a:solidFill>
+                  <a:schemeClr val="tx1"/>
+                </a:solidFill>
+                <a:latin typeface="+mn-lt"/>
+                <a:ea typeface="+mn-ea"/>
+                <a:cs typeface="+mn-cs"/>
+              </a:defRPr>
+            </a:lvl1pPr>
+            <a:lvl2pPr marL="685800" indent="-228600" algn="l" defTabSz="914400" rtl="0" eaLnBrk="1" latinLnBrk="0" hangingPunct="1">
+              <a:lnSpc>
+                <a:spcPct val="90000"/>
+              </a:lnSpc>
+              <a:spcBef>
+                <a:spcPts val="500"/>
+              </a:spcBef>
+              <a:buFont typeface="Arial" panose="020B0604020202020204" pitchFamily="34" charset="0"/>
+              <a:buChar char="•"/>
+              <a:defRPr sz="2400" kern="1200">
+                <a:solidFill>
+                  <a:schemeClr val="tx1"/>
+                </a:solidFill>
+                <a:latin typeface="+mn-lt"/>
+                <a:ea typeface="+mn-ea"/>
+                <a:cs typeface="+mn-cs"/>
+              </a:defRPr>
+            </a:lvl2pPr>
+            <a:lvl3pPr marL="1143000" indent="-228600" algn="l" defTabSz="914400" rtl="0" eaLnBrk="1" latinLnBrk="0" hangingPunct="1">
+              <a:lnSpc>
+                <a:spcPct val="90000"/>
+              </a:lnSpc>
+              <a:spcBef>
+                <a:spcPts val="500"/>
+              </a:spcBef>
+              <a:buFont typeface="Arial" panose="020B0604020202020204" pitchFamily="34" charset="0"/>
+              <a:buChar char="•"/>
+              <a:defRPr sz="2000" kern="1200">
+                <a:solidFill>
+                  <a:schemeClr val="tx1"/>
+                </a:solidFill>
+                <a:latin typeface="+mn-lt"/>
+                <a:ea typeface="+mn-ea"/>
+                <a:cs typeface="+mn-cs"/>
+              </a:defRPr>
+            </a:lvl3pPr>
+            <a:lvl4pPr marL="1600200" indent="-228600" algn="l" defTabSz="914400" rtl="0" eaLnBrk="1" latinLnBrk="0" hangingPunct="1">
+              <a:lnSpc>
+                <a:spcPct val="90000"/>
+              </a:lnSpc>
+              <a:spcBef>
+                <a:spcPts val="500"/>
+              </a:spcBef>
+              <a:buFont typeface="Arial" panose="020B0604020202020204" pitchFamily="34" charset="0"/>
+              <a:buChar char="•"/>
+              <a:defRPr sz="1800" kern="1200">
+                <a:solidFill>
+                  <a:schemeClr val="tx1"/>
+                </a:solidFill>
+                <a:latin typeface="+mn-lt"/>
+                <a:ea typeface="+mn-ea"/>
+                <a:cs typeface="+mn-cs"/>
+              </a:defRPr>
+            </a:lvl4pPr>
+            <a:lvl5pPr marL="2057400" indent="-228600" algn="l" defTabSz="914400" rtl="0" eaLnBrk="1" latinLnBrk="0" hangingPunct="1">
+              <a:lnSpc>
+                <a:spcPct val="90000"/>
+              </a:lnSpc>
+              <a:spcBef>
+                <a:spcPts val="500"/>
+              </a:spcBef>
+              <a:buFont typeface="Arial" panose="020B0604020202020204" pitchFamily="34" charset="0"/>
+              <a:buChar char="•"/>
+              <a:defRPr sz="1800" kern="1200">
+                <a:solidFill>
+                  <a:schemeClr val="tx1"/>
+                </a:solidFill>
+                <a:latin typeface="+mn-lt"/>
+                <a:ea typeface="+mn-ea"/>
+                <a:cs typeface="+mn-cs"/>
+              </a:defRPr>
+            </a:lvl5pPr>
+            <a:lvl6pPr marL="2514600" indent="-228600" algn="l" defTabSz="914400" rtl="0" eaLnBrk="1" latinLnBrk="0" hangingPunct="1">
+              <a:lnSpc>
+                <a:spcPct val="90000"/>
+              </a:lnSpc>
+              <a:spcBef>
+                <a:spcPts val="500"/>
+              </a:spcBef>
+              <a:buFont typeface="Arial" panose="020B0604020202020204" pitchFamily="34" charset="0"/>
+              <a:buChar char="•"/>
+              <a:defRPr sz="1800" kern="1200">
+                <a:solidFill>
+                  <a:schemeClr val="tx1"/>
+                </a:solidFill>
+                <a:latin typeface="+mn-lt"/>
+                <a:ea typeface="+mn-ea"/>
+                <a:cs typeface="+mn-cs"/>
+              </a:defRPr>
+            </a:lvl6pPr>
+            <a:lvl7pPr marL="2971800" indent="-228600" algn="l" defTabSz="914400" rtl="0" eaLnBrk="1" latinLnBrk="0" hangingPunct="1">
+              <a:lnSpc>
+                <a:spcPct val="90000"/>
+              </a:lnSpc>
+              <a:spcBef>
+                <a:spcPts val="500"/>
+              </a:spcBef>
+              <a:buFont typeface="Arial" panose="020B0604020202020204" pitchFamily="34" charset="0"/>
+              <a:buChar char="•"/>
+              <a:defRPr sz="1800" kern="1200">
+                <a:solidFill>
+                  <a:schemeClr val="tx1"/>
+                </a:solidFill>
+                <a:latin typeface="+mn-lt"/>
+                <a:ea typeface="+mn-ea"/>
+                <a:cs typeface="+mn-cs"/>
+              </a:defRPr>
+            </a:lvl7pPr>
+            <a:lvl8pPr marL="3429000" indent="-228600" algn="l" defTabSz="914400" rtl="0" eaLnBrk="1" latinLnBrk="0" hangingPunct="1">
+              <a:lnSpc>
+                <a:spcPct val="90000"/>
+              </a:lnSpc>
+              <a:spcBef>
+                <a:spcPts val="500"/>
+              </a:spcBef>
+              <a:buFont typeface="Arial" panose="020B0604020202020204" pitchFamily="34" charset="0"/>
+              <a:buChar char="•"/>
+              <a:defRPr sz="1800" kern="1200">
+                <a:solidFill>
+                  <a:schemeClr val="tx1"/>
+                </a:solidFill>
+                <a:latin typeface="+mn-lt"/>
+                <a:ea typeface="+mn-ea"/>
+                <a:cs typeface="+mn-cs"/>
+              </a:defRPr>
+            </a:lvl8pPr>
+            <a:lvl9pPr marL="3886200" indent="-228600" algn="l" defTabSz="914400" rtl="0" eaLnBrk="1" latinLnBrk="0" hangingPunct="1">
+              <a:lnSpc>
+                <a:spcPct val="90000"/>
+              </a:lnSpc>
+              <a:spcBef>
+                <a:spcPts val="500"/>
+              </a:spcBef>
+              <a:buFont typeface="Arial" panose="020B0604020202020204" pitchFamily="34" charset="0"/>
+              <a:buChar char="•"/>
+              <a:defRPr sz="1800" kern="1200">
+                <a:solidFill>
+                  <a:schemeClr val="tx1"/>
+                </a:solidFill>
+                <a:latin typeface="+mn-lt"/>
+                <a:ea typeface="+mn-ea"/>
+                <a:cs typeface="+mn-cs"/>
+              </a:defRPr>
+            </a:lvl9pPr>
+          </a:lstStyle>
           <a:p>
             <a:pPr marL="0" indent="0" algn="just">
               <a:buNone/>
             </a:pPr>
             <a:r>
-              <a:rPr lang="en-US" sz="4000" dirty="0"/>
+              <a:rPr lang="en-US" dirty="0"/>
               <a:t>Do certain superhero attributes (i.e., </a:t>
             </a:r>
             <a:r>
-              <a:rPr lang="en-US" sz="4000" b="1" dirty="0"/>
+              <a:rPr lang="en-US" b="1" dirty="0"/>
               <a:t>power level, race (human vs. non-human), gender, and alignment</a:t>
             </a:r>
             <a:r>
-              <a:rPr lang="en-US" sz="4000" dirty="0"/>
-              <a:t>) lead to higher or lower box office sales and ratings in the US? International Sales?</a:t>
+              <a:rPr lang="en-US" dirty="0"/>
+              <a:t>) lead to higher or lower box office sales and ratings in the U.S.? International Sales?</a:t>
             </a:r>
           </a:p>
         </p:txBody>
@@ -7299,54 +8534,273 @@
       </p:grpSpPr>
       <p:sp>
         <p:nvSpPr>
-          <p:cNvPr id="2" name="Title 1">
-            <a:extLst>
-              <a:ext uri="{FF2B5EF4-FFF2-40B4-BE49-F238E27FC236}">
-                <a16:creationId xmlns:a16="http://schemas.microsoft.com/office/drawing/2014/main" id="{3C74C30E-52C0-4A42-BA3F-E7F3AE4E9442}"/>
-              </a:ext>
-            </a:extLst>
-          </p:cNvPr>
-          <p:cNvSpPr>
-            <a:spLocks noGrp="1"/>
-          </p:cNvSpPr>
-          <p:nvPr>
-            <p:ph type="title"/>
-          </p:nvPr>
-        </p:nvSpPr>
-        <p:spPr/>
-        <p:txBody>
-          <a:bodyPr/>
-          <a:lstStyle/>
-          <a:p>
-            <a:r>
-              <a:rPr lang="en-US" dirty="0"/>
+          <p:cNvPr id="4" name="Title 1">
+            <a:extLst>
+              <a:ext uri="{FF2B5EF4-FFF2-40B4-BE49-F238E27FC236}">
+                <a16:creationId xmlns:a16="http://schemas.microsoft.com/office/drawing/2014/main" id="{CDE5E44A-F1B1-47B9-AF1F-F7EA361AEF54}"/>
+              </a:ext>
+            </a:extLst>
+          </p:cNvPr>
+          <p:cNvSpPr txBox="1">
+            <a:spLocks/>
+          </p:cNvSpPr>
+          <p:nvPr/>
+        </p:nvSpPr>
+        <p:spPr>
+          <a:xfrm>
+            <a:off x="0" y="0"/>
+            <a:ext cx="12190476" cy="1143000"/>
+          </a:xfrm>
+          <a:prstGeom prst="rect">
+            <a:avLst/>
+          </a:prstGeom>
+        </p:spPr>
+        <p:txBody>
+          <a:bodyPr vert="horz" lIns="91440" tIns="45720" rIns="91440" bIns="45720" rtlCol="0" anchor="ctr">
+            <a:noAutofit/>
+          </a:bodyPr>
+          <a:lstStyle>
+            <a:lvl1pPr algn="l" defTabSz="914400" rtl="0" eaLnBrk="1" latinLnBrk="0" hangingPunct="1">
+              <a:lnSpc>
+                <a:spcPct val="90000"/>
+              </a:lnSpc>
+              <a:spcBef>
+                <a:spcPct val="0"/>
+              </a:spcBef>
+              <a:buNone/>
+              <a:defRPr sz="4400" kern="1200">
+                <a:solidFill>
+                  <a:schemeClr val="tx1"/>
+                </a:solidFill>
+                <a:latin typeface="+mj-lt"/>
+                <a:ea typeface="+mj-ea"/>
+                <a:cs typeface="+mj-cs"/>
+              </a:defRPr>
+            </a:lvl1pPr>
+          </a:lstStyle>
+          <a:p>
+            <a:r>
+              <a:rPr lang="en-US" b="1" dirty="0"/>
               <a:t>Alignment Comparison for International Sales</a:t>
             </a:r>
-            <a:br>
-              <a:rPr lang="en-US" dirty="0"/>
-            </a:br>
-            <a:r>
-              <a:rPr lang="en-US" dirty="0"/>
-              <a:t>Venom</a:t>
+          </a:p>
+        </p:txBody>
+      </p:sp>
+      <p:sp>
+        <p:nvSpPr>
+          <p:cNvPr id="7" name="Content Placeholder 2">
+            <a:extLst>
+              <a:ext uri="{FF2B5EF4-FFF2-40B4-BE49-F238E27FC236}">
+                <a16:creationId xmlns:a16="http://schemas.microsoft.com/office/drawing/2014/main" id="{72A115E4-94CE-457F-B34F-14041C9DF48F}"/>
+              </a:ext>
+            </a:extLst>
+          </p:cNvPr>
+          <p:cNvSpPr txBox="1">
+            <a:spLocks/>
+          </p:cNvSpPr>
+          <p:nvPr/>
+        </p:nvSpPr>
+        <p:spPr>
+          <a:xfrm>
+            <a:off x="1524" y="1143000"/>
+            <a:ext cx="12188952" cy="5714999"/>
+          </a:xfrm>
+          <a:prstGeom prst="rect">
+            <a:avLst/>
+          </a:prstGeom>
+        </p:spPr>
+        <p:txBody>
+          <a:bodyPr vert="horz" lIns="91440" tIns="45720" rIns="91440" bIns="45720" rtlCol="0">
+            <a:normAutofit/>
+          </a:bodyPr>
+          <a:lstStyle>
+            <a:lvl1pPr marL="228600" indent="-228600" algn="l" defTabSz="914400" rtl="0" eaLnBrk="1" latinLnBrk="0" hangingPunct="1">
+              <a:lnSpc>
+                <a:spcPct val="90000"/>
+              </a:lnSpc>
+              <a:spcBef>
+                <a:spcPts val="1000"/>
+              </a:spcBef>
+              <a:buFont typeface="Arial" panose="020B0604020202020204" pitchFamily="34" charset="0"/>
+              <a:buChar char="•"/>
+              <a:defRPr sz="2800" kern="1200">
+                <a:solidFill>
+                  <a:schemeClr val="tx1"/>
+                </a:solidFill>
+                <a:latin typeface="+mn-lt"/>
+                <a:ea typeface="+mn-ea"/>
+                <a:cs typeface="+mn-cs"/>
+              </a:defRPr>
+            </a:lvl1pPr>
+            <a:lvl2pPr marL="685800" indent="-228600" algn="l" defTabSz="914400" rtl="0" eaLnBrk="1" latinLnBrk="0" hangingPunct="1">
+              <a:lnSpc>
+                <a:spcPct val="90000"/>
+              </a:lnSpc>
+              <a:spcBef>
+                <a:spcPts val="500"/>
+              </a:spcBef>
+              <a:buFont typeface="Arial" panose="020B0604020202020204" pitchFamily="34" charset="0"/>
+              <a:buChar char="•"/>
+              <a:defRPr sz="2400" kern="1200">
+                <a:solidFill>
+                  <a:schemeClr val="tx1"/>
+                </a:solidFill>
+                <a:latin typeface="+mn-lt"/>
+                <a:ea typeface="+mn-ea"/>
+                <a:cs typeface="+mn-cs"/>
+              </a:defRPr>
+            </a:lvl2pPr>
+            <a:lvl3pPr marL="1143000" indent="-228600" algn="l" defTabSz="914400" rtl="0" eaLnBrk="1" latinLnBrk="0" hangingPunct="1">
+              <a:lnSpc>
+                <a:spcPct val="90000"/>
+              </a:lnSpc>
+              <a:spcBef>
+                <a:spcPts val="500"/>
+              </a:spcBef>
+              <a:buFont typeface="Arial" panose="020B0604020202020204" pitchFamily="34" charset="0"/>
+              <a:buChar char="•"/>
+              <a:defRPr sz="2000" kern="1200">
+                <a:solidFill>
+                  <a:schemeClr val="tx1"/>
+                </a:solidFill>
+                <a:latin typeface="+mn-lt"/>
+                <a:ea typeface="+mn-ea"/>
+                <a:cs typeface="+mn-cs"/>
+              </a:defRPr>
+            </a:lvl3pPr>
+            <a:lvl4pPr marL="1600200" indent="-228600" algn="l" defTabSz="914400" rtl="0" eaLnBrk="1" latinLnBrk="0" hangingPunct="1">
+              <a:lnSpc>
+                <a:spcPct val="90000"/>
+              </a:lnSpc>
+              <a:spcBef>
+                <a:spcPts val="500"/>
+              </a:spcBef>
+              <a:buFont typeface="Arial" panose="020B0604020202020204" pitchFamily="34" charset="0"/>
+              <a:buChar char="•"/>
+              <a:defRPr sz="1800" kern="1200">
+                <a:solidFill>
+                  <a:schemeClr val="tx1"/>
+                </a:solidFill>
+                <a:latin typeface="+mn-lt"/>
+                <a:ea typeface="+mn-ea"/>
+                <a:cs typeface="+mn-cs"/>
+              </a:defRPr>
+            </a:lvl4pPr>
+            <a:lvl5pPr marL="2057400" indent="-228600" algn="l" defTabSz="914400" rtl="0" eaLnBrk="1" latinLnBrk="0" hangingPunct="1">
+              <a:lnSpc>
+                <a:spcPct val="90000"/>
+              </a:lnSpc>
+              <a:spcBef>
+                <a:spcPts val="500"/>
+              </a:spcBef>
+              <a:buFont typeface="Arial" panose="020B0604020202020204" pitchFamily="34" charset="0"/>
+              <a:buChar char="•"/>
+              <a:defRPr sz="1800" kern="1200">
+                <a:solidFill>
+                  <a:schemeClr val="tx1"/>
+                </a:solidFill>
+                <a:latin typeface="+mn-lt"/>
+                <a:ea typeface="+mn-ea"/>
+                <a:cs typeface="+mn-cs"/>
+              </a:defRPr>
+            </a:lvl5pPr>
+            <a:lvl6pPr marL="2514600" indent="-228600" algn="l" defTabSz="914400" rtl="0" eaLnBrk="1" latinLnBrk="0" hangingPunct="1">
+              <a:lnSpc>
+                <a:spcPct val="90000"/>
+              </a:lnSpc>
+              <a:spcBef>
+                <a:spcPts val="500"/>
+              </a:spcBef>
+              <a:buFont typeface="Arial" panose="020B0604020202020204" pitchFamily="34" charset="0"/>
+              <a:buChar char="•"/>
+              <a:defRPr sz="1800" kern="1200">
+                <a:solidFill>
+                  <a:schemeClr val="tx1"/>
+                </a:solidFill>
+                <a:latin typeface="+mn-lt"/>
+                <a:ea typeface="+mn-ea"/>
+                <a:cs typeface="+mn-cs"/>
+              </a:defRPr>
+            </a:lvl6pPr>
+            <a:lvl7pPr marL="2971800" indent="-228600" algn="l" defTabSz="914400" rtl="0" eaLnBrk="1" latinLnBrk="0" hangingPunct="1">
+              <a:lnSpc>
+                <a:spcPct val="90000"/>
+              </a:lnSpc>
+              <a:spcBef>
+                <a:spcPts val="500"/>
+              </a:spcBef>
+              <a:buFont typeface="Arial" panose="020B0604020202020204" pitchFamily="34" charset="0"/>
+              <a:buChar char="•"/>
+              <a:defRPr sz="1800" kern="1200">
+                <a:solidFill>
+                  <a:schemeClr val="tx1"/>
+                </a:solidFill>
+                <a:latin typeface="+mn-lt"/>
+                <a:ea typeface="+mn-ea"/>
+                <a:cs typeface="+mn-cs"/>
+              </a:defRPr>
+            </a:lvl7pPr>
+            <a:lvl8pPr marL="3429000" indent="-228600" algn="l" defTabSz="914400" rtl="0" eaLnBrk="1" latinLnBrk="0" hangingPunct="1">
+              <a:lnSpc>
+                <a:spcPct val="90000"/>
+              </a:lnSpc>
+              <a:spcBef>
+                <a:spcPts val="500"/>
+              </a:spcBef>
+              <a:buFont typeface="Arial" panose="020B0604020202020204" pitchFamily="34" charset="0"/>
+              <a:buChar char="•"/>
+              <a:defRPr sz="1800" kern="1200">
+                <a:solidFill>
+                  <a:schemeClr val="tx1"/>
+                </a:solidFill>
+                <a:latin typeface="+mn-lt"/>
+                <a:ea typeface="+mn-ea"/>
+                <a:cs typeface="+mn-cs"/>
+              </a:defRPr>
+            </a:lvl8pPr>
+            <a:lvl9pPr marL="3886200" indent="-228600" algn="l" defTabSz="914400" rtl="0" eaLnBrk="1" latinLnBrk="0" hangingPunct="1">
+              <a:lnSpc>
+                <a:spcPct val="90000"/>
+              </a:lnSpc>
+              <a:spcBef>
+                <a:spcPts val="500"/>
+              </a:spcBef>
+              <a:buFont typeface="Arial" panose="020B0604020202020204" pitchFamily="34" charset="0"/>
+              <a:buChar char="•"/>
+              <a:defRPr sz="1800" kern="1200">
+                <a:solidFill>
+                  <a:schemeClr val="tx1"/>
+                </a:solidFill>
+                <a:latin typeface="+mn-lt"/>
+                <a:ea typeface="+mn-ea"/>
+                <a:cs typeface="+mn-cs"/>
+              </a:defRPr>
+            </a:lvl9pPr>
+          </a:lstStyle>
+          <a:p>
+            <a:pPr marL="0" indent="0" algn="ctr">
+              <a:buNone/>
+            </a:pPr>
+            <a:r>
+              <a:rPr lang="en-US" sz="3600" dirty="0"/>
+              <a:t>Ant-Man and The Wasp</a:t>
             </a:r>
           </a:p>
         </p:txBody>
       </p:sp>
       <p:pic>
         <p:nvPicPr>
-          <p:cNvPr id="11" name="Content Placeholder 10">
-            <a:extLst>
-              <a:ext uri="{FF2B5EF4-FFF2-40B4-BE49-F238E27FC236}">
-                <a16:creationId xmlns:a16="http://schemas.microsoft.com/office/drawing/2014/main" id="{E41C1162-AB06-4E30-84D2-9D0E45C3FD28}"/>
+          <p:cNvPr id="10" name="Picture 9">
+            <a:extLst>
+              <a:ext uri="{FF2B5EF4-FFF2-40B4-BE49-F238E27FC236}">
+                <a16:creationId xmlns:a16="http://schemas.microsoft.com/office/drawing/2014/main" id="{8AED039D-E5FF-46C5-ABA6-868AF6B693D4}"/>
               </a:ext>
             </a:extLst>
           </p:cNvPr>
           <p:cNvPicPr>
-            <a:picLocks noGrp="1" noChangeAspect="1"/>
+            <a:picLocks noChangeAspect="1"/>
           </p:cNvPicPr>
-          <p:nvPr>
-            <p:ph idx="1"/>
-          </p:nvPr>
+          <p:nvPr/>
         </p:nvPicPr>
         <p:blipFill>
           <a:blip r:embed="rId3">
@@ -7362,15 +8816,18 @@
         </p:blipFill>
         <p:spPr>
           <a:xfrm>
-            <a:off x="1547812" y="2167731"/>
-            <a:ext cx="9096375" cy="3667125"/>
+            <a:off x="0" y="1944129"/>
+            <a:ext cx="12188952" cy="4913871"/>
           </a:xfrm>
+          <a:prstGeom prst="rect">
+            <a:avLst/>
+          </a:prstGeom>
         </p:spPr>
       </p:pic>
     </p:spTree>
     <p:extLst>
       <p:ext uri="{BB962C8B-B14F-4D97-AF65-F5344CB8AC3E}">
-        <p14:creationId xmlns:p14="http://schemas.microsoft.com/office/powerpoint/2010/main" val="1012909179"/>
+        <p14:creationId xmlns:p14="http://schemas.microsoft.com/office/powerpoint/2010/main" val="4005584866"/>
       </p:ext>
     </p:extLst>
   </p:cSld>
@@ -7399,50 +8856,266 @@
       </p:grpSpPr>
       <p:sp>
         <p:nvSpPr>
-          <p:cNvPr id="2" name="Title 1">
-            <a:extLst>
-              <a:ext uri="{FF2B5EF4-FFF2-40B4-BE49-F238E27FC236}">
-                <a16:creationId xmlns:a16="http://schemas.microsoft.com/office/drawing/2014/main" id="{10D1935D-7173-4F97-BE37-B61900179E68}"/>
-              </a:ext>
-            </a:extLst>
-          </p:cNvPr>
-          <p:cNvSpPr>
-            <a:spLocks noGrp="1"/>
-          </p:cNvSpPr>
-          <p:nvPr>
-            <p:ph type="title"/>
-          </p:nvPr>
-        </p:nvSpPr>
-        <p:spPr/>
-        <p:txBody>
-          <a:bodyPr/>
-          <a:lstStyle/>
-          <a:p>
-            <a:r>
-              <a:rPr lang="en-US" dirty="0"/>
-              <a:t>Race Comparison for International Sales</a:t>
-            </a:r>
-            <a:br>
-              <a:rPr lang="en-US" dirty="0"/>
-            </a:br>
-            <a:r>
-              <a:rPr lang="en-US" dirty="0"/>
-              <a:t>Thor </a:t>
-            </a:r>
-            <a:r>
-              <a:rPr lang="en-US" dirty="0" err="1"/>
-              <a:t>Ragnarok</a:t>
-            </a:r>
-            <a:endParaRPr lang="en-US" dirty="0"/>
+          <p:cNvPr id="4" name="Title 1">
+            <a:extLst>
+              <a:ext uri="{FF2B5EF4-FFF2-40B4-BE49-F238E27FC236}">
+                <a16:creationId xmlns:a16="http://schemas.microsoft.com/office/drawing/2014/main" id="{F03A0307-C142-4AC1-BAB5-29FA4B0E35C8}"/>
+              </a:ext>
+            </a:extLst>
+          </p:cNvPr>
+          <p:cNvSpPr txBox="1">
+            <a:spLocks/>
+          </p:cNvSpPr>
+          <p:nvPr/>
+        </p:nvSpPr>
+        <p:spPr>
+          <a:xfrm>
+            <a:off x="0" y="0"/>
+            <a:ext cx="12190476" cy="1143000"/>
+          </a:xfrm>
+          <a:prstGeom prst="rect">
+            <a:avLst/>
+          </a:prstGeom>
+        </p:spPr>
+        <p:txBody>
+          <a:bodyPr vert="horz" lIns="91440" tIns="45720" rIns="91440" bIns="45720" rtlCol="0" anchor="ctr">
+            <a:noAutofit/>
+          </a:bodyPr>
+          <a:lstStyle>
+            <a:lvl1pPr algn="l" defTabSz="914400" rtl="0" eaLnBrk="1" latinLnBrk="0" hangingPunct="1">
+              <a:lnSpc>
+                <a:spcPct val="90000"/>
+              </a:lnSpc>
+              <a:spcBef>
+                <a:spcPct val="0"/>
+              </a:spcBef>
+              <a:buNone/>
+              <a:defRPr sz="4400" kern="1200">
+                <a:solidFill>
+                  <a:schemeClr val="tx1"/>
+                </a:solidFill>
+                <a:latin typeface="+mj-lt"/>
+                <a:ea typeface="+mj-ea"/>
+                <a:cs typeface="+mj-cs"/>
+              </a:defRPr>
+            </a:lvl1pPr>
+          </a:lstStyle>
+          <a:p>
+            <a:r>
+              <a:rPr lang="en-US" b="1" dirty="0"/>
+              <a:t>Alignment Comparison for International Sales</a:t>
+            </a:r>
+          </a:p>
+        </p:txBody>
+      </p:sp>
+      <p:sp>
+        <p:nvSpPr>
+          <p:cNvPr id="5" name="Content Placeholder 2">
+            <a:extLst>
+              <a:ext uri="{FF2B5EF4-FFF2-40B4-BE49-F238E27FC236}">
+                <a16:creationId xmlns:a16="http://schemas.microsoft.com/office/drawing/2014/main" id="{2337DC42-4AFE-4B33-961A-627B463C91EF}"/>
+              </a:ext>
+            </a:extLst>
+          </p:cNvPr>
+          <p:cNvSpPr txBox="1">
+            <a:spLocks/>
+          </p:cNvSpPr>
+          <p:nvPr/>
+        </p:nvSpPr>
+        <p:spPr>
+          <a:xfrm>
+            <a:off x="1524" y="1143000"/>
+            <a:ext cx="12188952" cy="5714999"/>
+          </a:xfrm>
+          <a:prstGeom prst="rect">
+            <a:avLst/>
+          </a:prstGeom>
+        </p:spPr>
+        <p:txBody>
+          <a:bodyPr vert="horz" lIns="91440" tIns="45720" rIns="91440" bIns="45720" rtlCol="0">
+            <a:normAutofit/>
+          </a:bodyPr>
+          <a:lstStyle>
+            <a:lvl1pPr marL="228600" indent="-228600" algn="l" defTabSz="914400" rtl="0" eaLnBrk="1" latinLnBrk="0" hangingPunct="1">
+              <a:lnSpc>
+                <a:spcPct val="90000"/>
+              </a:lnSpc>
+              <a:spcBef>
+                <a:spcPts val="1000"/>
+              </a:spcBef>
+              <a:buFont typeface="Arial" panose="020B0604020202020204" pitchFamily="34" charset="0"/>
+              <a:buChar char="•"/>
+              <a:defRPr sz="2800" kern="1200">
+                <a:solidFill>
+                  <a:schemeClr val="tx1"/>
+                </a:solidFill>
+                <a:latin typeface="+mn-lt"/>
+                <a:ea typeface="+mn-ea"/>
+                <a:cs typeface="+mn-cs"/>
+              </a:defRPr>
+            </a:lvl1pPr>
+            <a:lvl2pPr marL="685800" indent="-228600" algn="l" defTabSz="914400" rtl="0" eaLnBrk="1" latinLnBrk="0" hangingPunct="1">
+              <a:lnSpc>
+                <a:spcPct val="90000"/>
+              </a:lnSpc>
+              <a:spcBef>
+                <a:spcPts val="500"/>
+              </a:spcBef>
+              <a:buFont typeface="Arial" panose="020B0604020202020204" pitchFamily="34" charset="0"/>
+              <a:buChar char="•"/>
+              <a:defRPr sz="2400" kern="1200">
+                <a:solidFill>
+                  <a:schemeClr val="tx1"/>
+                </a:solidFill>
+                <a:latin typeface="+mn-lt"/>
+                <a:ea typeface="+mn-ea"/>
+                <a:cs typeface="+mn-cs"/>
+              </a:defRPr>
+            </a:lvl2pPr>
+            <a:lvl3pPr marL="1143000" indent="-228600" algn="l" defTabSz="914400" rtl="0" eaLnBrk="1" latinLnBrk="0" hangingPunct="1">
+              <a:lnSpc>
+                <a:spcPct val="90000"/>
+              </a:lnSpc>
+              <a:spcBef>
+                <a:spcPts val="500"/>
+              </a:spcBef>
+              <a:buFont typeface="Arial" panose="020B0604020202020204" pitchFamily="34" charset="0"/>
+              <a:buChar char="•"/>
+              <a:defRPr sz="2000" kern="1200">
+                <a:solidFill>
+                  <a:schemeClr val="tx1"/>
+                </a:solidFill>
+                <a:latin typeface="+mn-lt"/>
+                <a:ea typeface="+mn-ea"/>
+                <a:cs typeface="+mn-cs"/>
+              </a:defRPr>
+            </a:lvl3pPr>
+            <a:lvl4pPr marL="1600200" indent="-228600" algn="l" defTabSz="914400" rtl="0" eaLnBrk="1" latinLnBrk="0" hangingPunct="1">
+              <a:lnSpc>
+                <a:spcPct val="90000"/>
+              </a:lnSpc>
+              <a:spcBef>
+                <a:spcPts val="500"/>
+              </a:spcBef>
+              <a:buFont typeface="Arial" panose="020B0604020202020204" pitchFamily="34" charset="0"/>
+              <a:buChar char="•"/>
+              <a:defRPr sz="1800" kern="1200">
+                <a:solidFill>
+                  <a:schemeClr val="tx1"/>
+                </a:solidFill>
+                <a:latin typeface="+mn-lt"/>
+                <a:ea typeface="+mn-ea"/>
+                <a:cs typeface="+mn-cs"/>
+              </a:defRPr>
+            </a:lvl4pPr>
+            <a:lvl5pPr marL="2057400" indent="-228600" algn="l" defTabSz="914400" rtl="0" eaLnBrk="1" latinLnBrk="0" hangingPunct="1">
+              <a:lnSpc>
+                <a:spcPct val="90000"/>
+              </a:lnSpc>
+              <a:spcBef>
+                <a:spcPts val="500"/>
+              </a:spcBef>
+              <a:buFont typeface="Arial" panose="020B0604020202020204" pitchFamily="34" charset="0"/>
+              <a:buChar char="•"/>
+              <a:defRPr sz="1800" kern="1200">
+                <a:solidFill>
+                  <a:schemeClr val="tx1"/>
+                </a:solidFill>
+                <a:latin typeface="+mn-lt"/>
+                <a:ea typeface="+mn-ea"/>
+                <a:cs typeface="+mn-cs"/>
+              </a:defRPr>
+            </a:lvl5pPr>
+            <a:lvl6pPr marL="2514600" indent="-228600" algn="l" defTabSz="914400" rtl="0" eaLnBrk="1" latinLnBrk="0" hangingPunct="1">
+              <a:lnSpc>
+                <a:spcPct val="90000"/>
+              </a:lnSpc>
+              <a:spcBef>
+                <a:spcPts val="500"/>
+              </a:spcBef>
+              <a:buFont typeface="Arial" panose="020B0604020202020204" pitchFamily="34" charset="0"/>
+              <a:buChar char="•"/>
+              <a:defRPr sz="1800" kern="1200">
+                <a:solidFill>
+                  <a:schemeClr val="tx1"/>
+                </a:solidFill>
+                <a:latin typeface="+mn-lt"/>
+                <a:ea typeface="+mn-ea"/>
+                <a:cs typeface="+mn-cs"/>
+              </a:defRPr>
+            </a:lvl6pPr>
+            <a:lvl7pPr marL="2971800" indent="-228600" algn="l" defTabSz="914400" rtl="0" eaLnBrk="1" latinLnBrk="0" hangingPunct="1">
+              <a:lnSpc>
+                <a:spcPct val="90000"/>
+              </a:lnSpc>
+              <a:spcBef>
+                <a:spcPts val="500"/>
+              </a:spcBef>
+              <a:buFont typeface="Arial" panose="020B0604020202020204" pitchFamily="34" charset="0"/>
+              <a:buChar char="•"/>
+              <a:defRPr sz="1800" kern="1200">
+                <a:solidFill>
+                  <a:schemeClr val="tx1"/>
+                </a:solidFill>
+                <a:latin typeface="+mn-lt"/>
+                <a:ea typeface="+mn-ea"/>
+                <a:cs typeface="+mn-cs"/>
+              </a:defRPr>
+            </a:lvl7pPr>
+            <a:lvl8pPr marL="3429000" indent="-228600" algn="l" defTabSz="914400" rtl="0" eaLnBrk="1" latinLnBrk="0" hangingPunct="1">
+              <a:lnSpc>
+                <a:spcPct val="90000"/>
+              </a:lnSpc>
+              <a:spcBef>
+                <a:spcPts val="500"/>
+              </a:spcBef>
+              <a:buFont typeface="Arial" panose="020B0604020202020204" pitchFamily="34" charset="0"/>
+              <a:buChar char="•"/>
+              <a:defRPr sz="1800" kern="1200">
+                <a:solidFill>
+                  <a:schemeClr val="tx1"/>
+                </a:solidFill>
+                <a:latin typeface="+mn-lt"/>
+                <a:ea typeface="+mn-ea"/>
+                <a:cs typeface="+mn-cs"/>
+              </a:defRPr>
+            </a:lvl8pPr>
+            <a:lvl9pPr marL="3886200" indent="-228600" algn="l" defTabSz="914400" rtl="0" eaLnBrk="1" latinLnBrk="0" hangingPunct="1">
+              <a:lnSpc>
+                <a:spcPct val="90000"/>
+              </a:lnSpc>
+              <a:spcBef>
+                <a:spcPts val="500"/>
+              </a:spcBef>
+              <a:buFont typeface="Arial" panose="020B0604020202020204" pitchFamily="34" charset="0"/>
+              <a:buChar char="•"/>
+              <a:defRPr sz="1800" kern="1200">
+                <a:solidFill>
+                  <a:schemeClr val="tx1"/>
+                </a:solidFill>
+                <a:latin typeface="+mn-lt"/>
+                <a:ea typeface="+mn-ea"/>
+                <a:cs typeface="+mn-cs"/>
+              </a:defRPr>
+            </a:lvl9pPr>
+          </a:lstStyle>
+          <a:p>
+            <a:pPr marL="0" indent="0" algn="ctr">
+              <a:buNone/>
+            </a:pPr>
+            <a:r>
+              <a:rPr lang="en-US" sz="3600" dirty="0"/>
+              <a:t>Venom</a:t>
+            </a:r>
           </a:p>
         </p:txBody>
       </p:sp>
       <p:pic>
         <p:nvPicPr>
-          <p:cNvPr id="11" name="Content Placeholder 10">
-            <a:extLst>
-              <a:ext uri="{FF2B5EF4-FFF2-40B4-BE49-F238E27FC236}">
-                <a16:creationId xmlns:a16="http://schemas.microsoft.com/office/drawing/2014/main" id="{608DE5A4-70F4-4425-A5F5-300D0FF77CED}"/>
+          <p:cNvPr id="10" name="Content Placeholder 9">
+            <a:extLst>
+              <a:ext uri="{FF2B5EF4-FFF2-40B4-BE49-F238E27FC236}">
+                <a16:creationId xmlns:a16="http://schemas.microsoft.com/office/drawing/2014/main" id="{C0469334-7446-4D72-9E96-58041F0540D3}"/>
               </a:ext>
             </a:extLst>
           </p:cNvPr>
@@ -7454,7 +9127,7 @@
           </p:nvPr>
         </p:nvPicPr>
         <p:blipFill>
-          <a:blip r:embed="rId2">
+          <a:blip r:embed="rId3">
             <a:extLst>
               <a:ext uri="{28A0092B-C50C-407E-A947-70E740481C1C}">
                 <a14:useLocalDpi xmlns:a14="http://schemas.microsoft.com/office/drawing/2010/main" val="0"/>
@@ -7467,15 +9140,15 @@
         </p:blipFill>
         <p:spPr>
           <a:xfrm>
-            <a:off x="1547812" y="2167731"/>
-            <a:ext cx="9096375" cy="3667125"/>
+            <a:off x="0" y="1944129"/>
+            <a:ext cx="12188952" cy="4913871"/>
           </a:xfrm>
         </p:spPr>
       </p:pic>
     </p:spTree>
     <p:extLst>
       <p:ext uri="{BB962C8B-B14F-4D97-AF65-F5344CB8AC3E}">
-        <p14:creationId xmlns:p14="http://schemas.microsoft.com/office/powerpoint/2010/main" val="2985350570"/>
+        <p14:creationId xmlns:p14="http://schemas.microsoft.com/office/powerpoint/2010/main" val="1012909179"/>
       </p:ext>
     </p:extLst>
   </p:cSld>
@@ -7504,45 +9177,64 @@
       </p:grpSpPr>
       <p:sp>
         <p:nvSpPr>
-          <p:cNvPr id="2" name="Title 1">
-            <a:extLst>
-              <a:ext uri="{FF2B5EF4-FFF2-40B4-BE49-F238E27FC236}">
-                <a16:creationId xmlns:a16="http://schemas.microsoft.com/office/drawing/2014/main" id="{86542AFD-4341-4B1C-B47C-FD006CAA2BE4}"/>
-              </a:ext>
-            </a:extLst>
-          </p:cNvPr>
-          <p:cNvSpPr>
-            <a:spLocks noGrp="1"/>
-          </p:cNvSpPr>
-          <p:nvPr>
-            <p:ph type="title"/>
-          </p:nvPr>
-        </p:nvSpPr>
-        <p:spPr/>
-        <p:txBody>
-          <a:bodyPr/>
-          <a:lstStyle/>
-          <a:p>
-            <a:r>
-              <a:rPr lang="en-US" dirty="0"/>
+          <p:cNvPr id="4" name="Title 1">
+            <a:extLst>
+              <a:ext uri="{FF2B5EF4-FFF2-40B4-BE49-F238E27FC236}">
+                <a16:creationId xmlns:a16="http://schemas.microsoft.com/office/drawing/2014/main" id="{D6174063-76DC-497D-8729-4584AE2FA0C4}"/>
+              </a:ext>
+            </a:extLst>
+          </p:cNvPr>
+          <p:cNvSpPr txBox="1">
+            <a:spLocks/>
+          </p:cNvSpPr>
+          <p:nvPr/>
+        </p:nvSpPr>
+        <p:spPr>
+          <a:xfrm>
+            <a:off x="0" y="0"/>
+            <a:ext cx="12190476" cy="1143000"/>
+          </a:xfrm>
+          <a:prstGeom prst="rect">
+            <a:avLst/>
+          </a:prstGeom>
+        </p:spPr>
+        <p:txBody>
+          <a:bodyPr vert="horz" lIns="91440" tIns="45720" rIns="91440" bIns="45720" rtlCol="0" anchor="ctr">
+            <a:noAutofit/>
+          </a:bodyPr>
+          <a:lstStyle>
+            <a:lvl1pPr algn="l" defTabSz="914400" rtl="0" eaLnBrk="1" latinLnBrk="0" hangingPunct="1">
+              <a:lnSpc>
+                <a:spcPct val="90000"/>
+              </a:lnSpc>
+              <a:spcBef>
+                <a:spcPct val="0"/>
+              </a:spcBef>
+              <a:buNone/>
+              <a:defRPr sz="4400" kern="1200">
+                <a:solidFill>
+                  <a:schemeClr val="tx1"/>
+                </a:solidFill>
+                <a:latin typeface="+mj-lt"/>
+                <a:ea typeface="+mj-ea"/>
+                <a:cs typeface="+mj-cs"/>
+              </a:defRPr>
+            </a:lvl1pPr>
+          </a:lstStyle>
+          <a:p>
+            <a:r>
+              <a:rPr lang="en-US" b="1" dirty="0"/>
               <a:t>Race Comparison for International Sales</a:t>
-            </a:r>
-            <a:br>
-              <a:rPr lang="en-US" dirty="0"/>
-            </a:br>
-            <a:r>
-              <a:rPr lang="en-US" dirty="0"/>
-              <a:t>Spider Man Homecoming</a:t>
             </a:r>
           </a:p>
         </p:txBody>
       </p:sp>
       <p:pic>
         <p:nvPicPr>
-          <p:cNvPr id="11" name="Content Placeholder 10">
-            <a:extLst>
-              <a:ext uri="{FF2B5EF4-FFF2-40B4-BE49-F238E27FC236}">
-                <a16:creationId xmlns:a16="http://schemas.microsoft.com/office/drawing/2014/main" id="{702FFA67-1FDA-4302-963E-B1AD52F8DA53}"/>
+          <p:cNvPr id="9" name="Content Placeholder 8">
+            <a:extLst>
+              <a:ext uri="{FF2B5EF4-FFF2-40B4-BE49-F238E27FC236}">
+                <a16:creationId xmlns:a16="http://schemas.microsoft.com/office/drawing/2014/main" id="{0E1FAFBF-B1EA-4A05-ADE6-3C4F4FA8636A}"/>
               </a:ext>
             </a:extLst>
           </p:cNvPr>
@@ -7567,15 +9259,222 @@
         </p:blipFill>
         <p:spPr>
           <a:xfrm>
-            <a:off x="1547812" y="2167731"/>
-            <a:ext cx="9096375" cy="3667125"/>
+            <a:off x="0" y="1944129"/>
+            <a:ext cx="12188952" cy="4913871"/>
           </a:xfrm>
         </p:spPr>
       </p:pic>
+      <p:sp>
+        <p:nvSpPr>
+          <p:cNvPr id="12" name="Content Placeholder 2">
+            <a:extLst>
+              <a:ext uri="{FF2B5EF4-FFF2-40B4-BE49-F238E27FC236}">
+                <a16:creationId xmlns:a16="http://schemas.microsoft.com/office/drawing/2014/main" id="{E67E5748-8849-4797-B128-BD7A2BFCA1CF}"/>
+              </a:ext>
+            </a:extLst>
+          </p:cNvPr>
+          <p:cNvSpPr txBox="1">
+            <a:spLocks/>
+          </p:cNvSpPr>
+          <p:nvPr/>
+        </p:nvSpPr>
+        <p:spPr>
+          <a:xfrm>
+            <a:off x="1524" y="1143000"/>
+            <a:ext cx="12188952" cy="5714999"/>
+          </a:xfrm>
+          <a:prstGeom prst="rect">
+            <a:avLst/>
+          </a:prstGeom>
+        </p:spPr>
+        <p:txBody>
+          <a:bodyPr vert="horz" lIns="91440" tIns="45720" rIns="91440" bIns="45720" rtlCol="0">
+            <a:normAutofit/>
+          </a:bodyPr>
+          <a:lstStyle>
+            <a:lvl1pPr marL="228600" indent="-228600" algn="l" defTabSz="914400" rtl="0" eaLnBrk="1" latinLnBrk="0" hangingPunct="1">
+              <a:lnSpc>
+                <a:spcPct val="90000"/>
+              </a:lnSpc>
+              <a:spcBef>
+                <a:spcPts val="1000"/>
+              </a:spcBef>
+              <a:buFont typeface="Arial" panose="020B0604020202020204" pitchFamily="34" charset="0"/>
+              <a:buChar char="•"/>
+              <a:defRPr sz="2800" kern="1200">
+                <a:solidFill>
+                  <a:schemeClr val="tx1"/>
+                </a:solidFill>
+                <a:latin typeface="+mn-lt"/>
+                <a:ea typeface="+mn-ea"/>
+                <a:cs typeface="+mn-cs"/>
+              </a:defRPr>
+            </a:lvl1pPr>
+            <a:lvl2pPr marL="685800" indent="-228600" algn="l" defTabSz="914400" rtl="0" eaLnBrk="1" latinLnBrk="0" hangingPunct="1">
+              <a:lnSpc>
+                <a:spcPct val="90000"/>
+              </a:lnSpc>
+              <a:spcBef>
+                <a:spcPts val="500"/>
+              </a:spcBef>
+              <a:buFont typeface="Arial" panose="020B0604020202020204" pitchFamily="34" charset="0"/>
+              <a:buChar char="•"/>
+              <a:defRPr sz="2400" kern="1200">
+                <a:solidFill>
+                  <a:schemeClr val="tx1"/>
+                </a:solidFill>
+                <a:latin typeface="+mn-lt"/>
+                <a:ea typeface="+mn-ea"/>
+                <a:cs typeface="+mn-cs"/>
+              </a:defRPr>
+            </a:lvl2pPr>
+            <a:lvl3pPr marL="1143000" indent="-228600" algn="l" defTabSz="914400" rtl="0" eaLnBrk="1" latinLnBrk="0" hangingPunct="1">
+              <a:lnSpc>
+                <a:spcPct val="90000"/>
+              </a:lnSpc>
+              <a:spcBef>
+                <a:spcPts val="500"/>
+              </a:spcBef>
+              <a:buFont typeface="Arial" panose="020B0604020202020204" pitchFamily="34" charset="0"/>
+              <a:buChar char="•"/>
+              <a:defRPr sz="2000" kern="1200">
+                <a:solidFill>
+                  <a:schemeClr val="tx1"/>
+                </a:solidFill>
+                <a:latin typeface="+mn-lt"/>
+                <a:ea typeface="+mn-ea"/>
+                <a:cs typeface="+mn-cs"/>
+              </a:defRPr>
+            </a:lvl3pPr>
+            <a:lvl4pPr marL="1600200" indent="-228600" algn="l" defTabSz="914400" rtl="0" eaLnBrk="1" latinLnBrk="0" hangingPunct="1">
+              <a:lnSpc>
+                <a:spcPct val="90000"/>
+              </a:lnSpc>
+              <a:spcBef>
+                <a:spcPts val="500"/>
+              </a:spcBef>
+              <a:buFont typeface="Arial" panose="020B0604020202020204" pitchFamily="34" charset="0"/>
+              <a:buChar char="•"/>
+              <a:defRPr sz="1800" kern="1200">
+                <a:solidFill>
+                  <a:schemeClr val="tx1"/>
+                </a:solidFill>
+                <a:latin typeface="+mn-lt"/>
+                <a:ea typeface="+mn-ea"/>
+                <a:cs typeface="+mn-cs"/>
+              </a:defRPr>
+            </a:lvl4pPr>
+            <a:lvl5pPr marL="2057400" indent="-228600" algn="l" defTabSz="914400" rtl="0" eaLnBrk="1" latinLnBrk="0" hangingPunct="1">
+              <a:lnSpc>
+                <a:spcPct val="90000"/>
+              </a:lnSpc>
+              <a:spcBef>
+                <a:spcPts val="500"/>
+              </a:spcBef>
+              <a:buFont typeface="Arial" panose="020B0604020202020204" pitchFamily="34" charset="0"/>
+              <a:buChar char="•"/>
+              <a:defRPr sz="1800" kern="1200">
+                <a:solidFill>
+                  <a:schemeClr val="tx1"/>
+                </a:solidFill>
+                <a:latin typeface="+mn-lt"/>
+                <a:ea typeface="+mn-ea"/>
+                <a:cs typeface="+mn-cs"/>
+              </a:defRPr>
+            </a:lvl5pPr>
+            <a:lvl6pPr marL="2514600" indent="-228600" algn="l" defTabSz="914400" rtl="0" eaLnBrk="1" latinLnBrk="0" hangingPunct="1">
+              <a:lnSpc>
+                <a:spcPct val="90000"/>
+              </a:lnSpc>
+              <a:spcBef>
+                <a:spcPts val="500"/>
+              </a:spcBef>
+              <a:buFont typeface="Arial" panose="020B0604020202020204" pitchFamily="34" charset="0"/>
+              <a:buChar char="•"/>
+              <a:defRPr sz="1800" kern="1200">
+                <a:solidFill>
+                  <a:schemeClr val="tx1"/>
+                </a:solidFill>
+                <a:latin typeface="+mn-lt"/>
+                <a:ea typeface="+mn-ea"/>
+                <a:cs typeface="+mn-cs"/>
+              </a:defRPr>
+            </a:lvl6pPr>
+            <a:lvl7pPr marL="2971800" indent="-228600" algn="l" defTabSz="914400" rtl="0" eaLnBrk="1" latinLnBrk="0" hangingPunct="1">
+              <a:lnSpc>
+                <a:spcPct val="90000"/>
+              </a:lnSpc>
+              <a:spcBef>
+                <a:spcPts val="500"/>
+              </a:spcBef>
+              <a:buFont typeface="Arial" panose="020B0604020202020204" pitchFamily="34" charset="0"/>
+              <a:buChar char="•"/>
+              <a:defRPr sz="1800" kern="1200">
+                <a:solidFill>
+                  <a:schemeClr val="tx1"/>
+                </a:solidFill>
+                <a:latin typeface="+mn-lt"/>
+                <a:ea typeface="+mn-ea"/>
+                <a:cs typeface="+mn-cs"/>
+              </a:defRPr>
+            </a:lvl7pPr>
+            <a:lvl8pPr marL="3429000" indent="-228600" algn="l" defTabSz="914400" rtl="0" eaLnBrk="1" latinLnBrk="0" hangingPunct="1">
+              <a:lnSpc>
+                <a:spcPct val="90000"/>
+              </a:lnSpc>
+              <a:spcBef>
+                <a:spcPts val="500"/>
+              </a:spcBef>
+              <a:buFont typeface="Arial" panose="020B0604020202020204" pitchFamily="34" charset="0"/>
+              <a:buChar char="•"/>
+              <a:defRPr sz="1800" kern="1200">
+                <a:solidFill>
+                  <a:schemeClr val="tx1"/>
+                </a:solidFill>
+                <a:latin typeface="+mn-lt"/>
+                <a:ea typeface="+mn-ea"/>
+                <a:cs typeface="+mn-cs"/>
+              </a:defRPr>
+            </a:lvl8pPr>
+            <a:lvl9pPr marL="3886200" indent="-228600" algn="l" defTabSz="914400" rtl="0" eaLnBrk="1" latinLnBrk="0" hangingPunct="1">
+              <a:lnSpc>
+                <a:spcPct val="90000"/>
+              </a:lnSpc>
+              <a:spcBef>
+                <a:spcPts val="500"/>
+              </a:spcBef>
+              <a:buFont typeface="Arial" panose="020B0604020202020204" pitchFamily="34" charset="0"/>
+              <a:buChar char="•"/>
+              <a:defRPr sz="1800" kern="1200">
+                <a:solidFill>
+                  <a:schemeClr val="tx1"/>
+                </a:solidFill>
+                <a:latin typeface="+mn-lt"/>
+                <a:ea typeface="+mn-ea"/>
+                <a:cs typeface="+mn-cs"/>
+              </a:defRPr>
+            </a:lvl9pPr>
+          </a:lstStyle>
+          <a:p>
+            <a:pPr marL="0" indent="0" algn="ctr">
+              <a:buNone/>
+            </a:pPr>
+            <a:r>
+              <a:rPr lang="en-US" sz="3600" dirty="0"/>
+              <a:t>Thor: </a:t>
+            </a:r>
+            <a:r>
+              <a:rPr lang="en-US" sz="3600" dirty="0" err="1"/>
+              <a:t>Ragnarok</a:t>
+            </a:r>
+            <a:endParaRPr lang="en-US" sz="3600" dirty="0"/>
+          </a:p>
+        </p:txBody>
+      </p:sp>
     </p:spTree>
     <p:extLst>
       <p:ext uri="{BB962C8B-B14F-4D97-AF65-F5344CB8AC3E}">
-        <p14:creationId xmlns:p14="http://schemas.microsoft.com/office/powerpoint/2010/main" val="3475884604"/>
+        <p14:creationId xmlns:p14="http://schemas.microsoft.com/office/powerpoint/2010/main" val="2985350570"/>
       </p:ext>
     </p:extLst>
   </p:cSld>
@@ -7604,45 +9503,64 @@
       </p:grpSpPr>
       <p:sp>
         <p:nvSpPr>
-          <p:cNvPr id="2" name="Title 1">
-            <a:extLst>
-              <a:ext uri="{FF2B5EF4-FFF2-40B4-BE49-F238E27FC236}">
-                <a16:creationId xmlns:a16="http://schemas.microsoft.com/office/drawing/2014/main" id="{57F5348B-9EE8-480A-9D04-80CB8A97341F}"/>
-              </a:ext>
-            </a:extLst>
-          </p:cNvPr>
-          <p:cNvSpPr>
-            <a:spLocks noGrp="1"/>
-          </p:cNvSpPr>
-          <p:nvPr>
-            <p:ph type="title"/>
-          </p:nvPr>
-        </p:nvSpPr>
-        <p:spPr/>
-        <p:txBody>
-          <a:bodyPr/>
-          <a:lstStyle/>
-          <a:p>
-            <a:r>
-              <a:rPr lang="en-US" dirty="0"/>
-              <a:t>Ethnicity Comparison for International Sales</a:t>
-            </a:r>
-            <a:br>
-              <a:rPr lang="en-US" dirty="0"/>
-            </a:br>
-            <a:r>
-              <a:rPr lang="en-US" dirty="0"/>
-              <a:t>Dark Knight Rises</a:t>
+          <p:cNvPr id="4" name="Title 1">
+            <a:extLst>
+              <a:ext uri="{FF2B5EF4-FFF2-40B4-BE49-F238E27FC236}">
+                <a16:creationId xmlns:a16="http://schemas.microsoft.com/office/drawing/2014/main" id="{188B0A9A-5B5B-4DEC-A111-C5752B17D9CF}"/>
+              </a:ext>
+            </a:extLst>
+          </p:cNvPr>
+          <p:cNvSpPr txBox="1">
+            <a:spLocks/>
+          </p:cNvSpPr>
+          <p:nvPr/>
+        </p:nvSpPr>
+        <p:spPr>
+          <a:xfrm>
+            <a:off x="0" y="0"/>
+            <a:ext cx="12190476" cy="1143000"/>
+          </a:xfrm>
+          <a:prstGeom prst="rect">
+            <a:avLst/>
+          </a:prstGeom>
+        </p:spPr>
+        <p:txBody>
+          <a:bodyPr vert="horz" lIns="91440" tIns="45720" rIns="91440" bIns="45720" rtlCol="0" anchor="ctr">
+            <a:noAutofit/>
+          </a:bodyPr>
+          <a:lstStyle>
+            <a:lvl1pPr algn="l" defTabSz="914400" rtl="0" eaLnBrk="1" latinLnBrk="0" hangingPunct="1">
+              <a:lnSpc>
+                <a:spcPct val="90000"/>
+              </a:lnSpc>
+              <a:spcBef>
+                <a:spcPct val="0"/>
+              </a:spcBef>
+              <a:buNone/>
+              <a:defRPr sz="4400" kern="1200">
+                <a:solidFill>
+                  <a:schemeClr val="tx1"/>
+                </a:solidFill>
+                <a:latin typeface="+mj-lt"/>
+                <a:ea typeface="+mj-ea"/>
+                <a:cs typeface="+mj-cs"/>
+              </a:defRPr>
+            </a:lvl1pPr>
+          </a:lstStyle>
+          <a:p>
+            <a:r>
+              <a:rPr lang="en-US" b="1" dirty="0"/>
+              <a:t>Race Comparison for International Sales</a:t>
             </a:r>
           </a:p>
         </p:txBody>
       </p:sp>
       <p:pic>
         <p:nvPicPr>
-          <p:cNvPr id="11" name="Content Placeholder 10">
-            <a:extLst>
-              <a:ext uri="{FF2B5EF4-FFF2-40B4-BE49-F238E27FC236}">
-                <a16:creationId xmlns:a16="http://schemas.microsoft.com/office/drawing/2014/main" id="{3681745B-05B9-4E20-864D-0E705794FCC3}"/>
+          <p:cNvPr id="9" name="Content Placeholder 8">
+            <a:extLst>
+              <a:ext uri="{FF2B5EF4-FFF2-40B4-BE49-F238E27FC236}">
+                <a16:creationId xmlns:a16="http://schemas.microsoft.com/office/drawing/2014/main" id="{EE1126FD-3510-4639-B320-63AE5CB39F9A}"/>
               </a:ext>
             </a:extLst>
           </p:cNvPr>
@@ -7667,15 +9585,217 @@
         </p:blipFill>
         <p:spPr>
           <a:xfrm>
-            <a:off x="1547812" y="2167731"/>
-            <a:ext cx="9096375" cy="3667125"/>
+            <a:off x="1524" y="1944129"/>
+            <a:ext cx="12188952" cy="4913871"/>
           </a:xfrm>
         </p:spPr>
       </p:pic>
+      <p:sp>
+        <p:nvSpPr>
+          <p:cNvPr id="12" name="Content Placeholder 2">
+            <a:extLst>
+              <a:ext uri="{FF2B5EF4-FFF2-40B4-BE49-F238E27FC236}">
+                <a16:creationId xmlns:a16="http://schemas.microsoft.com/office/drawing/2014/main" id="{C0CC014C-DAE9-4025-B417-6B18AF5A1EB9}"/>
+              </a:ext>
+            </a:extLst>
+          </p:cNvPr>
+          <p:cNvSpPr txBox="1">
+            <a:spLocks/>
+          </p:cNvSpPr>
+          <p:nvPr/>
+        </p:nvSpPr>
+        <p:spPr>
+          <a:xfrm>
+            <a:off x="1524" y="1143000"/>
+            <a:ext cx="12188952" cy="5714999"/>
+          </a:xfrm>
+          <a:prstGeom prst="rect">
+            <a:avLst/>
+          </a:prstGeom>
+        </p:spPr>
+        <p:txBody>
+          <a:bodyPr vert="horz" lIns="91440" tIns="45720" rIns="91440" bIns="45720" rtlCol="0">
+            <a:normAutofit/>
+          </a:bodyPr>
+          <a:lstStyle>
+            <a:lvl1pPr marL="228600" indent="-228600" algn="l" defTabSz="914400" rtl="0" eaLnBrk="1" latinLnBrk="0" hangingPunct="1">
+              <a:lnSpc>
+                <a:spcPct val="90000"/>
+              </a:lnSpc>
+              <a:spcBef>
+                <a:spcPts val="1000"/>
+              </a:spcBef>
+              <a:buFont typeface="Arial" panose="020B0604020202020204" pitchFamily="34" charset="0"/>
+              <a:buChar char="•"/>
+              <a:defRPr sz="2800" kern="1200">
+                <a:solidFill>
+                  <a:schemeClr val="tx1"/>
+                </a:solidFill>
+                <a:latin typeface="+mn-lt"/>
+                <a:ea typeface="+mn-ea"/>
+                <a:cs typeface="+mn-cs"/>
+              </a:defRPr>
+            </a:lvl1pPr>
+            <a:lvl2pPr marL="685800" indent="-228600" algn="l" defTabSz="914400" rtl="0" eaLnBrk="1" latinLnBrk="0" hangingPunct="1">
+              <a:lnSpc>
+                <a:spcPct val="90000"/>
+              </a:lnSpc>
+              <a:spcBef>
+                <a:spcPts val="500"/>
+              </a:spcBef>
+              <a:buFont typeface="Arial" panose="020B0604020202020204" pitchFamily="34" charset="0"/>
+              <a:buChar char="•"/>
+              <a:defRPr sz="2400" kern="1200">
+                <a:solidFill>
+                  <a:schemeClr val="tx1"/>
+                </a:solidFill>
+                <a:latin typeface="+mn-lt"/>
+                <a:ea typeface="+mn-ea"/>
+                <a:cs typeface="+mn-cs"/>
+              </a:defRPr>
+            </a:lvl2pPr>
+            <a:lvl3pPr marL="1143000" indent="-228600" algn="l" defTabSz="914400" rtl="0" eaLnBrk="1" latinLnBrk="0" hangingPunct="1">
+              <a:lnSpc>
+                <a:spcPct val="90000"/>
+              </a:lnSpc>
+              <a:spcBef>
+                <a:spcPts val="500"/>
+              </a:spcBef>
+              <a:buFont typeface="Arial" panose="020B0604020202020204" pitchFamily="34" charset="0"/>
+              <a:buChar char="•"/>
+              <a:defRPr sz="2000" kern="1200">
+                <a:solidFill>
+                  <a:schemeClr val="tx1"/>
+                </a:solidFill>
+                <a:latin typeface="+mn-lt"/>
+                <a:ea typeface="+mn-ea"/>
+                <a:cs typeface="+mn-cs"/>
+              </a:defRPr>
+            </a:lvl3pPr>
+            <a:lvl4pPr marL="1600200" indent="-228600" algn="l" defTabSz="914400" rtl="0" eaLnBrk="1" latinLnBrk="0" hangingPunct="1">
+              <a:lnSpc>
+                <a:spcPct val="90000"/>
+              </a:lnSpc>
+              <a:spcBef>
+                <a:spcPts val="500"/>
+              </a:spcBef>
+              <a:buFont typeface="Arial" panose="020B0604020202020204" pitchFamily="34" charset="0"/>
+              <a:buChar char="•"/>
+              <a:defRPr sz="1800" kern="1200">
+                <a:solidFill>
+                  <a:schemeClr val="tx1"/>
+                </a:solidFill>
+                <a:latin typeface="+mn-lt"/>
+                <a:ea typeface="+mn-ea"/>
+                <a:cs typeface="+mn-cs"/>
+              </a:defRPr>
+            </a:lvl4pPr>
+            <a:lvl5pPr marL="2057400" indent="-228600" algn="l" defTabSz="914400" rtl="0" eaLnBrk="1" latinLnBrk="0" hangingPunct="1">
+              <a:lnSpc>
+                <a:spcPct val="90000"/>
+              </a:lnSpc>
+              <a:spcBef>
+                <a:spcPts val="500"/>
+              </a:spcBef>
+              <a:buFont typeface="Arial" panose="020B0604020202020204" pitchFamily="34" charset="0"/>
+              <a:buChar char="•"/>
+              <a:defRPr sz="1800" kern="1200">
+                <a:solidFill>
+                  <a:schemeClr val="tx1"/>
+                </a:solidFill>
+                <a:latin typeface="+mn-lt"/>
+                <a:ea typeface="+mn-ea"/>
+                <a:cs typeface="+mn-cs"/>
+              </a:defRPr>
+            </a:lvl5pPr>
+            <a:lvl6pPr marL="2514600" indent="-228600" algn="l" defTabSz="914400" rtl="0" eaLnBrk="1" latinLnBrk="0" hangingPunct="1">
+              <a:lnSpc>
+                <a:spcPct val="90000"/>
+              </a:lnSpc>
+              <a:spcBef>
+                <a:spcPts val="500"/>
+              </a:spcBef>
+              <a:buFont typeface="Arial" panose="020B0604020202020204" pitchFamily="34" charset="0"/>
+              <a:buChar char="•"/>
+              <a:defRPr sz="1800" kern="1200">
+                <a:solidFill>
+                  <a:schemeClr val="tx1"/>
+                </a:solidFill>
+                <a:latin typeface="+mn-lt"/>
+                <a:ea typeface="+mn-ea"/>
+                <a:cs typeface="+mn-cs"/>
+              </a:defRPr>
+            </a:lvl6pPr>
+            <a:lvl7pPr marL="2971800" indent="-228600" algn="l" defTabSz="914400" rtl="0" eaLnBrk="1" latinLnBrk="0" hangingPunct="1">
+              <a:lnSpc>
+                <a:spcPct val="90000"/>
+              </a:lnSpc>
+              <a:spcBef>
+                <a:spcPts val="500"/>
+              </a:spcBef>
+              <a:buFont typeface="Arial" panose="020B0604020202020204" pitchFamily="34" charset="0"/>
+              <a:buChar char="•"/>
+              <a:defRPr sz="1800" kern="1200">
+                <a:solidFill>
+                  <a:schemeClr val="tx1"/>
+                </a:solidFill>
+                <a:latin typeface="+mn-lt"/>
+                <a:ea typeface="+mn-ea"/>
+                <a:cs typeface="+mn-cs"/>
+              </a:defRPr>
+            </a:lvl7pPr>
+            <a:lvl8pPr marL="3429000" indent="-228600" algn="l" defTabSz="914400" rtl="0" eaLnBrk="1" latinLnBrk="0" hangingPunct="1">
+              <a:lnSpc>
+                <a:spcPct val="90000"/>
+              </a:lnSpc>
+              <a:spcBef>
+                <a:spcPts val="500"/>
+              </a:spcBef>
+              <a:buFont typeface="Arial" panose="020B0604020202020204" pitchFamily="34" charset="0"/>
+              <a:buChar char="•"/>
+              <a:defRPr sz="1800" kern="1200">
+                <a:solidFill>
+                  <a:schemeClr val="tx1"/>
+                </a:solidFill>
+                <a:latin typeface="+mn-lt"/>
+                <a:ea typeface="+mn-ea"/>
+                <a:cs typeface="+mn-cs"/>
+              </a:defRPr>
+            </a:lvl8pPr>
+            <a:lvl9pPr marL="3886200" indent="-228600" algn="l" defTabSz="914400" rtl="0" eaLnBrk="1" latinLnBrk="0" hangingPunct="1">
+              <a:lnSpc>
+                <a:spcPct val="90000"/>
+              </a:lnSpc>
+              <a:spcBef>
+                <a:spcPts val="500"/>
+              </a:spcBef>
+              <a:buFont typeface="Arial" panose="020B0604020202020204" pitchFamily="34" charset="0"/>
+              <a:buChar char="•"/>
+              <a:defRPr sz="1800" kern="1200">
+                <a:solidFill>
+                  <a:schemeClr val="tx1"/>
+                </a:solidFill>
+                <a:latin typeface="+mn-lt"/>
+                <a:ea typeface="+mn-ea"/>
+                <a:cs typeface="+mn-cs"/>
+              </a:defRPr>
+            </a:lvl9pPr>
+          </a:lstStyle>
+          <a:p>
+            <a:pPr marL="0" indent="0" algn="ctr">
+              <a:buNone/>
+            </a:pPr>
+            <a:r>
+              <a:rPr lang="en-US" sz="3600" dirty="0"/>
+              <a:t>Spider-Man: Homecoming</a:t>
+            </a:r>
+          </a:p>
+        </p:txBody>
+      </p:sp>
     </p:spTree>
     <p:extLst>
       <p:ext uri="{BB962C8B-B14F-4D97-AF65-F5344CB8AC3E}">
-        <p14:creationId xmlns:p14="http://schemas.microsoft.com/office/powerpoint/2010/main" val="633886611"/>
+        <p14:creationId xmlns:p14="http://schemas.microsoft.com/office/powerpoint/2010/main" val="3475884604"/>
       </p:ext>
     </p:extLst>
   </p:cSld>
@@ -7704,47 +9824,266 @@
       </p:grpSpPr>
       <p:sp>
         <p:nvSpPr>
-          <p:cNvPr id="2" name="Title 1">
-            <a:extLst>
-              <a:ext uri="{FF2B5EF4-FFF2-40B4-BE49-F238E27FC236}">
-                <a16:creationId xmlns:a16="http://schemas.microsoft.com/office/drawing/2014/main" id="{C976D8FE-67B2-4F61-B59A-61A0B74CBE00}"/>
-              </a:ext>
-            </a:extLst>
-          </p:cNvPr>
-          <p:cNvSpPr>
-            <a:spLocks noGrp="1"/>
-          </p:cNvSpPr>
-          <p:nvPr>
-            <p:ph type="title"/>
-          </p:nvPr>
-        </p:nvSpPr>
-        <p:spPr/>
-        <p:txBody>
-          <a:bodyPr>
+          <p:cNvPr id="4" name="Title 1">
+            <a:extLst>
+              <a:ext uri="{FF2B5EF4-FFF2-40B4-BE49-F238E27FC236}">
+                <a16:creationId xmlns:a16="http://schemas.microsoft.com/office/drawing/2014/main" id="{20C3EA8C-640E-4293-8E6B-9ADF986D5EC2}"/>
+              </a:ext>
+            </a:extLst>
+          </p:cNvPr>
+          <p:cNvSpPr txBox="1">
+            <a:spLocks/>
+          </p:cNvSpPr>
+          <p:nvPr/>
+        </p:nvSpPr>
+        <p:spPr>
+          <a:xfrm>
+            <a:off x="0" y="0"/>
+            <a:ext cx="12190476" cy="1143000"/>
+          </a:xfrm>
+          <a:prstGeom prst="rect">
+            <a:avLst/>
+          </a:prstGeom>
+        </p:spPr>
+        <p:txBody>
+          <a:bodyPr vert="horz" lIns="91440" tIns="45720" rIns="91440" bIns="45720" rtlCol="0" anchor="ctr">
+            <a:noAutofit/>
+          </a:bodyPr>
+          <a:lstStyle>
+            <a:lvl1pPr algn="l" defTabSz="914400" rtl="0" eaLnBrk="1" latinLnBrk="0" hangingPunct="1">
+              <a:lnSpc>
+                <a:spcPct val="90000"/>
+              </a:lnSpc>
+              <a:spcBef>
+                <a:spcPct val="0"/>
+              </a:spcBef>
+              <a:buNone/>
+              <a:defRPr sz="4400" kern="1200">
+                <a:solidFill>
+                  <a:schemeClr val="tx1"/>
+                </a:solidFill>
+                <a:latin typeface="+mj-lt"/>
+                <a:ea typeface="+mj-ea"/>
+                <a:cs typeface="+mj-cs"/>
+              </a:defRPr>
+            </a:lvl1pPr>
+          </a:lstStyle>
+          <a:p>
+            <a:r>
+              <a:rPr lang="en-US" b="1" dirty="0"/>
+              <a:t>Ethnicity Comparison for International Sales</a:t>
+            </a:r>
+          </a:p>
+        </p:txBody>
+      </p:sp>
+      <p:sp>
+        <p:nvSpPr>
+          <p:cNvPr id="5" name="Content Placeholder 2">
+            <a:extLst>
+              <a:ext uri="{FF2B5EF4-FFF2-40B4-BE49-F238E27FC236}">
+                <a16:creationId xmlns:a16="http://schemas.microsoft.com/office/drawing/2014/main" id="{239BF36F-6279-487A-B98D-2D76BFD57BC6}"/>
+              </a:ext>
+            </a:extLst>
+          </p:cNvPr>
+          <p:cNvSpPr txBox="1">
+            <a:spLocks/>
+          </p:cNvSpPr>
+          <p:nvPr/>
+        </p:nvSpPr>
+        <p:spPr>
+          <a:xfrm>
+            <a:off x="1524" y="1143000"/>
+            <a:ext cx="12188952" cy="5714999"/>
+          </a:xfrm>
+          <a:prstGeom prst="rect">
+            <a:avLst/>
+          </a:prstGeom>
+        </p:spPr>
+        <p:txBody>
+          <a:bodyPr vert="horz" lIns="91440" tIns="45720" rIns="91440" bIns="45720" rtlCol="0">
             <a:normAutofit/>
           </a:bodyPr>
-          <a:lstStyle/>
-          <a:p>
-            <a:r>
-              <a:rPr lang="en-US" dirty="0"/>
-              <a:t>Ethnicity Comparison for International Sales</a:t>
-            </a:r>
-            <a:br>
-              <a:rPr lang="en-US" dirty="0"/>
-            </a:br>
-            <a:r>
-              <a:rPr lang="en-US" dirty="0"/>
-              <a:t>Black Panther</a:t>
+          <a:lstStyle>
+            <a:lvl1pPr marL="228600" indent="-228600" algn="l" defTabSz="914400" rtl="0" eaLnBrk="1" latinLnBrk="0" hangingPunct="1">
+              <a:lnSpc>
+                <a:spcPct val="90000"/>
+              </a:lnSpc>
+              <a:spcBef>
+                <a:spcPts val="1000"/>
+              </a:spcBef>
+              <a:buFont typeface="Arial" panose="020B0604020202020204" pitchFamily="34" charset="0"/>
+              <a:buChar char="•"/>
+              <a:defRPr sz="2800" kern="1200">
+                <a:solidFill>
+                  <a:schemeClr val="tx1"/>
+                </a:solidFill>
+                <a:latin typeface="+mn-lt"/>
+                <a:ea typeface="+mn-ea"/>
+                <a:cs typeface="+mn-cs"/>
+              </a:defRPr>
+            </a:lvl1pPr>
+            <a:lvl2pPr marL="685800" indent="-228600" algn="l" defTabSz="914400" rtl="0" eaLnBrk="1" latinLnBrk="0" hangingPunct="1">
+              <a:lnSpc>
+                <a:spcPct val="90000"/>
+              </a:lnSpc>
+              <a:spcBef>
+                <a:spcPts val="500"/>
+              </a:spcBef>
+              <a:buFont typeface="Arial" panose="020B0604020202020204" pitchFamily="34" charset="0"/>
+              <a:buChar char="•"/>
+              <a:defRPr sz="2400" kern="1200">
+                <a:solidFill>
+                  <a:schemeClr val="tx1"/>
+                </a:solidFill>
+                <a:latin typeface="+mn-lt"/>
+                <a:ea typeface="+mn-ea"/>
+                <a:cs typeface="+mn-cs"/>
+              </a:defRPr>
+            </a:lvl2pPr>
+            <a:lvl3pPr marL="1143000" indent="-228600" algn="l" defTabSz="914400" rtl="0" eaLnBrk="1" latinLnBrk="0" hangingPunct="1">
+              <a:lnSpc>
+                <a:spcPct val="90000"/>
+              </a:lnSpc>
+              <a:spcBef>
+                <a:spcPts val="500"/>
+              </a:spcBef>
+              <a:buFont typeface="Arial" panose="020B0604020202020204" pitchFamily="34" charset="0"/>
+              <a:buChar char="•"/>
+              <a:defRPr sz="2000" kern="1200">
+                <a:solidFill>
+                  <a:schemeClr val="tx1"/>
+                </a:solidFill>
+                <a:latin typeface="+mn-lt"/>
+                <a:ea typeface="+mn-ea"/>
+                <a:cs typeface="+mn-cs"/>
+              </a:defRPr>
+            </a:lvl3pPr>
+            <a:lvl4pPr marL="1600200" indent="-228600" algn="l" defTabSz="914400" rtl="0" eaLnBrk="1" latinLnBrk="0" hangingPunct="1">
+              <a:lnSpc>
+                <a:spcPct val="90000"/>
+              </a:lnSpc>
+              <a:spcBef>
+                <a:spcPts val="500"/>
+              </a:spcBef>
+              <a:buFont typeface="Arial" panose="020B0604020202020204" pitchFamily="34" charset="0"/>
+              <a:buChar char="•"/>
+              <a:defRPr sz="1800" kern="1200">
+                <a:solidFill>
+                  <a:schemeClr val="tx1"/>
+                </a:solidFill>
+                <a:latin typeface="+mn-lt"/>
+                <a:ea typeface="+mn-ea"/>
+                <a:cs typeface="+mn-cs"/>
+              </a:defRPr>
+            </a:lvl4pPr>
+            <a:lvl5pPr marL="2057400" indent="-228600" algn="l" defTabSz="914400" rtl="0" eaLnBrk="1" latinLnBrk="0" hangingPunct="1">
+              <a:lnSpc>
+                <a:spcPct val="90000"/>
+              </a:lnSpc>
+              <a:spcBef>
+                <a:spcPts val="500"/>
+              </a:spcBef>
+              <a:buFont typeface="Arial" panose="020B0604020202020204" pitchFamily="34" charset="0"/>
+              <a:buChar char="•"/>
+              <a:defRPr sz="1800" kern="1200">
+                <a:solidFill>
+                  <a:schemeClr val="tx1"/>
+                </a:solidFill>
+                <a:latin typeface="+mn-lt"/>
+                <a:ea typeface="+mn-ea"/>
+                <a:cs typeface="+mn-cs"/>
+              </a:defRPr>
+            </a:lvl5pPr>
+            <a:lvl6pPr marL="2514600" indent="-228600" algn="l" defTabSz="914400" rtl="0" eaLnBrk="1" latinLnBrk="0" hangingPunct="1">
+              <a:lnSpc>
+                <a:spcPct val="90000"/>
+              </a:lnSpc>
+              <a:spcBef>
+                <a:spcPts val="500"/>
+              </a:spcBef>
+              <a:buFont typeface="Arial" panose="020B0604020202020204" pitchFamily="34" charset="0"/>
+              <a:buChar char="•"/>
+              <a:defRPr sz="1800" kern="1200">
+                <a:solidFill>
+                  <a:schemeClr val="tx1"/>
+                </a:solidFill>
+                <a:latin typeface="+mn-lt"/>
+                <a:ea typeface="+mn-ea"/>
+                <a:cs typeface="+mn-cs"/>
+              </a:defRPr>
+            </a:lvl6pPr>
+            <a:lvl7pPr marL="2971800" indent="-228600" algn="l" defTabSz="914400" rtl="0" eaLnBrk="1" latinLnBrk="0" hangingPunct="1">
+              <a:lnSpc>
+                <a:spcPct val="90000"/>
+              </a:lnSpc>
+              <a:spcBef>
+                <a:spcPts val="500"/>
+              </a:spcBef>
+              <a:buFont typeface="Arial" panose="020B0604020202020204" pitchFamily="34" charset="0"/>
+              <a:buChar char="•"/>
+              <a:defRPr sz="1800" kern="1200">
+                <a:solidFill>
+                  <a:schemeClr val="tx1"/>
+                </a:solidFill>
+                <a:latin typeface="+mn-lt"/>
+                <a:ea typeface="+mn-ea"/>
+                <a:cs typeface="+mn-cs"/>
+              </a:defRPr>
+            </a:lvl7pPr>
+            <a:lvl8pPr marL="3429000" indent="-228600" algn="l" defTabSz="914400" rtl="0" eaLnBrk="1" latinLnBrk="0" hangingPunct="1">
+              <a:lnSpc>
+                <a:spcPct val="90000"/>
+              </a:lnSpc>
+              <a:spcBef>
+                <a:spcPts val="500"/>
+              </a:spcBef>
+              <a:buFont typeface="Arial" panose="020B0604020202020204" pitchFamily="34" charset="0"/>
+              <a:buChar char="•"/>
+              <a:defRPr sz="1800" kern="1200">
+                <a:solidFill>
+                  <a:schemeClr val="tx1"/>
+                </a:solidFill>
+                <a:latin typeface="+mn-lt"/>
+                <a:ea typeface="+mn-ea"/>
+                <a:cs typeface="+mn-cs"/>
+              </a:defRPr>
+            </a:lvl8pPr>
+            <a:lvl9pPr marL="3886200" indent="-228600" algn="l" defTabSz="914400" rtl="0" eaLnBrk="1" latinLnBrk="0" hangingPunct="1">
+              <a:lnSpc>
+                <a:spcPct val="90000"/>
+              </a:lnSpc>
+              <a:spcBef>
+                <a:spcPts val="500"/>
+              </a:spcBef>
+              <a:buFont typeface="Arial" panose="020B0604020202020204" pitchFamily="34" charset="0"/>
+              <a:buChar char="•"/>
+              <a:defRPr sz="1800" kern="1200">
+                <a:solidFill>
+                  <a:schemeClr val="tx1"/>
+                </a:solidFill>
+                <a:latin typeface="+mn-lt"/>
+                <a:ea typeface="+mn-ea"/>
+                <a:cs typeface="+mn-cs"/>
+              </a:defRPr>
+            </a:lvl9pPr>
+          </a:lstStyle>
+          <a:p>
+            <a:pPr marL="0" indent="0" algn="ctr">
+              <a:buNone/>
+            </a:pPr>
+            <a:r>
+              <a:rPr lang="en-US" sz="3600" dirty="0"/>
+              <a:t>Dark Knight Rises</a:t>
             </a:r>
           </a:p>
         </p:txBody>
       </p:sp>
       <p:pic>
         <p:nvPicPr>
-          <p:cNvPr id="11" name="Content Placeholder 10">
-            <a:extLst>
-              <a:ext uri="{FF2B5EF4-FFF2-40B4-BE49-F238E27FC236}">
-                <a16:creationId xmlns:a16="http://schemas.microsoft.com/office/drawing/2014/main" id="{07F15761-F9A2-4D39-9E62-D4795985848B}"/>
+          <p:cNvPr id="10" name="Content Placeholder 9">
+            <a:extLst>
+              <a:ext uri="{FF2B5EF4-FFF2-40B4-BE49-F238E27FC236}">
+                <a16:creationId xmlns:a16="http://schemas.microsoft.com/office/drawing/2014/main" id="{72C312F9-2B95-4FC5-84A8-F284E60A3996}"/>
               </a:ext>
             </a:extLst>
           </p:cNvPr>
@@ -7769,15 +10108,15 @@
         </p:blipFill>
         <p:spPr>
           <a:xfrm>
-            <a:off x="1547812" y="2167731"/>
-            <a:ext cx="9096375" cy="3667125"/>
+            <a:off x="1524" y="1944129"/>
+            <a:ext cx="12188952" cy="4913871"/>
           </a:xfrm>
         </p:spPr>
       </p:pic>
     </p:spTree>
     <p:extLst>
       <p:ext uri="{BB962C8B-B14F-4D97-AF65-F5344CB8AC3E}">
-        <p14:creationId xmlns:p14="http://schemas.microsoft.com/office/powerpoint/2010/main" val="4066195386"/>
+        <p14:creationId xmlns:p14="http://schemas.microsoft.com/office/powerpoint/2010/main" val="633886611"/>
       </p:ext>
     </p:extLst>
   </p:cSld>
@@ -7806,87 +10145,633 @@
       </p:grpSpPr>
       <p:sp>
         <p:nvSpPr>
-          <p:cNvPr id="2" name="Title 1">
-            <a:extLst>
-              <a:ext uri="{FF2B5EF4-FFF2-40B4-BE49-F238E27FC236}">
-                <a16:creationId xmlns:a16="http://schemas.microsoft.com/office/drawing/2014/main" id="{6CFFABF7-F577-493D-8A6A-8DA29B6E3A63}"/>
-              </a:ext>
-            </a:extLst>
-          </p:cNvPr>
-          <p:cNvSpPr>
-            <a:spLocks noGrp="1"/>
-          </p:cNvSpPr>
-          <p:nvPr>
-            <p:ph type="title"/>
-          </p:nvPr>
-        </p:nvSpPr>
-        <p:spPr/>
-        <p:txBody>
-          <a:bodyPr/>
-          <a:lstStyle/>
-          <a:p>
-            <a:r>
-              <a:rPr lang="en-US" dirty="0"/>
-              <a:t>Final Conclusions</a:t>
-            </a:r>
-          </a:p>
-        </p:txBody>
-      </p:sp>
-      <p:sp>
-        <p:nvSpPr>
-          <p:cNvPr id="3" name="Content Placeholder 2">
-            <a:extLst>
-              <a:ext uri="{FF2B5EF4-FFF2-40B4-BE49-F238E27FC236}">
-                <a16:creationId xmlns:a16="http://schemas.microsoft.com/office/drawing/2014/main" id="{E2ACC2B6-CB5E-4C77-AC29-91381BAB0F58}"/>
-              </a:ext>
-            </a:extLst>
-          </p:cNvPr>
-          <p:cNvSpPr>
-            <a:spLocks noGrp="1"/>
-          </p:cNvSpPr>
+          <p:cNvPr id="4" name="Title 1">
+            <a:extLst>
+              <a:ext uri="{FF2B5EF4-FFF2-40B4-BE49-F238E27FC236}">
+                <a16:creationId xmlns:a16="http://schemas.microsoft.com/office/drawing/2014/main" id="{CC47858B-BBE4-41D7-9A54-4550A241F020}"/>
+              </a:ext>
+            </a:extLst>
+          </p:cNvPr>
+          <p:cNvSpPr txBox="1">
+            <a:spLocks/>
+          </p:cNvSpPr>
+          <p:nvPr/>
+        </p:nvSpPr>
+        <p:spPr>
+          <a:xfrm>
+            <a:off x="0" y="0"/>
+            <a:ext cx="12190476" cy="1143000"/>
+          </a:xfrm>
+          <a:prstGeom prst="rect">
+            <a:avLst/>
+          </a:prstGeom>
+        </p:spPr>
+        <p:txBody>
+          <a:bodyPr vert="horz" lIns="91440" tIns="45720" rIns="91440" bIns="45720" rtlCol="0" anchor="ctr">
+            <a:noAutofit/>
+          </a:bodyPr>
+          <a:lstStyle>
+            <a:lvl1pPr algn="l" defTabSz="914400" rtl="0" eaLnBrk="1" latinLnBrk="0" hangingPunct="1">
+              <a:lnSpc>
+                <a:spcPct val="90000"/>
+              </a:lnSpc>
+              <a:spcBef>
+                <a:spcPct val="0"/>
+              </a:spcBef>
+              <a:buNone/>
+              <a:defRPr sz="4400" kern="1200">
+                <a:solidFill>
+                  <a:schemeClr val="tx1"/>
+                </a:solidFill>
+                <a:latin typeface="+mj-lt"/>
+                <a:ea typeface="+mj-ea"/>
+                <a:cs typeface="+mj-cs"/>
+              </a:defRPr>
+            </a:lvl1pPr>
+          </a:lstStyle>
+          <a:p>
+            <a:r>
+              <a:rPr lang="en-US" b="1" dirty="0"/>
+              <a:t>Ethnicity Comparison for International Sales</a:t>
+            </a:r>
+          </a:p>
+        </p:txBody>
+      </p:sp>
+      <p:sp>
+        <p:nvSpPr>
+          <p:cNvPr id="5" name="Content Placeholder 2">
+            <a:extLst>
+              <a:ext uri="{FF2B5EF4-FFF2-40B4-BE49-F238E27FC236}">
+                <a16:creationId xmlns:a16="http://schemas.microsoft.com/office/drawing/2014/main" id="{C4CA6EFF-7469-4139-A8B7-A14A5B9C411D}"/>
+              </a:ext>
+            </a:extLst>
+          </p:cNvPr>
+          <p:cNvSpPr txBox="1">
+            <a:spLocks/>
+          </p:cNvSpPr>
+          <p:nvPr/>
+        </p:nvSpPr>
+        <p:spPr>
+          <a:xfrm>
+            <a:off x="1524" y="1143000"/>
+            <a:ext cx="12188952" cy="5714999"/>
+          </a:xfrm>
+          <a:prstGeom prst="rect">
+            <a:avLst/>
+          </a:prstGeom>
+        </p:spPr>
+        <p:txBody>
+          <a:bodyPr vert="horz" lIns="91440" tIns="45720" rIns="91440" bIns="45720" rtlCol="0">
+            <a:normAutofit/>
+          </a:bodyPr>
+          <a:lstStyle>
+            <a:lvl1pPr marL="228600" indent="-228600" algn="l" defTabSz="914400" rtl="0" eaLnBrk="1" latinLnBrk="0" hangingPunct="1">
+              <a:lnSpc>
+                <a:spcPct val="90000"/>
+              </a:lnSpc>
+              <a:spcBef>
+                <a:spcPts val="1000"/>
+              </a:spcBef>
+              <a:buFont typeface="Arial" panose="020B0604020202020204" pitchFamily="34" charset="0"/>
+              <a:buChar char="•"/>
+              <a:defRPr sz="2800" kern="1200">
+                <a:solidFill>
+                  <a:schemeClr val="tx1"/>
+                </a:solidFill>
+                <a:latin typeface="+mn-lt"/>
+                <a:ea typeface="+mn-ea"/>
+                <a:cs typeface="+mn-cs"/>
+              </a:defRPr>
+            </a:lvl1pPr>
+            <a:lvl2pPr marL="685800" indent="-228600" algn="l" defTabSz="914400" rtl="0" eaLnBrk="1" latinLnBrk="0" hangingPunct="1">
+              <a:lnSpc>
+                <a:spcPct val="90000"/>
+              </a:lnSpc>
+              <a:spcBef>
+                <a:spcPts val="500"/>
+              </a:spcBef>
+              <a:buFont typeface="Arial" panose="020B0604020202020204" pitchFamily="34" charset="0"/>
+              <a:buChar char="•"/>
+              <a:defRPr sz="2400" kern="1200">
+                <a:solidFill>
+                  <a:schemeClr val="tx1"/>
+                </a:solidFill>
+                <a:latin typeface="+mn-lt"/>
+                <a:ea typeface="+mn-ea"/>
+                <a:cs typeface="+mn-cs"/>
+              </a:defRPr>
+            </a:lvl2pPr>
+            <a:lvl3pPr marL="1143000" indent="-228600" algn="l" defTabSz="914400" rtl="0" eaLnBrk="1" latinLnBrk="0" hangingPunct="1">
+              <a:lnSpc>
+                <a:spcPct val="90000"/>
+              </a:lnSpc>
+              <a:spcBef>
+                <a:spcPts val="500"/>
+              </a:spcBef>
+              <a:buFont typeface="Arial" panose="020B0604020202020204" pitchFamily="34" charset="0"/>
+              <a:buChar char="•"/>
+              <a:defRPr sz="2000" kern="1200">
+                <a:solidFill>
+                  <a:schemeClr val="tx1"/>
+                </a:solidFill>
+                <a:latin typeface="+mn-lt"/>
+                <a:ea typeface="+mn-ea"/>
+                <a:cs typeface="+mn-cs"/>
+              </a:defRPr>
+            </a:lvl3pPr>
+            <a:lvl4pPr marL="1600200" indent="-228600" algn="l" defTabSz="914400" rtl="0" eaLnBrk="1" latinLnBrk="0" hangingPunct="1">
+              <a:lnSpc>
+                <a:spcPct val="90000"/>
+              </a:lnSpc>
+              <a:spcBef>
+                <a:spcPts val="500"/>
+              </a:spcBef>
+              <a:buFont typeface="Arial" panose="020B0604020202020204" pitchFamily="34" charset="0"/>
+              <a:buChar char="•"/>
+              <a:defRPr sz="1800" kern="1200">
+                <a:solidFill>
+                  <a:schemeClr val="tx1"/>
+                </a:solidFill>
+                <a:latin typeface="+mn-lt"/>
+                <a:ea typeface="+mn-ea"/>
+                <a:cs typeface="+mn-cs"/>
+              </a:defRPr>
+            </a:lvl4pPr>
+            <a:lvl5pPr marL="2057400" indent="-228600" algn="l" defTabSz="914400" rtl="0" eaLnBrk="1" latinLnBrk="0" hangingPunct="1">
+              <a:lnSpc>
+                <a:spcPct val="90000"/>
+              </a:lnSpc>
+              <a:spcBef>
+                <a:spcPts val="500"/>
+              </a:spcBef>
+              <a:buFont typeface="Arial" panose="020B0604020202020204" pitchFamily="34" charset="0"/>
+              <a:buChar char="•"/>
+              <a:defRPr sz="1800" kern="1200">
+                <a:solidFill>
+                  <a:schemeClr val="tx1"/>
+                </a:solidFill>
+                <a:latin typeface="+mn-lt"/>
+                <a:ea typeface="+mn-ea"/>
+                <a:cs typeface="+mn-cs"/>
+              </a:defRPr>
+            </a:lvl5pPr>
+            <a:lvl6pPr marL="2514600" indent="-228600" algn="l" defTabSz="914400" rtl="0" eaLnBrk="1" latinLnBrk="0" hangingPunct="1">
+              <a:lnSpc>
+                <a:spcPct val="90000"/>
+              </a:lnSpc>
+              <a:spcBef>
+                <a:spcPts val="500"/>
+              </a:spcBef>
+              <a:buFont typeface="Arial" panose="020B0604020202020204" pitchFamily="34" charset="0"/>
+              <a:buChar char="•"/>
+              <a:defRPr sz="1800" kern="1200">
+                <a:solidFill>
+                  <a:schemeClr val="tx1"/>
+                </a:solidFill>
+                <a:latin typeface="+mn-lt"/>
+                <a:ea typeface="+mn-ea"/>
+                <a:cs typeface="+mn-cs"/>
+              </a:defRPr>
+            </a:lvl6pPr>
+            <a:lvl7pPr marL="2971800" indent="-228600" algn="l" defTabSz="914400" rtl="0" eaLnBrk="1" latinLnBrk="0" hangingPunct="1">
+              <a:lnSpc>
+                <a:spcPct val="90000"/>
+              </a:lnSpc>
+              <a:spcBef>
+                <a:spcPts val="500"/>
+              </a:spcBef>
+              <a:buFont typeface="Arial" panose="020B0604020202020204" pitchFamily="34" charset="0"/>
+              <a:buChar char="•"/>
+              <a:defRPr sz="1800" kern="1200">
+                <a:solidFill>
+                  <a:schemeClr val="tx1"/>
+                </a:solidFill>
+                <a:latin typeface="+mn-lt"/>
+                <a:ea typeface="+mn-ea"/>
+                <a:cs typeface="+mn-cs"/>
+              </a:defRPr>
+            </a:lvl7pPr>
+            <a:lvl8pPr marL="3429000" indent="-228600" algn="l" defTabSz="914400" rtl="0" eaLnBrk="1" latinLnBrk="0" hangingPunct="1">
+              <a:lnSpc>
+                <a:spcPct val="90000"/>
+              </a:lnSpc>
+              <a:spcBef>
+                <a:spcPts val="500"/>
+              </a:spcBef>
+              <a:buFont typeface="Arial" panose="020B0604020202020204" pitchFamily="34" charset="0"/>
+              <a:buChar char="•"/>
+              <a:defRPr sz="1800" kern="1200">
+                <a:solidFill>
+                  <a:schemeClr val="tx1"/>
+                </a:solidFill>
+                <a:latin typeface="+mn-lt"/>
+                <a:ea typeface="+mn-ea"/>
+                <a:cs typeface="+mn-cs"/>
+              </a:defRPr>
+            </a:lvl8pPr>
+            <a:lvl9pPr marL="3886200" indent="-228600" algn="l" defTabSz="914400" rtl="0" eaLnBrk="1" latinLnBrk="0" hangingPunct="1">
+              <a:lnSpc>
+                <a:spcPct val="90000"/>
+              </a:lnSpc>
+              <a:spcBef>
+                <a:spcPts val="500"/>
+              </a:spcBef>
+              <a:buFont typeface="Arial" panose="020B0604020202020204" pitchFamily="34" charset="0"/>
+              <a:buChar char="•"/>
+              <a:defRPr sz="1800" kern="1200">
+                <a:solidFill>
+                  <a:schemeClr val="tx1"/>
+                </a:solidFill>
+                <a:latin typeface="+mn-lt"/>
+                <a:ea typeface="+mn-ea"/>
+                <a:cs typeface="+mn-cs"/>
+              </a:defRPr>
+            </a:lvl9pPr>
+          </a:lstStyle>
+          <a:p>
+            <a:pPr marL="0" indent="0" algn="ctr">
+              <a:buNone/>
+            </a:pPr>
+            <a:r>
+              <a:rPr lang="en-US" sz="3600" dirty="0"/>
+              <a:t>Black Panther</a:t>
+            </a:r>
+          </a:p>
+        </p:txBody>
+      </p:sp>
+      <p:pic>
+        <p:nvPicPr>
+          <p:cNvPr id="10" name="Content Placeholder 9">
+            <a:extLst>
+              <a:ext uri="{FF2B5EF4-FFF2-40B4-BE49-F238E27FC236}">
+                <a16:creationId xmlns:a16="http://schemas.microsoft.com/office/drawing/2014/main" id="{B69DE124-EB30-465D-8948-9556575E09FA}"/>
+              </a:ext>
+            </a:extLst>
+          </p:cNvPr>
+          <p:cNvPicPr>
+            <a:picLocks noGrp="1" noChangeAspect="1"/>
+          </p:cNvPicPr>
           <p:nvPr>
             <p:ph idx="1"/>
           </p:nvPr>
-        </p:nvSpPr>
-        <p:spPr/>
-        <p:txBody>
-          <a:bodyPr/>
-          <a:lstStyle/>
-          <a:p>
+        </p:nvPicPr>
+        <p:blipFill>
+          <a:blip r:embed="rId2">
+            <a:extLst>
+              <a:ext uri="{28A0092B-C50C-407E-A947-70E740481C1C}">
+                <a14:useLocalDpi xmlns:a14="http://schemas.microsoft.com/office/drawing/2010/main" val="0"/>
+              </a:ext>
+            </a:extLst>
+          </a:blip>
+          <a:stretch>
+            <a:fillRect/>
+          </a:stretch>
+        </p:blipFill>
+        <p:spPr>
+          <a:xfrm>
+            <a:off x="0" y="1944129"/>
+            <a:ext cx="12188952" cy="4913871"/>
+          </a:xfrm>
+        </p:spPr>
+      </p:pic>
+    </p:spTree>
+    <p:extLst>
+      <p:ext uri="{BB962C8B-B14F-4D97-AF65-F5344CB8AC3E}">
+        <p14:creationId xmlns:p14="http://schemas.microsoft.com/office/powerpoint/2010/main" val="4066195386"/>
+      </p:ext>
+    </p:extLst>
+  </p:cSld>
+  <p:clrMapOvr>
+    <a:masterClrMapping/>
+  </p:clrMapOvr>
+</p:sld>
+</file>
+
+<file path=ppt/slides/slide26.xml><?xml version="1.0" encoding="utf-8"?>
+<p:sld xmlns:a="http://schemas.openxmlformats.org/drawingml/2006/main" xmlns:r="http://schemas.openxmlformats.org/officeDocument/2006/relationships" xmlns:p="http://schemas.openxmlformats.org/presentationml/2006/main">
+  <p:cSld>
+    <p:spTree>
+      <p:nvGrpSpPr>
+        <p:cNvPr id="1" name=""/>
+        <p:cNvGrpSpPr/>
+        <p:nvPr/>
+      </p:nvGrpSpPr>
+      <p:grpSpPr>
+        <a:xfrm>
+          <a:off x="0" y="0"/>
+          <a:ext cx="0" cy="0"/>
+          <a:chOff x="0" y="0"/>
+          <a:chExt cx="0" cy="0"/>
+        </a:xfrm>
+      </p:grpSpPr>
+      <p:sp>
+        <p:nvSpPr>
+          <p:cNvPr id="4" name="Title 1">
+            <a:extLst>
+              <a:ext uri="{FF2B5EF4-FFF2-40B4-BE49-F238E27FC236}">
+                <a16:creationId xmlns:a16="http://schemas.microsoft.com/office/drawing/2014/main" id="{05890928-0174-4D40-95AB-77F319B04260}"/>
+              </a:ext>
+            </a:extLst>
+          </p:cNvPr>
+          <p:cNvSpPr txBox="1">
+            <a:spLocks/>
+          </p:cNvSpPr>
+          <p:nvPr/>
+        </p:nvSpPr>
+        <p:spPr>
+          <a:xfrm>
+            <a:off x="0" y="0"/>
+            <a:ext cx="12190476" cy="1143000"/>
+          </a:xfrm>
+          <a:prstGeom prst="rect">
+            <a:avLst/>
+          </a:prstGeom>
+        </p:spPr>
+        <p:txBody>
+          <a:bodyPr vert="horz" lIns="91440" tIns="45720" rIns="91440" bIns="45720" rtlCol="0" anchor="ctr">
+            <a:noAutofit/>
+          </a:bodyPr>
+          <a:lstStyle>
+            <a:lvl1pPr algn="l" defTabSz="914400" rtl="0" eaLnBrk="1" latinLnBrk="0" hangingPunct="1">
+              <a:lnSpc>
+                <a:spcPct val="90000"/>
+              </a:lnSpc>
+              <a:spcBef>
+                <a:spcPct val="0"/>
+              </a:spcBef>
+              <a:buNone/>
+              <a:defRPr sz="4400" kern="1200">
+                <a:solidFill>
+                  <a:schemeClr val="tx1"/>
+                </a:solidFill>
+                <a:latin typeface="+mj-lt"/>
+                <a:ea typeface="+mj-ea"/>
+                <a:cs typeface="+mj-cs"/>
+              </a:defRPr>
+            </a:lvl1pPr>
+          </a:lstStyle>
+          <a:p>
+            <a:r>
+              <a:rPr lang="en-US" b="1" dirty="0"/>
+              <a:t>Final Conclusions</a:t>
+            </a:r>
+          </a:p>
+        </p:txBody>
+      </p:sp>
+      <p:sp>
+        <p:nvSpPr>
+          <p:cNvPr id="7" name="Content Placeholder 2">
+            <a:extLst>
+              <a:ext uri="{FF2B5EF4-FFF2-40B4-BE49-F238E27FC236}">
+                <a16:creationId xmlns:a16="http://schemas.microsoft.com/office/drawing/2014/main" id="{9B795E94-6AED-46B0-8997-BA5ACFA7C418}"/>
+              </a:ext>
+            </a:extLst>
+          </p:cNvPr>
+          <p:cNvSpPr txBox="1">
+            <a:spLocks/>
+          </p:cNvSpPr>
+          <p:nvPr/>
+        </p:nvSpPr>
+        <p:spPr>
+          <a:xfrm>
+            <a:off x="0" y="1143001"/>
+            <a:ext cx="12188952" cy="5714999"/>
+          </a:xfrm>
+          <a:prstGeom prst="rect">
+            <a:avLst/>
+          </a:prstGeom>
+        </p:spPr>
+        <p:txBody>
+          <a:bodyPr vert="horz" lIns="91440" tIns="45720" rIns="91440" bIns="45720" rtlCol="0">
+            <a:normAutofit/>
+          </a:bodyPr>
+          <a:lstStyle>
+            <a:lvl1pPr marL="228600" indent="-228600" algn="l" defTabSz="914400" rtl="0" eaLnBrk="1" latinLnBrk="0" hangingPunct="1">
+              <a:lnSpc>
+                <a:spcPct val="90000"/>
+              </a:lnSpc>
+              <a:spcBef>
+                <a:spcPts val="1000"/>
+              </a:spcBef>
+              <a:buFont typeface="Arial" panose="020B0604020202020204" pitchFamily="34" charset="0"/>
+              <a:buChar char="•"/>
+              <a:defRPr sz="2800" kern="1200">
+                <a:solidFill>
+                  <a:schemeClr val="tx1"/>
+                </a:solidFill>
+                <a:latin typeface="+mn-lt"/>
+                <a:ea typeface="+mn-ea"/>
+                <a:cs typeface="+mn-cs"/>
+              </a:defRPr>
+            </a:lvl1pPr>
+            <a:lvl2pPr marL="685800" indent="-228600" algn="l" defTabSz="914400" rtl="0" eaLnBrk="1" latinLnBrk="0" hangingPunct="1">
+              <a:lnSpc>
+                <a:spcPct val="90000"/>
+              </a:lnSpc>
+              <a:spcBef>
+                <a:spcPts val="500"/>
+              </a:spcBef>
+              <a:buFont typeface="Arial" panose="020B0604020202020204" pitchFamily="34" charset="0"/>
+              <a:buChar char="•"/>
+              <a:defRPr sz="2400" kern="1200">
+                <a:solidFill>
+                  <a:schemeClr val="tx1"/>
+                </a:solidFill>
+                <a:latin typeface="+mn-lt"/>
+                <a:ea typeface="+mn-ea"/>
+                <a:cs typeface="+mn-cs"/>
+              </a:defRPr>
+            </a:lvl2pPr>
+            <a:lvl3pPr marL="1143000" indent="-228600" algn="l" defTabSz="914400" rtl="0" eaLnBrk="1" latinLnBrk="0" hangingPunct="1">
+              <a:lnSpc>
+                <a:spcPct val="90000"/>
+              </a:lnSpc>
+              <a:spcBef>
+                <a:spcPts val="500"/>
+              </a:spcBef>
+              <a:buFont typeface="Arial" panose="020B0604020202020204" pitchFamily="34" charset="0"/>
+              <a:buChar char="•"/>
+              <a:defRPr sz="2000" kern="1200">
+                <a:solidFill>
+                  <a:schemeClr val="tx1"/>
+                </a:solidFill>
+                <a:latin typeface="+mn-lt"/>
+                <a:ea typeface="+mn-ea"/>
+                <a:cs typeface="+mn-cs"/>
+              </a:defRPr>
+            </a:lvl3pPr>
+            <a:lvl4pPr marL="1600200" indent="-228600" algn="l" defTabSz="914400" rtl="0" eaLnBrk="1" latinLnBrk="0" hangingPunct="1">
+              <a:lnSpc>
+                <a:spcPct val="90000"/>
+              </a:lnSpc>
+              <a:spcBef>
+                <a:spcPts val="500"/>
+              </a:spcBef>
+              <a:buFont typeface="Arial" panose="020B0604020202020204" pitchFamily="34" charset="0"/>
+              <a:buChar char="•"/>
+              <a:defRPr sz="1800" kern="1200">
+                <a:solidFill>
+                  <a:schemeClr val="tx1"/>
+                </a:solidFill>
+                <a:latin typeface="+mn-lt"/>
+                <a:ea typeface="+mn-ea"/>
+                <a:cs typeface="+mn-cs"/>
+              </a:defRPr>
+            </a:lvl4pPr>
+            <a:lvl5pPr marL="2057400" indent="-228600" algn="l" defTabSz="914400" rtl="0" eaLnBrk="1" latinLnBrk="0" hangingPunct="1">
+              <a:lnSpc>
+                <a:spcPct val="90000"/>
+              </a:lnSpc>
+              <a:spcBef>
+                <a:spcPts val="500"/>
+              </a:spcBef>
+              <a:buFont typeface="Arial" panose="020B0604020202020204" pitchFamily="34" charset="0"/>
+              <a:buChar char="•"/>
+              <a:defRPr sz="1800" kern="1200">
+                <a:solidFill>
+                  <a:schemeClr val="tx1"/>
+                </a:solidFill>
+                <a:latin typeface="+mn-lt"/>
+                <a:ea typeface="+mn-ea"/>
+                <a:cs typeface="+mn-cs"/>
+              </a:defRPr>
+            </a:lvl5pPr>
+            <a:lvl6pPr marL="2514600" indent="-228600" algn="l" defTabSz="914400" rtl="0" eaLnBrk="1" latinLnBrk="0" hangingPunct="1">
+              <a:lnSpc>
+                <a:spcPct val="90000"/>
+              </a:lnSpc>
+              <a:spcBef>
+                <a:spcPts val="500"/>
+              </a:spcBef>
+              <a:buFont typeface="Arial" panose="020B0604020202020204" pitchFamily="34" charset="0"/>
+              <a:buChar char="•"/>
+              <a:defRPr sz="1800" kern="1200">
+                <a:solidFill>
+                  <a:schemeClr val="tx1"/>
+                </a:solidFill>
+                <a:latin typeface="+mn-lt"/>
+                <a:ea typeface="+mn-ea"/>
+                <a:cs typeface="+mn-cs"/>
+              </a:defRPr>
+            </a:lvl6pPr>
+            <a:lvl7pPr marL="2971800" indent="-228600" algn="l" defTabSz="914400" rtl="0" eaLnBrk="1" latinLnBrk="0" hangingPunct="1">
+              <a:lnSpc>
+                <a:spcPct val="90000"/>
+              </a:lnSpc>
+              <a:spcBef>
+                <a:spcPts val="500"/>
+              </a:spcBef>
+              <a:buFont typeface="Arial" panose="020B0604020202020204" pitchFamily="34" charset="0"/>
+              <a:buChar char="•"/>
+              <a:defRPr sz="1800" kern="1200">
+                <a:solidFill>
+                  <a:schemeClr val="tx1"/>
+                </a:solidFill>
+                <a:latin typeface="+mn-lt"/>
+                <a:ea typeface="+mn-ea"/>
+                <a:cs typeface="+mn-cs"/>
+              </a:defRPr>
+            </a:lvl7pPr>
+            <a:lvl8pPr marL="3429000" indent="-228600" algn="l" defTabSz="914400" rtl="0" eaLnBrk="1" latinLnBrk="0" hangingPunct="1">
+              <a:lnSpc>
+                <a:spcPct val="90000"/>
+              </a:lnSpc>
+              <a:spcBef>
+                <a:spcPts val="500"/>
+              </a:spcBef>
+              <a:buFont typeface="Arial" panose="020B0604020202020204" pitchFamily="34" charset="0"/>
+              <a:buChar char="•"/>
+              <a:defRPr sz="1800" kern="1200">
+                <a:solidFill>
+                  <a:schemeClr val="tx1"/>
+                </a:solidFill>
+                <a:latin typeface="+mn-lt"/>
+                <a:ea typeface="+mn-ea"/>
+                <a:cs typeface="+mn-cs"/>
+              </a:defRPr>
+            </a:lvl8pPr>
+            <a:lvl9pPr marL="3886200" indent="-228600" algn="l" defTabSz="914400" rtl="0" eaLnBrk="1" latinLnBrk="0" hangingPunct="1">
+              <a:lnSpc>
+                <a:spcPct val="90000"/>
+              </a:lnSpc>
+              <a:spcBef>
+                <a:spcPts val="500"/>
+              </a:spcBef>
+              <a:buFont typeface="Arial" panose="020B0604020202020204" pitchFamily="34" charset="0"/>
+              <a:buChar char="•"/>
+              <a:defRPr sz="1800" kern="1200">
+                <a:solidFill>
+                  <a:schemeClr val="tx1"/>
+                </a:solidFill>
+                <a:latin typeface="+mn-lt"/>
+                <a:ea typeface="+mn-ea"/>
+                <a:cs typeface="+mn-cs"/>
+              </a:defRPr>
+            </a:lvl9pPr>
+          </a:lstStyle>
+          <a:p>
+            <a:pPr lvl="0"/>
+            <a:r>
+              <a:rPr lang="en-US" dirty="0">
+                <a:solidFill>
+                  <a:prstClr val="black"/>
+                </a:solidFill>
+              </a:rPr>
+              <a:t>No correlation between Superhero attributes and U.S. sales or ratings</a:t>
+            </a:r>
+          </a:p>
+          <a:p>
+            <a:pPr lvl="0"/>
+            <a:r>
+              <a:rPr lang="en-US" dirty="0">
+                <a:solidFill>
+                  <a:prstClr val="black"/>
+                </a:solidFill>
+              </a:rPr>
+              <a:t>There is some variation in international sales depending on the Superhero movie and the Superhero’s attributes</a:t>
+            </a:r>
+          </a:p>
+          <a:p>
+            <a:pPr lvl="0"/>
+            <a:r>
+              <a:rPr lang="en-US" dirty="0">
+                <a:solidFill>
+                  <a:prstClr val="black"/>
+                </a:solidFill>
+              </a:rPr>
+              <a:t>Recent releases in movies with increased diversity appear to do well; however, substantial data to prove this does not yet exist</a:t>
+            </a:r>
+          </a:p>
+          <a:p>
+            <a:pPr lvl="0"/>
+            <a:r>
+              <a:rPr lang="en-US" dirty="0">
+                <a:solidFill>
+                  <a:prstClr val="black"/>
+                </a:solidFill>
+              </a:rPr>
+              <a:t>Two limitations of this project:</a:t>
+            </a:r>
+          </a:p>
+          <a:p>
+            <a:pPr marL="741363" lvl="1" indent="-520700">
+              <a:buFont typeface="Calibri" panose="020F0502020204030204" pitchFamily="34" charset="0"/>
+              <a:buChar char="‒"/>
+            </a:pPr>
             <a:r>
               <a:rPr lang="en-US" dirty="0"/>
-              <a:t>No correlation between Superhero attributes and US sales or ratings</a:t>
-            </a:r>
-          </a:p>
-          <a:p>
+              <a:t>There are 31 movies with a single lead Superhero</a:t>
+            </a:r>
+          </a:p>
+          <a:p>
+            <a:pPr marL="741363" lvl="1" indent="-520700">
+              <a:buFont typeface="Calibri" panose="020F0502020204030204" pitchFamily="34" charset="0"/>
+              <a:buChar char="‒"/>
+            </a:pPr>
             <a:r>
               <a:rPr lang="en-US" dirty="0"/>
-              <a:t>There is some variation in international sales depending on the superhero movie and attributes</a:t>
-            </a:r>
-          </a:p>
-          <a:p>
-            <a:r>
-              <a:rPr lang="en-US" dirty="0"/>
-              <a:t>Recent releases in movies with increased diversity appear to do well; however substantial data to prove this doesn’t exist yet</a:t>
-            </a:r>
-          </a:p>
-          <a:p>
-            <a:r>
-              <a:rPr lang="en-US" dirty="0"/>
-              <a:t>A limitation of this project is that there are only 31 movies with a single lead superhero </a:t>
-            </a:r>
-          </a:p>
-          <a:p>
-            <a:r>
-              <a:rPr lang="en-US" dirty="0"/>
-              <a:t>The scope period selected was from 2008 - 2019</a:t>
-            </a:r>
-          </a:p>
-          <a:p>
-            <a:endParaRPr lang="en-US" dirty="0"/>
-          </a:p>
-          <a:p>
-            <a:endParaRPr lang="en-US" dirty="0"/>
+              <a:t>The period selected was from 2008 - 2019</a:t>
+            </a:r>
           </a:p>
         </p:txBody>
       </p:sp>
@@ -7922,27 +10807,53 @@
       </p:grpSpPr>
       <p:sp>
         <p:nvSpPr>
-          <p:cNvPr id="2" name="Title 1">
-            <a:extLst>
-              <a:ext uri="{FF2B5EF4-FFF2-40B4-BE49-F238E27FC236}">
-                <a16:creationId xmlns:a16="http://schemas.microsoft.com/office/drawing/2014/main" id="{F4F32654-7464-4210-A88E-31D62F7A6A2B}"/>
-              </a:ext>
-            </a:extLst>
-          </p:cNvPr>
-          <p:cNvSpPr>
-            <a:spLocks noGrp="1"/>
-          </p:cNvSpPr>
-          <p:nvPr>
-            <p:ph type="title"/>
-          </p:nvPr>
-        </p:nvSpPr>
-        <p:spPr/>
-        <p:txBody>
-          <a:bodyPr/>
-          <a:lstStyle/>
-          <a:p>
-            <a:r>
-              <a:rPr lang="en-US" dirty="0"/>
+          <p:cNvPr id="4" name="Title 1">
+            <a:extLst>
+              <a:ext uri="{FF2B5EF4-FFF2-40B4-BE49-F238E27FC236}">
+                <a16:creationId xmlns:a16="http://schemas.microsoft.com/office/drawing/2014/main" id="{372500BF-F2D1-45FE-9166-454176A475FE}"/>
+              </a:ext>
+            </a:extLst>
+          </p:cNvPr>
+          <p:cNvSpPr txBox="1">
+            <a:spLocks/>
+          </p:cNvSpPr>
+          <p:nvPr/>
+        </p:nvSpPr>
+        <p:spPr>
+          <a:xfrm>
+            <a:off x="0" y="0"/>
+            <a:ext cx="12192000" cy="1143000"/>
+          </a:xfrm>
+          <a:prstGeom prst="rect">
+            <a:avLst/>
+          </a:prstGeom>
+        </p:spPr>
+        <p:txBody>
+          <a:bodyPr vert="horz" lIns="91440" tIns="45720" rIns="91440" bIns="45720" rtlCol="0" anchor="ctr">
+            <a:noAutofit/>
+          </a:bodyPr>
+          <a:lstStyle>
+            <a:lvl1pPr algn="l" defTabSz="914400" rtl="0" eaLnBrk="1" latinLnBrk="0" hangingPunct="1">
+              <a:lnSpc>
+                <a:spcPct val="90000"/>
+              </a:lnSpc>
+              <a:spcBef>
+                <a:spcPct val="0"/>
+              </a:spcBef>
+              <a:buNone/>
+              <a:defRPr sz="4400" kern="1200">
+                <a:solidFill>
+                  <a:schemeClr val="tx1"/>
+                </a:solidFill>
+                <a:latin typeface="+mj-lt"/>
+                <a:ea typeface="+mj-ea"/>
+                <a:cs typeface="+mj-cs"/>
+              </a:defRPr>
+            </a:lvl1pPr>
+          </a:lstStyle>
+          <a:p>
+            <a:r>
+              <a:rPr lang="en-US" b="1" dirty="0"/>
               <a:t>Case References</a:t>
             </a:r>
           </a:p>
@@ -7950,24 +10861,195 @@
       </p:sp>
       <p:sp>
         <p:nvSpPr>
-          <p:cNvPr id="3" name="Content Placeholder 2">
-            <a:extLst>
-              <a:ext uri="{FF2B5EF4-FFF2-40B4-BE49-F238E27FC236}">
-                <a16:creationId xmlns:a16="http://schemas.microsoft.com/office/drawing/2014/main" id="{B9F51E8A-14A0-4423-AA21-28FCFC7DDC9C}"/>
-              </a:ext>
-            </a:extLst>
-          </p:cNvPr>
-          <p:cNvSpPr>
-            <a:spLocks noGrp="1"/>
-          </p:cNvSpPr>
-          <p:nvPr>
-            <p:ph idx="1"/>
-          </p:nvPr>
-        </p:nvSpPr>
-        <p:spPr/>
-        <p:txBody>
-          <a:bodyPr/>
-          <a:lstStyle/>
+          <p:cNvPr id="5" name="Content Placeholder 2">
+            <a:extLst>
+              <a:ext uri="{FF2B5EF4-FFF2-40B4-BE49-F238E27FC236}">
+                <a16:creationId xmlns:a16="http://schemas.microsoft.com/office/drawing/2014/main" id="{A1F9E23A-759D-4D0A-B248-D2A0D2C4A68A}"/>
+              </a:ext>
+            </a:extLst>
+          </p:cNvPr>
+          <p:cNvSpPr txBox="1">
+            <a:spLocks/>
+          </p:cNvSpPr>
+          <p:nvPr/>
+        </p:nvSpPr>
+        <p:spPr>
+          <a:xfrm>
+            <a:off x="1524" y="1143000"/>
+            <a:ext cx="12188952" cy="5714999"/>
+          </a:xfrm>
+          <a:prstGeom prst="rect">
+            <a:avLst/>
+          </a:prstGeom>
+        </p:spPr>
+        <p:txBody>
+          <a:bodyPr vert="horz" lIns="91440" tIns="45720" rIns="91440" bIns="45720" rtlCol="0">
+            <a:normAutofit/>
+          </a:bodyPr>
+          <a:lstStyle>
+            <a:lvl1pPr marL="228600" indent="-228600" algn="l" defTabSz="914400" rtl="0" eaLnBrk="1" latinLnBrk="0" hangingPunct="1">
+              <a:lnSpc>
+                <a:spcPct val="90000"/>
+              </a:lnSpc>
+              <a:spcBef>
+                <a:spcPts val="1000"/>
+              </a:spcBef>
+              <a:buFont typeface="Arial" panose="020B0604020202020204" pitchFamily="34" charset="0"/>
+              <a:buChar char="•"/>
+              <a:defRPr sz="2800" kern="1200">
+                <a:solidFill>
+                  <a:schemeClr val="tx1"/>
+                </a:solidFill>
+                <a:latin typeface="+mn-lt"/>
+                <a:ea typeface="+mn-ea"/>
+                <a:cs typeface="+mn-cs"/>
+              </a:defRPr>
+            </a:lvl1pPr>
+            <a:lvl2pPr marL="685800" indent="-228600" algn="l" defTabSz="914400" rtl="0" eaLnBrk="1" latinLnBrk="0" hangingPunct="1">
+              <a:lnSpc>
+                <a:spcPct val="90000"/>
+              </a:lnSpc>
+              <a:spcBef>
+                <a:spcPts val="500"/>
+              </a:spcBef>
+              <a:buFont typeface="Arial" panose="020B0604020202020204" pitchFamily="34" charset="0"/>
+              <a:buChar char="•"/>
+              <a:defRPr sz="2400" kern="1200">
+                <a:solidFill>
+                  <a:schemeClr val="tx1"/>
+                </a:solidFill>
+                <a:latin typeface="+mn-lt"/>
+                <a:ea typeface="+mn-ea"/>
+                <a:cs typeface="+mn-cs"/>
+              </a:defRPr>
+            </a:lvl2pPr>
+            <a:lvl3pPr marL="1143000" indent="-228600" algn="l" defTabSz="914400" rtl="0" eaLnBrk="1" latinLnBrk="0" hangingPunct="1">
+              <a:lnSpc>
+                <a:spcPct val="90000"/>
+              </a:lnSpc>
+              <a:spcBef>
+                <a:spcPts val="500"/>
+              </a:spcBef>
+              <a:buFont typeface="Arial" panose="020B0604020202020204" pitchFamily="34" charset="0"/>
+              <a:buChar char="•"/>
+              <a:defRPr sz="2000" kern="1200">
+                <a:solidFill>
+                  <a:schemeClr val="tx1"/>
+                </a:solidFill>
+                <a:latin typeface="+mn-lt"/>
+                <a:ea typeface="+mn-ea"/>
+                <a:cs typeface="+mn-cs"/>
+              </a:defRPr>
+            </a:lvl3pPr>
+            <a:lvl4pPr marL="1600200" indent="-228600" algn="l" defTabSz="914400" rtl="0" eaLnBrk="1" latinLnBrk="0" hangingPunct="1">
+              <a:lnSpc>
+                <a:spcPct val="90000"/>
+              </a:lnSpc>
+              <a:spcBef>
+                <a:spcPts val="500"/>
+              </a:spcBef>
+              <a:buFont typeface="Arial" panose="020B0604020202020204" pitchFamily="34" charset="0"/>
+              <a:buChar char="•"/>
+              <a:defRPr sz="1800" kern="1200">
+                <a:solidFill>
+                  <a:schemeClr val="tx1"/>
+                </a:solidFill>
+                <a:latin typeface="+mn-lt"/>
+                <a:ea typeface="+mn-ea"/>
+                <a:cs typeface="+mn-cs"/>
+              </a:defRPr>
+            </a:lvl4pPr>
+            <a:lvl5pPr marL="2057400" indent="-228600" algn="l" defTabSz="914400" rtl="0" eaLnBrk="1" latinLnBrk="0" hangingPunct="1">
+              <a:lnSpc>
+                <a:spcPct val="90000"/>
+              </a:lnSpc>
+              <a:spcBef>
+                <a:spcPts val="500"/>
+              </a:spcBef>
+              <a:buFont typeface="Arial" panose="020B0604020202020204" pitchFamily="34" charset="0"/>
+              <a:buChar char="•"/>
+              <a:defRPr sz="1800" kern="1200">
+                <a:solidFill>
+                  <a:schemeClr val="tx1"/>
+                </a:solidFill>
+                <a:latin typeface="+mn-lt"/>
+                <a:ea typeface="+mn-ea"/>
+                <a:cs typeface="+mn-cs"/>
+              </a:defRPr>
+            </a:lvl5pPr>
+            <a:lvl6pPr marL="2514600" indent="-228600" algn="l" defTabSz="914400" rtl="0" eaLnBrk="1" latinLnBrk="0" hangingPunct="1">
+              <a:lnSpc>
+                <a:spcPct val="90000"/>
+              </a:lnSpc>
+              <a:spcBef>
+                <a:spcPts val="500"/>
+              </a:spcBef>
+              <a:buFont typeface="Arial" panose="020B0604020202020204" pitchFamily="34" charset="0"/>
+              <a:buChar char="•"/>
+              <a:defRPr sz="1800" kern="1200">
+                <a:solidFill>
+                  <a:schemeClr val="tx1"/>
+                </a:solidFill>
+                <a:latin typeface="+mn-lt"/>
+                <a:ea typeface="+mn-ea"/>
+                <a:cs typeface="+mn-cs"/>
+              </a:defRPr>
+            </a:lvl6pPr>
+            <a:lvl7pPr marL="2971800" indent="-228600" algn="l" defTabSz="914400" rtl="0" eaLnBrk="1" latinLnBrk="0" hangingPunct="1">
+              <a:lnSpc>
+                <a:spcPct val="90000"/>
+              </a:lnSpc>
+              <a:spcBef>
+                <a:spcPts val="500"/>
+              </a:spcBef>
+              <a:buFont typeface="Arial" panose="020B0604020202020204" pitchFamily="34" charset="0"/>
+              <a:buChar char="•"/>
+              <a:defRPr sz="1800" kern="1200">
+                <a:solidFill>
+                  <a:schemeClr val="tx1"/>
+                </a:solidFill>
+                <a:latin typeface="+mn-lt"/>
+                <a:ea typeface="+mn-ea"/>
+                <a:cs typeface="+mn-cs"/>
+              </a:defRPr>
+            </a:lvl7pPr>
+            <a:lvl8pPr marL="3429000" indent="-228600" algn="l" defTabSz="914400" rtl="0" eaLnBrk="1" latinLnBrk="0" hangingPunct="1">
+              <a:lnSpc>
+                <a:spcPct val="90000"/>
+              </a:lnSpc>
+              <a:spcBef>
+                <a:spcPts val="500"/>
+              </a:spcBef>
+              <a:buFont typeface="Arial" panose="020B0604020202020204" pitchFamily="34" charset="0"/>
+              <a:buChar char="•"/>
+              <a:defRPr sz="1800" kern="1200">
+                <a:solidFill>
+                  <a:schemeClr val="tx1"/>
+                </a:solidFill>
+                <a:latin typeface="+mn-lt"/>
+                <a:ea typeface="+mn-ea"/>
+                <a:cs typeface="+mn-cs"/>
+              </a:defRPr>
+            </a:lvl8pPr>
+            <a:lvl9pPr marL="3886200" indent="-228600" algn="l" defTabSz="914400" rtl="0" eaLnBrk="1" latinLnBrk="0" hangingPunct="1">
+              <a:lnSpc>
+                <a:spcPct val="90000"/>
+              </a:lnSpc>
+              <a:spcBef>
+                <a:spcPts val="500"/>
+              </a:spcBef>
+              <a:buFont typeface="Arial" panose="020B0604020202020204" pitchFamily="34" charset="0"/>
+              <a:buChar char="•"/>
+              <a:defRPr sz="1800" kern="1200">
+                <a:solidFill>
+                  <a:schemeClr val="tx1"/>
+                </a:solidFill>
+                <a:latin typeface="+mn-lt"/>
+                <a:ea typeface="+mn-ea"/>
+                <a:cs typeface="+mn-cs"/>
+              </a:defRPr>
+            </a:lvl9pPr>
+          </a:lstStyle>
           <a:p>
             <a:r>
               <a:rPr lang="en-US" i="1" dirty="0">
@@ -8029,338 +11111,551 @@
       </p:grpSpPr>
       <p:sp>
         <p:nvSpPr>
-          <p:cNvPr id="2" name="Title 1">
-            <a:extLst>
-              <a:ext uri="{FF2B5EF4-FFF2-40B4-BE49-F238E27FC236}">
-                <a16:creationId xmlns:a16="http://schemas.microsoft.com/office/drawing/2014/main" id="{B543DCE5-3C34-4240-8C5C-E476ED4C46F3}"/>
-              </a:ext>
-            </a:extLst>
-          </p:cNvPr>
-          <p:cNvSpPr>
-            <a:spLocks noGrp="1"/>
-          </p:cNvSpPr>
-          <p:nvPr>
-            <p:ph type="title"/>
-          </p:nvPr>
-        </p:nvSpPr>
-        <p:spPr/>
-        <p:txBody>
-          <a:bodyPr/>
-          <a:lstStyle/>
+          <p:cNvPr id="5" name="Title 1">
+            <a:extLst>
+              <a:ext uri="{FF2B5EF4-FFF2-40B4-BE49-F238E27FC236}">
+                <a16:creationId xmlns:a16="http://schemas.microsoft.com/office/drawing/2014/main" id="{F3B5DB29-CDDF-48F4-A3B0-6EA9C4053C55}"/>
+              </a:ext>
+            </a:extLst>
+          </p:cNvPr>
+          <p:cNvSpPr txBox="1">
+            <a:spLocks/>
+          </p:cNvSpPr>
+          <p:nvPr/>
+        </p:nvSpPr>
+        <p:spPr>
+          <a:xfrm>
+            <a:off x="0" y="0"/>
+            <a:ext cx="12190476" cy="1143000"/>
+          </a:xfrm>
+          <a:prstGeom prst="rect">
+            <a:avLst/>
+          </a:prstGeom>
+        </p:spPr>
+        <p:txBody>
+          <a:bodyPr vert="horz" lIns="91440" tIns="45720" rIns="91440" bIns="45720" rtlCol="0" anchor="ctr">
+            <a:noAutofit/>
+          </a:bodyPr>
+          <a:lstStyle>
+            <a:lvl1pPr algn="l" defTabSz="914400" rtl="0" eaLnBrk="1" latinLnBrk="0" hangingPunct="1">
+              <a:lnSpc>
+                <a:spcPct val="90000"/>
+              </a:lnSpc>
+              <a:spcBef>
+                <a:spcPct val="0"/>
+              </a:spcBef>
+              <a:buNone/>
+              <a:defRPr sz="4400" kern="1200">
+                <a:solidFill>
+                  <a:schemeClr val="tx1"/>
+                </a:solidFill>
+                <a:latin typeface="+mj-lt"/>
+                <a:ea typeface="+mj-ea"/>
+                <a:cs typeface="+mj-cs"/>
+              </a:defRPr>
+            </a:lvl1pPr>
+          </a:lstStyle>
           <a:p>
             <a:r>
               <a:rPr lang="en-US" b="1" dirty="0"/>
               <a:t>Data Sources</a:t>
             </a:r>
-            <a:br>
-              <a:rPr lang="en-US" b="1" dirty="0"/>
-            </a:br>
+          </a:p>
+        </p:txBody>
+      </p:sp>
+      <p:sp>
+        <p:nvSpPr>
+          <p:cNvPr id="8" name="Content Placeholder 2">
+            <a:extLst>
+              <a:ext uri="{FF2B5EF4-FFF2-40B4-BE49-F238E27FC236}">
+                <a16:creationId xmlns:a16="http://schemas.microsoft.com/office/drawing/2014/main" id="{CB4B9A8A-C270-4AC8-B0D3-C780BBE651C8}"/>
+              </a:ext>
+            </a:extLst>
+          </p:cNvPr>
+          <p:cNvSpPr txBox="1">
+            <a:spLocks/>
+          </p:cNvSpPr>
+          <p:nvPr/>
+        </p:nvSpPr>
+        <p:spPr>
+          <a:xfrm>
+            <a:off x="1524" y="1143000"/>
+            <a:ext cx="6094476" cy="5714999"/>
+          </a:xfrm>
+          <a:prstGeom prst="rect">
+            <a:avLst/>
+          </a:prstGeom>
+        </p:spPr>
+        <p:txBody>
+          <a:bodyPr vert="horz" lIns="91440" tIns="45720" rIns="91440" bIns="45720" rtlCol="0">
+            <a:normAutofit/>
+          </a:bodyPr>
+          <a:lstStyle>
+            <a:lvl1pPr marL="228600" indent="-228600" algn="l" defTabSz="914400" rtl="0" eaLnBrk="1" latinLnBrk="0" hangingPunct="1">
+              <a:lnSpc>
+                <a:spcPct val="90000"/>
+              </a:lnSpc>
+              <a:spcBef>
+                <a:spcPts val="1000"/>
+              </a:spcBef>
+              <a:buFont typeface="Arial" panose="020B0604020202020204" pitchFamily="34" charset="0"/>
+              <a:buChar char="•"/>
+              <a:defRPr sz="2800" kern="1200">
+                <a:solidFill>
+                  <a:schemeClr val="tx1"/>
+                </a:solidFill>
+                <a:latin typeface="+mn-lt"/>
+                <a:ea typeface="+mn-ea"/>
+                <a:cs typeface="+mn-cs"/>
+              </a:defRPr>
+            </a:lvl1pPr>
+            <a:lvl2pPr marL="685800" indent="-228600" algn="l" defTabSz="914400" rtl="0" eaLnBrk="1" latinLnBrk="0" hangingPunct="1">
+              <a:lnSpc>
+                <a:spcPct val="90000"/>
+              </a:lnSpc>
+              <a:spcBef>
+                <a:spcPts val="500"/>
+              </a:spcBef>
+              <a:buFont typeface="Arial" panose="020B0604020202020204" pitchFamily="34" charset="0"/>
+              <a:buChar char="•"/>
+              <a:defRPr sz="2400" kern="1200">
+                <a:solidFill>
+                  <a:schemeClr val="tx1"/>
+                </a:solidFill>
+                <a:latin typeface="+mn-lt"/>
+                <a:ea typeface="+mn-ea"/>
+                <a:cs typeface="+mn-cs"/>
+              </a:defRPr>
+            </a:lvl2pPr>
+            <a:lvl3pPr marL="1143000" indent="-228600" algn="l" defTabSz="914400" rtl="0" eaLnBrk="1" latinLnBrk="0" hangingPunct="1">
+              <a:lnSpc>
+                <a:spcPct val="90000"/>
+              </a:lnSpc>
+              <a:spcBef>
+                <a:spcPts val="500"/>
+              </a:spcBef>
+              <a:buFont typeface="Arial" panose="020B0604020202020204" pitchFamily="34" charset="0"/>
+              <a:buChar char="•"/>
+              <a:defRPr sz="2000" kern="1200">
+                <a:solidFill>
+                  <a:schemeClr val="tx1"/>
+                </a:solidFill>
+                <a:latin typeface="+mn-lt"/>
+                <a:ea typeface="+mn-ea"/>
+                <a:cs typeface="+mn-cs"/>
+              </a:defRPr>
+            </a:lvl3pPr>
+            <a:lvl4pPr marL="1600200" indent="-228600" algn="l" defTabSz="914400" rtl="0" eaLnBrk="1" latinLnBrk="0" hangingPunct="1">
+              <a:lnSpc>
+                <a:spcPct val="90000"/>
+              </a:lnSpc>
+              <a:spcBef>
+                <a:spcPts val="500"/>
+              </a:spcBef>
+              <a:buFont typeface="Arial" panose="020B0604020202020204" pitchFamily="34" charset="0"/>
+              <a:buChar char="•"/>
+              <a:defRPr sz="1800" kern="1200">
+                <a:solidFill>
+                  <a:schemeClr val="tx1"/>
+                </a:solidFill>
+                <a:latin typeface="+mn-lt"/>
+                <a:ea typeface="+mn-ea"/>
+                <a:cs typeface="+mn-cs"/>
+              </a:defRPr>
+            </a:lvl4pPr>
+            <a:lvl5pPr marL="2057400" indent="-228600" algn="l" defTabSz="914400" rtl="0" eaLnBrk="1" latinLnBrk="0" hangingPunct="1">
+              <a:lnSpc>
+                <a:spcPct val="90000"/>
+              </a:lnSpc>
+              <a:spcBef>
+                <a:spcPts val="500"/>
+              </a:spcBef>
+              <a:buFont typeface="Arial" panose="020B0604020202020204" pitchFamily="34" charset="0"/>
+              <a:buChar char="•"/>
+              <a:defRPr sz="1800" kern="1200">
+                <a:solidFill>
+                  <a:schemeClr val="tx1"/>
+                </a:solidFill>
+                <a:latin typeface="+mn-lt"/>
+                <a:ea typeface="+mn-ea"/>
+                <a:cs typeface="+mn-cs"/>
+              </a:defRPr>
+            </a:lvl5pPr>
+            <a:lvl6pPr marL="2514600" indent="-228600" algn="l" defTabSz="914400" rtl="0" eaLnBrk="1" latinLnBrk="0" hangingPunct="1">
+              <a:lnSpc>
+                <a:spcPct val="90000"/>
+              </a:lnSpc>
+              <a:spcBef>
+                <a:spcPts val="500"/>
+              </a:spcBef>
+              <a:buFont typeface="Arial" panose="020B0604020202020204" pitchFamily="34" charset="0"/>
+              <a:buChar char="•"/>
+              <a:defRPr sz="1800" kern="1200">
+                <a:solidFill>
+                  <a:schemeClr val="tx1"/>
+                </a:solidFill>
+                <a:latin typeface="+mn-lt"/>
+                <a:ea typeface="+mn-ea"/>
+                <a:cs typeface="+mn-cs"/>
+              </a:defRPr>
+            </a:lvl6pPr>
+            <a:lvl7pPr marL="2971800" indent="-228600" algn="l" defTabSz="914400" rtl="0" eaLnBrk="1" latinLnBrk="0" hangingPunct="1">
+              <a:lnSpc>
+                <a:spcPct val="90000"/>
+              </a:lnSpc>
+              <a:spcBef>
+                <a:spcPts val="500"/>
+              </a:spcBef>
+              <a:buFont typeface="Arial" panose="020B0604020202020204" pitchFamily="34" charset="0"/>
+              <a:buChar char="•"/>
+              <a:defRPr sz="1800" kern="1200">
+                <a:solidFill>
+                  <a:schemeClr val="tx1"/>
+                </a:solidFill>
+                <a:latin typeface="+mn-lt"/>
+                <a:ea typeface="+mn-ea"/>
+                <a:cs typeface="+mn-cs"/>
+              </a:defRPr>
+            </a:lvl7pPr>
+            <a:lvl8pPr marL="3429000" indent="-228600" algn="l" defTabSz="914400" rtl="0" eaLnBrk="1" latinLnBrk="0" hangingPunct="1">
+              <a:lnSpc>
+                <a:spcPct val="90000"/>
+              </a:lnSpc>
+              <a:spcBef>
+                <a:spcPts val="500"/>
+              </a:spcBef>
+              <a:buFont typeface="Arial" panose="020B0604020202020204" pitchFamily="34" charset="0"/>
+              <a:buChar char="•"/>
+              <a:defRPr sz="1800" kern="1200">
+                <a:solidFill>
+                  <a:schemeClr val="tx1"/>
+                </a:solidFill>
+                <a:latin typeface="+mn-lt"/>
+                <a:ea typeface="+mn-ea"/>
+                <a:cs typeface="+mn-cs"/>
+              </a:defRPr>
+            </a:lvl8pPr>
+            <a:lvl9pPr marL="3886200" indent="-228600" algn="l" defTabSz="914400" rtl="0" eaLnBrk="1" latinLnBrk="0" hangingPunct="1">
+              <a:lnSpc>
+                <a:spcPct val="90000"/>
+              </a:lnSpc>
+              <a:spcBef>
+                <a:spcPts val="500"/>
+              </a:spcBef>
+              <a:buFont typeface="Arial" panose="020B0604020202020204" pitchFamily="34" charset="0"/>
+              <a:buChar char="•"/>
+              <a:defRPr sz="1800" kern="1200">
+                <a:solidFill>
+                  <a:schemeClr val="tx1"/>
+                </a:solidFill>
+                <a:latin typeface="+mn-lt"/>
+                <a:ea typeface="+mn-ea"/>
+                <a:cs typeface="+mn-cs"/>
+              </a:defRPr>
+            </a:lvl9pPr>
+          </a:lstStyle>
+          <a:p>
+            <a:pPr marL="0" indent="0" algn="ctr">
+              <a:buNone/>
+            </a:pPr>
+            <a:endParaRPr lang="en-US" u="sng" dirty="0"/>
+          </a:p>
+          <a:p>
+            <a:pPr marL="0" indent="0" algn="ctr">
+              <a:buNone/>
+            </a:pPr>
+            <a:r>
+              <a:rPr lang="en-US" u="sng" dirty="0"/>
+              <a:t>APIs</a:t>
+            </a:r>
+          </a:p>
+          <a:p>
+            <a:pPr marL="0" indent="0" algn="ctr">
+              <a:buNone/>
+            </a:pPr>
+            <a:endParaRPr lang="en-US" u="sng" dirty="0"/>
+          </a:p>
+          <a:p>
+            <a:pPr marL="0" indent="0" algn="ctr">
+              <a:buNone/>
+            </a:pPr>
+            <a:r>
+              <a:rPr lang="en-US" dirty="0"/>
+              <a:t>Superhero</a:t>
+            </a:r>
+          </a:p>
+          <a:p>
+            <a:pPr marL="0" indent="0" algn="ctr">
+              <a:buNone/>
+            </a:pPr>
+            <a:r>
+              <a:rPr lang="en-US" dirty="0" err="1"/>
+              <a:t>ComicVine</a:t>
+            </a:r>
             <a:endParaRPr lang="en-US" dirty="0"/>
           </a:p>
-        </p:txBody>
-      </p:sp>
-      <p:graphicFrame>
-        <p:nvGraphicFramePr>
-          <p:cNvPr id="4" name="Table 3">
-            <a:extLst>
-              <a:ext uri="{FF2B5EF4-FFF2-40B4-BE49-F238E27FC236}">
-                <a16:creationId xmlns:a16="http://schemas.microsoft.com/office/drawing/2014/main" id="{706BB424-F4D1-4A77-B923-5E3432E9BF03}"/>
-              </a:ext>
-            </a:extLst>
-          </p:cNvPr>
-          <p:cNvGraphicFramePr>
-            <a:graphicFrameLocks noGrp="1"/>
-          </p:cNvGraphicFramePr>
-          <p:nvPr>
-            <p:extLst>
-              <p:ext uri="{D42A27DB-BD31-4B8C-83A1-F6EECF244321}">
-                <p14:modId xmlns:p14="http://schemas.microsoft.com/office/powerpoint/2010/main" val="1125905794"/>
-              </p:ext>
-            </p:extLst>
-          </p:nvPr>
-        </p:nvGraphicFramePr>
-        <p:xfrm>
-          <a:off x="1447514" y="1340881"/>
-          <a:ext cx="9296972" cy="9845040"/>
-        </p:xfrm>
-        <a:graphic>
-          <a:graphicData uri="http://schemas.openxmlformats.org/drawingml/2006/table">
-            <a:tbl>
-              <a:tblPr firstRow="1" bandRow="1">
-                <a:tableStyleId>{5C22544A-7EE6-4342-B048-85BDC9FD1C3A}</a:tableStyleId>
-              </a:tblPr>
-              <a:tblGrid>
-                <a:gridCol w="4648486">
-                  <a:extLst>
-                    <a:ext uri="{9D8B030D-6E8A-4147-A177-3AD203B41FA5}">
-                      <a16:colId xmlns:a16="http://schemas.microsoft.com/office/drawing/2014/main" val="56322214"/>
-                    </a:ext>
-                  </a:extLst>
-                </a:gridCol>
-                <a:gridCol w="4648486">
-                  <a:extLst>
-                    <a:ext uri="{9D8B030D-6E8A-4147-A177-3AD203B41FA5}">
-                      <a16:colId xmlns:a16="http://schemas.microsoft.com/office/drawing/2014/main" val="2517983189"/>
-                    </a:ext>
-                  </a:extLst>
-                </a:gridCol>
-              </a:tblGrid>
-              <a:tr h="8810275">
-                <a:tc>
-                  <a:txBody>
-                    <a:bodyPr/>
-                    <a:lstStyle/>
-                    <a:p>
-                      <a:r>
-                        <a:rPr lang="en-US" sz="4000" u="sng" dirty="0">
-                          <a:solidFill>
-                            <a:schemeClr val="tx1"/>
-                          </a:solidFill>
-                        </a:rPr>
-                        <a:t>API’s</a:t>
-                      </a:r>
-                    </a:p>
-                    <a:p>
-                      <a:endParaRPr lang="en-US" sz="4000" dirty="0">
-                        <a:solidFill>
-                          <a:schemeClr val="tx1"/>
-                        </a:solidFill>
-                      </a:endParaRPr>
-                    </a:p>
-                    <a:p>
-                      <a:r>
-                        <a:rPr lang="en-US" sz="4000" dirty="0">
-                          <a:solidFill>
-                            <a:schemeClr val="tx1"/>
-                          </a:solidFill>
-                        </a:rPr>
-                        <a:t>Superhero </a:t>
-                      </a:r>
-                    </a:p>
-                    <a:p>
-                      <a:r>
-                        <a:rPr lang="en-US" sz="4000" dirty="0" err="1">
-                          <a:solidFill>
-                            <a:schemeClr val="tx1"/>
-                          </a:solidFill>
-                        </a:rPr>
-                        <a:t>ComicVine</a:t>
-                      </a:r>
-                      <a:r>
-                        <a:rPr lang="en-US" sz="4000" dirty="0">
-                          <a:solidFill>
-                            <a:schemeClr val="tx1"/>
-                          </a:solidFill>
-                        </a:rPr>
-                        <a:t> </a:t>
-                      </a:r>
-                    </a:p>
-                    <a:p>
-                      <a:r>
-                        <a:rPr lang="en-US" sz="4000" dirty="0">
-                          <a:solidFill>
-                            <a:schemeClr val="tx1"/>
-                          </a:solidFill>
-                        </a:rPr>
-                        <a:t>Marvel </a:t>
-                      </a:r>
-                    </a:p>
-                    <a:p>
-                      <a:r>
-                        <a:rPr lang="en-US" sz="4000" dirty="0" err="1">
-                          <a:solidFill>
-                            <a:schemeClr val="tx1"/>
-                          </a:solidFill>
-                        </a:rPr>
-                        <a:t>OMDb</a:t>
-                      </a:r>
-                      <a:endParaRPr lang="en-US" sz="4000" dirty="0">
-                        <a:solidFill>
-                          <a:schemeClr val="tx1"/>
-                        </a:solidFill>
-                      </a:endParaRPr>
-                    </a:p>
-                    <a:p>
-                      <a:endParaRPr lang="en-US" sz="4000" dirty="0">
-                        <a:solidFill>
-                          <a:schemeClr val="tx1"/>
-                        </a:solidFill>
-                      </a:endParaRPr>
-                    </a:p>
-                    <a:p>
-                      <a:endParaRPr lang="en-US" sz="4000" dirty="0">
-                        <a:solidFill>
-                          <a:schemeClr val="tx1"/>
-                        </a:solidFill>
-                      </a:endParaRPr>
-                    </a:p>
-                    <a:p>
-                      <a:endParaRPr lang="en-US" sz="4000" dirty="0">
-                        <a:solidFill>
-                          <a:schemeClr val="tx1"/>
-                        </a:solidFill>
-                      </a:endParaRPr>
-                    </a:p>
-                    <a:p>
-                      <a:endParaRPr lang="en-US" sz="4000" dirty="0">
-                        <a:solidFill>
-                          <a:schemeClr val="tx1"/>
-                        </a:solidFill>
-                      </a:endParaRPr>
-                    </a:p>
-                    <a:p>
-                      <a:endParaRPr lang="en-US" sz="4000" dirty="0">
-                        <a:solidFill>
-                          <a:schemeClr val="tx1"/>
-                        </a:solidFill>
-                      </a:endParaRPr>
-                    </a:p>
-                    <a:p>
-                      <a:endParaRPr lang="en-US" sz="4000" dirty="0">
-                        <a:solidFill>
-                          <a:schemeClr val="tx1"/>
-                        </a:solidFill>
-                      </a:endParaRPr>
-                    </a:p>
-                    <a:p>
-                      <a:endParaRPr lang="en-US" sz="4000" dirty="0">
-                        <a:solidFill>
-                          <a:schemeClr val="tx1"/>
-                        </a:solidFill>
-                      </a:endParaRPr>
-                    </a:p>
-                    <a:p>
-                      <a:endParaRPr lang="en-US" sz="4000" dirty="0">
-                        <a:solidFill>
-                          <a:schemeClr val="tx1"/>
-                        </a:solidFill>
-                      </a:endParaRPr>
-                    </a:p>
-                    <a:p>
-                      <a:endParaRPr lang="en-US" sz="4000" dirty="0">
-                        <a:solidFill>
-                          <a:schemeClr val="tx1"/>
-                        </a:solidFill>
-                      </a:endParaRPr>
-                    </a:p>
-                    <a:p>
-                      <a:endParaRPr lang="en-US" sz="4000" dirty="0">
-                        <a:solidFill>
-                          <a:schemeClr val="tx1"/>
-                        </a:solidFill>
-                      </a:endParaRPr>
-                    </a:p>
-                  </a:txBody>
-                  <a:tcPr>
-                    <a:lnL w="12700" cmpd="sng">
-                      <a:noFill/>
-                    </a:lnL>
-                    <a:lnR w="12700" cmpd="sng">
-                      <a:noFill/>
-                    </a:lnR>
-                    <a:lnT w="12700" cmpd="sng">
-                      <a:noFill/>
-                    </a:lnT>
-                    <a:lnB w="38100" cmpd="sng">
-                      <a:noFill/>
-                    </a:lnB>
-                    <a:lnTlToBr w="12700" cmpd="sng">
-                      <a:noFill/>
-                      <a:prstDash val="solid"/>
-                    </a:lnTlToBr>
-                    <a:lnBlToTr w="12700" cmpd="sng">
-                      <a:noFill/>
-                      <a:prstDash val="solid"/>
-                    </a:lnBlToTr>
-                    <a:noFill/>
-                  </a:tcPr>
-                </a:tc>
-                <a:tc>
-                  <a:txBody>
-                    <a:bodyPr/>
-                    <a:lstStyle/>
-                    <a:p>
-                      <a:r>
-                        <a:rPr lang="en-US" sz="4000" u="sng" dirty="0">
-                          <a:solidFill>
-                            <a:schemeClr val="tx1"/>
-                          </a:solidFill>
-                        </a:rPr>
-                        <a:t>URL’s</a:t>
-                      </a:r>
-                    </a:p>
-                    <a:p>
-                      <a:endParaRPr lang="en-US" sz="4000" dirty="0">
-                        <a:solidFill>
-                          <a:schemeClr val="tx1"/>
-                        </a:solidFill>
-                      </a:endParaRPr>
-                    </a:p>
-                    <a:p>
-                      <a:r>
-                        <a:rPr lang="en-US" sz="4000" dirty="0">
-                          <a:solidFill>
-                            <a:schemeClr val="tx1"/>
-                          </a:solidFill>
-                        </a:rPr>
-                        <a:t>IMDB</a:t>
-                      </a:r>
-                    </a:p>
-                    <a:p>
-                      <a:r>
-                        <a:rPr lang="en-US" sz="4000" dirty="0">
-                          <a:solidFill>
-                            <a:schemeClr val="tx1"/>
-                          </a:solidFill>
-                        </a:rPr>
-                        <a:t>Marvel Wiki</a:t>
-                      </a:r>
-                    </a:p>
-                    <a:p>
-                      <a:r>
-                        <a:rPr lang="en-US" sz="4000" dirty="0">
-                          <a:solidFill>
-                            <a:schemeClr val="tx1"/>
-                          </a:solidFill>
-                        </a:rPr>
-                        <a:t>Box Office Mojo</a:t>
-                      </a:r>
-                    </a:p>
-                  </a:txBody>
-                  <a:tcPr>
-                    <a:lnL w="12700" cmpd="sng">
-                      <a:noFill/>
-                    </a:lnL>
-                    <a:lnR w="12700" cmpd="sng">
-                      <a:noFill/>
-                    </a:lnR>
-                    <a:lnT w="12700" cmpd="sng">
-                      <a:noFill/>
-                    </a:lnT>
-                    <a:lnB w="38100" cmpd="sng">
-                      <a:noFill/>
-                    </a:lnB>
-                    <a:lnTlToBr w="12700" cmpd="sng">
-                      <a:noFill/>
-                      <a:prstDash val="solid"/>
-                    </a:lnTlToBr>
-                    <a:lnBlToTr w="12700" cmpd="sng">
-                      <a:noFill/>
-                      <a:prstDash val="solid"/>
-                    </a:lnBlToTr>
-                    <a:noFill/>
-                  </a:tcPr>
-                </a:tc>
-                <a:extLst>
-                  <a:ext uri="{0D108BD9-81ED-4DB2-BD59-A6C34878D82A}">
-                    <a16:rowId xmlns:a16="http://schemas.microsoft.com/office/drawing/2014/main" val="4281474277"/>
-                  </a:ext>
-                </a:extLst>
-              </a:tr>
-            </a:tbl>
-          </a:graphicData>
-        </a:graphic>
-      </p:graphicFrame>
+          <a:p>
+            <a:pPr marL="0" indent="0" algn="ctr">
+              <a:buNone/>
+            </a:pPr>
+            <a:r>
+              <a:rPr lang="en-US" dirty="0"/>
+              <a:t>Marvel</a:t>
+            </a:r>
+          </a:p>
+          <a:p>
+            <a:pPr marL="0" indent="0" algn="ctr">
+              <a:buNone/>
+            </a:pPr>
+            <a:r>
+              <a:rPr lang="en-US" dirty="0" err="1"/>
+              <a:t>OMDb</a:t>
+            </a:r>
+            <a:endParaRPr lang="en-US" dirty="0"/>
+          </a:p>
+        </p:txBody>
+      </p:sp>
+      <p:sp>
+        <p:nvSpPr>
+          <p:cNvPr id="9" name="Content Placeholder 2">
+            <a:extLst>
+              <a:ext uri="{FF2B5EF4-FFF2-40B4-BE49-F238E27FC236}">
+                <a16:creationId xmlns:a16="http://schemas.microsoft.com/office/drawing/2014/main" id="{131AEAA8-FD5B-4FB2-BDC7-1B9B7022CE75}"/>
+              </a:ext>
+            </a:extLst>
+          </p:cNvPr>
+          <p:cNvSpPr txBox="1">
+            <a:spLocks/>
+          </p:cNvSpPr>
+          <p:nvPr/>
+        </p:nvSpPr>
+        <p:spPr>
+          <a:xfrm>
+            <a:off x="6097524" y="1143000"/>
+            <a:ext cx="6094476" cy="5714999"/>
+          </a:xfrm>
+          <a:prstGeom prst="rect">
+            <a:avLst/>
+          </a:prstGeom>
+        </p:spPr>
+        <p:txBody>
+          <a:bodyPr vert="horz" lIns="91440" tIns="45720" rIns="91440" bIns="45720" rtlCol="0">
+            <a:normAutofit/>
+          </a:bodyPr>
+          <a:lstStyle>
+            <a:lvl1pPr marL="228600" indent="-228600" algn="l" defTabSz="914400" rtl="0" eaLnBrk="1" latinLnBrk="0" hangingPunct="1">
+              <a:lnSpc>
+                <a:spcPct val="90000"/>
+              </a:lnSpc>
+              <a:spcBef>
+                <a:spcPts val="1000"/>
+              </a:spcBef>
+              <a:buFont typeface="Arial" panose="020B0604020202020204" pitchFamily="34" charset="0"/>
+              <a:buChar char="•"/>
+              <a:defRPr sz="2800" kern="1200">
+                <a:solidFill>
+                  <a:schemeClr val="tx1"/>
+                </a:solidFill>
+                <a:latin typeface="+mn-lt"/>
+                <a:ea typeface="+mn-ea"/>
+                <a:cs typeface="+mn-cs"/>
+              </a:defRPr>
+            </a:lvl1pPr>
+            <a:lvl2pPr marL="685800" indent="-228600" algn="l" defTabSz="914400" rtl="0" eaLnBrk="1" latinLnBrk="0" hangingPunct="1">
+              <a:lnSpc>
+                <a:spcPct val="90000"/>
+              </a:lnSpc>
+              <a:spcBef>
+                <a:spcPts val="500"/>
+              </a:spcBef>
+              <a:buFont typeface="Arial" panose="020B0604020202020204" pitchFamily="34" charset="0"/>
+              <a:buChar char="•"/>
+              <a:defRPr sz="2400" kern="1200">
+                <a:solidFill>
+                  <a:schemeClr val="tx1"/>
+                </a:solidFill>
+                <a:latin typeface="+mn-lt"/>
+                <a:ea typeface="+mn-ea"/>
+                <a:cs typeface="+mn-cs"/>
+              </a:defRPr>
+            </a:lvl2pPr>
+            <a:lvl3pPr marL="1143000" indent="-228600" algn="l" defTabSz="914400" rtl="0" eaLnBrk="1" latinLnBrk="0" hangingPunct="1">
+              <a:lnSpc>
+                <a:spcPct val="90000"/>
+              </a:lnSpc>
+              <a:spcBef>
+                <a:spcPts val="500"/>
+              </a:spcBef>
+              <a:buFont typeface="Arial" panose="020B0604020202020204" pitchFamily="34" charset="0"/>
+              <a:buChar char="•"/>
+              <a:defRPr sz="2000" kern="1200">
+                <a:solidFill>
+                  <a:schemeClr val="tx1"/>
+                </a:solidFill>
+                <a:latin typeface="+mn-lt"/>
+                <a:ea typeface="+mn-ea"/>
+                <a:cs typeface="+mn-cs"/>
+              </a:defRPr>
+            </a:lvl3pPr>
+            <a:lvl4pPr marL="1600200" indent="-228600" algn="l" defTabSz="914400" rtl="0" eaLnBrk="1" latinLnBrk="0" hangingPunct="1">
+              <a:lnSpc>
+                <a:spcPct val="90000"/>
+              </a:lnSpc>
+              <a:spcBef>
+                <a:spcPts val="500"/>
+              </a:spcBef>
+              <a:buFont typeface="Arial" panose="020B0604020202020204" pitchFamily="34" charset="0"/>
+              <a:buChar char="•"/>
+              <a:defRPr sz="1800" kern="1200">
+                <a:solidFill>
+                  <a:schemeClr val="tx1"/>
+                </a:solidFill>
+                <a:latin typeface="+mn-lt"/>
+                <a:ea typeface="+mn-ea"/>
+                <a:cs typeface="+mn-cs"/>
+              </a:defRPr>
+            </a:lvl4pPr>
+            <a:lvl5pPr marL="2057400" indent="-228600" algn="l" defTabSz="914400" rtl="0" eaLnBrk="1" latinLnBrk="0" hangingPunct="1">
+              <a:lnSpc>
+                <a:spcPct val="90000"/>
+              </a:lnSpc>
+              <a:spcBef>
+                <a:spcPts val="500"/>
+              </a:spcBef>
+              <a:buFont typeface="Arial" panose="020B0604020202020204" pitchFamily="34" charset="0"/>
+              <a:buChar char="•"/>
+              <a:defRPr sz="1800" kern="1200">
+                <a:solidFill>
+                  <a:schemeClr val="tx1"/>
+                </a:solidFill>
+                <a:latin typeface="+mn-lt"/>
+                <a:ea typeface="+mn-ea"/>
+                <a:cs typeface="+mn-cs"/>
+              </a:defRPr>
+            </a:lvl5pPr>
+            <a:lvl6pPr marL="2514600" indent="-228600" algn="l" defTabSz="914400" rtl="0" eaLnBrk="1" latinLnBrk="0" hangingPunct="1">
+              <a:lnSpc>
+                <a:spcPct val="90000"/>
+              </a:lnSpc>
+              <a:spcBef>
+                <a:spcPts val="500"/>
+              </a:spcBef>
+              <a:buFont typeface="Arial" panose="020B0604020202020204" pitchFamily="34" charset="0"/>
+              <a:buChar char="•"/>
+              <a:defRPr sz="1800" kern="1200">
+                <a:solidFill>
+                  <a:schemeClr val="tx1"/>
+                </a:solidFill>
+                <a:latin typeface="+mn-lt"/>
+                <a:ea typeface="+mn-ea"/>
+                <a:cs typeface="+mn-cs"/>
+              </a:defRPr>
+            </a:lvl6pPr>
+            <a:lvl7pPr marL="2971800" indent="-228600" algn="l" defTabSz="914400" rtl="0" eaLnBrk="1" latinLnBrk="0" hangingPunct="1">
+              <a:lnSpc>
+                <a:spcPct val="90000"/>
+              </a:lnSpc>
+              <a:spcBef>
+                <a:spcPts val="500"/>
+              </a:spcBef>
+              <a:buFont typeface="Arial" panose="020B0604020202020204" pitchFamily="34" charset="0"/>
+              <a:buChar char="•"/>
+              <a:defRPr sz="1800" kern="1200">
+                <a:solidFill>
+                  <a:schemeClr val="tx1"/>
+                </a:solidFill>
+                <a:latin typeface="+mn-lt"/>
+                <a:ea typeface="+mn-ea"/>
+                <a:cs typeface="+mn-cs"/>
+              </a:defRPr>
+            </a:lvl7pPr>
+            <a:lvl8pPr marL="3429000" indent="-228600" algn="l" defTabSz="914400" rtl="0" eaLnBrk="1" latinLnBrk="0" hangingPunct="1">
+              <a:lnSpc>
+                <a:spcPct val="90000"/>
+              </a:lnSpc>
+              <a:spcBef>
+                <a:spcPts val="500"/>
+              </a:spcBef>
+              <a:buFont typeface="Arial" panose="020B0604020202020204" pitchFamily="34" charset="0"/>
+              <a:buChar char="•"/>
+              <a:defRPr sz="1800" kern="1200">
+                <a:solidFill>
+                  <a:schemeClr val="tx1"/>
+                </a:solidFill>
+                <a:latin typeface="+mn-lt"/>
+                <a:ea typeface="+mn-ea"/>
+                <a:cs typeface="+mn-cs"/>
+              </a:defRPr>
+            </a:lvl8pPr>
+            <a:lvl9pPr marL="3886200" indent="-228600" algn="l" defTabSz="914400" rtl="0" eaLnBrk="1" latinLnBrk="0" hangingPunct="1">
+              <a:lnSpc>
+                <a:spcPct val="90000"/>
+              </a:lnSpc>
+              <a:spcBef>
+                <a:spcPts val="500"/>
+              </a:spcBef>
+              <a:buFont typeface="Arial" panose="020B0604020202020204" pitchFamily="34" charset="0"/>
+              <a:buChar char="•"/>
+              <a:defRPr sz="1800" kern="1200">
+                <a:solidFill>
+                  <a:schemeClr val="tx1"/>
+                </a:solidFill>
+                <a:latin typeface="+mn-lt"/>
+                <a:ea typeface="+mn-ea"/>
+                <a:cs typeface="+mn-cs"/>
+              </a:defRPr>
+            </a:lvl9pPr>
+          </a:lstStyle>
+          <a:p>
+            <a:pPr marL="0" indent="0" algn="ctr">
+              <a:buNone/>
+            </a:pPr>
+            <a:endParaRPr lang="en-US" u="sng" dirty="0"/>
+          </a:p>
+          <a:p>
+            <a:pPr marL="0" indent="0" algn="ctr">
+              <a:buNone/>
+            </a:pPr>
+            <a:r>
+              <a:rPr lang="en-US" u="sng" dirty="0"/>
+              <a:t>URLs</a:t>
+            </a:r>
+          </a:p>
+          <a:p>
+            <a:pPr marL="0" indent="0" algn="ctr">
+              <a:buNone/>
+            </a:pPr>
+            <a:endParaRPr lang="en-US" u="sng" dirty="0"/>
+          </a:p>
+          <a:p>
+            <a:pPr marL="0" indent="0" algn="ctr">
+              <a:buNone/>
+            </a:pPr>
+            <a:r>
+              <a:rPr lang="en-US" dirty="0"/>
+              <a:t>IMDb</a:t>
+            </a:r>
+          </a:p>
+          <a:p>
+            <a:pPr marL="0" indent="0" algn="ctr">
+              <a:buNone/>
+            </a:pPr>
+            <a:r>
+              <a:rPr lang="en-US" dirty="0"/>
+              <a:t>Marvel Wiki</a:t>
+            </a:r>
+          </a:p>
+          <a:p>
+            <a:pPr marL="0" indent="0" algn="ctr">
+              <a:buNone/>
+            </a:pPr>
+            <a:r>
+              <a:rPr lang="en-US" dirty="0"/>
+              <a:t>Box Office Mojo</a:t>
+            </a:r>
+          </a:p>
+        </p:txBody>
+      </p:sp>
     </p:spTree>
     <p:extLst>
       <p:ext uri="{BB962C8B-B14F-4D97-AF65-F5344CB8AC3E}">
@@ -8393,72 +11688,266 @@
       </p:grpSpPr>
       <p:sp>
         <p:nvSpPr>
-          <p:cNvPr id="2" name="Title 1">
-            <a:extLst>
-              <a:ext uri="{FF2B5EF4-FFF2-40B4-BE49-F238E27FC236}">
-                <a16:creationId xmlns:a16="http://schemas.microsoft.com/office/drawing/2014/main" id="{B303CD59-461E-4B94-A06C-ECCFB6430283}"/>
-              </a:ext>
-            </a:extLst>
-          </p:cNvPr>
-          <p:cNvSpPr>
-            <a:spLocks noGrp="1"/>
-          </p:cNvSpPr>
-          <p:nvPr>
-            <p:ph type="title"/>
-          </p:nvPr>
-        </p:nvSpPr>
-        <p:spPr/>
-        <p:txBody>
-          <a:bodyPr/>
-          <a:lstStyle/>
+          <p:cNvPr id="4" name="Title 1">
+            <a:extLst>
+              <a:ext uri="{FF2B5EF4-FFF2-40B4-BE49-F238E27FC236}">
+                <a16:creationId xmlns:a16="http://schemas.microsoft.com/office/drawing/2014/main" id="{49E340FF-6228-4CEB-A9E6-AC4435903F88}"/>
+              </a:ext>
+            </a:extLst>
+          </p:cNvPr>
+          <p:cNvSpPr txBox="1">
+            <a:spLocks/>
+          </p:cNvSpPr>
+          <p:nvPr/>
+        </p:nvSpPr>
+        <p:spPr>
+          <a:xfrm>
+            <a:off x="0" y="0"/>
+            <a:ext cx="12190476" cy="1143000"/>
+          </a:xfrm>
+          <a:prstGeom prst="rect">
+            <a:avLst/>
+          </a:prstGeom>
+        </p:spPr>
+        <p:txBody>
+          <a:bodyPr vert="horz" lIns="91440" tIns="45720" rIns="91440" bIns="45720" rtlCol="0" anchor="ctr">
+            <a:noAutofit/>
+          </a:bodyPr>
+          <a:lstStyle>
+            <a:lvl1pPr algn="l" defTabSz="914400" rtl="0" eaLnBrk="1" latinLnBrk="0" hangingPunct="1">
+              <a:lnSpc>
+                <a:spcPct val="90000"/>
+              </a:lnSpc>
+              <a:spcBef>
+                <a:spcPct val="0"/>
+              </a:spcBef>
+              <a:buNone/>
+              <a:defRPr sz="4400" kern="1200">
+                <a:solidFill>
+                  <a:schemeClr val="tx1"/>
+                </a:solidFill>
+                <a:latin typeface="+mj-lt"/>
+                <a:ea typeface="+mj-ea"/>
+                <a:cs typeface="+mj-cs"/>
+              </a:defRPr>
+            </a:lvl1pPr>
+          </a:lstStyle>
+          <a:p>
+            <a:r>
+              <a:rPr lang="en-US" b="1" dirty="0"/>
+              <a:t>Movie Population Selected for Analysis</a:t>
+            </a:r>
+          </a:p>
+        </p:txBody>
+      </p:sp>
+      <p:sp>
+        <p:nvSpPr>
+          <p:cNvPr id="7" name="Content Placeholder 2">
+            <a:extLst>
+              <a:ext uri="{FF2B5EF4-FFF2-40B4-BE49-F238E27FC236}">
+                <a16:creationId xmlns:a16="http://schemas.microsoft.com/office/drawing/2014/main" id="{EF043D2E-F43B-424F-BBBA-C5DDAF31E30E}"/>
+              </a:ext>
+            </a:extLst>
+          </p:cNvPr>
+          <p:cNvSpPr txBox="1">
+            <a:spLocks/>
+          </p:cNvSpPr>
+          <p:nvPr/>
+        </p:nvSpPr>
+        <p:spPr>
+          <a:xfrm>
+            <a:off x="1524" y="1143000"/>
+            <a:ext cx="12188952" cy="5714999"/>
+          </a:xfrm>
+          <a:prstGeom prst="rect">
+            <a:avLst/>
+          </a:prstGeom>
+        </p:spPr>
+        <p:txBody>
+          <a:bodyPr vert="horz" lIns="91440" tIns="45720" rIns="91440" bIns="45720" rtlCol="0">
+            <a:normAutofit/>
+          </a:bodyPr>
+          <a:lstStyle>
+            <a:lvl1pPr marL="228600" indent="-228600" algn="l" defTabSz="914400" rtl="0" eaLnBrk="1" latinLnBrk="0" hangingPunct="1">
+              <a:lnSpc>
+                <a:spcPct val="90000"/>
+              </a:lnSpc>
+              <a:spcBef>
+                <a:spcPts val="1000"/>
+              </a:spcBef>
+              <a:buFont typeface="Arial" panose="020B0604020202020204" pitchFamily="34" charset="0"/>
+              <a:buChar char="•"/>
+              <a:defRPr sz="2800" kern="1200">
+                <a:solidFill>
+                  <a:schemeClr val="tx1"/>
+                </a:solidFill>
+                <a:latin typeface="+mn-lt"/>
+                <a:ea typeface="+mn-ea"/>
+                <a:cs typeface="+mn-cs"/>
+              </a:defRPr>
+            </a:lvl1pPr>
+            <a:lvl2pPr marL="685800" indent="-228600" algn="l" defTabSz="914400" rtl="0" eaLnBrk="1" latinLnBrk="0" hangingPunct="1">
+              <a:lnSpc>
+                <a:spcPct val="90000"/>
+              </a:lnSpc>
+              <a:spcBef>
+                <a:spcPts val="500"/>
+              </a:spcBef>
+              <a:buFont typeface="Arial" panose="020B0604020202020204" pitchFamily="34" charset="0"/>
+              <a:buChar char="•"/>
+              <a:defRPr sz="2400" kern="1200">
+                <a:solidFill>
+                  <a:schemeClr val="tx1"/>
+                </a:solidFill>
+                <a:latin typeface="+mn-lt"/>
+                <a:ea typeface="+mn-ea"/>
+                <a:cs typeface="+mn-cs"/>
+              </a:defRPr>
+            </a:lvl2pPr>
+            <a:lvl3pPr marL="1143000" indent="-228600" algn="l" defTabSz="914400" rtl="0" eaLnBrk="1" latinLnBrk="0" hangingPunct="1">
+              <a:lnSpc>
+                <a:spcPct val="90000"/>
+              </a:lnSpc>
+              <a:spcBef>
+                <a:spcPts val="500"/>
+              </a:spcBef>
+              <a:buFont typeface="Arial" panose="020B0604020202020204" pitchFamily="34" charset="0"/>
+              <a:buChar char="•"/>
+              <a:defRPr sz="2000" kern="1200">
+                <a:solidFill>
+                  <a:schemeClr val="tx1"/>
+                </a:solidFill>
+                <a:latin typeface="+mn-lt"/>
+                <a:ea typeface="+mn-ea"/>
+                <a:cs typeface="+mn-cs"/>
+              </a:defRPr>
+            </a:lvl3pPr>
+            <a:lvl4pPr marL="1600200" indent="-228600" algn="l" defTabSz="914400" rtl="0" eaLnBrk="1" latinLnBrk="0" hangingPunct="1">
+              <a:lnSpc>
+                <a:spcPct val="90000"/>
+              </a:lnSpc>
+              <a:spcBef>
+                <a:spcPts val="500"/>
+              </a:spcBef>
+              <a:buFont typeface="Arial" panose="020B0604020202020204" pitchFamily="34" charset="0"/>
+              <a:buChar char="•"/>
+              <a:defRPr sz="1800" kern="1200">
+                <a:solidFill>
+                  <a:schemeClr val="tx1"/>
+                </a:solidFill>
+                <a:latin typeface="+mn-lt"/>
+                <a:ea typeface="+mn-ea"/>
+                <a:cs typeface="+mn-cs"/>
+              </a:defRPr>
+            </a:lvl4pPr>
+            <a:lvl5pPr marL="2057400" indent="-228600" algn="l" defTabSz="914400" rtl="0" eaLnBrk="1" latinLnBrk="0" hangingPunct="1">
+              <a:lnSpc>
+                <a:spcPct val="90000"/>
+              </a:lnSpc>
+              <a:spcBef>
+                <a:spcPts val="500"/>
+              </a:spcBef>
+              <a:buFont typeface="Arial" panose="020B0604020202020204" pitchFamily="34" charset="0"/>
+              <a:buChar char="•"/>
+              <a:defRPr sz="1800" kern="1200">
+                <a:solidFill>
+                  <a:schemeClr val="tx1"/>
+                </a:solidFill>
+                <a:latin typeface="+mn-lt"/>
+                <a:ea typeface="+mn-ea"/>
+                <a:cs typeface="+mn-cs"/>
+              </a:defRPr>
+            </a:lvl5pPr>
+            <a:lvl6pPr marL="2514600" indent="-228600" algn="l" defTabSz="914400" rtl="0" eaLnBrk="1" latinLnBrk="0" hangingPunct="1">
+              <a:lnSpc>
+                <a:spcPct val="90000"/>
+              </a:lnSpc>
+              <a:spcBef>
+                <a:spcPts val="500"/>
+              </a:spcBef>
+              <a:buFont typeface="Arial" panose="020B0604020202020204" pitchFamily="34" charset="0"/>
+              <a:buChar char="•"/>
+              <a:defRPr sz="1800" kern="1200">
+                <a:solidFill>
+                  <a:schemeClr val="tx1"/>
+                </a:solidFill>
+                <a:latin typeface="+mn-lt"/>
+                <a:ea typeface="+mn-ea"/>
+                <a:cs typeface="+mn-cs"/>
+              </a:defRPr>
+            </a:lvl6pPr>
+            <a:lvl7pPr marL="2971800" indent="-228600" algn="l" defTabSz="914400" rtl="0" eaLnBrk="1" latinLnBrk="0" hangingPunct="1">
+              <a:lnSpc>
+                <a:spcPct val="90000"/>
+              </a:lnSpc>
+              <a:spcBef>
+                <a:spcPts val="500"/>
+              </a:spcBef>
+              <a:buFont typeface="Arial" panose="020B0604020202020204" pitchFamily="34" charset="0"/>
+              <a:buChar char="•"/>
+              <a:defRPr sz="1800" kern="1200">
+                <a:solidFill>
+                  <a:schemeClr val="tx1"/>
+                </a:solidFill>
+                <a:latin typeface="+mn-lt"/>
+                <a:ea typeface="+mn-ea"/>
+                <a:cs typeface="+mn-cs"/>
+              </a:defRPr>
+            </a:lvl7pPr>
+            <a:lvl8pPr marL="3429000" indent="-228600" algn="l" defTabSz="914400" rtl="0" eaLnBrk="1" latinLnBrk="0" hangingPunct="1">
+              <a:lnSpc>
+                <a:spcPct val="90000"/>
+              </a:lnSpc>
+              <a:spcBef>
+                <a:spcPts val="500"/>
+              </a:spcBef>
+              <a:buFont typeface="Arial" panose="020B0604020202020204" pitchFamily="34" charset="0"/>
+              <a:buChar char="•"/>
+              <a:defRPr sz="1800" kern="1200">
+                <a:solidFill>
+                  <a:schemeClr val="tx1"/>
+                </a:solidFill>
+                <a:latin typeface="+mn-lt"/>
+                <a:ea typeface="+mn-ea"/>
+                <a:cs typeface="+mn-cs"/>
+              </a:defRPr>
+            </a:lvl8pPr>
+            <a:lvl9pPr marL="3886200" indent="-228600" algn="l" defTabSz="914400" rtl="0" eaLnBrk="1" latinLnBrk="0" hangingPunct="1">
+              <a:lnSpc>
+                <a:spcPct val="90000"/>
+              </a:lnSpc>
+              <a:spcBef>
+                <a:spcPts val="500"/>
+              </a:spcBef>
+              <a:buFont typeface="Arial" panose="020B0604020202020204" pitchFamily="34" charset="0"/>
+              <a:buChar char="•"/>
+              <a:defRPr sz="1800" kern="1200">
+                <a:solidFill>
+                  <a:schemeClr val="tx1"/>
+                </a:solidFill>
+                <a:latin typeface="+mn-lt"/>
+                <a:ea typeface="+mn-ea"/>
+                <a:cs typeface="+mn-cs"/>
+              </a:defRPr>
+            </a:lvl9pPr>
+          </a:lstStyle>
           <a:p>
             <a:r>
               <a:rPr lang="en-US" dirty="0"/>
-              <a:t>Movie Population Selected for Analysis</a:t>
-            </a:r>
-          </a:p>
-        </p:txBody>
-      </p:sp>
-      <p:sp>
-        <p:nvSpPr>
-          <p:cNvPr id="3" name="Content Placeholder 2">
-            <a:extLst>
-              <a:ext uri="{FF2B5EF4-FFF2-40B4-BE49-F238E27FC236}">
-                <a16:creationId xmlns:a16="http://schemas.microsoft.com/office/drawing/2014/main" id="{A07FB5AD-9E5E-4864-96DD-733A8CAB0928}"/>
-              </a:ext>
-            </a:extLst>
-          </p:cNvPr>
-          <p:cNvSpPr>
-            <a:spLocks noGrp="1"/>
-          </p:cNvSpPr>
-          <p:nvPr>
-            <p:ph idx="1"/>
-          </p:nvPr>
-        </p:nvSpPr>
-        <p:spPr/>
-        <p:txBody>
-          <a:bodyPr/>
-          <a:lstStyle/>
-          <a:p>
-            <a:r>
-              <a:rPr lang="en-US" sz="4000" dirty="0"/>
               <a:t>31 movies released with one primary character lead during 2008 – 2019</a:t>
             </a:r>
           </a:p>
           <a:p>
             <a:r>
-              <a:rPr lang="en-US" sz="4000" dirty="0"/>
+              <a:rPr lang="en-US" dirty="0"/>
               <a:t>Ranked movies by US Sales (adjusted for inflation)</a:t>
             </a:r>
           </a:p>
           <a:p>
             <a:r>
-              <a:rPr lang="en-US" sz="4000" dirty="0"/>
+              <a:rPr lang="en-US" dirty="0"/>
               <a:t>Ranked movies by Rotten Tomato ratings (popular with viewers)</a:t>
             </a:r>
-          </a:p>
-          <a:p>
-            <a:endParaRPr lang="en-US" dirty="0"/>
           </a:p>
         </p:txBody>
       </p:sp>
@@ -8492,34 +11981,6 @@
           <a:chExt cx="0" cy="0"/>
         </a:xfrm>
       </p:grpSpPr>
-      <p:sp>
-        <p:nvSpPr>
-          <p:cNvPr id="2" name="Title 1">
-            <a:extLst>
-              <a:ext uri="{FF2B5EF4-FFF2-40B4-BE49-F238E27FC236}">
-                <a16:creationId xmlns:a16="http://schemas.microsoft.com/office/drawing/2014/main" id="{B79C4028-B7C4-4DEB-863D-D4ED11AAF63B}"/>
-              </a:ext>
-            </a:extLst>
-          </p:cNvPr>
-          <p:cNvSpPr>
-            <a:spLocks noGrp="1"/>
-          </p:cNvSpPr>
-          <p:nvPr>
-            <p:ph type="title"/>
-          </p:nvPr>
-        </p:nvSpPr>
-        <p:spPr/>
-        <p:txBody>
-          <a:bodyPr/>
-          <a:lstStyle/>
-          <a:p>
-            <a:r>
-              <a:rPr lang="en-US" dirty="0"/>
-              <a:t>Ranking of Superhero movies by U. S. box office sales</a:t>
-            </a:r>
-          </a:p>
-        </p:txBody>
-      </p:sp>
       <p:pic>
         <p:nvPicPr>
           <p:cNvPr id="5" name="Content Placeholder 4">
@@ -8550,11 +12011,65 @@
         </p:blipFill>
         <p:spPr>
           <a:xfrm>
-            <a:off x="838200" y="2248694"/>
-            <a:ext cx="10515600" cy="3505200"/>
+            <a:off x="1524" y="2816252"/>
+            <a:ext cx="12188952" cy="4062984"/>
           </a:xfrm>
         </p:spPr>
       </p:pic>
+      <p:sp>
+        <p:nvSpPr>
+          <p:cNvPr id="4" name="Title 1">
+            <a:extLst>
+              <a:ext uri="{FF2B5EF4-FFF2-40B4-BE49-F238E27FC236}">
+                <a16:creationId xmlns:a16="http://schemas.microsoft.com/office/drawing/2014/main" id="{92DFE172-7A20-470E-A634-70715065B669}"/>
+              </a:ext>
+            </a:extLst>
+          </p:cNvPr>
+          <p:cNvSpPr txBox="1">
+            <a:spLocks/>
+          </p:cNvSpPr>
+          <p:nvPr/>
+        </p:nvSpPr>
+        <p:spPr>
+          <a:xfrm>
+            <a:off x="0" y="0"/>
+            <a:ext cx="12190476" cy="1143000"/>
+          </a:xfrm>
+          <a:prstGeom prst="rect">
+            <a:avLst/>
+          </a:prstGeom>
+        </p:spPr>
+        <p:txBody>
+          <a:bodyPr vert="horz" lIns="91440" tIns="45720" rIns="91440" bIns="45720" rtlCol="0" anchor="ctr">
+            <a:noAutofit/>
+          </a:bodyPr>
+          <a:lstStyle>
+            <a:lvl1pPr algn="l" defTabSz="914400" rtl="0" eaLnBrk="1" latinLnBrk="0" hangingPunct="1">
+              <a:lnSpc>
+                <a:spcPct val="90000"/>
+              </a:lnSpc>
+              <a:spcBef>
+                <a:spcPct val="0"/>
+              </a:spcBef>
+              <a:buNone/>
+              <a:defRPr sz="4400" kern="1200">
+                <a:solidFill>
+                  <a:schemeClr val="tx1"/>
+                </a:solidFill>
+                <a:latin typeface="+mj-lt"/>
+                <a:ea typeface="+mj-ea"/>
+                <a:cs typeface="+mj-cs"/>
+              </a:defRPr>
+            </a:lvl1pPr>
+          </a:lstStyle>
+          <a:p>
+            <a:r>
+              <a:rPr lang="en-US" b="1" dirty="0"/>
+              <a:t>Superhero Movies by U.S. Box Office Sales</a:t>
+            </a:r>
+          </a:p>
+        </p:txBody>
+      </p:sp>
     </p:spTree>
     <p:extLst>
       <p:ext uri="{BB962C8B-B14F-4D97-AF65-F5344CB8AC3E}">
@@ -8585,34 +12100,6 @@
           <a:chExt cx="0" cy="0"/>
         </a:xfrm>
       </p:grpSpPr>
-      <p:sp>
-        <p:nvSpPr>
-          <p:cNvPr id="2" name="Title 1">
-            <a:extLst>
-              <a:ext uri="{FF2B5EF4-FFF2-40B4-BE49-F238E27FC236}">
-                <a16:creationId xmlns:a16="http://schemas.microsoft.com/office/drawing/2014/main" id="{2E7F0846-9752-45BE-98B2-2D21CEF47A54}"/>
-              </a:ext>
-            </a:extLst>
-          </p:cNvPr>
-          <p:cNvSpPr>
-            <a:spLocks noGrp="1"/>
-          </p:cNvSpPr>
-          <p:nvPr>
-            <p:ph type="title"/>
-          </p:nvPr>
-        </p:nvSpPr>
-        <p:spPr/>
-        <p:txBody>
-          <a:bodyPr/>
-          <a:lstStyle/>
-          <a:p>
-            <a:r>
-              <a:rPr lang="en-US" dirty="0"/>
-              <a:t>Ranking of Superhero movies by viewer rating (Rotten Tomatoes)</a:t>
-            </a:r>
-          </a:p>
-        </p:txBody>
-      </p:sp>
       <p:pic>
         <p:nvPicPr>
           <p:cNvPr id="5" name="Content Placeholder 4">
@@ -8643,11 +12130,65 @@
         </p:blipFill>
         <p:spPr>
           <a:xfrm>
-            <a:off x="838200" y="2248694"/>
-            <a:ext cx="10515600" cy="3505200"/>
+            <a:off x="1524" y="2795016"/>
+            <a:ext cx="12188952" cy="4062984"/>
           </a:xfrm>
         </p:spPr>
       </p:pic>
+      <p:sp>
+        <p:nvSpPr>
+          <p:cNvPr id="4" name="Title 1">
+            <a:extLst>
+              <a:ext uri="{FF2B5EF4-FFF2-40B4-BE49-F238E27FC236}">
+                <a16:creationId xmlns:a16="http://schemas.microsoft.com/office/drawing/2014/main" id="{1213B23F-5B04-45E8-B15B-1C1B8628328B}"/>
+              </a:ext>
+            </a:extLst>
+          </p:cNvPr>
+          <p:cNvSpPr txBox="1">
+            <a:spLocks/>
+          </p:cNvSpPr>
+          <p:nvPr/>
+        </p:nvSpPr>
+        <p:spPr>
+          <a:xfrm>
+            <a:off x="0" y="0"/>
+            <a:ext cx="12190476" cy="1143000"/>
+          </a:xfrm>
+          <a:prstGeom prst="rect">
+            <a:avLst/>
+          </a:prstGeom>
+        </p:spPr>
+        <p:txBody>
+          <a:bodyPr vert="horz" lIns="91440" tIns="45720" rIns="91440" bIns="45720" rtlCol="0" anchor="ctr">
+            <a:noAutofit/>
+          </a:bodyPr>
+          <a:lstStyle>
+            <a:lvl1pPr algn="l" defTabSz="914400" rtl="0" eaLnBrk="1" latinLnBrk="0" hangingPunct="1">
+              <a:lnSpc>
+                <a:spcPct val="90000"/>
+              </a:lnSpc>
+              <a:spcBef>
+                <a:spcPct val="0"/>
+              </a:spcBef>
+              <a:buNone/>
+              <a:defRPr sz="4400" kern="1200">
+                <a:solidFill>
+                  <a:schemeClr val="tx1"/>
+                </a:solidFill>
+                <a:latin typeface="+mj-lt"/>
+                <a:ea typeface="+mj-ea"/>
+                <a:cs typeface="+mj-cs"/>
+              </a:defRPr>
+            </a:lvl1pPr>
+          </a:lstStyle>
+          <a:p>
+            <a:r>
+              <a:rPr lang="en-US" b="1" dirty="0"/>
+              <a:t>Superhero movies by viewer rating (Rotten Tomatoes)</a:t>
+            </a:r>
+          </a:p>
+        </p:txBody>
+      </p:sp>
     </p:spTree>
     <p:extLst>
       <p:ext uri="{BB962C8B-B14F-4D97-AF65-F5344CB8AC3E}">
@@ -8680,32 +12221,53 @@
       </p:grpSpPr>
       <p:sp>
         <p:nvSpPr>
-          <p:cNvPr id="2" name="Title 1">
-            <a:extLst>
-              <a:ext uri="{FF2B5EF4-FFF2-40B4-BE49-F238E27FC236}">
-                <a16:creationId xmlns:a16="http://schemas.microsoft.com/office/drawing/2014/main" id="{8FC2768F-07A7-4806-8276-9941AA44B9AB}"/>
-              </a:ext>
-            </a:extLst>
-          </p:cNvPr>
-          <p:cNvSpPr>
-            <a:spLocks noGrp="1"/>
-          </p:cNvSpPr>
-          <p:nvPr>
-            <p:ph type="title"/>
-          </p:nvPr>
+          <p:cNvPr id="4" name="Title 1">
+            <a:extLst>
+              <a:ext uri="{FF2B5EF4-FFF2-40B4-BE49-F238E27FC236}">
+                <a16:creationId xmlns:a16="http://schemas.microsoft.com/office/drawing/2014/main" id="{09DC3709-E7FE-420F-A77F-BEFA2DE9FDEB}"/>
+              </a:ext>
+            </a:extLst>
+          </p:cNvPr>
+          <p:cNvSpPr txBox="1">
+            <a:spLocks/>
+          </p:cNvSpPr>
+          <p:nvPr/>
         </p:nvSpPr>
         <p:spPr>
           <a:xfrm>
-            <a:off x="838200" y="365125"/>
-            <a:ext cx="10515600" cy="911225"/>
+            <a:off x="0" y="0"/>
+            <a:ext cx="12190476" cy="1143000"/>
           </a:xfrm>
+          <a:prstGeom prst="rect">
+            <a:avLst/>
+          </a:prstGeom>
         </p:spPr>
         <p:txBody>
-          <a:bodyPr/>
-          <a:lstStyle/>
-          <a:p>
-            <a:r>
-              <a:rPr lang="en-US" dirty="0"/>
+          <a:bodyPr vert="horz" lIns="91440" tIns="45720" rIns="91440" bIns="45720" rtlCol="0" anchor="ctr">
+            <a:noAutofit/>
+          </a:bodyPr>
+          <a:lstStyle>
+            <a:lvl1pPr algn="l" defTabSz="914400" rtl="0" eaLnBrk="1" latinLnBrk="0" hangingPunct="1">
+              <a:lnSpc>
+                <a:spcPct val="90000"/>
+              </a:lnSpc>
+              <a:spcBef>
+                <a:spcPct val="0"/>
+              </a:spcBef>
+              <a:buNone/>
+              <a:defRPr sz="4400" kern="1200">
+                <a:solidFill>
+                  <a:schemeClr val="tx1"/>
+                </a:solidFill>
+                <a:latin typeface="+mj-lt"/>
+                <a:ea typeface="+mj-ea"/>
+                <a:cs typeface="+mj-cs"/>
+              </a:defRPr>
+            </a:lvl1pPr>
+          </a:lstStyle>
+          <a:p>
+            <a:r>
+              <a:rPr lang="en-US" b="1" dirty="0"/>
               <a:t>Superhero Plots</a:t>
             </a:r>
           </a:p>
@@ -8713,31 +12275,195 @@
       </p:sp>
       <p:sp>
         <p:nvSpPr>
-          <p:cNvPr id="3" name="Content Placeholder 2">
-            <a:extLst>
-              <a:ext uri="{FF2B5EF4-FFF2-40B4-BE49-F238E27FC236}">
-                <a16:creationId xmlns:a16="http://schemas.microsoft.com/office/drawing/2014/main" id="{6699C8A1-69AD-459A-A12D-BAF9EEA18625}"/>
-              </a:ext>
-            </a:extLst>
-          </p:cNvPr>
-          <p:cNvSpPr>
-            <a:spLocks noGrp="1"/>
-          </p:cNvSpPr>
-          <p:nvPr>
-            <p:ph idx="1"/>
-          </p:nvPr>
+          <p:cNvPr id="7" name="Content Placeholder 2">
+            <a:extLst>
+              <a:ext uri="{FF2B5EF4-FFF2-40B4-BE49-F238E27FC236}">
+                <a16:creationId xmlns:a16="http://schemas.microsoft.com/office/drawing/2014/main" id="{A86FB95B-368C-4ADE-8F60-619193FD4290}"/>
+              </a:ext>
+            </a:extLst>
+          </p:cNvPr>
+          <p:cNvSpPr txBox="1">
+            <a:spLocks/>
+          </p:cNvSpPr>
+          <p:nvPr/>
         </p:nvSpPr>
         <p:spPr>
           <a:xfrm>
-            <a:off x="838200" y="1362075"/>
-            <a:ext cx="10515600" cy="4814888"/>
+            <a:off x="1524" y="1143000"/>
+            <a:ext cx="12188952" cy="5714999"/>
           </a:xfrm>
+          <a:prstGeom prst="rect">
+            <a:avLst/>
+          </a:prstGeom>
         </p:spPr>
         <p:txBody>
-          <a:bodyPr>
+          <a:bodyPr vert="horz" lIns="91440" tIns="45720" rIns="91440" bIns="45720" rtlCol="0">
             <a:normAutofit/>
           </a:bodyPr>
-          <a:lstStyle/>
+          <a:lstStyle>
+            <a:lvl1pPr marL="228600" indent="-228600" algn="l" defTabSz="914400" rtl="0" eaLnBrk="1" latinLnBrk="0" hangingPunct="1">
+              <a:lnSpc>
+                <a:spcPct val="90000"/>
+              </a:lnSpc>
+              <a:spcBef>
+                <a:spcPts val="1000"/>
+              </a:spcBef>
+              <a:buFont typeface="Arial" panose="020B0604020202020204" pitchFamily="34" charset="0"/>
+              <a:buChar char="•"/>
+              <a:defRPr sz="2800" kern="1200">
+                <a:solidFill>
+                  <a:schemeClr val="tx1"/>
+                </a:solidFill>
+                <a:latin typeface="+mn-lt"/>
+                <a:ea typeface="+mn-ea"/>
+                <a:cs typeface="+mn-cs"/>
+              </a:defRPr>
+            </a:lvl1pPr>
+            <a:lvl2pPr marL="685800" indent="-228600" algn="l" defTabSz="914400" rtl="0" eaLnBrk="1" latinLnBrk="0" hangingPunct="1">
+              <a:lnSpc>
+                <a:spcPct val="90000"/>
+              </a:lnSpc>
+              <a:spcBef>
+                <a:spcPts val="500"/>
+              </a:spcBef>
+              <a:buFont typeface="Arial" panose="020B0604020202020204" pitchFamily="34" charset="0"/>
+              <a:buChar char="•"/>
+              <a:defRPr sz="2400" kern="1200">
+                <a:solidFill>
+                  <a:schemeClr val="tx1"/>
+                </a:solidFill>
+                <a:latin typeface="+mn-lt"/>
+                <a:ea typeface="+mn-ea"/>
+                <a:cs typeface="+mn-cs"/>
+              </a:defRPr>
+            </a:lvl2pPr>
+            <a:lvl3pPr marL="1143000" indent="-228600" algn="l" defTabSz="914400" rtl="0" eaLnBrk="1" latinLnBrk="0" hangingPunct="1">
+              <a:lnSpc>
+                <a:spcPct val="90000"/>
+              </a:lnSpc>
+              <a:spcBef>
+                <a:spcPts val="500"/>
+              </a:spcBef>
+              <a:buFont typeface="Arial" panose="020B0604020202020204" pitchFamily="34" charset="0"/>
+              <a:buChar char="•"/>
+              <a:defRPr sz="2000" kern="1200">
+                <a:solidFill>
+                  <a:schemeClr val="tx1"/>
+                </a:solidFill>
+                <a:latin typeface="+mn-lt"/>
+                <a:ea typeface="+mn-ea"/>
+                <a:cs typeface="+mn-cs"/>
+              </a:defRPr>
+            </a:lvl3pPr>
+            <a:lvl4pPr marL="1600200" indent="-228600" algn="l" defTabSz="914400" rtl="0" eaLnBrk="1" latinLnBrk="0" hangingPunct="1">
+              <a:lnSpc>
+                <a:spcPct val="90000"/>
+              </a:lnSpc>
+              <a:spcBef>
+                <a:spcPts val="500"/>
+              </a:spcBef>
+              <a:buFont typeface="Arial" panose="020B0604020202020204" pitchFamily="34" charset="0"/>
+              <a:buChar char="•"/>
+              <a:defRPr sz="1800" kern="1200">
+                <a:solidFill>
+                  <a:schemeClr val="tx1"/>
+                </a:solidFill>
+                <a:latin typeface="+mn-lt"/>
+                <a:ea typeface="+mn-ea"/>
+                <a:cs typeface="+mn-cs"/>
+              </a:defRPr>
+            </a:lvl4pPr>
+            <a:lvl5pPr marL="2057400" indent="-228600" algn="l" defTabSz="914400" rtl="0" eaLnBrk="1" latinLnBrk="0" hangingPunct="1">
+              <a:lnSpc>
+                <a:spcPct val="90000"/>
+              </a:lnSpc>
+              <a:spcBef>
+                <a:spcPts val="500"/>
+              </a:spcBef>
+              <a:buFont typeface="Arial" panose="020B0604020202020204" pitchFamily="34" charset="0"/>
+              <a:buChar char="•"/>
+              <a:defRPr sz="1800" kern="1200">
+                <a:solidFill>
+                  <a:schemeClr val="tx1"/>
+                </a:solidFill>
+                <a:latin typeface="+mn-lt"/>
+                <a:ea typeface="+mn-ea"/>
+                <a:cs typeface="+mn-cs"/>
+              </a:defRPr>
+            </a:lvl5pPr>
+            <a:lvl6pPr marL="2514600" indent="-228600" algn="l" defTabSz="914400" rtl="0" eaLnBrk="1" latinLnBrk="0" hangingPunct="1">
+              <a:lnSpc>
+                <a:spcPct val="90000"/>
+              </a:lnSpc>
+              <a:spcBef>
+                <a:spcPts val="500"/>
+              </a:spcBef>
+              <a:buFont typeface="Arial" panose="020B0604020202020204" pitchFamily="34" charset="0"/>
+              <a:buChar char="•"/>
+              <a:defRPr sz="1800" kern="1200">
+                <a:solidFill>
+                  <a:schemeClr val="tx1"/>
+                </a:solidFill>
+                <a:latin typeface="+mn-lt"/>
+                <a:ea typeface="+mn-ea"/>
+                <a:cs typeface="+mn-cs"/>
+              </a:defRPr>
+            </a:lvl6pPr>
+            <a:lvl7pPr marL="2971800" indent="-228600" algn="l" defTabSz="914400" rtl="0" eaLnBrk="1" latinLnBrk="0" hangingPunct="1">
+              <a:lnSpc>
+                <a:spcPct val="90000"/>
+              </a:lnSpc>
+              <a:spcBef>
+                <a:spcPts val="500"/>
+              </a:spcBef>
+              <a:buFont typeface="Arial" panose="020B0604020202020204" pitchFamily="34" charset="0"/>
+              <a:buChar char="•"/>
+              <a:defRPr sz="1800" kern="1200">
+                <a:solidFill>
+                  <a:schemeClr val="tx1"/>
+                </a:solidFill>
+                <a:latin typeface="+mn-lt"/>
+                <a:ea typeface="+mn-ea"/>
+                <a:cs typeface="+mn-cs"/>
+              </a:defRPr>
+            </a:lvl7pPr>
+            <a:lvl8pPr marL="3429000" indent="-228600" algn="l" defTabSz="914400" rtl="0" eaLnBrk="1" latinLnBrk="0" hangingPunct="1">
+              <a:lnSpc>
+                <a:spcPct val="90000"/>
+              </a:lnSpc>
+              <a:spcBef>
+                <a:spcPts val="500"/>
+              </a:spcBef>
+              <a:buFont typeface="Arial" panose="020B0604020202020204" pitchFamily="34" charset="0"/>
+              <a:buChar char="•"/>
+              <a:defRPr sz="1800" kern="1200">
+                <a:solidFill>
+                  <a:schemeClr val="tx1"/>
+                </a:solidFill>
+                <a:latin typeface="+mn-lt"/>
+                <a:ea typeface="+mn-ea"/>
+                <a:cs typeface="+mn-cs"/>
+              </a:defRPr>
+            </a:lvl8pPr>
+            <a:lvl9pPr marL="3886200" indent="-228600" algn="l" defTabSz="914400" rtl="0" eaLnBrk="1" latinLnBrk="0" hangingPunct="1">
+              <a:lnSpc>
+                <a:spcPct val="90000"/>
+              </a:lnSpc>
+              <a:spcBef>
+                <a:spcPts val="500"/>
+              </a:spcBef>
+              <a:buFont typeface="Arial" panose="020B0604020202020204" pitchFamily="34" charset="0"/>
+              <a:buChar char="•"/>
+              <a:defRPr sz="1800" kern="1200">
+                <a:solidFill>
+                  <a:schemeClr val="tx1"/>
+                </a:solidFill>
+                <a:latin typeface="+mn-lt"/>
+                <a:ea typeface="+mn-ea"/>
+                <a:cs typeface="+mn-cs"/>
+              </a:defRPr>
+            </a:lvl9pPr>
+          </a:lstStyle>
           <a:p>
             <a:r>
               <a:rPr lang="en-US" sz="3600" dirty="0"/>
@@ -8763,17 +12489,14 @@
             </a:r>
           </a:p>
           <a:p>
-            <a:pPr lvl="1"/>
-            <a:r>
-              <a:rPr lang="en-US" sz="3600" dirty="0"/>
+            <a:pPr marL="741363" lvl="1" indent="-520700">
+              <a:buFont typeface="Calibri" panose="020F0502020204030204" pitchFamily="34" charset="0"/>
+              <a:buChar char="‒"/>
+            </a:pPr>
+            <a:r>
+              <a:rPr lang="en-US" sz="3200" dirty="0"/>
               <a:t>Wonder Woman was included in the top 5 for both sales and ratings</a:t>
             </a:r>
-          </a:p>
-          <a:p>
-            <a:endParaRPr lang="en-US" dirty="0"/>
-          </a:p>
-          <a:p>
-            <a:endParaRPr lang="en-US" dirty="0"/>
           </a:p>
         </p:txBody>
       </p:sp>
@@ -8807,34 +12530,6 @@
           <a:chExt cx="0" cy="0"/>
         </a:xfrm>
       </p:grpSpPr>
-      <p:sp>
-        <p:nvSpPr>
-          <p:cNvPr id="2" name="Title 1">
-            <a:extLst>
-              <a:ext uri="{FF2B5EF4-FFF2-40B4-BE49-F238E27FC236}">
-                <a16:creationId xmlns:a16="http://schemas.microsoft.com/office/drawing/2014/main" id="{43FB5F5F-3BA8-450F-AF65-6B27EA2EF43B}"/>
-              </a:ext>
-            </a:extLst>
-          </p:cNvPr>
-          <p:cNvSpPr>
-            <a:spLocks noGrp="1"/>
-          </p:cNvSpPr>
-          <p:nvPr>
-            <p:ph type="title"/>
-          </p:nvPr>
-        </p:nvSpPr>
-        <p:spPr/>
-        <p:txBody>
-          <a:bodyPr/>
-          <a:lstStyle/>
-          <a:p>
-            <a:r>
-              <a:rPr lang="en-US" dirty="0"/>
-              <a:t>Average US Sales by Superhero</a:t>
-            </a:r>
-          </a:p>
-        </p:txBody>
-      </p:sp>
       <p:pic>
         <p:nvPicPr>
           <p:cNvPr id="5" name="Content Placeholder 4">
@@ -8865,11 +12560,65 @@
         </p:blipFill>
         <p:spPr>
           <a:xfrm>
-            <a:off x="838200" y="2248694"/>
-            <a:ext cx="10515600" cy="3505200"/>
+            <a:off x="1524" y="2795016"/>
+            <a:ext cx="12188952" cy="4062984"/>
           </a:xfrm>
         </p:spPr>
       </p:pic>
+      <p:sp>
+        <p:nvSpPr>
+          <p:cNvPr id="4" name="Title 1">
+            <a:extLst>
+              <a:ext uri="{FF2B5EF4-FFF2-40B4-BE49-F238E27FC236}">
+                <a16:creationId xmlns:a16="http://schemas.microsoft.com/office/drawing/2014/main" id="{AFA76F73-E11D-44FE-9343-E27C04DDF2DF}"/>
+              </a:ext>
+            </a:extLst>
+          </p:cNvPr>
+          <p:cNvSpPr txBox="1">
+            <a:spLocks/>
+          </p:cNvSpPr>
+          <p:nvPr/>
+        </p:nvSpPr>
+        <p:spPr>
+          <a:xfrm>
+            <a:off x="0" y="0"/>
+            <a:ext cx="12190476" cy="1143000"/>
+          </a:xfrm>
+          <a:prstGeom prst="rect">
+            <a:avLst/>
+          </a:prstGeom>
+        </p:spPr>
+        <p:txBody>
+          <a:bodyPr vert="horz" lIns="91440" tIns="45720" rIns="91440" bIns="45720" rtlCol="0" anchor="ctr">
+            <a:noAutofit/>
+          </a:bodyPr>
+          <a:lstStyle>
+            <a:lvl1pPr algn="l" defTabSz="914400" rtl="0" eaLnBrk="1" latinLnBrk="0" hangingPunct="1">
+              <a:lnSpc>
+                <a:spcPct val="90000"/>
+              </a:lnSpc>
+              <a:spcBef>
+                <a:spcPct val="0"/>
+              </a:spcBef>
+              <a:buNone/>
+              <a:defRPr sz="4400" kern="1200">
+                <a:solidFill>
+                  <a:schemeClr val="tx1"/>
+                </a:solidFill>
+                <a:latin typeface="+mj-lt"/>
+                <a:ea typeface="+mj-ea"/>
+                <a:cs typeface="+mj-cs"/>
+              </a:defRPr>
+            </a:lvl1pPr>
+          </a:lstStyle>
+          <a:p>
+            <a:r>
+              <a:rPr lang="en-US" b="1" dirty="0"/>
+              <a:t>Average U.S. Sales by Superhero</a:t>
+            </a:r>
+          </a:p>
+        </p:txBody>
+      </p:sp>
     </p:spTree>
     <p:extLst>
       <p:ext uri="{BB962C8B-B14F-4D97-AF65-F5344CB8AC3E}">

--- a/Project_1_Superheros.pptx
+++ b/Project_1_Superheros.pptx
@@ -6129,78 +6129,6 @@
           </a:xfrm>
         </p:spPr>
       </p:pic>
-      <p:pic>
-        <p:nvPicPr>
-          <p:cNvPr id="4" name="Content Placeholder 4">
-            <a:extLst>
-              <a:ext uri="{FF2B5EF4-FFF2-40B4-BE49-F238E27FC236}">
-                <a16:creationId xmlns:a16="http://schemas.microsoft.com/office/drawing/2014/main" id="{9CEABF51-7D0B-454B-9D97-8A53BAA62BB8}"/>
-              </a:ext>
-            </a:extLst>
-          </p:cNvPr>
-          <p:cNvPicPr>
-            <a:picLocks noChangeAspect="1"/>
-          </p:cNvPicPr>
-          <p:nvPr/>
-        </p:nvPicPr>
-        <p:blipFill>
-          <a:blip r:embed="rId4">
-            <a:extLst>
-              <a:ext uri="{28A0092B-C50C-407E-A947-70E740481C1C}">
-                <a14:useLocalDpi xmlns:a14="http://schemas.microsoft.com/office/drawing/2010/main" val="0"/>
-              </a:ext>
-            </a:extLst>
-          </a:blip>
-          <a:stretch>
-            <a:fillRect/>
-          </a:stretch>
-        </p:blipFill>
-        <p:spPr>
-          <a:xfrm>
-            <a:off x="3772523" y="4151258"/>
-            <a:ext cx="4526228" cy="2711191"/>
-          </a:xfrm>
-          <a:prstGeom prst="rect">
-            <a:avLst/>
-          </a:prstGeom>
-        </p:spPr>
-      </p:pic>
-      <p:pic>
-        <p:nvPicPr>
-          <p:cNvPr id="6" name="Content Placeholder 4">
-            <a:extLst>
-              <a:ext uri="{FF2B5EF4-FFF2-40B4-BE49-F238E27FC236}">
-                <a16:creationId xmlns:a16="http://schemas.microsoft.com/office/drawing/2014/main" id="{2ADA9752-A5B8-42A4-B558-C66AB7EEF50D}"/>
-              </a:ext>
-            </a:extLst>
-          </p:cNvPr>
-          <p:cNvPicPr>
-            <a:picLocks noChangeAspect="1"/>
-          </p:cNvPicPr>
-          <p:nvPr/>
-        </p:nvPicPr>
-        <p:blipFill>
-          <a:blip r:embed="rId5">
-            <a:extLst>
-              <a:ext uri="{28A0092B-C50C-407E-A947-70E740481C1C}">
-                <a14:useLocalDpi xmlns:a14="http://schemas.microsoft.com/office/drawing/2010/main" val="0"/>
-              </a:ext>
-            </a:extLst>
-          </a:blip>
-          <a:stretch>
-            <a:fillRect/>
-          </a:stretch>
-        </p:blipFill>
-        <p:spPr>
-          <a:xfrm>
-            <a:off x="8125213" y="4151258"/>
-            <a:ext cx="4066787" cy="2711191"/>
-          </a:xfrm>
-          <a:prstGeom prst="rect">
-            <a:avLst/>
-          </a:prstGeom>
-        </p:spPr>
-      </p:pic>
       <p:sp>
         <p:nvSpPr>
           <p:cNvPr id="8" name="Title 1">
@@ -6466,6 +6394,78 @@
           </a:p>
         </p:txBody>
       </p:sp>
+      <p:pic>
+        <p:nvPicPr>
+          <p:cNvPr id="3" name="Picture 2" descr="A screenshot of a cell phone&#10;&#10;Description generated with very high confidence">
+            <a:extLst>
+              <a:ext uri="{FF2B5EF4-FFF2-40B4-BE49-F238E27FC236}">
+                <a16:creationId xmlns:a16="http://schemas.microsoft.com/office/drawing/2014/main" id="{DD45681B-A3E3-4939-8D6C-B680064CF9F3}"/>
+              </a:ext>
+            </a:extLst>
+          </p:cNvPr>
+          <p:cNvPicPr>
+            <a:picLocks noChangeAspect="1"/>
+          </p:cNvPicPr>
+          <p:nvPr/>
+        </p:nvPicPr>
+        <p:blipFill>
+          <a:blip r:embed="rId4">
+            <a:extLst>
+              <a:ext uri="{28A0092B-C50C-407E-A947-70E740481C1C}">
+                <a14:useLocalDpi xmlns:a14="http://schemas.microsoft.com/office/drawing/2010/main" val="0"/>
+              </a:ext>
+            </a:extLst>
+          </a:blip>
+          <a:stretch>
+            <a:fillRect/>
+          </a:stretch>
+        </p:blipFill>
+        <p:spPr>
+          <a:xfrm>
+            <a:off x="8122920" y="4145280"/>
+            <a:ext cx="4069080" cy="2712720"/>
+          </a:xfrm>
+          <a:prstGeom prst="rect">
+            <a:avLst/>
+          </a:prstGeom>
+        </p:spPr>
+      </p:pic>
+      <p:pic>
+        <p:nvPicPr>
+          <p:cNvPr id="9" name="Picture 8" descr="A screenshot of a cell phone&#10;&#10;Description generated with very high confidence">
+            <a:extLst>
+              <a:ext uri="{FF2B5EF4-FFF2-40B4-BE49-F238E27FC236}">
+                <a16:creationId xmlns:a16="http://schemas.microsoft.com/office/drawing/2014/main" id="{B94A1C36-BCC2-4B88-8CF5-4C69971ACF0C}"/>
+              </a:ext>
+            </a:extLst>
+          </p:cNvPr>
+          <p:cNvPicPr>
+            <a:picLocks noChangeAspect="1"/>
+          </p:cNvPicPr>
+          <p:nvPr/>
+        </p:nvPicPr>
+        <p:blipFill>
+          <a:blip r:embed="rId5">
+            <a:extLst>
+              <a:ext uri="{28A0092B-C50C-407E-A947-70E740481C1C}">
+                <a14:useLocalDpi xmlns:a14="http://schemas.microsoft.com/office/drawing/2010/main" val="0"/>
+              </a:ext>
+            </a:extLst>
+          </a:blip>
+          <a:stretch>
+            <a:fillRect/>
+          </a:stretch>
+        </p:blipFill>
+        <p:spPr>
+          <a:xfrm>
+            <a:off x="4059174" y="4142232"/>
+            <a:ext cx="4073652" cy="2715768"/>
+          </a:xfrm>
+          <a:prstGeom prst="rect">
+            <a:avLst/>
+          </a:prstGeom>
+        </p:spPr>
+      </p:pic>
     </p:spTree>
     <p:extLst>
       <p:ext uri="{BB962C8B-B14F-4D97-AF65-F5344CB8AC3E}">
@@ -6529,6 +6529,9 @@
             <a:off x="0" y="4161481"/>
             <a:ext cx="4059936" cy="2706624"/>
           </a:xfrm>
+          <a:ln>
+            <a:noFill/>
+          </a:ln>
         </p:spPr>
       </p:pic>
       <p:pic>
@@ -6537,6 +6540,44 @@
             <a:extLst>
               <a:ext uri="{FF2B5EF4-FFF2-40B4-BE49-F238E27FC236}">
                 <a16:creationId xmlns:a16="http://schemas.microsoft.com/office/drawing/2014/main" id="{968E9687-C622-4530-BA5B-7F2E95490847}"/>
+              </a:ext>
+            </a:extLst>
+          </p:cNvPr>
+          <p:cNvPicPr>
+            <a:picLocks noChangeAspect="1"/>
+          </p:cNvPicPr>
+          <p:nvPr/>
+        </p:nvPicPr>
+        <p:blipFill rotWithShape="1">
+          <a:blip r:embed="rId4">
+            <a:extLst>
+              <a:ext uri="{28A0092B-C50C-407E-A947-70E740481C1C}">
+                <a14:useLocalDpi xmlns:a14="http://schemas.microsoft.com/office/drawing/2010/main" val="0"/>
+              </a:ext>
+            </a:extLst>
+          </a:blip>
+          <a:srcRect b="225"/>
+          <a:stretch/>
+        </p:blipFill>
+        <p:spPr>
+          <a:xfrm>
+            <a:off x="4055103" y="4161481"/>
+            <a:ext cx="4069080" cy="2706624"/>
+          </a:xfrm>
+          <a:prstGeom prst="rect">
+            <a:avLst/>
+          </a:prstGeom>
+          <a:ln>
+            <a:noFill/>
+          </a:ln>
+        </p:spPr>
+      </p:pic>
+      <p:pic>
+        <p:nvPicPr>
+          <p:cNvPr id="9" name="Content Placeholder 6" descr="A screenshot of a cell phone&#10;&#10;Description generated with very high confidence">
+            <a:extLst>
+              <a:ext uri="{FF2B5EF4-FFF2-40B4-BE49-F238E27FC236}">
+                <a16:creationId xmlns:a16="http://schemas.microsoft.com/office/drawing/2014/main" id="{BD7D426B-74D0-4A24-B9D3-C294D24C5576}"/>
               </a:ext>
             </a:extLst>
           </p:cNvPr>
@@ -6546,7 +6587,7 @@
           <p:nvPr/>
         </p:nvPicPr>
         <p:blipFill>
-          <a:blip r:embed="rId4">
+          <a:blip r:embed="rId5">
             <a:extLst>
               <a:ext uri="{28A0092B-C50C-407E-A947-70E740481C1C}">
                 <a14:useLocalDpi xmlns:a14="http://schemas.microsoft.com/office/drawing/2010/main" val="0"/>
@@ -6559,43 +6600,7 @@
         </p:blipFill>
         <p:spPr>
           <a:xfrm>
-            <a:off x="4070604" y="4161481"/>
-            <a:ext cx="4059936" cy="2706624"/>
-          </a:xfrm>
-          <a:prstGeom prst="rect">
-            <a:avLst/>
-          </a:prstGeom>
-        </p:spPr>
-      </p:pic>
-      <p:pic>
-        <p:nvPicPr>
-          <p:cNvPr id="9" name="Content Placeholder 6" descr="A screenshot of a cell phone&#10;&#10;Description generated with very high confidence">
-            <a:extLst>
-              <a:ext uri="{FF2B5EF4-FFF2-40B4-BE49-F238E27FC236}">
-                <a16:creationId xmlns:a16="http://schemas.microsoft.com/office/drawing/2014/main" id="{BD7D426B-74D0-4A24-B9D3-C294D24C5576}"/>
-              </a:ext>
-            </a:extLst>
-          </p:cNvPr>
-          <p:cNvPicPr>
-            <a:picLocks noChangeAspect="1"/>
-          </p:cNvPicPr>
-          <p:nvPr/>
-        </p:nvPicPr>
-        <p:blipFill>
-          <a:blip r:embed="rId5">
-            <a:extLst>
-              <a:ext uri="{28A0092B-C50C-407E-A947-70E740481C1C}">
-                <a14:useLocalDpi xmlns:a14="http://schemas.microsoft.com/office/drawing/2010/main" val="0"/>
-              </a:ext>
-            </a:extLst>
-          </a:blip>
-          <a:stretch>
-            <a:fillRect/>
-          </a:stretch>
-        </p:blipFill>
-        <p:spPr>
-          <a:xfrm>
-            <a:off x="8128779" y="4159291"/>
+            <a:off x="8122803" y="4159291"/>
             <a:ext cx="4063221" cy="2708814"/>
           </a:xfrm>
           <a:prstGeom prst="rect">

--- a/Project_1_Superheros.pptx
+++ b/Project_1_Superheros.pptx
@@ -225,7 +225,7 @@
           <a:p>
             <a:fld id="{9C98B144-16DC-4979-9693-C525CA986809}" type="datetimeFigureOut">
               <a:rPr lang="en-US" smtClean="0"/>
-              <a:t>4/14/2019</a:t>
+              <a:t>4/15/2019</a:t>
             </a:fld>
             <a:endParaRPr lang="en-US"/>
           </a:p>
@@ -1784,7 +1784,7 @@
           <a:p>
             <a:fld id="{913DB1DE-0B1F-4B58-83A2-758AD1F56FCE}" type="datetimeFigureOut">
               <a:rPr lang="en-US" smtClean="0"/>
-              <a:t>4/14/2019</a:t>
+              <a:t>4/15/2019</a:t>
             </a:fld>
             <a:endParaRPr lang="en-US"/>
           </a:p>
@@ -1982,7 +1982,7 @@
           <a:p>
             <a:fld id="{913DB1DE-0B1F-4B58-83A2-758AD1F56FCE}" type="datetimeFigureOut">
               <a:rPr lang="en-US" smtClean="0"/>
-              <a:t>4/14/2019</a:t>
+              <a:t>4/15/2019</a:t>
             </a:fld>
             <a:endParaRPr lang="en-US"/>
           </a:p>
@@ -2190,7 +2190,7 @@
           <a:p>
             <a:fld id="{913DB1DE-0B1F-4B58-83A2-758AD1F56FCE}" type="datetimeFigureOut">
               <a:rPr lang="en-US" smtClean="0"/>
-              <a:t>4/14/2019</a:t>
+              <a:t>4/15/2019</a:t>
             </a:fld>
             <a:endParaRPr lang="en-US"/>
           </a:p>
@@ -2388,7 +2388,7 @@
           <a:p>
             <a:fld id="{913DB1DE-0B1F-4B58-83A2-758AD1F56FCE}" type="datetimeFigureOut">
               <a:rPr lang="en-US" smtClean="0"/>
-              <a:t>4/14/2019</a:t>
+              <a:t>4/15/2019</a:t>
             </a:fld>
             <a:endParaRPr lang="en-US"/>
           </a:p>
@@ -2663,7 +2663,7 @@
           <a:p>
             <a:fld id="{913DB1DE-0B1F-4B58-83A2-758AD1F56FCE}" type="datetimeFigureOut">
               <a:rPr lang="en-US" smtClean="0"/>
-              <a:t>4/14/2019</a:t>
+              <a:t>4/15/2019</a:t>
             </a:fld>
             <a:endParaRPr lang="en-US"/>
           </a:p>
@@ -2928,7 +2928,7 @@
           <a:p>
             <a:fld id="{913DB1DE-0B1F-4B58-83A2-758AD1F56FCE}" type="datetimeFigureOut">
               <a:rPr lang="en-US" smtClean="0"/>
-              <a:t>4/14/2019</a:t>
+              <a:t>4/15/2019</a:t>
             </a:fld>
             <a:endParaRPr lang="en-US"/>
           </a:p>
@@ -3340,7 +3340,7 @@
           <a:p>
             <a:fld id="{913DB1DE-0B1F-4B58-83A2-758AD1F56FCE}" type="datetimeFigureOut">
               <a:rPr lang="en-US" smtClean="0"/>
-              <a:t>4/14/2019</a:t>
+              <a:t>4/15/2019</a:t>
             </a:fld>
             <a:endParaRPr lang="en-US"/>
           </a:p>
@@ -3481,7 +3481,7 @@
           <a:p>
             <a:fld id="{913DB1DE-0B1F-4B58-83A2-758AD1F56FCE}" type="datetimeFigureOut">
               <a:rPr lang="en-US" smtClean="0"/>
-              <a:t>4/14/2019</a:t>
+              <a:t>4/15/2019</a:t>
             </a:fld>
             <a:endParaRPr lang="en-US"/>
           </a:p>
@@ -3594,7 +3594,7 @@
           <a:p>
             <a:fld id="{913DB1DE-0B1F-4B58-83A2-758AD1F56FCE}" type="datetimeFigureOut">
               <a:rPr lang="en-US" smtClean="0"/>
-              <a:t>4/14/2019</a:t>
+              <a:t>4/15/2019</a:t>
             </a:fld>
             <a:endParaRPr lang="en-US"/>
           </a:p>
@@ -3905,7 +3905,7 @@
           <a:p>
             <a:fld id="{913DB1DE-0B1F-4B58-83A2-758AD1F56FCE}" type="datetimeFigureOut">
               <a:rPr lang="en-US" smtClean="0"/>
-              <a:t>4/14/2019</a:t>
+              <a:t>4/15/2019</a:t>
             </a:fld>
             <a:endParaRPr lang="en-US"/>
           </a:p>
@@ -4193,7 +4193,7 @@
           <a:p>
             <a:fld id="{913DB1DE-0B1F-4B58-83A2-758AD1F56FCE}" type="datetimeFigureOut">
               <a:rPr lang="en-US" smtClean="0"/>
-              <a:t>4/14/2019</a:t>
+              <a:t>4/15/2019</a:t>
             </a:fld>
             <a:endParaRPr lang="en-US"/>
           </a:p>
@@ -4457,7 +4457,7 @@
           <a:p>
             <a:fld id="{913DB1DE-0B1F-4B58-83A2-758AD1F56FCE}" type="datetimeFigureOut">
               <a:rPr lang="en-US" smtClean="0"/>
-              <a:t>4/14/2019</a:t>
+              <a:t>4/15/2019</a:t>
             </a:fld>
             <a:endParaRPr lang="en-US"/>
           </a:p>
@@ -5656,10 +5656,10 @@
       </p:pic>
       <p:sp>
         <p:nvSpPr>
-          <p:cNvPr id="7" name="Content Placeholder 2">
-            <a:extLst>
-              <a:ext uri="{FF2B5EF4-FFF2-40B4-BE49-F238E27FC236}">
-                <a16:creationId xmlns:a16="http://schemas.microsoft.com/office/drawing/2014/main" id="{5C79595F-587D-45C8-88C0-94DAA435648C}"/>
+          <p:cNvPr id="10" name="Content Placeholder 2">
+            <a:extLst>
+              <a:ext uri="{FF2B5EF4-FFF2-40B4-BE49-F238E27FC236}">
+                <a16:creationId xmlns:a16="http://schemas.microsoft.com/office/drawing/2014/main" id="{8237138C-EB6F-481E-BD1E-A835FBAA6691}"/>
               </a:ext>
             </a:extLst>
           </p:cNvPr>
@@ -5670,8 +5670,8 @@
         </p:nvSpPr>
         <p:spPr>
           <a:xfrm>
-            <a:off x="0" y="1159046"/>
-            <a:ext cx="6099048" cy="1635550"/>
+            <a:off x="1524" y="1143000"/>
+            <a:ext cx="6257386" cy="5714999"/>
           </a:xfrm>
           <a:prstGeom prst="rect">
             <a:avLst/>
@@ -5679,7 +5679,7 @@
         </p:spPr>
         <p:txBody>
           <a:bodyPr vert="horz" lIns="91440" tIns="45720" rIns="91440" bIns="45720" rtlCol="0">
-            <a:normAutofit fontScale="85000" lnSpcReduction="10000"/>
+            <a:normAutofit/>
           </a:bodyPr>
           <a:lstStyle>
             <a:lvl1pPr marL="228600" indent="-228600" algn="l" defTabSz="914400" rtl="0" eaLnBrk="1" latinLnBrk="0" hangingPunct="1">
@@ -5847,13 +5847,13 @@
           </a:lstStyle>
           <a:p>
             <a:r>
-              <a:rPr lang="en-US" sz="4000" dirty="0"/>
+              <a:rPr lang="en-US" sz="3600" dirty="0"/>
               <a:t>No correlation between power level and box office sales</a:t>
             </a:r>
           </a:p>
           <a:p>
             <a:r>
-              <a:rPr lang="en-US" sz="4000" dirty="0"/>
+              <a:rPr lang="en-US" sz="3600" dirty="0"/>
               <a:t>Sales: p-value = 0.4051</a:t>
             </a:r>
           </a:p>
@@ -5861,10 +5861,10 @@
       </p:sp>
       <p:sp>
         <p:nvSpPr>
-          <p:cNvPr id="8" name="Content Placeholder 2">
-            <a:extLst>
-              <a:ext uri="{FF2B5EF4-FFF2-40B4-BE49-F238E27FC236}">
-                <a16:creationId xmlns:a16="http://schemas.microsoft.com/office/drawing/2014/main" id="{82E27A72-60D3-4CA5-8F86-E8F83B279343}"/>
+          <p:cNvPr id="11" name="Content Placeholder 2">
+            <a:extLst>
+              <a:ext uri="{FF2B5EF4-FFF2-40B4-BE49-F238E27FC236}">
+                <a16:creationId xmlns:a16="http://schemas.microsoft.com/office/drawing/2014/main" id="{30716FFD-A9B9-4A57-B8F7-19E84F2BAF11}"/>
               </a:ext>
             </a:extLst>
           </p:cNvPr>
@@ -5875,8 +5875,8 @@
         </p:nvSpPr>
         <p:spPr>
           <a:xfrm>
-            <a:off x="6092952" y="1159046"/>
-            <a:ext cx="6099048" cy="1635550"/>
+            <a:off x="6092952" y="1143000"/>
+            <a:ext cx="6099048" cy="5714999"/>
           </a:xfrm>
           <a:prstGeom prst="rect">
             <a:avLst/>
@@ -5884,7 +5884,7 @@
         </p:spPr>
         <p:txBody>
           <a:bodyPr vert="horz" lIns="91440" tIns="45720" rIns="91440" bIns="45720" rtlCol="0">
-            <a:normAutofit fontScale="85000" lnSpcReduction="10000"/>
+            <a:normAutofit/>
           </a:bodyPr>
           <a:lstStyle>
             <a:lvl1pPr marL="228600" indent="-228600" algn="l" defTabSz="914400" rtl="0" eaLnBrk="1" latinLnBrk="0" hangingPunct="1">
@@ -6052,13 +6052,13 @@
           </a:lstStyle>
           <a:p>
             <a:r>
-              <a:rPr lang="en-US" sz="4000" dirty="0"/>
+              <a:rPr lang="en-US" sz="3600" dirty="0"/>
               <a:t>No correlation between power level and viewer ratings</a:t>
             </a:r>
           </a:p>
           <a:p>
             <a:r>
-              <a:rPr lang="en-US" sz="4000" dirty="0"/>
+              <a:rPr lang="en-US" sz="3600" dirty="0"/>
               <a:t>Rating: p-value = 0.9693</a:t>
             </a:r>
           </a:p>
@@ -8498,7 +8498,7 @@
             </a:r>
             <a:r>
               <a:rPr lang="en-US" b="1" dirty="0"/>
-              <a:t>power level, race (human vs. non-human), gender, and alignment</a:t>
+              <a:t>power level, race (human vs. non-human), gender, and alignment (good vs. bad vs. neutral</a:t>
             </a:r>
             <a:r>
               <a:rPr lang="en-US" dirty="0"/>
@@ -11945,7 +11945,7 @@
           <a:p>
             <a:r>
               <a:rPr lang="en-US" dirty="0"/>
-              <a:t>Ranked movies by US Sales (adjusted for inflation)</a:t>
+              <a:t>Ranked movies by U.S. Sales (adjusted for inflation)</a:t>
             </a:r>
           </a:p>
           <a:p>
@@ -12189,7 +12189,7 @@
           <a:p>
             <a:r>
               <a:rPr lang="en-US" b="1" dirty="0"/>
-              <a:t>Superhero movies by viewer rating (Rotten Tomatoes)</a:t>
+              <a:t>Superhero Movies by Viewer Rating (Rotten Tomatoes)</a:t>
             </a:r>
           </a:p>
         </p:txBody>

--- a/Project_1_Superheros.pptx
+++ b/Project_1_Superheros.pptx
@@ -10722,7 +10722,7 @@
                   <a:prstClr val="black"/>
                 </a:solidFill>
               </a:rPr>
-              <a:t>No correlation between Superhero attributes and U.S. sales or ratings</a:t>
+              <a:t>No correlation between superhero attributes and U.S. sales or ratings</a:t>
             </a:r>
           </a:p>
           <a:p>
@@ -10733,29 +10733,7 @@
                   <a:prstClr val="black"/>
                 </a:solidFill>
               </a:rPr>
-              <a:t>There is some variation in international sales depending on the Superhero movie and the Superhero’s attributes</a:t>
-            </a:r>
-          </a:p>
-          <a:p>
-            <a:pPr lvl="0"/>
-            <a:r>
-              <a:rPr lang="en-US" dirty="0">
-                <a:solidFill>
-                  <a:prstClr val="black"/>
-                </a:solidFill>
-              </a:rPr>
-              <a:t>Recent releases in movies with increased diversity appear to do well; however, substantial data to prove this does not yet exist</a:t>
-            </a:r>
-          </a:p>
-          <a:p>
-            <a:pPr lvl="0"/>
-            <a:r>
-              <a:rPr lang="en-US" dirty="0">
-                <a:solidFill>
-                  <a:prstClr val="black"/>
-                </a:solidFill>
-              </a:rPr>
-              <a:t>Two limitations of this project:</a:t>
+              <a:t>There is some variation in international sales depending on the superhero movie and the superhero’s attributes</a:t>
             </a:r>
           </a:p>
           <a:p>
@@ -10765,7 +10743,44 @@
             </a:pPr>
             <a:r>
               <a:rPr lang="en-US" dirty="0"/>
-              <a:t>There are 31 movies with a single lead Superhero</a:t>
+              <a:t>Could be some GDP effects at play but we chose to ignore this due to complexity</a:t>
+            </a:r>
+            <a:endParaRPr lang="en-US" dirty="0">
+              <a:solidFill>
+                <a:prstClr val="black"/>
+              </a:solidFill>
+            </a:endParaRPr>
+          </a:p>
+          <a:p>
+            <a:pPr lvl="0"/>
+            <a:r>
+              <a:rPr lang="en-US" dirty="0">
+                <a:solidFill>
+                  <a:prstClr val="black"/>
+                </a:solidFill>
+              </a:rPr>
+              <a:t>Recent releases in movies with increased diversity appear to do well; however, substantial data to prove this does not yet exist</a:t>
+            </a:r>
+          </a:p>
+          <a:p>
+            <a:pPr lvl="0"/>
+            <a:r>
+              <a:rPr lang="en-US" dirty="0">
+                <a:solidFill>
+                  <a:prstClr val="black"/>
+                </a:solidFill>
+              </a:rPr>
+              <a:t>Two limitations of this project:</a:t>
+            </a:r>
+          </a:p>
+          <a:p>
+            <a:pPr marL="741363" lvl="1" indent="-520700">
+              <a:buFont typeface="Calibri" panose="020F0502020204030204" pitchFamily="34" charset="0"/>
+              <a:buChar char="‒"/>
+            </a:pPr>
+            <a:r>
+              <a:rPr lang="en-US" dirty="0"/>
+              <a:t>There are 31 movies with a single lead superhero</a:t>
             </a:r>
           </a:p>
           <a:p>
